--- a/Zoncon-2017-Sai-Pc-ZCSlides.pptx
+++ b/Zoncon-2017-Sai-Pc-ZCSlides.pptx
@@ -5,11 +5,30 @@
     <p:sldMasterId id="2147483660" r:id="rId4"/>
   </p:sldMasterIdLst>
   <p:notesMasterIdLst>
-    <p:notesMasterId r:id="rId7"/>
+    <p:notesMasterId r:id="rId26"/>
   </p:notesMasterIdLst>
   <p:sldIdLst>
     <p:sldId id="259" r:id="rId5"/>
-    <p:sldId id="258" r:id="rId6"/>
+    <p:sldId id="261" r:id="rId6"/>
+    <p:sldId id="267" r:id="rId7"/>
+    <p:sldId id="262" r:id="rId8"/>
+    <p:sldId id="263" r:id="rId9"/>
+    <p:sldId id="264" r:id="rId10"/>
+    <p:sldId id="265" r:id="rId11"/>
+    <p:sldId id="266" r:id="rId12"/>
+    <p:sldId id="268" r:id="rId13"/>
+    <p:sldId id="285" r:id="rId14"/>
+    <p:sldId id="270" r:id="rId15"/>
+    <p:sldId id="307" r:id="rId16"/>
+    <p:sldId id="288" r:id="rId17"/>
+    <p:sldId id="290" r:id="rId18"/>
+    <p:sldId id="292" r:id="rId19"/>
+    <p:sldId id="298" r:id="rId20"/>
+    <p:sldId id="300" r:id="rId21"/>
+    <p:sldId id="301" r:id="rId22"/>
+    <p:sldId id="304" r:id="rId23"/>
+    <p:sldId id="306" r:id="rId24"/>
+    <p:sldId id="303" r:id="rId25"/>
   </p:sldIdLst>
   <p:sldSz cx="9144000" cy="5715000" type="screen16x10"/>
   <p:notesSz cx="6858000" cy="9144000"/>
@@ -198,7 +217,7 @@
           <a:p>
             <a:fld id="{3D20B095-8FC6-4FFD-B1CE-5387BFA3F168}" type="datetimeFigureOut">
               <a:rPr lang="en-US" smtClean="0"/>
-              <a:t>1/12/2017</a:t>
+              <a:t>1/13/17</a:t>
             </a:fld>
             <a:endParaRPr lang="en-US"/>
           </a:p>
@@ -466,6 +485,2376 @@
 </p:notesMaster>
 </file>
 
+<file path=ppt/notesSlides/notesSlide1.xml><?xml version="1.0" encoding="utf-8"?>
+<p:notes xmlns:a="http://schemas.openxmlformats.org/drawingml/2006/main" xmlns:r="http://schemas.openxmlformats.org/officeDocument/2006/relationships" xmlns:p="http://schemas.openxmlformats.org/presentationml/2006/main">
+  <p:cSld>
+    <p:spTree>
+      <p:nvGrpSpPr>
+        <p:cNvPr id="1" name=""/>
+        <p:cNvGrpSpPr/>
+        <p:nvPr/>
+      </p:nvGrpSpPr>
+      <p:grpSpPr>
+        <a:xfrm>
+          <a:off x="0" y="0"/>
+          <a:ext cx="0" cy="0"/>
+          <a:chOff x="0" y="0"/>
+          <a:chExt cx="0" cy="0"/>
+        </a:xfrm>
+      </p:grpSpPr>
+      <p:sp>
+        <p:nvSpPr>
+          <p:cNvPr id="2" name="Slide Image Placeholder 1"/>
+          <p:cNvSpPr>
+            <a:spLocks noGrp="1" noRot="1" noChangeAspect="1"/>
+          </p:cNvSpPr>
+          <p:nvPr>
+            <p:ph type="sldImg"/>
+          </p:nvPr>
+        </p:nvSpPr>
+        <p:spPr/>
+      </p:sp>
+      <p:sp>
+        <p:nvSpPr>
+          <p:cNvPr id="3" name="Notes Placeholder 2"/>
+          <p:cNvSpPr>
+            <a:spLocks noGrp="1"/>
+          </p:cNvSpPr>
+          <p:nvPr>
+            <p:ph type="body" idx="1"/>
+          </p:nvPr>
+        </p:nvSpPr>
+        <p:spPr/>
+        <p:txBody>
+          <a:bodyPr/>
+          <a:lstStyle/>
+          <a:p>
+            <a:endParaRPr lang="en-US" dirty="0"/>
+          </a:p>
+        </p:txBody>
+      </p:sp>
+      <p:sp>
+        <p:nvSpPr>
+          <p:cNvPr id="4" name="Slide Number Placeholder 3"/>
+          <p:cNvSpPr>
+            <a:spLocks noGrp="1"/>
+          </p:cNvSpPr>
+          <p:nvPr>
+            <p:ph type="sldNum" sz="quarter" idx="10"/>
+          </p:nvPr>
+        </p:nvSpPr>
+        <p:spPr/>
+        <p:txBody>
+          <a:bodyPr/>
+          <a:lstStyle/>
+          <a:p>
+            <a:fld id="{E6E4BBB4-C3E6-4210-888D-95FC20400B6D}" type="slidenum">
+              <a:rPr lang="en-US" smtClean="0"/>
+              <a:t>1</a:t>
+            </a:fld>
+            <a:endParaRPr lang="en-US"/>
+          </a:p>
+        </p:txBody>
+      </p:sp>
+    </p:spTree>
+    <p:extLst>
+      <p:ext uri="{BB962C8B-B14F-4D97-AF65-F5344CB8AC3E}">
+        <p14:creationId xmlns:p14="http://schemas.microsoft.com/office/powerpoint/2010/main" val="564027758"/>
+      </p:ext>
+    </p:extLst>
+  </p:cSld>
+  <p:clrMapOvr>
+    <a:masterClrMapping/>
+  </p:clrMapOvr>
+</p:notes>
+</file>
+
+<file path=ppt/notesSlides/notesSlide10.xml><?xml version="1.0" encoding="utf-8"?>
+<p:notes xmlns:a="http://schemas.openxmlformats.org/drawingml/2006/main" xmlns:r="http://schemas.openxmlformats.org/officeDocument/2006/relationships" xmlns:p="http://schemas.openxmlformats.org/presentationml/2006/main">
+  <p:cSld>
+    <p:spTree>
+      <p:nvGrpSpPr>
+        <p:cNvPr id="1" name=""/>
+        <p:cNvGrpSpPr/>
+        <p:nvPr/>
+      </p:nvGrpSpPr>
+      <p:grpSpPr>
+        <a:xfrm>
+          <a:off x="0" y="0"/>
+          <a:ext cx="0" cy="0"/>
+          <a:chOff x="0" y="0"/>
+          <a:chExt cx="0" cy="0"/>
+        </a:xfrm>
+      </p:grpSpPr>
+      <p:sp>
+        <p:nvSpPr>
+          <p:cNvPr id="2" name="Slide Image Placeholder 1"/>
+          <p:cNvSpPr>
+            <a:spLocks noGrp="1" noRot="1" noChangeAspect="1"/>
+          </p:cNvSpPr>
+          <p:nvPr>
+            <p:ph type="sldImg"/>
+          </p:nvPr>
+        </p:nvSpPr>
+        <p:spPr/>
+      </p:sp>
+      <p:sp>
+        <p:nvSpPr>
+          <p:cNvPr id="3" name="Notes Placeholder 2"/>
+          <p:cNvSpPr>
+            <a:spLocks noGrp="1"/>
+          </p:cNvSpPr>
+          <p:nvPr>
+            <p:ph type="body" idx="1"/>
+          </p:nvPr>
+        </p:nvSpPr>
+        <p:spPr/>
+        <p:txBody>
+          <a:bodyPr/>
+          <a:lstStyle/>
+          <a:p>
+            <a:r>
+              <a:rPr lang="en-US" dirty="0" smtClean="0"/>
+              <a:t>So, in case the ‘bcc’ field is already present as part of the headers, our injected ‘bcc’ header would be ignored. In order to overcome this, we need to inject a new header that has not been seen before. </a:t>
+            </a:r>
+          </a:p>
+        </p:txBody>
+      </p:sp>
+      <p:sp>
+        <p:nvSpPr>
+          <p:cNvPr id="4" name="Slide Number Placeholder 3"/>
+          <p:cNvSpPr>
+            <a:spLocks noGrp="1"/>
+          </p:cNvSpPr>
+          <p:nvPr>
+            <p:ph type="sldNum" sz="quarter" idx="10"/>
+          </p:nvPr>
+        </p:nvSpPr>
+        <p:spPr/>
+        <p:txBody>
+          <a:bodyPr/>
+          <a:lstStyle/>
+          <a:p>
+            <a:pPr>
+              <a:defRPr/>
+            </a:pPr>
+            <a:fld id="{61BDAAEF-ED04-764D-8703-B9BAE45E1C57}" type="slidenum">
+              <a:rPr lang="en-US" altLang="en-US" smtClean="0"/>
+              <a:pPr>
+                <a:defRPr/>
+              </a:pPr>
+              <a:t>10</a:t>
+            </a:fld>
+            <a:endParaRPr lang="en-US" altLang="en-US"/>
+          </a:p>
+        </p:txBody>
+      </p:sp>
+    </p:spTree>
+    <p:extLst>
+      <p:ext uri="{BB962C8B-B14F-4D97-AF65-F5344CB8AC3E}">
+        <p14:creationId xmlns:p14="http://schemas.microsoft.com/office/powerpoint/2010/main" val="625594215"/>
+      </p:ext>
+    </p:extLst>
+  </p:cSld>
+  <p:clrMapOvr>
+    <a:masterClrMapping/>
+  </p:clrMapOvr>
+</p:notes>
+</file>
+
+<file path=ppt/notesSlides/notesSlide11.xml><?xml version="1.0" encoding="utf-8"?>
+<p:notes xmlns:a="http://schemas.openxmlformats.org/drawingml/2006/main" xmlns:r="http://schemas.openxmlformats.org/officeDocument/2006/relationships" xmlns:p="http://schemas.openxmlformats.org/presentationml/2006/main">
+  <p:cSld>
+    <p:spTree>
+      <p:nvGrpSpPr>
+        <p:cNvPr id="1" name=""/>
+        <p:cNvGrpSpPr/>
+        <p:nvPr/>
+      </p:nvGrpSpPr>
+      <p:grpSpPr>
+        <a:xfrm>
+          <a:off x="0" y="0"/>
+          <a:ext cx="0" cy="0"/>
+          <a:chOff x="0" y="0"/>
+          <a:chExt cx="0" cy="0"/>
+        </a:xfrm>
+      </p:grpSpPr>
+      <p:sp>
+        <p:nvSpPr>
+          <p:cNvPr id="2" name="Slide Image Placeholder 1"/>
+          <p:cNvSpPr>
+            <a:spLocks noGrp="1" noRot="1" noChangeAspect="1"/>
+          </p:cNvSpPr>
+          <p:nvPr>
+            <p:ph type="sldImg"/>
+          </p:nvPr>
+        </p:nvSpPr>
+        <p:spPr/>
+      </p:sp>
+      <p:sp>
+        <p:nvSpPr>
+          <p:cNvPr id="3" name="Notes Placeholder 2"/>
+          <p:cNvSpPr>
+            <a:spLocks noGrp="1"/>
+          </p:cNvSpPr>
+          <p:nvPr>
+            <p:ph type="body" idx="1"/>
+          </p:nvPr>
+        </p:nvSpPr>
+        <p:spPr/>
+        <p:txBody>
+          <a:bodyPr/>
+          <a:lstStyle/>
+          <a:p>
+            <a:r>
+              <a:rPr lang="en-US" dirty="0" smtClean="0"/>
+              <a:t>What is the actual harm that it can lead to?</a:t>
+            </a:r>
+          </a:p>
+          <a:p>
+            <a:r>
+              <a:rPr lang="en-US" dirty="0" smtClean="0"/>
+              <a:t>trusted </a:t>
+            </a:r>
+            <a:r>
+              <a:rPr lang="en-US" dirty="0" smtClean="0"/>
+              <a:t>attachments – showcase data from research about trusted attachments</a:t>
+            </a:r>
+            <a:r>
+              <a:rPr lang="en-US" baseline="0" dirty="0" smtClean="0"/>
+              <a:t> spoofing that was done.</a:t>
+            </a:r>
+            <a:endParaRPr lang="en-US" dirty="0"/>
+          </a:p>
+        </p:txBody>
+      </p:sp>
+      <p:sp>
+        <p:nvSpPr>
+          <p:cNvPr id="4" name="Slide Number Placeholder 3"/>
+          <p:cNvSpPr>
+            <a:spLocks noGrp="1"/>
+          </p:cNvSpPr>
+          <p:nvPr>
+            <p:ph type="sldNum" sz="quarter" idx="10"/>
+          </p:nvPr>
+        </p:nvSpPr>
+        <p:spPr/>
+        <p:txBody>
+          <a:bodyPr/>
+          <a:lstStyle/>
+          <a:p>
+            <a:pPr>
+              <a:defRPr/>
+            </a:pPr>
+            <a:fld id="{61BDAAEF-ED04-764D-8703-B9BAE45E1C57}" type="slidenum">
+              <a:rPr lang="en-US" altLang="en-US" smtClean="0"/>
+              <a:pPr>
+                <a:defRPr/>
+              </a:pPr>
+              <a:t>11</a:t>
+            </a:fld>
+            <a:endParaRPr lang="en-US" altLang="en-US"/>
+          </a:p>
+        </p:txBody>
+      </p:sp>
+    </p:spTree>
+    <p:extLst>
+      <p:ext uri="{BB962C8B-B14F-4D97-AF65-F5344CB8AC3E}">
+        <p14:creationId xmlns:p14="http://schemas.microsoft.com/office/powerpoint/2010/main" val="1171456993"/>
+      </p:ext>
+    </p:extLst>
+  </p:cSld>
+  <p:clrMapOvr>
+    <a:masterClrMapping/>
+  </p:clrMapOvr>
+</p:notes>
+</file>
+
+<file path=ppt/notesSlides/notesSlide12.xml><?xml version="1.0" encoding="utf-8"?>
+<p:notes xmlns:a="http://schemas.openxmlformats.org/drawingml/2006/main" xmlns:r="http://schemas.openxmlformats.org/officeDocument/2006/relationships" xmlns:p="http://schemas.openxmlformats.org/presentationml/2006/main">
+  <p:cSld>
+    <p:spTree>
+      <p:nvGrpSpPr>
+        <p:cNvPr id="1" name=""/>
+        <p:cNvGrpSpPr/>
+        <p:nvPr/>
+      </p:nvGrpSpPr>
+      <p:grpSpPr>
+        <a:xfrm>
+          <a:off x="0" y="0"/>
+          <a:ext cx="0" cy="0"/>
+          <a:chOff x="0" y="0"/>
+          <a:chExt cx="0" cy="0"/>
+        </a:xfrm>
+      </p:grpSpPr>
+      <p:sp>
+        <p:nvSpPr>
+          <p:cNvPr id="2" name="Slide Image Placeholder 1"/>
+          <p:cNvSpPr>
+            <a:spLocks noGrp="1" noRot="1" noChangeAspect="1"/>
+          </p:cNvSpPr>
+          <p:nvPr>
+            <p:ph type="sldImg"/>
+          </p:nvPr>
+        </p:nvSpPr>
+        <p:spPr/>
+      </p:sp>
+      <p:sp>
+        <p:nvSpPr>
+          <p:cNvPr id="3" name="Notes Placeholder 2"/>
+          <p:cNvSpPr>
+            <a:spLocks noGrp="1"/>
+          </p:cNvSpPr>
+          <p:nvPr>
+            <p:ph type="body" idx="1"/>
+          </p:nvPr>
+        </p:nvSpPr>
+        <p:spPr/>
+        <p:txBody>
+          <a:bodyPr/>
+          <a:lstStyle/>
+          <a:p>
+            <a:r>
+              <a:rPr lang="en-US" dirty="0" smtClean="0"/>
+              <a:t>What is the actual harm that it can lead to?</a:t>
+            </a:r>
+          </a:p>
+          <a:p>
+            <a:r>
+              <a:rPr lang="en-US" dirty="0" smtClean="0"/>
+              <a:t>trusted </a:t>
+            </a:r>
+            <a:r>
+              <a:rPr lang="en-US" dirty="0" smtClean="0"/>
+              <a:t>attachments – showcase data from research </a:t>
+            </a:r>
+          </a:p>
+          <a:p>
+            <a:endParaRPr lang="en-US" dirty="0" smtClean="0"/>
+          </a:p>
+          <a:p>
+            <a:pPr marL="0" marR="0" lvl="2" indent="0" algn="l" defTabSz="713203" rtl="0" eaLnBrk="1" fontAlgn="auto" latinLnBrk="0" hangingPunct="1">
+              <a:lnSpc>
+                <a:spcPct val="100000"/>
+              </a:lnSpc>
+              <a:spcBef>
+                <a:spcPts val="0"/>
+              </a:spcBef>
+              <a:spcAft>
+                <a:spcPts val="0"/>
+              </a:spcAft>
+              <a:buClrTx/>
+              <a:buSzTx/>
+              <a:buFontTx/>
+              <a:buNone/>
+              <a:tabLst/>
+              <a:defRPr/>
+            </a:pPr>
+            <a:r>
+              <a:rPr lang="en-US" dirty="0" smtClean="0"/>
+              <a:t>Loss of trust - </a:t>
+            </a:r>
+            <a:r>
+              <a:rPr lang="en-US" altLang="en-US" dirty="0" smtClean="0">
+                <a:latin typeface="Gill Sans MT" charset="0"/>
+                <a:ea typeface="MS PGothic" charset="-128"/>
+              </a:rPr>
+              <a:t>Customers getting phishing emails from a legitimate Amazon server, with a legitimate @</a:t>
+            </a:r>
+            <a:r>
+              <a:rPr lang="en-US" altLang="en-US" dirty="0" err="1" smtClean="0">
+                <a:latin typeface="Gill Sans MT" charset="0"/>
+                <a:ea typeface="MS PGothic" charset="-128"/>
+              </a:rPr>
+              <a:t>amazon.com</a:t>
+            </a:r>
+            <a:r>
+              <a:rPr lang="en-US" altLang="en-US" dirty="0" smtClean="0">
+                <a:latin typeface="Gill Sans MT" charset="0"/>
+                <a:ea typeface="MS PGothic" charset="-128"/>
+              </a:rPr>
+              <a:t> email address that mail clients like </a:t>
+            </a:r>
+            <a:r>
+              <a:rPr lang="en-US" altLang="en-US" dirty="0" err="1" smtClean="0">
+                <a:latin typeface="Gill Sans MT" charset="0"/>
+                <a:ea typeface="MS PGothic" charset="-128"/>
+              </a:rPr>
+              <a:t>gmail</a:t>
+            </a:r>
+            <a:r>
+              <a:rPr lang="en-US" altLang="en-US" dirty="0" smtClean="0">
+                <a:latin typeface="Gill Sans MT" charset="0"/>
+                <a:ea typeface="MS PGothic" charset="-128"/>
+              </a:rPr>
+              <a:t> wont flag</a:t>
+            </a:r>
+          </a:p>
+          <a:p>
+            <a:endParaRPr lang="en-US" dirty="0" smtClean="0"/>
+          </a:p>
+          <a:p>
+            <a:r>
+              <a:rPr lang="en-US" dirty="0" smtClean="0"/>
+              <a:t>If we don</a:t>
+            </a:r>
+            <a:r>
+              <a:rPr lang="uk-UA" dirty="0" smtClean="0"/>
+              <a:t>’</a:t>
+            </a:r>
+            <a:r>
+              <a:rPr lang="en-US" dirty="0" smtClean="0"/>
+              <a:t>t cover every vulnerability, then are we truly safe?</a:t>
+            </a:r>
+          </a:p>
+          <a:p>
+            <a:endParaRPr lang="en-US" dirty="0" smtClean="0"/>
+          </a:p>
+          <a:p>
+            <a:r>
+              <a:rPr lang="en-US" dirty="0" smtClean="0"/>
+              <a:t>about trusted attachments</a:t>
+            </a:r>
+            <a:r>
+              <a:rPr lang="en-US" baseline="0" dirty="0" smtClean="0"/>
+              <a:t> spoofing that was done.</a:t>
+            </a:r>
+            <a:endParaRPr lang="en-US" dirty="0"/>
+          </a:p>
+        </p:txBody>
+      </p:sp>
+      <p:sp>
+        <p:nvSpPr>
+          <p:cNvPr id="4" name="Slide Number Placeholder 3"/>
+          <p:cNvSpPr>
+            <a:spLocks noGrp="1"/>
+          </p:cNvSpPr>
+          <p:nvPr>
+            <p:ph type="sldNum" sz="quarter" idx="10"/>
+          </p:nvPr>
+        </p:nvSpPr>
+        <p:spPr/>
+        <p:txBody>
+          <a:bodyPr/>
+          <a:lstStyle/>
+          <a:p>
+            <a:pPr>
+              <a:defRPr/>
+            </a:pPr>
+            <a:fld id="{61BDAAEF-ED04-764D-8703-B9BAE45E1C57}" type="slidenum">
+              <a:rPr lang="en-US" altLang="en-US" smtClean="0"/>
+              <a:pPr>
+                <a:defRPr/>
+              </a:pPr>
+              <a:t>12</a:t>
+            </a:fld>
+            <a:endParaRPr lang="en-US" altLang="en-US"/>
+          </a:p>
+        </p:txBody>
+      </p:sp>
+    </p:spTree>
+    <p:extLst>
+      <p:ext uri="{BB962C8B-B14F-4D97-AF65-F5344CB8AC3E}">
+        <p14:creationId xmlns:p14="http://schemas.microsoft.com/office/powerpoint/2010/main" val="1677273535"/>
+      </p:ext>
+    </p:extLst>
+  </p:cSld>
+  <p:clrMapOvr>
+    <a:masterClrMapping/>
+  </p:clrMapOvr>
+</p:notes>
+</file>
+
+<file path=ppt/notesSlides/notesSlide13.xml><?xml version="1.0" encoding="utf-8"?>
+<p:notes xmlns:a="http://schemas.openxmlformats.org/drawingml/2006/main" xmlns:r="http://schemas.openxmlformats.org/officeDocument/2006/relationships" xmlns:p="http://schemas.openxmlformats.org/presentationml/2006/main">
+  <p:cSld>
+    <p:spTree>
+      <p:nvGrpSpPr>
+        <p:cNvPr id="1" name=""/>
+        <p:cNvGrpSpPr/>
+        <p:nvPr/>
+      </p:nvGrpSpPr>
+      <p:grpSpPr>
+        <a:xfrm>
+          <a:off x="0" y="0"/>
+          <a:ext cx="0" cy="0"/>
+          <a:chOff x="0" y="0"/>
+          <a:chExt cx="0" cy="0"/>
+        </a:xfrm>
+      </p:grpSpPr>
+      <p:sp>
+        <p:nvSpPr>
+          <p:cNvPr id="2" name="Slide Image Placeholder 1"/>
+          <p:cNvSpPr>
+            <a:spLocks noGrp="1" noRot="1" noChangeAspect="1"/>
+          </p:cNvSpPr>
+          <p:nvPr>
+            <p:ph type="sldImg"/>
+          </p:nvPr>
+        </p:nvSpPr>
+        <p:spPr/>
+      </p:sp>
+      <p:sp>
+        <p:nvSpPr>
+          <p:cNvPr id="3" name="Notes Placeholder 2"/>
+          <p:cNvSpPr>
+            <a:spLocks noGrp="1"/>
+          </p:cNvSpPr>
+          <p:nvPr>
+            <p:ph type="body" idx="1"/>
+          </p:nvPr>
+        </p:nvSpPr>
+        <p:spPr/>
+        <p:txBody>
+          <a:bodyPr/>
+          <a:lstStyle/>
+          <a:p>
+            <a:r>
+              <a:rPr lang="en-US" dirty="0" smtClean="0"/>
+              <a:t>To verify</a:t>
+            </a:r>
+            <a:r>
+              <a:rPr lang="en-US" baseline="0" dirty="0" smtClean="0"/>
+              <a:t> the hypotheses and quantify the prevalence of this vulnerability, I did a research project with a system that can perform </a:t>
+            </a:r>
+            <a:r>
+              <a:rPr lang="en-US" baseline="0" dirty="0" err="1" smtClean="0"/>
+              <a:t>blackbox</a:t>
+            </a:r>
+            <a:r>
+              <a:rPr lang="en-US" baseline="0" dirty="0" smtClean="0"/>
+              <a:t> testing on websites on the WWW.</a:t>
+            </a:r>
+          </a:p>
+          <a:p>
+            <a:r>
+              <a:rPr lang="en-US" baseline="0" dirty="0" smtClean="0"/>
+              <a:t>Since we are a data-driven company, I would like to share a few interesting points with the results we obtained.</a:t>
+            </a:r>
+            <a:endParaRPr lang="en-US" dirty="0" smtClean="0"/>
+          </a:p>
+          <a:p>
+            <a:endParaRPr lang="en-US" dirty="0" smtClean="0"/>
+          </a:p>
+          <a:p>
+            <a:r>
+              <a:rPr lang="en-US" dirty="0" smtClean="0"/>
+              <a:t>23 mill </a:t>
+            </a:r>
+            <a:r>
+              <a:rPr lang="en-US" dirty="0" err="1" smtClean="0"/>
+              <a:t>urls</a:t>
+            </a:r>
+            <a:r>
+              <a:rPr lang="en-US" dirty="0" smtClean="0"/>
+              <a:t> crawled,</a:t>
+            </a:r>
+            <a:r>
+              <a:rPr lang="en-US" baseline="0" dirty="0" smtClean="0"/>
+              <a:t> </a:t>
+            </a:r>
+          </a:p>
+          <a:p>
+            <a:r>
+              <a:rPr lang="en-US" baseline="0" dirty="0" smtClean="0"/>
+              <a:t>1 mill forms with email fields found,</a:t>
+            </a:r>
+          </a:p>
+          <a:p>
+            <a:r>
+              <a:rPr lang="en-US" baseline="0" dirty="0" smtClean="0"/>
+              <a:t>65k attacked with automated bots</a:t>
+            </a:r>
+            <a:endParaRPr lang="en-US" dirty="0"/>
+          </a:p>
+        </p:txBody>
+      </p:sp>
+      <p:sp>
+        <p:nvSpPr>
+          <p:cNvPr id="4" name="Slide Number Placeholder 3"/>
+          <p:cNvSpPr>
+            <a:spLocks noGrp="1"/>
+          </p:cNvSpPr>
+          <p:nvPr>
+            <p:ph type="sldNum" sz="quarter" idx="10"/>
+          </p:nvPr>
+        </p:nvSpPr>
+        <p:spPr/>
+        <p:txBody>
+          <a:bodyPr/>
+          <a:lstStyle/>
+          <a:p>
+            <a:pPr>
+              <a:defRPr/>
+            </a:pPr>
+            <a:fld id="{61BDAAEF-ED04-764D-8703-B9BAE45E1C57}" type="slidenum">
+              <a:rPr lang="en-US" altLang="en-US" smtClean="0"/>
+              <a:pPr>
+                <a:defRPr/>
+              </a:pPr>
+              <a:t>13</a:t>
+            </a:fld>
+            <a:endParaRPr lang="en-US" altLang="en-US"/>
+          </a:p>
+        </p:txBody>
+      </p:sp>
+    </p:spTree>
+    <p:extLst>
+      <p:ext uri="{BB962C8B-B14F-4D97-AF65-F5344CB8AC3E}">
+        <p14:creationId xmlns:p14="http://schemas.microsoft.com/office/powerpoint/2010/main" val="1431479603"/>
+      </p:ext>
+    </p:extLst>
+  </p:cSld>
+  <p:clrMapOvr>
+    <a:masterClrMapping/>
+  </p:clrMapOvr>
+</p:notes>
+</file>
+
+<file path=ppt/notesSlides/notesSlide14.xml><?xml version="1.0" encoding="utf-8"?>
+<p:notes xmlns:a="http://schemas.openxmlformats.org/drawingml/2006/main" xmlns:r="http://schemas.openxmlformats.org/officeDocument/2006/relationships" xmlns:p="http://schemas.openxmlformats.org/presentationml/2006/main">
+  <p:cSld>
+    <p:spTree>
+      <p:nvGrpSpPr>
+        <p:cNvPr id="1" name=""/>
+        <p:cNvGrpSpPr/>
+        <p:nvPr/>
+      </p:nvGrpSpPr>
+      <p:grpSpPr>
+        <a:xfrm>
+          <a:off x="0" y="0"/>
+          <a:ext cx="0" cy="0"/>
+          <a:chOff x="0" y="0"/>
+          <a:chExt cx="0" cy="0"/>
+        </a:xfrm>
+      </p:grpSpPr>
+      <p:sp>
+        <p:nvSpPr>
+          <p:cNvPr id="2" name="Slide Image Placeholder 1"/>
+          <p:cNvSpPr>
+            <a:spLocks noGrp="1" noRot="1" noChangeAspect="1"/>
+          </p:cNvSpPr>
+          <p:nvPr>
+            <p:ph type="sldImg"/>
+          </p:nvPr>
+        </p:nvSpPr>
+        <p:spPr/>
+      </p:sp>
+      <p:sp>
+        <p:nvSpPr>
+          <p:cNvPr id="3" name="Notes Placeholder 2"/>
+          <p:cNvSpPr>
+            <a:spLocks noGrp="1"/>
+          </p:cNvSpPr>
+          <p:nvPr>
+            <p:ph type="body" idx="1"/>
+          </p:nvPr>
+        </p:nvSpPr>
+        <p:spPr/>
+        <p:txBody>
+          <a:bodyPr>
+            <a:normAutofit/>
+          </a:bodyPr>
+          <a:lstStyle/>
+          <a:p>
+            <a:pPr marL="228600" marR="0" indent="-228600" algn="l" defTabSz="713203" rtl="0" eaLnBrk="1" fontAlgn="auto" latinLnBrk="0" hangingPunct="1">
+              <a:lnSpc>
+                <a:spcPct val="100000"/>
+              </a:lnSpc>
+              <a:spcBef>
+                <a:spcPts val="0"/>
+              </a:spcBef>
+              <a:spcAft>
+                <a:spcPts val="0"/>
+              </a:spcAft>
+              <a:buClrTx/>
+              <a:buSzTx/>
+              <a:buFontTx/>
+              <a:buAutoNum type="arabicPeriod"/>
+              <a:tabLst/>
+              <a:defRPr/>
+            </a:pPr>
+            <a:r>
+              <a:rPr lang="en-US" sz="1200" kern="1200" baseline="0" dirty="0" smtClean="0">
+                <a:solidFill>
+                  <a:schemeClr val="tx1"/>
+                </a:solidFill>
+                <a:effectLst/>
+                <a:latin typeface="+mn-lt"/>
+                <a:ea typeface="MS PGothic" panose="020B0600070205080204" pitchFamily="34" charset="-128"/>
+                <a:cs typeface="+mn-cs"/>
+              </a:rPr>
+              <a:t>Discuss what each injection type allows</a:t>
+            </a:r>
+          </a:p>
+          <a:p>
+            <a:pPr marL="228600" marR="0" indent="-228600" algn="l" defTabSz="713203" rtl="0" eaLnBrk="1" fontAlgn="auto" latinLnBrk="0" hangingPunct="1">
+              <a:lnSpc>
+                <a:spcPct val="100000"/>
+              </a:lnSpc>
+              <a:spcBef>
+                <a:spcPts val="0"/>
+              </a:spcBef>
+              <a:spcAft>
+                <a:spcPts val="0"/>
+              </a:spcAft>
+              <a:buClrTx/>
+              <a:buSzTx/>
+              <a:buFontTx/>
+              <a:buAutoNum type="arabicPeriod"/>
+              <a:tabLst/>
+              <a:defRPr/>
+            </a:pPr>
+            <a:r>
+              <a:rPr lang="en-US" sz="1200" kern="1200" baseline="0" dirty="0" smtClean="0">
+                <a:solidFill>
+                  <a:schemeClr val="tx1"/>
+                </a:solidFill>
+                <a:effectLst/>
+                <a:latin typeface="+mn-lt"/>
+                <a:ea typeface="MS PGothic" panose="020B0600070205080204" pitchFamily="34" charset="-128"/>
+                <a:cs typeface="+mn-cs"/>
+              </a:rPr>
+              <a:t>Ability to inject malicious code as an attachment</a:t>
+            </a:r>
+            <a:endParaRPr lang="en-US" sz="1200" kern="1200" dirty="0" smtClean="0">
+              <a:solidFill>
+                <a:schemeClr val="tx1"/>
+              </a:solidFill>
+              <a:effectLst/>
+              <a:latin typeface="+mn-lt"/>
+              <a:ea typeface="MS PGothic" panose="020B0600070205080204" pitchFamily="34" charset="-128"/>
+              <a:cs typeface="+mn-cs"/>
+            </a:endParaRPr>
+          </a:p>
+          <a:p>
+            <a:pPr marL="228600" indent="-228600">
+              <a:buAutoNum type="arabicPeriod"/>
+            </a:pPr>
+            <a:r>
+              <a:rPr lang="en-US" sz="1200" kern="1200" dirty="0" smtClean="0">
+                <a:solidFill>
+                  <a:schemeClr val="tx1"/>
+                </a:solidFill>
+                <a:effectLst/>
+                <a:latin typeface="+mn-lt"/>
+                <a:ea typeface="MS PGothic" panose="020B0600070205080204" pitchFamily="34" charset="-128"/>
+                <a:cs typeface="+mn-cs"/>
+              </a:rPr>
+              <a:t>E-Mail </a:t>
+            </a:r>
+            <a:r>
+              <a:rPr lang="en-US" sz="1200" kern="1200" dirty="0" smtClean="0">
+                <a:solidFill>
+                  <a:schemeClr val="tx1"/>
+                </a:solidFill>
+                <a:effectLst/>
+                <a:latin typeface="+mn-lt"/>
+                <a:ea typeface="MS PGothic" panose="020B0600070205080204" pitchFamily="34" charset="-128"/>
+                <a:cs typeface="+mn-cs"/>
+              </a:rPr>
+              <a:t>Header Injections with ‘bcc’ and ‘x-check’ headers</a:t>
+            </a:r>
+            <a:br>
+              <a:rPr lang="en-US" sz="1200" kern="1200" dirty="0" smtClean="0">
+                <a:solidFill>
+                  <a:schemeClr val="tx1"/>
+                </a:solidFill>
+                <a:effectLst/>
+                <a:latin typeface="+mn-lt"/>
+                <a:ea typeface="MS PGothic" panose="020B0600070205080204" pitchFamily="34" charset="-128"/>
+                <a:cs typeface="+mn-cs"/>
+              </a:rPr>
+            </a:br>
+            <a:r>
+              <a:rPr lang="en-US" sz="1200" kern="1200" dirty="0" smtClean="0">
+                <a:solidFill>
+                  <a:schemeClr val="tx1"/>
+                </a:solidFill>
+                <a:effectLst/>
+                <a:latin typeface="+mn-lt"/>
+                <a:ea typeface="MS PGothic" panose="020B0600070205080204" pitchFamily="34" charset="-128"/>
+                <a:cs typeface="+mn-cs"/>
+              </a:rPr>
+              <a:t>	These represent the perfect attack scenario where we are able to inject multiple headers into the e-mails. We can see that over 75% of the received ‘bcc’ header injected e-mails are also susceptible to other header injections. </a:t>
+            </a:r>
+          </a:p>
+          <a:p>
+            <a:r>
+              <a:rPr lang="en-US" sz="1200" kern="1200" dirty="0" smtClean="0">
+                <a:solidFill>
+                  <a:schemeClr val="tx1"/>
+                </a:solidFill>
+                <a:effectLst/>
+                <a:latin typeface="+mn-lt"/>
+                <a:ea typeface="MS PGothic" panose="020B0600070205080204" pitchFamily="34" charset="-128"/>
+                <a:cs typeface="+mn-cs"/>
+              </a:rPr>
+              <a:t>4</a:t>
+            </a:r>
+            <a:r>
+              <a:rPr lang="en-US" sz="1200" kern="1200" dirty="0" smtClean="0">
+                <a:solidFill>
+                  <a:schemeClr val="tx1"/>
+                </a:solidFill>
+                <a:effectLst/>
+                <a:latin typeface="+mn-lt"/>
+                <a:ea typeface="MS PGothic" panose="020B0600070205080204" pitchFamily="34" charset="-128"/>
+                <a:cs typeface="+mn-cs"/>
+              </a:rPr>
+              <a:t>. Unique ‘x-check’ headers found in ‘</a:t>
+            </a:r>
+            <a:r>
+              <a:rPr lang="en-US" sz="1200" kern="1200" dirty="0" err="1" smtClean="0">
+                <a:solidFill>
+                  <a:schemeClr val="tx1"/>
+                </a:solidFill>
+                <a:effectLst/>
+                <a:latin typeface="+mn-lt"/>
+                <a:ea typeface="MS PGothic" panose="020B0600070205080204" pitchFamily="34" charset="-128"/>
+                <a:cs typeface="+mn-cs"/>
+              </a:rPr>
+              <a:t>nuser</a:t>
+            </a:r>
+            <a:r>
+              <a:rPr lang="en-US" sz="1200" kern="1200" dirty="0" smtClean="0">
+                <a:solidFill>
+                  <a:schemeClr val="tx1"/>
+                </a:solidFill>
+                <a:effectLst/>
+                <a:latin typeface="+mn-lt"/>
+                <a:ea typeface="MS PGothic" panose="020B0600070205080204" pitchFamily="34" charset="-128"/>
+                <a:cs typeface="+mn-cs"/>
+              </a:rPr>
+              <a:t>’ e-mails</a:t>
+            </a:r>
+            <a:br>
+              <a:rPr lang="en-US" sz="1200" kern="1200" dirty="0" smtClean="0">
+                <a:solidFill>
+                  <a:schemeClr val="tx1"/>
+                </a:solidFill>
+                <a:effectLst/>
+                <a:latin typeface="+mn-lt"/>
+                <a:ea typeface="MS PGothic" panose="020B0600070205080204" pitchFamily="34" charset="-128"/>
+                <a:cs typeface="+mn-cs"/>
+              </a:rPr>
+            </a:br>
+            <a:r>
+              <a:rPr lang="en-US" sz="1200" kern="1200" dirty="0" smtClean="0">
+                <a:solidFill>
+                  <a:schemeClr val="tx1"/>
+                </a:solidFill>
+                <a:effectLst/>
+                <a:latin typeface="+mn-lt"/>
+                <a:ea typeface="MS PGothic" panose="020B0600070205080204" pitchFamily="34" charset="-128"/>
+                <a:cs typeface="+mn-cs"/>
+              </a:rPr>
+              <a:t>	These represent the e-mails with </a:t>
+            </a:r>
+            <a:r>
+              <a:rPr lang="en-US" sz="1200" kern="1200" dirty="0" err="1" smtClean="0">
+                <a:solidFill>
+                  <a:schemeClr val="tx1"/>
+                </a:solidFill>
+                <a:effectLst/>
+                <a:latin typeface="+mn-lt"/>
+                <a:ea typeface="MS PGothic" panose="020B0600070205080204" pitchFamily="34" charset="-128"/>
+                <a:cs typeface="+mn-cs"/>
+              </a:rPr>
+              <a:t>form_ids</a:t>
+            </a:r>
+            <a:r>
+              <a:rPr lang="en-US" sz="1200" kern="1200" dirty="0" smtClean="0">
+                <a:solidFill>
+                  <a:schemeClr val="tx1"/>
+                </a:solidFill>
+                <a:effectLst/>
+                <a:latin typeface="+mn-lt"/>
+                <a:ea typeface="MS PGothic" panose="020B0600070205080204" pitchFamily="34" charset="-128"/>
+                <a:cs typeface="+mn-cs"/>
+              </a:rPr>
+              <a:t> that were not already found in the ‘</a:t>
+            </a:r>
+            <a:r>
+              <a:rPr lang="en-US" sz="1200" kern="1200" dirty="0" err="1" smtClean="0">
+                <a:solidFill>
+                  <a:schemeClr val="tx1"/>
+                </a:solidFill>
+                <a:effectLst/>
+                <a:latin typeface="+mn-lt"/>
+                <a:ea typeface="MS PGothic" panose="020B0600070205080204" pitchFamily="34" charset="-128"/>
+                <a:cs typeface="+mn-cs"/>
+              </a:rPr>
+              <a:t>maluser</a:t>
+            </a:r>
+            <a:r>
+              <a:rPr lang="en-US" sz="1200" kern="1200" dirty="0" smtClean="0">
+                <a:solidFill>
+                  <a:schemeClr val="tx1"/>
+                </a:solidFill>
+                <a:effectLst/>
+                <a:latin typeface="+mn-lt"/>
+                <a:ea typeface="MS PGothic" panose="020B0600070205080204" pitchFamily="34" charset="-128"/>
+                <a:cs typeface="+mn-cs"/>
+              </a:rPr>
+              <a:t>’ account. We attribute these e-mails to (probably) having a backend that was built with Python or another language having a similar behavior with respect to constructing headers. </a:t>
+            </a:r>
+          </a:p>
+          <a:p>
+            <a:endParaRPr lang="en-US" dirty="0"/>
+          </a:p>
+        </p:txBody>
+      </p:sp>
+      <p:sp>
+        <p:nvSpPr>
+          <p:cNvPr id="4" name="Slide Number Placeholder 3"/>
+          <p:cNvSpPr>
+            <a:spLocks noGrp="1"/>
+          </p:cNvSpPr>
+          <p:nvPr>
+            <p:ph type="sldNum" sz="quarter" idx="10"/>
+          </p:nvPr>
+        </p:nvSpPr>
+        <p:spPr/>
+        <p:txBody>
+          <a:bodyPr/>
+          <a:lstStyle/>
+          <a:p>
+            <a:pPr>
+              <a:defRPr/>
+            </a:pPr>
+            <a:fld id="{61BDAAEF-ED04-764D-8703-B9BAE45E1C57}" type="slidenum">
+              <a:rPr lang="en-US" altLang="en-US" smtClean="0"/>
+              <a:pPr>
+                <a:defRPr/>
+              </a:pPr>
+              <a:t>14</a:t>
+            </a:fld>
+            <a:endParaRPr lang="en-US" altLang="en-US"/>
+          </a:p>
+        </p:txBody>
+      </p:sp>
+    </p:spTree>
+    <p:extLst>
+      <p:ext uri="{BB962C8B-B14F-4D97-AF65-F5344CB8AC3E}">
+        <p14:creationId xmlns:p14="http://schemas.microsoft.com/office/powerpoint/2010/main" val="1635688498"/>
+      </p:ext>
+    </p:extLst>
+  </p:cSld>
+  <p:clrMapOvr>
+    <a:masterClrMapping/>
+  </p:clrMapOvr>
+</p:notes>
+</file>
+
+<file path=ppt/notesSlides/notesSlide15.xml><?xml version="1.0" encoding="utf-8"?>
+<p:notes xmlns:a="http://schemas.openxmlformats.org/drawingml/2006/main" xmlns:r="http://schemas.openxmlformats.org/officeDocument/2006/relationships" xmlns:p="http://schemas.openxmlformats.org/presentationml/2006/main">
+  <p:cSld>
+    <p:spTree>
+      <p:nvGrpSpPr>
+        <p:cNvPr id="1" name=""/>
+        <p:cNvGrpSpPr/>
+        <p:nvPr/>
+      </p:nvGrpSpPr>
+      <p:grpSpPr>
+        <a:xfrm>
+          <a:off x="0" y="0"/>
+          <a:ext cx="0" cy="0"/>
+          <a:chOff x="0" y="0"/>
+          <a:chExt cx="0" cy="0"/>
+        </a:xfrm>
+      </p:grpSpPr>
+      <p:sp>
+        <p:nvSpPr>
+          <p:cNvPr id="2" name="Slide Image Placeholder 1"/>
+          <p:cNvSpPr>
+            <a:spLocks noGrp="1" noRot="1" noChangeAspect="1"/>
+          </p:cNvSpPr>
+          <p:nvPr>
+            <p:ph type="sldImg"/>
+          </p:nvPr>
+        </p:nvSpPr>
+        <p:spPr/>
+      </p:sp>
+      <p:sp>
+        <p:nvSpPr>
+          <p:cNvPr id="3" name="Notes Placeholder 2"/>
+          <p:cNvSpPr>
+            <a:spLocks noGrp="1"/>
+          </p:cNvSpPr>
+          <p:nvPr>
+            <p:ph type="body" idx="1"/>
+          </p:nvPr>
+        </p:nvSpPr>
+        <p:spPr/>
+        <p:txBody>
+          <a:bodyPr>
+            <a:normAutofit/>
+          </a:bodyPr>
+          <a:lstStyle/>
+          <a:p>
+            <a:endParaRPr lang="en-US" dirty="0"/>
+          </a:p>
+        </p:txBody>
+      </p:sp>
+      <p:sp>
+        <p:nvSpPr>
+          <p:cNvPr id="4" name="Slide Number Placeholder 3"/>
+          <p:cNvSpPr>
+            <a:spLocks noGrp="1"/>
+          </p:cNvSpPr>
+          <p:nvPr>
+            <p:ph type="sldNum" sz="quarter" idx="10"/>
+          </p:nvPr>
+        </p:nvSpPr>
+        <p:spPr/>
+        <p:txBody>
+          <a:bodyPr/>
+          <a:lstStyle/>
+          <a:p>
+            <a:pPr>
+              <a:defRPr/>
+            </a:pPr>
+            <a:fld id="{61BDAAEF-ED04-764D-8703-B9BAE45E1C57}" type="slidenum">
+              <a:rPr lang="en-US" altLang="en-US" smtClean="0"/>
+              <a:pPr>
+                <a:defRPr/>
+              </a:pPr>
+              <a:t>15</a:t>
+            </a:fld>
+            <a:endParaRPr lang="en-US" altLang="en-US"/>
+          </a:p>
+        </p:txBody>
+      </p:sp>
+    </p:spTree>
+    <p:extLst>
+      <p:ext uri="{BB962C8B-B14F-4D97-AF65-F5344CB8AC3E}">
+        <p14:creationId xmlns:p14="http://schemas.microsoft.com/office/powerpoint/2010/main" val="844752669"/>
+      </p:ext>
+    </p:extLst>
+  </p:cSld>
+  <p:clrMapOvr>
+    <a:masterClrMapping/>
+  </p:clrMapOvr>
+</p:notes>
+</file>
+
+<file path=ppt/notesSlides/notesSlide16.xml><?xml version="1.0" encoding="utf-8"?>
+<p:notes xmlns:a="http://schemas.openxmlformats.org/drawingml/2006/main" xmlns:r="http://schemas.openxmlformats.org/officeDocument/2006/relationships" xmlns:p="http://schemas.openxmlformats.org/presentationml/2006/main">
+  <p:cSld>
+    <p:spTree>
+      <p:nvGrpSpPr>
+        <p:cNvPr id="1" name=""/>
+        <p:cNvGrpSpPr/>
+        <p:nvPr/>
+      </p:nvGrpSpPr>
+      <p:grpSpPr>
+        <a:xfrm>
+          <a:off x="0" y="0"/>
+          <a:ext cx="0" cy="0"/>
+          <a:chOff x="0" y="0"/>
+          <a:chExt cx="0" cy="0"/>
+        </a:xfrm>
+      </p:grpSpPr>
+      <p:sp>
+        <p:nvSpPr>
+          <p:cNvPr id="2" name="Slide Image Placeholder 1"/>
+          <p:cNvSpPr>
+            <a:spLocks noGrp="1" noRot="1" noChangeAspect="1"/>
+          </p:cNvSpPr>
+          <p:nvPr>
+            <p:ph type="sldImg"/>
+          </p:nvPr>
+        </p:nvSpPr>
+        <p:spPr/>
+      </p:sp>
+      <p:sp>
+        <p:nvSpPr>
+          <p:cNvPr id="3" name="Notes Placeholder 2"/>
+          <p:cNvSpPr>
+            <a:spLocks noGrp="1"/>
+          </p:cNvSpPr>
+          <p:nvPr>
+            <p:ph type="body" idx="1"/>
+          </p:nvPr>
+        </p:nvSpPr>
+        <p:spPr/>
+        <p:txBody>
+          <a:bodyPr>
+            <a:normAutofit/>
+          </a:bodyPr>
+          <a:lstStyle/>
+          <a:p>
+            <a:pPr marL="228600" indent="-228600">
+              <a:buAutoNum type="arabicPeriod"/>
+            </a:pPr>
+            <a:endParaRPr lang="en-US" dirty="0"/>
+          </a:p>
+        </p:txBody>
+      </p:sp>
+      <p:sp>
+        <p:nvSpPr>
+          <p:cNvPr id="4" name="Slide Number Placeholder 3"/>
+          <p:cNvSpPr>
+            <a:spLocks noGrp="1"/>
+          </p:cNvSpPr>
+          <p:nvPr>
+            <p:ph type="sldNum" sz="quarter" idx="10"/>
+          </p:nvPr>
+        </p:nvSpPr>
+        <p:spPr/>
+        <p:txBody>
+          <a:bodyPr/>
+          <a:lstStyle/>
+          <a:p>
+            <a:pPr>
+              <a:defRPr/>
+            </a:pPr>
+            <a:fld id="{61BDAAEF-ED04-764D-8703-B9BAE45E1C57}" type="slidenum">
+              <a:rPr lang="en-US" altLang="en-US" smtClean="0"/>
+              <a:pPr>
+                <a:defRPr/>
+              </a:pPr>
+              <a:t>16</a:t>
+            </a:fld>
+            <a:endParaRPr lang="en-US" altLang="en-US"/>
+          </a:p>
+        </p:txBody>
+      </p:sp>
+    </p:spTree>
+    <p:extLst>
+      <p:ext uri="{BB962C8B-B14F-4D97-AF65-F5344CB8AC3E}">
+        <p14:creationId xmlns:p14="http://schemas.microsoft.com/office/powerpoint/2010/main" val="1162547575"/>
+      </p:ext>
+    </p:extLst>
+  </p:cSld>
+  <p:clrMapOvr>
+    <a:masterClrMapping/>
+  </p:clrMapOvr>
+</p:notes>
+</file>
+
+<file path=ppt/notesSlides/notesSlide17.xml><?xml version="1.0" encoding="utf-8"?>
+<p:notes xmlns:a="http://schemas.openxmlformats.org/drawingml/2006/main" xmlns:r="http://schemas.openxmlformats.org/officeDocument/2006/relationships" xmlns:p="http://schemas.openxmlformats.org/presentationml/2006/main">
+  <p:cSld>
+    <p:spTree>
+      <p:nvGrpSpPr>
+        <p:cNvPr id="1" name=""/>
+        <p:cNvGrpSpPr/>
+        <p:nvPr/>
+      </p:nvGrpSpPr>
+      <p:grpSpPr>
+        <a:xfrm>
+          <a:off x="0" y="0"/>
+          <a:ext cx="0" cy="0"/>
+          <a:chOff x="0" y="0"/>
+          <a:chExt cx="0" cy="0"/>
+        </a:xfrm>
+      </p:grpSpPr>
+      <p:sp>
+        <p:nvSpPr>
+          <p:cNvPr id="2" name="Slide Image Placeholder 1"/>
+          <p:cNvSpPr>
+            <a:spLocks noGrp="1" noRot="1" noChangeAspect="1"/>
+          </p:cNvSpPr>
+          <p:nvPr>
+            <p:ph type="sldImg"/>
+          </p:nvPr>
+        </p:nvSpPr>
+        <p:spPr/>
+      </p:sp>
+      <p:sp>
+        <p:nvSpPr>
+          <p:cNvPr id="3" name="Notes Placeholder 2"/>
+          <p:cNvSpPr>
+            <a:spLocks noGrp="1"/>
+          </p:cNvSpPr>
+          <p:nvPr>
+            <p:ph type="body" idx="1"/>
+          </p:nvPr>
+        </p:nvSpPr>
+        <p:spPr/>
+        <p:txBody>
+          <a:bodyPr>
+            <a:normAutofit/>
+          </a:bodyPr>
+          <a:lstStyle/>
+          <a:p>
+            <a:pPr marL="228600" indent="-228600">
+              <a:buAutoNum type="arabicPeriod"/>
+            </a:pPr>
+            <a:r>
+              <a:rPr lang="en-US" dirty="0" smtClean="0"/>
+              <a:t>add the example, </a:t>
+            </a:r>
+            <a:r>
+              <a:rPr lang="en-US" dirty="0" smtClean="0"/>
+              <a:t>here</a:t>
+            </a:r>
+          </a:p>
+          <a:p>
+            <a:pPr marL="228600" indent="-228600">
+              <a:buAutoNum type="arabicPeriod"/>
+            </a:pPr>
+            <a:r>
+              <a:rPr lang="en-US" dirty="0" smtClean="0"/>
+              <a:t>Talk about the different types of newlines that the RFC describes and the</a:t>
+            </a:r>
+            <a:r>
+              <a:rPr lang="en-US" baseline="0" dirty="0" smtClean="0"/>
+              <a:t> total number of cases/combinations (8) we need to test for.</a:t>
+            </a:r>
+          </a:p>
+          <a:p>
+            <a:pPr marL="228600" indent="-228600">
+              <a:buAutoNum type="arabicPeriod"/>
+            </a:pPr>
+            <a:endParaRPr lang="en-US" dirty="0"/>
+          </a:p>
+        </p:txBody>
+      </p:sp>
+      <p:sp>
+        <p:nvSpPr>
+          <p:cNvPr id="4" name="Slide Number Placeholder 3"/>
+          <p:cNvSpPr>
+            <a:spLocks noGrp="1"/>
+          </p:cNvSpPr>
+          <p:nvPr>
+            <p:ph type="sldNum" sz="quarter" idx="10"/>
+          </p:nvPr>
+        </p:nvSpPr>
+        <p:spPr/>
+        <p:txBody>
+          <a:bodyPr/>
+          <a:lstStyle/>
+          <a:p>
+            <a:pPr>
+              <a:defRPr/>
+            </a:pPr>
+            <a:fld id="{61BDAAEF-ED04-764D-8703-B9BAE45E1C57}" type="slidenum">
+              <a:rPr lang="en-US" altLang="en-US" smtClean="0"/>
+              <a:pPr>
+                <a:defRPr/>
+              </a:pPr>
+              <a:t>17</a:t>
+            </a:fld>
+            <a:endParaRPr lang="en-US" altLang="en-US"/>
+          </a:p>
+        </p:txBody>
+      </p:sp>
+    </p:spTree>
+    <p:extLst>
+      <p:ext uri="{BB962C8B-B14F-4D97-AF65-F5344CB8AC3E}">
+        <p14:creationId xmlns:p14="http://schemas.microsoft.com/office/powerpoint/2010/main" val="1376614444"/>
+      </p:ext>
+    </p:extLst>
+  </p:cSld>
+  <p:clrMapOvr>
+    <a:masterClrMapping/>
+  </p:clrMapOvr>
+</p:notes>
+</file>
+
+<file path=ppt/notesSlides/notesSlide18.xml><?xml version="1.0" encoding="utf-8"?>
+<p:notes xmlns:a="http://schemas.openxmlformats.org/drawingml/2006/main" xmlns:r="http://schemas.openxmlformats.org/officeDocument/2006/relationships" xmlns:p="http://schemas.openxmlformats.org/presentationml/2006/main">
+  <p:cSld>
+    <p:spTree>
+      <p:nvGrpSpPr>
+        <p:cNvPr id="1" name=""/>
+        <p:cNvGrpSpPr/>
+        <p:nvPr/>
+      </p:nvGrpSpPr>
+      <p:grpSpPr>
+        <a:xfrm>
+          <a:off x="0" y="0"/>
+          <a:ext cx="0" cy="0"/>
+          <a:chOff x="0" y="0"/>
+          <a:chExt cx="0" cy="0"/>
+        </a:xfrm>
+      </p:grpSpPr>
+      <p:sp>
+        <p:nvSpPr>
+          <p:cNvPr id="2" name="Slide Image Placeholder 1"/>
+          <p:cNvSpPr>
+            <a:spLocks noGrp="1" noRot="1" noChangeAspect="1"/>
+          </p:cNvSpPr>
+          <p:nvPr>
+            <p:ph type="sldImg"/>
+          </p:nvPr>
+        </p:nvSpPr>
+        <p:spPr/>
+      </p:sp>
+      <p:sp>
+        <p:nvSpPr>
+          <p:cNvPr id="3" name="Notes Placeholder 2"/>
+          <p:cNvSpPr>
+            <a:spLocks noGrp="1"/>
+          </p:cNvSpPr>
+          <p:nvPr>
+            <p:ph type="body" idx="1"/>
+          </p:nvPr>
+        </p:nvSpPr>
+        <p:spPr/>
+        <p:txBody>
+          <a:bodyPr/>
+          <a:lstStyle/>
+          <a:p>
+            <a:endParaRPr lang="en-US" dirty="0"/>
+          </a:p>
+        </p:txBody>
+      </p:sp>
+      <p:sp>
+        <p:nvSpPr>
+          <p:cNvPr id="4" name="Slide Number Placeholder 3"/>
+          <p:cNvSpPr>
+            <a:spLocks noGrp="1"/>
+          </p:cNvSpPr>
+          <p:nvPr>
+            <p:ph type="sldNum" sz="quarter" idx="10"/>
+          </p:nvPr>
+        </p:nvSpPr>
+        <p:spPr/>
+        <p:txBody>
+          <a:bodyPr/>
+          <a:lstStyle/>
+          <a:p>
+            <a:pPr>
+              <a:defRPr/>
+            </a:pPr>
+            <a:fld id="{61BDAAEF-ED04-764D-8703-B9BAE45E1C57}" type="slidenum">
+              <a:rPr lang="en-US" altLang="en-US" smtClean="0"/>
+              <a:pPr>
+                <a:defRPr/>
+              </a:pPr>
+              <a:t>18</a:t>
+            </a:fld>
+            <a:endParaRPr lang="en-US" altLang="en-US"/>
+          </a:p>
+        </p:txBody>
+      </p:sp>
+    </p:spTree>
+    <p:extLst>
+      <p:ext uri="{BB962C8B-B14F-4D97-AF65-F5344CB8AC3E}">
+        <p14:creationId xmlns:p14="http://schemas.microsoft.com/office/powerpoint/2010/main" val="192617663"/>
+      </p:ext>
+    </p:extLst>
+  </p:cSld>
+  <p:clrMapOvr>
+    <a:masterClrMapping/>
+  </p:clrMapOvr>
+</p:notes>
+</file>
+
+<file path=ppt/notesSlides/notesSlide19.xml><?xml version="1.0" encoding="utf-8"?>
+<p:notes xmlns:a="http://schemas.openxmlformats.org/drawingml/2006/main" xmlns:r="http://schemas.openxmlformats.org/officeDocument/2006/relationships" xmlns:p="http://schemas.openxmlformats.org/presentationml/2006/main">
+  <p:cSld>
+    <p:spTree>
+      <p:nvGrpSpPr>
+        <p:cNvPr id="1" name=""/>
+        <p:cNvGrpSpPr/>
+        <p:nvPr/>
+      </p:nvGrpSpPr>
+      <p:grpSpPr>
+        <a:xfrm>
+          <a:off x="0" y="0"/>
+          <a:ext cx="0" cy="0"/>
+          <a:chOff x="0" y="0"/>
+          <a:chExt cx="0" cy="0"/>
+        </a:xfrm>
+      </p:grpSpPr>
+      <p:sp>
+        <p:nvSpPr>
+          <p:cNvPr id="2" name="Slide Image Placeholder 1"/>
+          <p:cNvSpPr>
+            <a:spLocks noGrp="1" noRot="1" noChangeAspect="1"/>
+          </p:cNvSpPr>
+          <p:nvPr>
+            <p:ph type="sldImg"/>
+          </p:nvPr>
+        </p:nvSpPr>
+        <p:spPr/>
+      </p:sp>
+      <p:sp>
+        <p:nvSpPr>
+          <p:cNvPr id="3" name="Notes Placeholder 2"/>
+          <p:cNvSpPr>
+            <a:spLocks noGrp="1"/>
+          </p:cNvSpPr>
+          <p:nvPr>
+            <p:ph type="body" idx="1"/>
+          </p:nvPr>
+        </p:nvSpPr>
+        <p:spPr/>
+        <p:txBody>
+          <a:bodyPr/>
+          <a:lstStyle/>
+          <a:p>
+            <a:endParaRPr lang="en-US" dirty="0" smtClean="0"/>
+          </a:p>
+        </p:txBody>
+      </p:sp>
+      <p:sp>
+        <p:nvSpPr>
+          <p:cNvPr id="4" name="Slide Number Placeholder 3"/>
+          <p:cNvSpPr>
+            <a:spLocks noGrp="1"/>
+          </p:cNvSpPr>
+          <p:nvPr>
+            <p:ph type="sldNum" sz="quarter" idx="10"/>
+          </p:nvPr>
+        </p:nvSpPr>
+        <p:spPr/>
+        <p:txBody>
+          <a:bodyPr/>
+          <a:lstStyle/>
+          <a:p>
+            <a:pPr>
+              <a:defRPr/>
+            </a:pPr>
+            <a:fld id="{61BDAAEF-ED04-764D-8703-B9BAE45E1C57}" type="slidenum">
+              <a:rPr lang="en-US" altLang="en-US" smtClean="0"/>
+              <a:pPr>
+                <a:defRPr/>
+              </a:pPr>
+              <a:t>19</a:t>
+            </a:fld>
+            <a:endParaRPr lang="en-US" altLang="en-US"/>
+          </a:p>
+        </p:txBody>
+      </p:sp>
+    </p:spTree>
+    <p:extLst>
+      <p:ext uri="{BB962C8B-B14F-4D97-AF65-F5344CB8AC3E}">
+        <p14:creationId xmlns:p14="http://schemas.microsoft.com/office/powerpoint/2010/main" val="1842968678"/>
+      </p:ext>
+    </p:extLst>
+  </p:cSld>
+  <p:clrMapOvr>
+    <a:masterClrMapping/>
+  </p:clrMapOvr>
+</p:notes>
+</file>
+
+<file path=ppt/notesSlides/notesSlide2.xml><?xml version="1.0" encoding="utf-8"?>
+<p:notes xmlns:a="http://schemas.openxmlformats.org/drawingml/2006/main" xmlns:r="http://schemas.openxmlformats.org/officeDocument/2006/relationships" xmlns:p="http://schemas.openxmlformats.org/presentationml/2006/main">
+  <p:cSld>
+    <p:spTree>
+      <p:nvGrpSpPr>
+        <p:cNvPr id="1" name=""/>
+        <p:cNvGrpSpPr/>
+        <p:nvPr/>
+      </p:nvGrpSpPr>
+      <p:grpSpPr>
+        <a:xfrm>
+          <a:off x="0" y="0"/>
+          <a:ext cx="0" cy="0"/>
+          <a:chOff x="0" y="0"/>
+          <a:chExt cx="0" cy="0"/>
+        </a:xfrm>
+      </p:grpSpPr>
+      <p:sp>
+        <p:nvSpPr>
+          <p:cNvPr id="2" name="Slide Image Placeholder 1"/>
+          <p:cNvSpPr>
+            <a:spLocks noGrp="1" noRot="1" noChangeAspect="1"/>
+          </p:cNvSpPr>
+          <p:nvPr>
+            <p:ph type="sldImg"/>
+          </p:nvPr>
+        </p:nvSpPr>
+        <p:spPr/>
+      </p:sp>
+      <p:sp>
+        <p:nvSpPr>
+          <p:cNvPr id="3" name="Notes Placeholder 2"/>
+          <p:cNvSpPr>
+            <a:spLocks noGrp="1"/>
+          </p:cNvSpPr>
+          <p:nvPr>
+            <p:ph type="body" idx="1"/>
+          </p:nvPr>
+        </p:nvSpPr>
+        <p:spPr/>
+        <p:txBody>
+          <a:bodyPr/>
+          <a:lstStyle/>
+          <a:p>
+            <a:endParaRPr lang="en-US" dirty="0"/>
+          </a:p>
+        </p:txBody>
+      </p:sp>
+      <p:sp>
+        <p:nvSpPr>
+          <p:cNvPr id="4" name="Slide Number Placeholder 3"/>
+          <p:cNvSpPr>
+            <a:spLocks noGrp="1"/>
+          </p:cNvSpPr>
+          <p:nvPr>
+            <p:ph type="sldNum" sz="quarter" idx="10"/>
+          </p:nvPr>
+        </p:nvSpPr>
+        <p:spPr/>
+        <p:txBody>
+          <a:bodyPr/>
+          <a:lstStyle/>
+          <a:p>
+            <a:pPr>
+              <a:defRPr/>
+            </a:pPr>
+            <a:fld id="{61BDAAEF-ED04-764D-8703-B9BAE45E1C57}" type="slidenum">
+              <a:rPr lang="en-US" altLang="en-US" smtClean="0"/>
+              <a:pPr>
+                <a:defRPr/>
+              </a:pPr>
+              <a:t>2</a:t>
+            </a:fld>
+            <a:endParaRPr lang="en-US" altLang="en-US"/>
+          </a:p>
+        </p:txBody>
+      </p:sp>
+    </p:spTree>
+    <p:extLst>
+      <p:ext uri="{BB962C8B-B14F-4D97-AF65-F5344CB8AC3E}">
+        <p14:creationId xmlns:p14="http://schemas.microsoft.com/office/powerpoint/2010/main" val="934924596"/>
+      </p:ext>
+    </p:extLst>
+  </p:cSld>
+  <p:clrMapOvr>
+    <a:masterClrMapping/>
+  </p:clrMapOvr>
+</p:notes>
+</file>
+
+<file path=ppt/notesSlides/notesSlide20.xml><?xml version="1.0" encoding="utf-8"?>
+<p:notes xmlns:a="http://schemas.openxmlformats.org/drawingml/2006/main" xmlns:r="http://schemas.openxmlformats.org/officeDocument/2006/relationships" xmlns:p="http://schemas.openxmlformats.org/presentationml/2006/main">
+  <p:cSld>
+    <p:spTree>
+      <p:nvGrpSpPr>
+        <p:cNvPr id="1" name=""/>
+        <p:cNvGrpSpPr/>
+        <p:nvPr/>
+      </p:nvGrpSpPr>
+      <p:grpSpPr>
+        <a:xfrm>
+          <a:off x="0" y="0"/>
+          <a:ext cx="0" cy="0"/>
+          <a:chOff x="0" y="0"/>
+          <a:chExt cx="0" cy="0"/>
+        </a:xfrm>
+      </p:grpSpPr>
+      <p:sp>
+        <p:nvSpPr>
+          <p:cNvPr id="2" name="Slide Image Placeholder 1"/>
+          <p:cNvSpPr>
+            <a:spLocks noGrp="1" noRot="1" noChangeAspect="1"/>
+          </p:cNvSpPr>
+          <p:nvPr>
+            <p:ph type="sldImg"/>
+          </p:nvPr>
+        </p:nvSpPr>
+        <p:spPr/>
+      </p:sp>
+      <p:sp>
+        <p:nvSpPr>
+          <p:cNvPr id="3" name="Notes Placeholder 2"/>
+          <p:cNvSpPr>
+            <a:spLocks noGrp="1"/>
+          </p:cNvSpPr>
+          <p:nvPr>
+            <p:ph type="body" idx="1"/>
+          </p:nvPr>
+        </p:nvSpPr>
+        <p:spPr/>
+        <p:txBody>
+          <a:bodyPr/>
+          <a:lstStyle/>
+          <a:p>
+            <a:endParaRPr lang="en-US" dirty="0"/>
+          </a:p>
+        </p:txBody>
+      </p:sp>
+      <p:sp>
+        <p:nvSpPr>
+          <p:cNvPr id="4" name="Slide Number Placeholder 3"/>
+          <p:cNvSpPr>
+            <a:spLocks noGrp="1"/>
+          </p:cNvSpPr>
+          <p:nvPr>
+            <p:ph type="sldNum" sz="quarter" idx="10"/>
+          </p:nvPr>
+        </p:nvSpPr>
+        <p:spPr/>
+        <p:txBody>
+          <a:bodyPr/>
+          <a:lstStyle/>
+          <a:p>
+            <a:pPr>
+              <a:defRPr/>
+            </a:pPr>
+            <a:fld id="{61BDAAEF-ED04-764D-8703-B9BAE45E1C57}" type="slidenum">
+              <a:rPr lang="en-US" altLang="en-US" smtClean="0"/>
+              <a:pPr>
+                <a:defRPr/>
+              </a:pPr>
+              <a:t>20</a:t>
+            </a:fld>
+            <a:endParaRPr lang="en-US" altLang="en-US"/>
+          </a:p>
+        </p:txBody>
+      </p:sp>
+    </p:spTree>
+    <p:extLst>
+      <p:ext uri="{BB962C8B-B14F-4D97-AF65-F5344CB8AC3E}">
+        <p14:creationId xmlns:p14="http://schemas.microsoft.com/office/powerpoint/2010/main" val="138633410"/>
+      </p:ext>
+    </p:extLst>
+  </p:cSld>
+  <p:clrMapOvr>
+    <a:masterClrMapping/>
+  </p:clrMapOvr>
+</p:notes>
+</file>
+
+<file path=ppt/notesSlides/notesSlide3.xml><?xml version="1.0" encoding="utf-8"?>
+<p:notes xmlns:a="http://schemas.openxmlformats.org/drawingml/2006/main" xmlns:r="http://schemas.openxmlformats.org/officeDocument/2006/relationships" xmlns:p="http://schemas.openxmlformats.org/presentationml/2006/main">
+  <p:cSld>
+    <p:spTree>
+      <p:nvGrpSpPr>
+        <p:cNvPr id="1" name=""/>
+        <p:cNvGrpSpPr/>
+        <p:nvPr/>
+      </p:nvGrpSpPr>
+      <p:grpSpPr>
+        <a:xfrm>
+          <a:off x="0" y="0"/>
+          <a:ext cx="0" cy="0"/>
+          <a:chOff x="0" y="0"/>
+          <a:chExt cx="0" cy="0"/>
+        </a:xfrm>
+      </p:grpSpPr>
+      <p:sp>
+        <p:nvSpPr>
+          <p:cNvPr id="2" name="Slide Image Placeholder 1"/>
+          <p:cNvSpPr>
+            <a:spLocks noGrp="1" noRot="1" noChangeAspect="1"/>
+          </p:cNvSpPr>
+          <p:nvPr>
+            <p:ph type="sldImg"/>
+          </p:nvPr>
+        </p:nvSpPr>
+        <p:spPr/>
+      </p:sp>
+      <p:sp>
+        <p:nvSpPr>
+          <p:cNvPr id="3" name="Notes Placeholder 2"/>
+          <p:cNvSpPr>
+            <a:spLocks noGrp="1"/>
+          </p:cNvSpPr>
+          <p:nvPr>
+            <p:ph type="body" idx="1"/>
+          </p:nvPr>
+        </p:nvSpPr>
+        <p:spPr/>
+        <p:txBody>
+          <a:bodyPr/>
+          <a:lstStyle/>
+          <a:p>
+            <a:r>
+              <a:rPr lang="en-US" dirty="0" smtClean="0"/>
+              <a:t>Not a</a:t>
+            </a:r>
+            <a:r>
+              <a:rPr lang="en-US" baseline="0" dirty="0" smtClean="0"/>
+              <a:t> new </a:t>
+            </a:r>
+            <a:r>
+              <a:rPr lang="en-US" baseline="0" dirty="0" smtClean="0"/>
+              <a:t>vulnerability, has existed forever, with no research or major patch for vulnerable languages</a:t>
+            </a:r>
+            <a:endParaRPr lang="en-US" baseline="0" dirty="0" smtClean="0"/>
+          </a:p>
+          <a:p>
+            <a:endParaRPr lang="en-US" dirty="0"/>
+          </a:p>
+        </p:txBody>
+      </p:sp>
+      <p:sp>
+        <p:nvSpPr>
+          <p:cNvPr id="4" name="Slide Number Placeholder 3"/>
+          <p:cNvSpPr>
+            <a:spLocks noGrp="1"/>
+          </p:cNvSpPr>
+          <p:nvPr>
+            <p:ph type="sldNum" sz="quarter" idx="10"/>
+          </p:nvPr>
+        </p:nvSpPr>
+        <p:spPr/>
+        <p:txBody>
+          <a:bodyPr/>
+          <a:lstStyle/>
+          <a:p>
+            <a:pPr>
+              <a:defRPr/>
+            </a:pPr>
+            <a:fld id="{61BDAAEF-ED04-764D-8703-B9BAE45E1C57}" type="slidenum">
+              <a:rPr lang="en-US" altLang="en-US" smtClean="0"/>
+              <a:pPr>
+                <a:defRPr/>
+              </a:pPr>
+              <a:t>3</a:t>
+            </a:fld>
+            <a:endParaRPr lang="en-US" altLang="en-US"/>
+          </a:p>
+        </p:txBody>
+      </p:sp>
+    </p:spTree>
+    <p:extLst>
+      <p:ext uri="{BB962C8B-B14F-4D97-AF65-F5344CB8AC3E}">
+        <p14:creationId xmlns:p14="http://schemas.microsoft.com/office/powerpoint/2010/main" val="1698759809"/>
+      </p:ext>
+    </p:extLst>
+  </p:cSld>
+  <p:clrMapOvr>
+    <a:masterClrMapping/>
+  </p:clrMapOvr>
+</p:notes>
+</file>
+
+<file path=ppt/notesSlides/notesSlide4.xml><?xml version="1.0" encoding="utf-8"?>
+<p:notes xmlns:a="http://schemas.openxmlformats.org/drawingml/2006/main" xmlns:r="http://schemas.openxmlformats.org/officeDocument/2006/relationships" xmlns:p="http://schemas.openxmlformats.org/presentationml/2006/main">
+  <p:cSld>
+    <p:spTree>
+      <p:nvGrpSpPr>
+        <p:cNvPr id="1" name=""/>
+        <p:cNvGrpSpPr/>
+        <p:nvPr/>
+      </p:nvGrpSpPr>
+      <p:grpSpPr>
+        <a:xfrm>
+          <a:off x="0" y="0"/>
+          <a:ext cx="0" cy="0"/>
+          <a:chOff x="0" y="0"/>
+          <a:chExt cx="0" cy="0"/>
+        </a:xfrm>
+      </p:grpSpPr>
+      <p:sp>
+        <p:nvSpPr>
+          <p:cNvPr id="2" name="Slide Image Placeholder 1"/>
+          <p:cNvSpPr>
+            <a:spLocks noGrp="1" noRot="1" noChangeAspect="1"/>
+          </p:cNvSpPr>
+          <p:nvPr>
+            <p:ph type="sldImg"/>
+          </p:nvPr>
+        </p:nvSpPr>
+        <p:spPr/>
+      </p:sp>
+      <p:sp>
+        <p:nvSpPr>
+          <p:cNvPr id="3" name="Notes Placeholder 2"/>
+          <p:cNvSpPr>
+            <a:spLocks noGrp="1"/>
+          </p:cNvSpPr>
+          <p:nvPr>
+            <p:ph type="body" idx="1"/>
+          </p:nvPr>
+        </p:nvSpPr>
+        <p:spPr/>
+        <p:txBody>
+          <a:bodyPr/>
+          <a:lstStyle/>
+          <a:p>
+            <a:r>
+              <a:rPr lang="en-US" dirty="0" smtClean="0"/>
+              <a:t>Define </a:t>
+            </a:r>
+          </a:p>
+          <a:p>
+            <a:r>
+              <a:rPr lang="en-US" dirty="0" smtClean="0"/>
+              <a:t>Mailing script</a:t>
+            </a:r>
+          </a:p>
+          <a:p>
+            <a:r>
+              <a:rPr lang="en-US" dirty="0" smtClean="0"/>
+              <a:t>Newlines </a:t>
+            </a:r>
+            <a:r>
+              <a:rPr lang="en-US" dirty="0" smtClean="0"/>
+              <a:t>= \n \r</a:t>
+            </a:r>
+          </a:p>
+          <a:p>
+            <a:r>
+              <a:rPr lang="en-US" dirty="0" smtClean="0"/>
+              <a:t>Encoded = %0a, %0d</a:t>
+            </a:r>
+          </a:p>
+          <a:p>
+            <a:endParaRPr lang="en-US" dirty="0" smtClean="0"/>
+          </a:p>
+          <a:p>
+            <a:r>
+              <a:rPr lang="en-US" dirty="0" smtClean="0"/>
+              <a:t>Headers include cc, bcc, to, from, subject </a:t>
+            </a:r>
+            <a:r>
+              <a:rPr lang="en-US" dirty="0" err="1" smtClean="0"/>
+              <a:t>etc</a:t>
+            </a:r>
+            <a:endParaRPr lang="en-US" dirty="0" smtClean="0"/>
+          </a:p>
+          <a:p>
+            <a:endParaRPr lang="en-US" dirty="0"/>
+          </a:p>
+        </p:txBody>
+      </p:sp>
+      <p:sp>
+        <p:nvSpPr>
+          <p:cNvPr id="4" name="Slide Number Placeholder 3"/>
+          <p:cNvSpPr>
+            <a:spLocks noGrp="1"/>
+          </p:cNvSpPr>
+          <p:nvPr>
+            <p:ph type="sldNum" sz="quarter" idx="10"/>
+          </p:nvPr>
+        </p:nvSpPr>
+        <p:spPr/>
+        <p:txBody>
+          <a:bodyPr/>
+          <a:lstStyle/>
+          <a:p>
+            <a:pPr>
+              <a:defRPr/>
+            </a:pPr>
+            <a:fld id="{61BDAAEF-ED04-764D-8703-B9BAE45E1C57}" type="slidenum">
+              <a:rPr lang="en-US" altLang="en-US" smtClean="0"/>
+              <a:pPr>
+                <a:defRPr/>
+              </a:pPr>
+              <a:t>4</a:t>
+            </a:fld>
+            <a:endParaRPr lang="en-US" altLang="en-US"/>
+          </a:p>
+        </p:txBody>
+      </p:sp>
+    </p:spTree>
+    <p:extLst>
+      <p:ext uri="{BB962C8B-B14F-4D97-AF65-F5344CB8AC3E}">
+        <p14:creationId xmlns:p14="http://schemas.microsoft.com/office/powerpoint/2010/main" val="941635693"/>
+      </p:ext>
+    </p:extLst>
+  </p:cSld>
+  <p:clrMapOvr>
+    <a:masterClrMapping/>
+  </p:clrMapOvr>
+</p:notes>
+</file>
+
+<file path=ppt/notesSlides/notesSlide5.xml><?xml version="1.0" encoding="utf-8"?>
+<p:notes xmlns:a="http://schemas.openxmlformats.org/drawingml/2006/main" xmlns:r="http://schemas.openxmlformats.org/officeDocument/2006/relationships" xmlns:p="http://schemas.openxmlformats.org/presentationml/2006/main">
+  <p:cSld>
+    <p:spTree>
+      <p:nvGrpSpPr>
+        <p:cNvPr id="1" name=""/>
+        <p:cNvGrpSpPr/>
+        <p:nvPr/>
+      </p:nvGrpSpPr>
+      <p:grpSpPr>
+        <a:xfrm>
+          <a:off x="0" y="0"/>
+          <a:ext cx="0" cy="0"/>
+          <a:chOff x="0" y="0"/>
+          <a:chExt cx="0" cy="0"/>
+        </a:xfrm>
+      </p:grpSpPr>
+      <p:sp>
+        <p:nvSpPr>
+          <p:cNvPr id="2" name="Slide Image Placeholder 1"/>
+          <p:cNvSpPr>
+            <a:spLocks noGrp="1" noRot="1" noChangeAspect="1"/>
+          </p:cNvSpPr>
+          <p:nvPr>
+            <p:ph type="sldImg"/>
+          </p:nvPr>
+        </p:nvSpPr>
+        <p:spPr/>
+      </p:sp>
+      <p:sp>
+        <p:nvSpPr>
+          <p:cNvPr id="3" name="Notes Placeholder 2"/>
+          <p:cNvSpPr>
+            <a:spLocks noGrp="1"/>
+          </p:cNvSpPr>
+          <p:nvPr>
+            <p:ph type="body" idx="1"/>
+          </p:nvPr>
+        </p:nvSpPr>
+        <p:spPr/>
+        <p:txBody>
+          <a:bodyPr/>
+          <a:lstStyle/>
+          <a:p>
+            <a:r>
+              <a:rPr lang="en-US" dirty="0" smtClean="0"/>
+              <a:t>Explain what this form does, where it</a:t>
+            </a:r>
+            <a:r>
+              <a:rPr lang="en-US" baseline="0" dirty="0" smtClean="0"/>
+              <a:t> sends data and move to next slide to show the mailing script</a:t>
+            </a:r>
+            <a:endParaRPr lang="en-US" dirty="0"/>
+          </a:p>
+        </p:txBody>
+      </p:sp>
+      <p:sp>
+        <p:nvSpPr>
+          <p:cNvPr id="4" name="Slide Number Placeholder 3"/>
+          <p:cNvSpPr>
+            <a:spLocks noGrp="1"/>
+          </p:cNvSpPr>
+          <p:nvPr>
+            <p:ph type="sldNum" sz="quarter" idx="10"/>
+          </p:nvPr>
+        </p:nvSpPr>
+        <p:spPr/>
+        <p:txBody>
+          <a:bodyPr/>
+          <a:lstStyle/>
+          <a:p>
+            <a:fld id="{E6E4BBB4-C3E6-4210-888D-95FC20400B6D}" type="slidenum">
+              <a:rPr lang="en-US" smtClean="0"/>
+              <a:t>5</a:t>
+            </a:fld>
+            <a:endParaRPr lang="en-US"/>
+          </a:p>
+        </p:txBody>
+      </p:sp>
+    </p:spTree>
+    <p:extLst>
+      <p:ext uri="{BB962C8B-B14F-4D97-AF65-F5344CB8AC3E}">
+        <p14:creationId xmlns:p14="http://schemas.microsoft.com/office/powerpoint/2010/main" val="1791589104"/>
+      </p:ext>
+    </p:extLst>
+  </p:cSld>
+  <p:clrMapOvr>
+    <a:masterClrMapping/>
+  </p:clrMapOvr>
+</p:notes>
+</file>
+
+<file path=ppt/notesSlides/notesSlide6.xml><?xml version="1.0" encoding="utf-8"?>
+<p:notes xmlns:a="http://schemas.openxmlformats.org/drawingml/2006/main" xmlns:r="http://schemas.openxmlformats.org/officeDocument/2006/relationships" xmlns:p="http://schemas.openxmlformats.org/presentationml/2006/main">
+  <p:cSld>
+    <p:spTree>
+      <p:nvGrpSpPr>
+        <p:cNvPr id="1" name=""/>
+        <p:cNvGrpSpPr/>
+        <p:nvPr/>
+      </p:nvGrpSpPr>
+      <p:grpSpPr>
+        <a:xfrm>
+          <a:off x="0" y="0"/>
+          <a:ext cx="0" cy="0"/>
+          <a:chOff x="0" y="0"/>
+          <a:chExt cx="0" cy="0"/>
+        </a:xfrm>
+      </p:grpSpPr>
+      <p:sp>
+        <p:nvSpPr>
+          <p:cNvPr id="2" name="Slide Image Placeholder 1"/>
+          <p:cNvSpPr>
+            <a:spLocks noGrp="1" noRot="1" noChangeAspect="1"/>
+          </p:cNvSpPr>
+          <p:nvPr>
+            <p:ph type="sldImg"/>
+          </p:nvPr>
+        </p:nvSpPr>
+        <p:spPr/>
+      </p:sp>
+      <p:sp>
+        <p:nvSpPr>
+          <p:cNvPr id="3" name="Notes Placeholder 2"/>
+          <p:cNvSpPr>
+            <a:spLocks noGrp="1"/>
+          </p:cNvSpPr>
+          <p:nvPr>
+            <p:ph type="body" idx="1"/>
+          </p:nvPr>
+        </p:nvSpPr>
+        <p:spPr/>
+        <p:txBody>
+          <a:bodyPr/>
+          <a:lstStyle/>
+          <a:p>
+            <a:r>
+              <a:rPr lang="en-US" dirty="0" smtClean="0"/>
+              <a:t>$from</a:t>
+            </a:r>
+            <a:r>
+              <a:rPr lang="en-US" baseline="0" dirty="0" smtClean="0"/>
+              <a:t> is the vulnerable variable, as we directly use user input to construct the message</a:t>
+            </a:r>
+            <a:endParaRPr lang="en-US" dirty="0"/>
+          </a:p>
+        </p:txBody>
+      </p:sp>
+      <p:sp>
+        <p:nvSpPr>
+          <p:cNvPr id="4" name="Slide Number Placeholder 3"/>
+          <p:cNvSpPr>
+            <a:spLocks noGrp="1"/>
+          </p:cNvSpPr>
+          <p:nvPr>
+            <p:ph type="sldNum" sz="quarter" idx="10"/>
+          </p:nvPr>
+        </p:nvSpPr>
+        <p:spPr/>
+        <p:txBody>
+          <a:bodyPr/>
+          <a:lstStyle/>
+          <a:p>
+            <a:fld id="{E6E4BBB4-C3E6-4210-888D-95FC20400B6D}" type="slidenum">
+              <a:rPr lang="en-US" smtClean="0"/>
+              <a:t>6</a:t>
+            </a:fld>
+            <a:endParaRPr lang="en-US"/>
+          </a:p>
+        </p:txBody>
+      </p:sp>
+    </p:spTree>
+    <p:extLst>
+      <p:ext uri="{BB962C8B-B14F-4D97-AF65-F5344CB8AC3E}">
+        <p14:creationId xmlns:p14="http://schemas.microsoft.com/office/powerpoint/2010/main" val="958019164"/>
+      </p:ext>
+    </p:extLst>
+  </p:cSld>
+  <p:clrMapOvr>
+    <a:masterClrMapping/>
+  </p:clrMapOvr>
+</p:notes>
+</file>
+
+<file path=ppt/notesSlides/notesSlide7.xml><?xml version="1.0" encoding="utf-8"?>
+<p:notes xmlns:a="http://schemas.openxmlformats.org/drawingml/2006/main" xmlns:r="http://schemas.openxmlformats.org/officeDocument/2006/relationships" xmlns:p="http://schemas.openxmlformats.org/presentationml/2006/main">
+  <p:cSld>
+    <p:spTree>
+      <p:nvGrpSpPr>
+        <p:cNvPr id="1" name=""/>
+        <p:cNvGrpSpPr/>
+        <p:nvPr/>
+      </p:nvGrpSpPr>
+      <p:grpSpPr>
+        <a:xfrm>
+          <a:off x="0" y="0"/>
+          <a:ext cx="0" cy="0"/>
+          <a:chOff x="0" y="0"/>
+          <a:chExt cx="0" cy="0"/>
+        </a:xfrm>
+      </p:grpSpPr>
+      <p:sp>
+        <p:nvSpPr>
+          <p:cNvPr id="2" name="Slide Image Placeholder 1"/>
+          <p:cNvSpPr>
+            <a:spLocks noGrp="1" noRot="1" noChangeAspect="1"/>
+          </p:cNvSpPr>
+          <p:nvPr>
+            <p:ph type="sldImg"/>
+          </p:nvPr>
+        </p:nvSpPr>
+        <p:spPr/>
+      </p:sp>
+      <p:sp>
+        <p:nvSpPr>
+          <p:cNvPr id="3" name="Notes Placeholder 2"/>
+          <p:cNvSpPr>
+            <a:spLocks noGrp="1"/>
+          </p:cNvSpPr>
+          <p:nvPr>
+            <p:ph type="body" idx="1"/>
+          </p:nvPr>
+        </p:nvSpPr>
+        <p:spPr/>
+        <p:txBody>
+          <a:bodyPr/>
+          <a:lstStyle/>
+          <a:p>
+            <a:r>
+              <a:rPr lang="en-US" dirty="0" smtClean="0"/>
+              <a:t>Point out the additional headers appended after From: </a:t>
+            </a:r>
+            <a:r>
+              <a:rPr lang="en-US" dirty="0" err="1" smtClean="0"/>
+              <a:t>sai@sai.com</a:t>
+            </a:r>
+            <a:endParaRPr lang="en-US" dirty="0"/>
+          </a:p>
+        </p:txBody>
+      </p:sp>
+      <p:sp>
+        <p:nvSpPr>
+          <p:cNvPr id="4" name="Slide Number Placeholder 3"/>
+          <p:cNvSpPr>
+            <a:spLocks noGrp="1"/>
+          </p:cNvSpPr>
+          <p:nvPr>
+            <p:ph type="sldNum" sz="quarter" idx="10"/>
+          </p:nvPr>
+        </p:nvSpPr>
+        <p:spPr/>
+        <p:txBody>
+          <a:bodyPr/>
+          <a:lstStyle/>
+          <a:p>
+            <a:fld id="{E6E4BBB4-C3E6-4210-888D-95FC20400B6D}" type="slidenum">
+              <a:rPr lang="en-US" smtClean="0"/>
+              <a:t>7</a:t>
+            </a:fld>
+            <a:endParaRPr lang="en-US"/>
+          </a:p>
+        </p:txBody>
+      </p:sp>
+    </p:spTree>
+    <p:extLst>
+      <p:ext uri="{BB962C8B-B14F-4D97-AF65-F5344CB8AC3E}">
+        <p14:creationId xmlns:p14="http://schemas.microsoft.com/office/powerpoint/2010/main" val="1123743016"/>
+      </p:ext>
+    </p:extLst>
+  </p:cSld>
+  <p:clrMapOvr>
+    <a:masterClrMapping/>
+  </p:clrMapOvr>
+</p:notes>
+</file>
+
+<file path=ppt/notesSlides/notesSlide8.xml><?xml version="1.0" encoding="utf-8"?>
+<p:notes xmlns:a="http://schemas.openxmlformats.org/drawingml/2006/main" xmlns:r="http://schemas.openxmlformats.org/officeDocument/2006/relationships" xmlns:p="http://schemas.openxmlformats.org/presentationml/2006/main">
+  <p:cSld>
+    <p:spTree>
+      <p:nvGrpSpPr>
+        <p:cNvPr id="1" name=""/>
+        <p:cNvGrpSpPr/>
+        <p:nvPr/>
+      </p:nvGrpSpPr>
+      <p:grpSpPr>
+        <a:xfrm>
+          <a:off x="0" y="0"/>
+          <a:ext cx="0" cy="0"/>
+          <a:chOff x="0" y="0"/>
+          <a:chExt cx="0" cy="0"/>
+        </a:xfrm>
+      </p:grpSpPr>
+      <p:sp>
+        <p:nvSpPr>
+          <p:cNvPr id="2" name="Slide Image Placeholder 1"/>
+          <p:cNvSpPr>
+            <a:spLocks noGrp="1" noRot="1" noChangeAspect="1"/>
+          </p:cNvSpPr>
+          <p:nvPr>
+            <p:ph type="sldImg"/>
+          </p:nvPr>
+        </p:nvSpPr>
+        <p:spPr/>
+      </p:sp>
+      <p:sp>
+        <p:nvSpPr>
+          <p:cNvPr id="3" name="Notes Placeholder 2"/>
+          <p:cNvSpPr>
+            <a:spLocks noGrp="1"/>
+          </p:cNvSpPr>
+          <p:nvPr>
+            <p:ph type="body" idx="1"/>
+          </p:nvPr>
+        </p:nvSpPr>
+        <p:spPr/>
+        <p:txBody>
+          <a:bodyPr/>
+          <a:lstStyle/>
+          <a:p>
+            <a:r>
+              <a:rPr lang="en-US" dirty="0" smtClean="0"/>
+              <a:t>These</a:t>
+            </a:r>
+            <a:r>
+              <a:rPr lang="en-US" baseline="0" dirty="0" smtClean="0"/>
+              <a:t> are headers that </a:t>
+            </a:r>
+            <a:r>
+              <a:rPr lang="en-US" dirty="0" smtClean="0"/>
+              <a:t>can be injected, discuss uses</a:t>
+            </a:r>
+            <a:endParaRPr lang="en-US" dirty="0"/>
+          </a:p>
+        </p:txBody>
+      </p:sp>
+      <p:sp>
+        <p:nvSpPr>
+          <p:cNvPr id="4" name="Slide Number Placeholder 3"/>
+          <p:cNvSpPr>
+            <a:spLocks noGrp="1"/>
+          </p:cNvSpPr>
+          <p:nvPr>
+            <p:ph type="sldNum" sz="quarter" idx="10"/>
+          </p:nvPr>
+        </p:nvSpPr>
+        <p:spPr/>
+        <p:txBody>
+          <a:bodyPr/>
+          <a:lstStyle/>
+          <a:p>
+            <a:pPr>
+              <a:defRPr/>
+            </a:pPr>
+            <a:fld id="{61BDAAEF-ED04-764D-8703-B9BAE45E1C57}" type="slidenum">
+              <a:rPr lang="en-US" altLang="en-US" smtClean="0"/>
+              <a:pPr>
+                <a:defRPr/>
+              </a:pPr>
+              <a:t>8</a:t>
+            </a:fld>
+            <a:endParaRPr lang="en-US" altLang="en-US"/>
+          </a:p>
+        </p:txBody>
+      </p:sp>
+    </p:spTree>
+    <p:extLst>
+      <p:ext uri="{BB962C8B-B14F-4D97-AF65-F5344CB8AC3E}">
+        <p14:creationId xmlns:p14="http://schemas.microsoft.com/office/powerpoint/2010/main" val="1735818528"/>
+      </p:ext>
+    </p:extLst>
+  </p:cSld>
+  <p:clrMapOvr>
+    <a:masterClrMapping/>
+  </p:clrMapOvr>
+</p:notes>
+</file>
+
+<file path=ppt/notesSlides/notesSlide9.xml><?xml version="1.0" encoding="utf-8"?>
+<p:notes xmlns:a="http://schemas.openxmlformats.org/drawingml/2006/main" xmlns:r="http://schemas.openxmlformats.org/officeDocument/2006/relationships" xmlns:p="http://schemas.openxmlformats.org/presentationml/2006/main">
+  <p:cSld>
+    <p:spTree>
+      <p:nvGrpSpPr>
+        <p:cNvPr id="1" name=""/>
+        <p:cNvGrpSpPr/>
+        <p:nvPr/>
+      </p:nvGrpSpPr>
+      <p:grpSpPr>
+        <a:xfrm>
+          <a:off x="0" y="0"/>
+          <a:ext cx="0" cy="0"/>
+          <a:chOff x="0" y="0"/>
+          <a:chExt cx="0" cy="0"/>
+        </a:xfrm>
+      </p:grpSpPr>
+      <p:sp>
+        <p:nvSpPr>
+          <p:cNvPr id="2" name="Slide Image Placeholder 1"/>
+          <p:cNvSpPr>
+            <a:spLocks noGrp="1" noRot="1" noChangeAspect="1"/>
+          </p:cNvSpPr>
+          <p:nvPr>
+            <p:ph type="sldImg"/>
+          </p:nvPr>
+        </p:nvSpPr>
+        <p:spPr/>
+      </p:sp>
+      <p:sp>
+        <p:nvSpPr>
+          <p:cNvPr id="3" name="Notes Placeholder 2"/>
+          <p:cNvSpPr>
+            <a:spLocks noGrp="1"/>
+          </p:cNvSpPr>
+          <p:nvPr>
+            <p:ph type="body" idx="1"/>
+          </p:nvPr>
+        </p:nvSpPr>
+        <p:spPr/>
+        <p:txBody>
+          <a:bodyPr/>
+          <a:lstStyle/>
+          <a:p>
+            <a:r>
+              <a:rPr lang="en-US" dirty="0" err="1" smtClean="0"/>
+              <a:t>.net’s</a:t>
+            </a:r>
+            <a:r>
+              <a:rPr lang="en-US" dirty="0" smtClean="0"/>
+              <a:t> mail functionality provides inbuilt sanitization for header </a:t>
+            </a:r>
+            <a:r>
+              <a:rPr lang="en-US" dirty="0" smtClean="0"/>
+              <a:t>injections</a:t>
+            </a:r>
+          </a:p>
+          <a:p>
+            <a:endParaRPr lang="en-US" dirty="0" smtClean="0"/>
+          </a:p>
+          <a:p>
+            <a:r>
+              <a:rPr lang="en-US" dirty="0" smtClean="0"/>
+              <a:t>Why is it a major risk? </a:t>
+            </a:r>
+            <a:r>
+              <a:rPr lang="en-US" dirty="0" err="1" smtClean="0"/>
+              <a:t>Cuz</a:t>
+            </a:r>
+            <a:r>
+              <a:rPr lang="en-US" dirty="0" smtClean="0"/>
+              <a:t> its widespread and is seen in most popular</a:t>
+            </a:r>
+            <a:r>
+              <a:rPr lang="en-US" baseline="0" dirty="0" smtClean="0"/>
+              <a:t> langs.</a:t>
+            </a:r>
+          </a:p>
+          <a:p>
+            <a:endParaRPr lang="en-US" baseline="0" dirty="0" smtClean="0"/>
+          </a:p>
+        </p:txBody>
+      </p:sp>
+      <p:sp>
+        <p:nvSpPr>
+          <p:cNvPr id="4" name="Slide Number Placeholder 3"/>
+          <p:cNvSpPr>
+            <a:spLocks noGrp="1"/>
+          </p:cNvSpPr>
+          <p:nvPr>
+            <p:ph type="sldNum" sz="quarter" idx="10"/>
+          </p:nvPr>
+        </p:nvSpPr>
+        <p:spPr/>
+        <p:txBody>
+          <a:bodyPr/>
+          <a:lstStyle/>
+          <a:p>
+            <a:pPr>
+              <a:defRPr/>
+            </a:pPr>
+            <a:fld id="{61BDAAEF-ED04-764D-8703-B9BAE45E1C57}" type="slidenum">
+              <a:rPr lang="en-US" altLang="en-US" smtClean="0"/>
+              <a:pPr>
+                <a:defRPr/>
+              </a:pPr>
+              <a:t>9</a:t>
+            </a:fld>
+            <a:endParaRPr lang="en-US" altLang="en-US"/>
+          </a:p>
+        </p:txBody>
+      </p:sp>
+    </p:spTree>
+    <p:extLst>
+      <p:ext uri="{BB962C8B-B14F-4D97-AF65-F5344CB8AC3E}">
+        <p14:creationId xmlns:p14="http://schemas.microsoft.com/office/powerpoint/2010/main" val="1851920212"/>
+      </p:ext>
+    </p:extLst>
+  </p:cSld>
+  <p:clrMapOvr>
+    <a:masterClrMapping/>
+  </p:clrMapOvr>
+</p:notes>
+</file>
+
 <file path=ppt/slideLayouts/slideLayout1.xml><?xml version="1.0" encoding="utf-8"?>
 <p:sldLayout xmlns:a="http://schemas.openxmlformats.org/drawingml/2006/main" xmlns:r="http://schemas.openxmlformats.org/officeDocument/2006/relationships" xmlns:p="http://schemas.openxmlformats.org/presentationml/2006/main" showMasterSp="0" preserve="1" userDrawn="1">
   <p:cSld name="Title Slide">
@@ -797,7 +3186,7 @@
           <a:p>
             <a:fld id="{04770304-5C60-458F-A6BB-3BBAB3B19EF6}" type="datetime1">
               <a:rPr lang="en-US" smtClean="0"/>
-              <a:t>1/12/2017</a:t>
+              <a:t>1/13/17</a:t>
             </a:fld>
             <a:endParaRPr lang="en-US"/>
           </a:p>
@@ -1112,7 +3501,7 @@
           <a:p>
             <a:fld id="{DE398D0C-AA7E-414C-A835-AE605FA83C34}" type="datetime1">
               <a:rPr lang="en-US" smtClean="0"/>
-              <a:t>1/12/2017</a:t>
+              <a:t>1/13/17</a:t>
             </a:fld>
             <a:endParaRPr lang="en-US"/>
           </a:p>
@@ -1570,7 +3959,7 @@
           <a:p>
             <a:fld id="{36730C34-0506-4CF7-B0D3-40606C2F5343}" type="datetime1">
               <a:rPr lang="en-US" smtClean="0"/>
-              <a:t>1/12/2017</a:t>
+              <a:t>1/13/17</a:t>
             </a:fld>
             <a:endParaRPr lang="en-US"/>
           </a:p>
@@ -1699,7 +4088,7 @@
           <a:p>
             <a:fld id="{7E638A72-4218-413B-ABBD-61C5D4B5E06B}" type="datetime1">
               <a:rPr lang="en-US" smtClean="0"/>
-              <a:t>1/12/2017</a:t>
+              <a:t>1/13/17</a:t>
             </a:fld>
             <a:endParaRPr lang="en-US"/>
           </a:p>
@@ -1805,7 +4194,7 @@
           <a:p>
             <a:fld id="{2E3D0D2D-F2B5-4242-A2EB-D3660A59FE3A}" type="datetime1">
               <a:rPr lang="en-US" smtClean="0"/>
-              <a:t>1/12/2017</a:t>
+              <a:t>1/13/17</a:t>
             </a:fld>
             <a:endParaRPr lang="en-US"/>
           </a:p>
@@ -2121,7 +4510,7 @@
           <a:p>
             <a:fld id="{5018D1F3-B46E-4AD5-8B6C-406EE51E2536}" type="datetime1">
               <a:rPr lang="en-US" smtClean="0"/>
-              <a:t>1/12/2017</a:t>
+              <a:t>1/13/17</a:t>
             </a:fld>
             <a:endParaRPr lang="en-US"/>
           </a:p>
@@ -2401,7 +4790,7 @@
           <a:p>
             <a:fld id="{36486CBE-FBB4-4940-AF78-71659E8A4DC4}" type="datetime1">
               <a:rPr lang="en-US" smtClean="0"/>
-              <a:t>1/12/2017</a:t>
+              <a:t>1/13/17</a:t>
             </a:fld>
             <a:endParaRPr lang="en-US"/>
           </a:p>
@@ -2634,7 +5023,7 @@
           <a:p>
             <a:fld id="{99194092-3354-4929-B16E-4A566CB03891}" type="datetime1">
               <a:rPr lang="en-US" smtClean="0"/>
-              <a:t>1/12/2017</a:t>
+              <a:t>1/13/17</a:t>
             </a:fld>
             <a:endParaRPr lang="en-US"/>
           </a:p>
@@ -3068,11 +5457,18 @@
           <a:bodyPr/>
           <a:lstStyle/>
           <a:p>
-            <a:r>
-              <a:rPr lang="en-US" dirty="0" smtClean="0"/>
-              <a:t>Title</a:t>
-            </a:r>
-            <a:endParaRPr lang="en-US" dirty="0"/>
+            <a:pPr>
+              <a:lnSpc>
+                <a:spcPts val="4875"/>
+              </a:lnSpc>
+            </a:pPr>
+            <a:r>
+              <a:rPr lang="en-US" altLang="en-US" sz="4800" dirty="0">
+                <a:latin typeface="Calibri" charset="0"/>
+              </a:rPr>
+              <a:t>Email Header Injection Vulnerabilities</a:t>
+            </a:r>
+            <a:endParaRPr lang="en-US" altLang="en-US" sz="4800" b="1" dirty="0"/>
           </a:p>
         </p:txBody>
       </p:sp>
@@ -3097,10 +5493,16 @@
           <a:lstStyle/>
           <a:p>
             <a:r>
-              <a:rPr lang="en-US" dirty="0" smtClean="0"/>
-              <a:t>Speaker Name</a:t>
-            </a:r>
-            <a:endParaRPr lang="en-US" dirty="0"/>
+              <a:rPr lang="en-US" altLang="en-US" dirty="0">
+                <a:latin typeface="Gill Sans MT" charset="0"/>
+                <a:ea typeface="MS PGothic" charset="-128"/>
+              </a:rPr>
+              <a:t>Sai Prashanth Chandramouli</a:t>
+            </a:r>
+            <a:endParaRPr lang="en-US" altLang="en-US" dirty="0">
+              <a:latin typeface="Gill Sans MT" charset="0"/>
+              <a:ea typeface="MS PGothic" charset="-128"/>
+            </a:endParaRPr>
           </a:p>
         </p:txBody>
       </p:sp>
@@ -3124,8 +5526,8 @@
 </p:sld>
 </file>
 
-<file path=ppt/slides/slide2.xml><?xml version="1.0" encoding="utf-8"?>
-<p:sld xmlns:a="http://schemas.openxmlformats.org/drawingml/2006/main" xmlns:r="http://schemas.openxmlformats.org/officeDocument/2006/relationships" xmlns:p="http://schemas.openxmlformats.org/presentationml/2006/main" showMasterSp="0">
+<file path=ppt/slides/slide10.xml><?xml version="1.0" encoding="utf-8"?>
+<p:sld xmlns:a="http://schemas.openxmlformats.org/drawingml/2006/main" xmlns:r="http://schemas.openxmlformats.org/officeDocument/2006/relationships" xmlns:p="http://schemas.openxmlformats.org/presentationml/2006/main">
   <p:cSld>
     <p:spTree>
       <p:nvGrpSpPr>
@@ -3158,7 +5560,7 @@
           <a:p>
             <a:r>
               <a:rPr lang="en-US" dirty="0" smtClean="0"/>
-              <a:t>Title</a:t>
+              <a:t>Special Case - Python</a:t>
             </a:r>
             <a:endParaRPr lang="en-US" dirty="0"/>
           </a:p>
@@ -3174,71 +5576,5451 @@
             <p:ph idx="1"/>
           </p:nvPr>
         </p:nvSpPr>
-        <p:spPr/>
-        <p:txBody>
-          <a:bodyPr/>
-          <a:lstStyle/>
-          <a:p>
-            <a:endParaRPr lang="en-US"/>
-          </a:p>
-        </p:txBody>
-      </p:sp>
-      <p:sp>
-        <p:nvSpPr>
-          <p:cNvPr id="4" name="Footer Placeholder 3"/>
-          <p:cNvSpPr>
-            <a:spLocks noGrp="1"/>
-          </p:cNvSpPr>
-          <p:nvPr>
-            <p:ph type="ftr" sz="quarter" idx="11"/>
-          </p:nvPr>
-        </p:nvSpPr>
-        <p:spPr/>
-        <p:txBody>
-          <a:bodyPr/>
-          <a:lstStyle/>
-          <a:p>
-            <a:r>
-              <a:rPr lang="en-US" smtClean="0"/>
-              <a:t>Amazon Confidential</a:t>
-            </a:r>
-            <a:endParaRPr lang="en-US"/>
-          </a:p>
-        </p:txBody>
-      </p:sp>
-      <p:sp>
-        <p:nvSpPr>
-          <p:cNvPr id="5" name="Slide Number Placeholder 4"/>
-          <p:cNvSpPr>
-            <a:spLocks noGrp="1"/>
-          </p:cNvSpPr>
-          <p:nvPr>
-            <p:ph type="sldNum" sz="quarter" idx="12"/>
-          </p:nvPr>
-        </p:nvSpPr>
-        <p:spPr/>
-        <p:txBody>
-          <a:bodyPr/>
-          <a:lstStyle/>
-          <a:p>
-            <a:fld id="{C65DCCF2-6008-4DE1-A65C-BCDCF780F6E1}" type="slidenum">
-              <a:rPr lang="en-US" smtClean="0"/>
-              <a:t>2</a:t>
+        <p:spPr>
+          <a:xfrm>
+            <a:off x="556591" y="1210411"/>
+            <a:ext cx="8160026" cy="3394472"/>
+          </a:xfrm>
+        </p:spPr>
+        <p:txBody>
+          <a:bodyPr>
+            <a:normAutofit/>
+          </a:bodyPr>
+          <a:lstStyle/>
+          <a:p>
+            <a:pPr>
+              <a:lnSpc>
+                <a:spcPct val="150000"/>
+              </a:lnSpc>
+            </a:pPr>
+            <a:r>
+              <a:rPr lang="en-US" dirty="0" smtClean="0"/>
+              <a:t>Python’s </a:t>
+            </a:r>
+            <a:r>
+              <a:rPr lang="en-US" dirty="0"/>
+              <a:t>exhibited behavior when attaching </a:t>
+            </a:r>
+            <a:r>
+              <a:rPr lang="en-US" dirty="0" smtClean="0"/>
+              <a:t>headers: instead </a:t>
+            </a:r>
+            <a:r>
+              <a:rPr lang="en-US" dirty="0"/>
+              <a:t>of overwriting a header if it is already present, it ignores duplicate </a:t>
+            </a:r>
+            <a:r>
+              <a:rPr lang="en-US" dirty="0" smtClean="0"/>
+              <a:t>headers </a:t>
+            </a:r>
+          </a:p>
+          <a:p>
+            <a:pPr>
+              <a:lnSpc>
+                <a:spcPct val="150000"/>
+              </a:lnSpc>
+            </a:pPr>
+            <a:r>
+              <a:rPr lang="en-US" dirty="0" smtClean="0"/>
+              <a:t>Hence</a:t>
+            </a:r>
+            <a:r>
+              <a:rPr lang="en-US" dirty="0"/>
+              <a:t>, </a:t>
+            </a:r>
+            <a:r>
+              <a:rPr lang="en-US" dirty="0" smtClean="0"/>
+              <a:t>as an attacker we can inject </a:t>
+            </a:r>
+            <a:r>
+              <a:rPr lang="en-US" dirty="0"/>
+              <a:t>our own </a:t>
+            </a:r>
+            <a:r>
+              <a:rPr lang="en-US" dirty="0" smtClean="0"/>
+              <a:t>unique </a:t>
+            </a:r>
+            <a:r>
+              <a:rPr lang="en-US" dirty="0" smtClean="0"/>
+              <a:t>header </a:t>
+            </a:r>
+            <a:r>
+              <a:rPr lang="en-US" dirty="0" smtClean="0"/>
+              <a:t>‘x-check’ </a:t>
+            </a:r>
+            <a:r>
+              <a:rPr lang="en-US" dirty="0"/>
+              <a:t>to </a:t>
+            </a:r>
+            <a:r>
+              <a:rPr lang="en-US" dirty="0" smtClean="0"/>
+              <a:t>verify </a:t>
+            </a:r>
+            <a:r>
+              <a:rPr lang="en-US" dirty="0"/>
+              <a:t>if </a:t>
+            </a:r>
+            <a:r>
+              <a:rPr lang="en-US" dirty="0" smtClean="0"/>
+              <a:t>an injection attempt was </a:t>
+            </a:r>
+            <a:r>
+              <a:rPr lang="en-US" dirty="0" smtClean="0"/>
+              <a:t>successful</a:t>
+            </a:r>
+          </a:p>
+          <a:p>
+            <a:pPr lvl="1">
+              <a:lnSpc>
+                <a:spcPct val="150000"/>
+              </a:lnSpc>
+            </a:pPr>
+            <a:r>
+              <a:rPr lang="en-US" sz="1350" dirty="0" err="1"/>
+              <a:t>nuser@example.com</a:t>
+            </a:r>
+            <a:r>
+              <a:rPr lang="en-US" sz="1350" dirty="0"/>
+              <a:t>\</a:t>
+            </a:r>
+            <a:r>
+              <a:rPr lang="en-US" sz="1350" dirty="0" err="1"/>
+              <a:t>nbcc:maluser@example.com</a:t>
+            </a:r>
+            <a:r>
+              <a:rPr lang="en-US" sz="1350" dirty="0"/>
+              <a:t>\</a:t>
+            </a:r>
+            <a:r>
+              <a:rPr lang="en-US" sz="1350" dirty="0" err="1"/>
+              <a:t>nx−check:in</a:t>
+            </a:r>
+            <a:r>
+              <a:rPr lang="en-US" sz="1350" dirty="0"/>
+              <a:t> </a:t>
+            </a:r>
+          </a:p>
+          <a:p>
+            <a:pPr lvl="1">
+              <a:lnSpc>
+                <a:spcPct val="150000"/>
+              </a:lnSpc>
+            </a:pPr>
+            <a:endParaRPr lang="en-US" dirty="0"/>
+          </a:p>
+          <a:p>
+            <a:pPr>
+              <a:lnSpc>
+                <a:spcPct val="150000"/>
+              </a:lnSpc>
+            </a:pPr>
+            <a:endParaRPr lang="en-US" dirty="0"/>
+          </a:p>
+        </p:txBody>
+      </p:sp>
+      <p:sp>
+        <p:nvSpPr>
+          <p:cNvPr id="4" name="Slide Number Placeholder 3"/>
+          <p:cNvSpPr>
+            <a:spLocks noGrp="1"/>
+          </p:cNvSpPr>
+          <p:nvPr>
+            <p:ph type="sldNum" sz="quarter" idx="10"/>
+          </p:nvPr>
+        </p:nvSpPr>
+        <p:spPr/>
+        <p:txBody>
+          <a:bodyPr/>
+          <a:lstStyle/>
+          <a:p>
+            <a:pPr>
+              <a:defRPr/>
+            </a:pPr>
+            <a:fld id="{A6049551-C800-0F49-AC98-3AEA702B0E63}" type="slidenum">
+              <a:rPr lang="en-US" altLang="en-US" smtClean="0"/>
+              <a:pPr>
+                <a:defRPr/>
+              </a:pPr>
+              <a:t>10</a:t>
             </a:fld>
-            <a:endParaRPr lang="en-US"/>
+            <a:endParaRPr lang="en-US" altLang="en-US"/>
+          </a:p>
+        </p:txBody>
+      </p:sp>
+      <p:sp>
+        <p:nvSpPr>
+          <p:cNvPr id="5" name="Date Placeholder 4"/>
+          <p:cNvSpPr>
+            <a:spLocks noGrp="1"/>
+          </p:cNvSpPr>
+          <p:nvPr>
+            <p:ph type="dt" sz="half" idx="11"/>
+          </p:nvPr>
+        </p:nvSpPr>
+        <p:spPr/>
+        <p:txBody>
+          <a:bodyPr/>
+          <a:lstStyle/>
+          <a:p>
+            <a:pPr>
+              <a:defRPr/>
+            </a:pPr>
+            <a:fld id="{C37AA8D1-E9CF-2944-A66E-EFC74035EB27}" type="datetime1">
+              <a:rPr lang="en-US" altLang="en-US" smtClean="0"/>
+              <a:pPr>
+                <a:defRPr/>
+              </a:pPr>
+              <a:t>1/13/17</a:t>
+            </a:fld>
+            <a:endParaRPr lang="en-US" altLang="en-US"/>
           </a:p>
         </p:txBody>
       </p:sp>
     </p:spTree>
     <p:extLst>
       <p:ext uri="{BB962C8B-B14F-4D97-AF65-F5344CB8AC3E}">
-        <p14:creationId xmlns:p14="http://schemas.microsoft.com/office/powerpoint/2010/main" val="2444710668"/>
+        <p14:creationId xmlns:p14="http://schemas.microsoft.com/office/powerpoint/2010/main" val="2122349555"/>
       </p:ext>
     </p:extLst>
   </p:cSld>
   <p:clrMapOvr>
     <a:masterClrMapping/>
   </p:clrMapOvr>
+  <mc:AlternateContent xmlns:mc="http://schemas.openxmlformats.org/markup-compatibility/2006" xmlns:p14="http://schemas.microsoft.com/office/powerpoint/2010/main">
+    <mc:Choice Requires="p14">
+      <p:transition spd="slow" p14:dur="2000"/>
+    </mc:Choice>
+    <mc:Fallback xmlns="">
+      <p:transition spd="slow"/>
+    </mc:Fallback>
+  </mc:AlternateContent>
+  <p:timing>
+    <p:tnLst>
+      <p:par>
+        <p:cTn id="1" dur="indefinite" restart="never" nodeType="tmRoot"/>
+      </p:par>
+    </p:tnLst>
+  </p:timing>
+</p:sld>
+</file>
+
+<file path=ppt/slides/slide11.xml><?xml version="1.0" encoding="utf-8"?>
+<p:sld xmlns:a="http://schemas.openxmlformats.org/drawingml/2006/main" xmlns:r="http://schemas.openxmlformats.org/officeDocument/2006/relationships" xmlns:p="http://schemas.openxmlformats.org/presentationml/2006/main">
+  <p:cSld>
+    <p:spTree>
+      <p:nvGrpSpPr>
+        <p:cNvPr id="1" name=""/>
+        <p:cNvGrpSpPr/>
+        <p:nvPr/>
+      </p:nvGrpSpPr>
+      <p:grpSpPr>
+        <a:xfrm>
+          <a:off x="0" y="0"/>
+          <a:ext cx="0" cy="0"/>
+          <a:chOff x="0" y="0"/>
+          <a:chExt cx="0" cy="0"/>
+        </a:xfrm>
+      </p:grpSpPr>
+      <p:sp>
+        <p:nvSpPr>
+          <p:cNvPr id="19457" name="Title 1"/>
+          <p:cNvSpPr>
+            <a:spLocks noGrp="1"/>
+          </p:cNvSpPr>
+          <p:nvPr>
+            <p:ph type="title"/>
+          </p:nvPr>
+        </p:nvSpPr>
+        <p:spPr/>
+        <p:txBody>
+          <a:bodyPr/>
+          <a:lstStyle/>
+          <a:p>
+            <a:r>
+              <a:rPr lang="en-US" altLang="en-US" dirty="0" smtClean="0">
+                <a:latin typeface="Gill Sans MT" charset="0"/>
+                <a:ea typeface="MS PGothic" charset="-128"/>
+              </a:rPr>
+              <a:t>Potential Impact - What </a:t>
+            </a:r>
+            <a:r>
+              <a:rPr lang="en-US" altLang="en-US" dirty="0">
+                <a:latin typeface="Gill Sans MT" charset="0"/>
+                <a:ea typeface="MS PGothic" charset="-128"/>
+              </a:rPr>
+              <a:t>can it do?</a:t>
+            </a:r>
+          </a:p>
+        </p:txBody>
+      </p:sp>
+      <p:sp>
+        <p:nvSpPr>
+          <p:cNvPr id="19458" name="Content Placeholder 2"/>
+          <p:cNvSpPr>
+            <a:spLocks noGrp="1"/>
+          </p:cNvSpPr>
+          <p:nvPr>
+            <p:ph idx="1"/>
+          </p:nvPr>
+        </p:nvSpPr>
+        <p:spPr>
+          <a:xfrm>
+            <a:off x="964095" y="1210866"/>
+            <a:ext cx="6937513" cy="3394472"/>
+          </a:xfrm>
+        </p:spPr>
+        <p:txBody>
+          <a:bodyPr/>
+          <a:lstStyle/>
+          <a:p>
+            <a:pPr>
+              <a:lnSpc>
+                <a:spcPct val="150000"/>
+              </a:lnSpc>
+            </a:pPr>
+            <a:r>
+              <a:rPr lang="en-US" altLang="en-US" sz="1800" dirty="0">
+                <a:latin typeface="Gill Sans MT" charset="0"/>
+                <a:ea typeface="MS PGothic" charset="-128"/>
+              </a:rPr>
+              <a:t>Email Header Injection can potentially lead to any of the following:</a:t>
+            </a:r>
+          </a:p>
+          <a:p>
+            <a:pPr lvl="1">
+              <a:lnSpc>
+                <a:spcPct val="150000"/>
+              </a:lnSpc>
+            </a:pPr>
+            <a:r>
+              <a:rPr lang="en-US" altLang="en-US" dirty="0">
+                <a:latin typeface="Gill Sans MT" charset="0"/>
+                <a:ea typeface="MS PGothic" charset="-128"/>
+              </a:rPr>
+              <a:t>Phishing  and </a:t>
+            </a:r>
+            <a:r>
+              <a:rPr lang="en-US" altLang="en-US" dirty="0" smtClean="0">
+                <a:latin typeface="Gill Sans MT" charset="0"/>
+                <a:ea typeface="MS PGothic" charset="-128"/>
+              </a:rPr>
+              <a:t>spoofing </a:t>
+            </a:r>
+            <a:r>
+              <a:rPr lang="en-US" altLang="en-US" dirty="0">
+                <a:latin typeface="Gill Sans MT" charset="0"/>
+                <a:ea typeface="MS PGothic" charset="-128"/>
+              </a:rPr>
+              <a:t>a</a:t>
+            </a:r>
+            <a:r>
+              <a:rPr lang="en-US" altLang="en-US" dirty="0" smtClean="0">
+                <a:latin typeface="Gill Sans MT" charset="0"/>
+                <a:ea typeface="MS PGothic" charset="-128"/>
+              </a:rPr>
+              <a:t>ttacks</a:t>
+            </a:r>
+          </a:p>
+          <a:p>
+            <a:pPr lvl="1">
+              <a:lnSpc>
+                <a:spcPct val="150000"/>
+              </a:lnSpc>
+            </a:pPr>
+            <a:r>
+              <a:rPr lang="en-US" altLang="en-US" dirty="0">
+                <a:latin typeface="Gill Sans MT" charset="0"/>
+                <a:ea typeface="MS PGothic" charset="-128"/>
+              </a:rPr>
+              <a:t>Spam n</a:t>
+            </a:r>
+            <a:r>
+              <a:rPr lang="en-US" altLang="en-US" dirty="0" smtClean="0">
+                <a:latin typeface="Gill Sans MT" charset="0"/>
+                <a:ea typeface="MS PGothic" charset="-128"/>
+              </a:rPr>
+              <a:t>etworks</a:t>
+            </a:r>
+            <a:endParaRPr lang="en-US" altLang="en-US" dirty="0">
+              <a:latin typeface="Gill Sans MT" charset="0"/>
+              <a:ea typeface="MS PGothic" charset="-128"/>
+            </a:endParaRPr>
+          </a:p>
+          <a:p>
+            <a:pPr lvl="1">
+              <a:lnSpc>
+                <a:spcPct val="150000"/>
+              </a:lnSpc>
+            </a:pPr>
+            <a:r>
+              <a:rPr lang="en-US" altLang="en-US" dirty="0">
+                <a:latin typeface="Gill Sans MT" charset="0"/>
+                <a:ea typeface="MS PGothic" charset="-128"/>
+              </a:rPr>
+              <a:t>Denial of </a:t>
+            </a:r>
+            <a:r>
+              <a:rPr lang="en-US" altLang="en-US" dirty="0" smtClean="0">
+                <a:latin typeface="Gill Sans MT" charset="0"/>
+                <a:ea typeface="MS PGothic" charset="-128"/>
+              </a:rPr>
+              <a:t>service by </a:t>
+            </a:r>
+            <a:r>
+              <a:rPr lang="en-US" altLang="en-US" dirty="0">
+                <a:latin typeface="Gill Sans MT" charset="0"/>
+                <a:ea typeface="MS PGothic" charset="-128"/>
+              </a:rPr>
+              <a:t>attacking the underlying mail </a:t>
+            </a:r>
+            <a:r>
+              <a:rPr lang="en-US" altLang="en-US" dirty="0" smtClean="0">
+                <a:latin typeface="Gill Sans MT" charset="0"/>
+                <a:ea typeface="MS PGothic" charset="-128"/>
+              </a:rPr>
+              <a:t>server</a:t>
+            </a:r>
+          </a:p>
+          <a:p>
+            <a:pPr lvl="1">
+              <a:lnSpc>
+                <a:spcPct val="150000"/>
+              </a:lnSpc>
+            </a:pPr>
+            <a:r>
+              <a:rPr lang="en-US" dirty="0"/>
+              <a:t>Information </a:t>
+            </a:r>
+            <a:r>
+              <a:rPr lang="en-US" dirty="0" smtClean="0"/>
+              <a:t>extraction </a:t>
+            </a:r>
+            <a:r>
+              <a:rPr lang="en-US" dirty="0"/>
+              <a:t>of legitimate </a:t>
+            </a:r>
+            <a:r>
+              <a:rPr lang="en-US" dirty="0" smtClean="0"/>
+              <a:t>users</a:t>
+            </a:r>
+          </a:p>
+          <a:p>
+            <a:pPr lvl="1">
+              <a:lnSpc>
+                <a:spcPct val="150000"/>
+              </a:lnSpc>
+            </a:pPr>
+            <a:r>
+              <a:rPr lang="en-US" altLang="en-US" dirty="0" smtClean="0">
+                <a:latin typeface="Gill Sans MT" charset="0"/>
+                <a:ea typeface="MS PGothic" charset="-128"/>
+              </a:rPr>
+              <a:t>Payloads with </a:t>
+            </a:r>
+            <a:r>
+              <a:rPr lang="en-US" altLang="en-US" dirty="0" smtClean="0">
+                <a:latin typeface="Gill Sans MT" charset="0"/>
+                <a:ea typeface="MS PGothic" charset="-128"/>
+              </a:rPr>
+              <a:t>malicious attachments</a:t>
+            </a:r>
+            <a:endParaRPr lang="en-US" altLang="en-US" dirty="0">
+              <a:latin typeface="Gill Sans MT" charset="0"/>
+              <a:ea typeface="MS PGothic" charset="-128"/>
+            </a:endParaRPr>
+          </a:p>
+          <a:p>
+            <a:pPr lvl="1">
+              <a:lnSpc>
+                <a:spcPct val="150000"/>
+              </a:lnSpc>
+            </a:pPr>
+            <a:endParaRPr lang="en-US" altLang="en-US" dirty="0">
+              <a:latin typeface="Gill Sans MT" charset="0"/>
+              <a:ea typeface="MS PGothic" charset="-128"/>
+            </a:endParaRPr>
+          </a:p>
+          <a:p>
+            <a:pPr lvl="1"/>
+            <a:endParaRPr lang="en-US" altLang="en-US" dirty="0">
+              <a:latin typeface="Gill Sans MT" charset="0"/>
+              <a:ea typeface="MS PGothic" charset="-128"/>
+            </a:endParaRPr>
+          </a:p>
+        </p:txBody>
+      </p:sp>
+    </p:spTree>
+    <p:extLst>
+      <p:ext uri="{BB962C8B-B14F-4D97-AF65-F5344CB8AC3E}">
+        <p14:creationId xmlns:p14="http://schemas.microsoft.com/office/powerpoint/2010/main" val="1004494580"/>
+      </p:ext>
+    </p:extLst>
+  </p:cSld>
+  <p:clrMapOvr>
+    <a:masterClrMapping/>
+  </p:clrMapOvr>
+  <mc:AlternateContent xmlns:mc="http://schemas.openxmlformats.org/markup-compatibility/2006" xmlns:p14="http://schemas.microsoft.com/office/powerpoint/2010/main">
+    <mc:Choice Requires="p14">
+      <p:transition spd="slow" p14:dur="2000"/>
+    </mc:Choice>
+    <mc:Fallback xmlns="">
+      <p:transition spd="slow"/>
+    </mc:Fallback>
+  </mc:AlternateContent>
+  <p:timing>
+    <p:tnLst>
+      <p:par>
+        <p:cTn id="1" dur="indefinite" restart="never" nodeType="tmRoot"/>
+      </p:par>
+    </p:tnLst>
+  </p:timing>
+</p:sld>
+</file>
+
+<file path=ppt/slides/slide12.xml><?xml version="1.0" encoding="utf-8"?>
+<p:sld xmlns:a="http://schemas.openxmlformats.org/drawingml/2006/main" xmlns:r="http://schemas.openxmlformats.org/officeDocument/2006/relationships" xmlns:p="http://schemas.openxmlformats.org/presentationml/2006/main">
+  <p:cSld>
+    <p:spTree>
+      <p:nvGrpSpPr>
+        <p:cNvPr id="1" name=""/>
+        <p:cNvGrpSpPr/>
+        <p:nvPr/>
+      </p:nvGrpSpPr>
+      <p:grpSpPr>
+        <a:xfrm>
+          <a:off x="0" y="0"/>
+          <a:ext cx="0" cy="0"/>
+          <a:chOff x="0" y="0"/>
+          <a:chExt cx="0" cy="0"/>
+        </a:xfrm>
+      </p:grpSpPr>
+      <p:sp>
+        <p:nvSpPr>
+          <p:cNvPr id="19457" name="Title 1"/>
+          <p:cNvSpPr>
+            <a:spLocks noGrp="1"/>
+          </p:cNvSpPr>
+          <p:nvPr>
+            <p:ph type="title"/>
+          </p:nvPr>
+        </p:nvSpPr>
+        <p:spPr/>
+        <p:txBody>
+          <a:bodyPr/>
+          <a:lstStyle/>
+          <a:p>
+            <a:r>
+              <a:rPr lang="en-US" altLang="en-US" dirty="0" smtClean="0">
+                <a:latin typeface="Gill Sans MT" charset="0"/>
+                <a:ea typeface="MS PGothic" charset="-128"/>
+              </a:rPr>
+              <a:t>Potential </a:t>
+            </a:r>
+            <a:r>
+              <a:rPr lang="en-US" altLang="en-US" dirty="0" smtClean="0">
+                <a:latin typeface="Gill Sans MT" charset="0"/>
+                <a:ea typeface="MS PGothic" charset="-128"/>
+              </a:rPr>
+              <a:t>Impact at Amazon</a:t>
+            </a:r>
+            <a:endParaRPr lang="en-US" altLang="en-US" dirty="0">
+              <a:latin typeface="Gill Sans MT" charset="0"/>
+              <a:ea typeface="MS PGothic" charset="-128"/>
+            </a:endParaRPr>
+          </a:p>
+        </p:txBody>
+      </p:sp>
+      <p:sp>
+        <p:nvSpPr>
+          <p:cNvPr id="19458" name="Content Placeholder 2"/>
+          <p:cNvSpPr>
+            <a:spLocks noGrp="1"/>
+          </p:cNvSpPr>
+          <p:nvPr>
+            <p:ph idx="1"/>
+          </p:nvPr>
+        </p:nvSpPr>
+        <p:spPr>
+          <a:xfrm>
+            <a:off x="516835" y="1210866"/>
+            <a:ext cx="8368748" cy="4504134"/>
+          </a:xfrm>
+        </p:spPr>
+        <p:txBody>
+          <a:bodyPr>
+            <a:normAutofit/>
+          </a:bodyPr>
+          <a:lstStyle/>
+          <a:p>
+            <a:pPr>
+              <a:lnSpc>
+                <a:spcPct val="150000"/>
+              </a:lnSpc>
+            </a:pPr>
+            <a:r>
+              <a:rPr lang="en-US" altLang="en-US" sz="1800" dirty="0" smtClean="0">
+                <a:latin typeface="Gill Sans MT" charset="0"/>
+                <a:ea typeface="MS PGothic" charset="-128"/>
+              </a:rPr>
+              <a:t>What does this mean to us as </a:t>
+            </a:r>
+            <a:r>
+              <a:rPr lang="en-US" altLang="en-US" sz="1800" dirty="0" err="1" smtClean="0">
+                <a:latin typeface="Gill Sans MT" charset="0"/>
+                <a:ea typeface="MS PGothic" charset="-128"/>
+              </a:rPr>
+              <a:t>devs</a:t>
+            </a:r>
+            <a:r>
+              <a:rPr lang="en-US" altLang="en-US" sz="1800" dirty="0" smtClean="0">
+                <a:latin typeface="Gill Sans MT" charset="0"/>
+                <a:ea typeface="MS PGothic" charset="-128"/>
+              </a:rPr>
+              <a:t>?</a:t>
+            </a:r>
+            <a:endParaRPr lang="en-US" altLang="en-US" sz="1800" dirty="0">
+              <a:latin typeface="Gill Sans MT" charset="0"/>
+              <a:ea typeface="MS PGothic" charset="-128"/>
+            </a:endParaRPr>
+          </a:p>
+          <a:p>
+            <a:pPr lvl="1">
+              <a:lnSpc>
+                <a:spcPct val="150000"/>
+              </a:lnSpc>
+            </a:pPr>
+            <a:r>
+              <a:rPr lang="en-US" altLang="en-US" dirty="0">
+                <a:latin typeface="Gill Sans MT" charset="0"/>
+                <a:ea typeface="MS PGothic" charset="-128"/>
+              </a:rPr>
+              <a:t>Loss of </a:t>
+            </a:r>
+            <a:r>
+              <a:rPr lang="en-US" altLang="en-US" dirty="0" smtClean="0">
+                <a:latin typeface="Gill Sans MT" charset="0"/>
+                <a:ea typeface="MS PGothic" charset="-128"/>
+              </a:rPr>
+              <a:t>trust</a:t>
+            </a:r>
+          </a:p>
+          <a:p>
+            <a:pPr lvl="2">
+              <a:lnSpc>
+                <a:spcPct val="150000"/>
+              </a:lnSpc>
+            </a:pPr>
+            <a:r>
+              <a:rPr lang="en-US" altLang="en-US" dirty="0">
+                <a:latin typeface="Gill Sans MT" charset="0"/>
+                <a:ea typeface="MS PGothic" charset="-128"/>
+              </a:rPr>
+              <a:t>phishing emails from a legitimate Amazon </a:t>
+            </a:r>
+            <a:r>
+              <a:rPr lang="en-US" altLang="en-US" dirty="0" smtClean="0">
+                <a:latin typeface="Gill Sans MT" charset="0"/>
+                <a:ea typeface="MS PGothic" charset="-128"/>
+              </a:rPr>
+              <a:t>server and legitimate </a:t>
+            </a:r>
+            <a:r>
+              <a:rPr lang="en-US" altLang="en-US" dirty="0">
+                <a:latin typeface="Gill Sans MT" charset="0"/>
+                <a:ea typeface="MS PGothic" charset="-128"/>
+              </a:rPr>
+              <a:t>@</a:t>
+            </a:r>
+            <a:r>
+              <a:rPr lang="en-US" altLang="en-US" dirty="0" err="1">
+                <a:latin typeface="Gill Sans MT" charset="0"/>
+                <a:ea typeface="MS PGothic" charset="-128"/>
+              </a:rPr>
+              <a:t>amazon.com</a:t>
+            </a:r>
+            <a:r>
+              <a:rPr lang="en-US" altLang="en-US" dirty="0">
+                <a:latin typeface="Gill Sans MT" charset="0"/>
+                <a:ea typeface="MS PGothic" charset="-128"/>
+              </a:rPr>
+              <a:t> email </a:t>
+            </a:r>
+            <a:r>
+              <a:rPr lang="en-US" altLang="en-US" dirty="0" smtClean="0">
+                <a:latin typeface="Gill Sans MT" charset="0"/>
+                <a:ea typeface="MS PGothic" charset="-128"/>
+              </a:rPr>
+              <a:t>address</a:t>
+            </a:r>
+            <a:endParaRPr lang="en-US" altLang="en-US" dirty="0">
+              <a:latin typeface="Gill Sans MT" charset="0"/>
+              <a:ea typeface="MS PGothic" charset="-128"/>
+            </a:endParaRPr>
+          </a:p>
+          <a:p>
+            <a:pPr lvl="1">
+              <a:lnSpc>
+                <a:spcPct val="150000"/>
+              </a:lnSpc>
+            </a:pPr>
+            <a:r>
+              <a:rPr lang="en-US" altLang="en-US" dirty="0" smtClean="0">
+                <a:latin typeface="Gill Sans MT" charset="0"/>
+                <a:ea typeface="MS PGothic" charset="-128"/>
+              </a:rPr>
+              <a:t>Failing to Insist on highest standards</a:t>
+            </a:r>
+          </a:p>
+          <a:p>
+            <a:pPr lvl="2">
+              <a:lnSpc>
+                <a:spcPct val="150000"/>
+              </a:lnSpc>
+            </a:pPr>
+            <a:r>
+              <a:rPr lang="en-US" altLang="en-US" dirty="0" smtClean="0">
+                <a:latin typeface="Gill Sans MT" charset="0"/>
+                <a:ea typeface="MS PGothic" charset="-128"/>
+              </a:rPr>
+              <a:t>Our Websites need to be secure, we can raise the bar by being more secure.</a:t>
+            </a:r>
+            <a:endParaRPr lang="en-US" altLang="en-US" dirty="0">
+              <a:latin typeface="Gill Sans MT" charset="0"/>
+              <a:ea typeface="MS PGothic" charset="-128"/>
+            </a:endParaRPr>
+          </a:p>
+          <a:p>
+            <a:pPr lvl="1">
+              <a:lnSpc>
+                <a:spcPct val="150000"/>
+              </a:lnSpc>
+            </a:pPr>
+            <a:r>
+              <a:rPr lang="en-US" altLang="en-US" dirty="0" smtClean="0">
+                <a:latin typeface="Gill Sans MT" charset="0"/>
+                <a:ea typeface="MS PGothic" charset="-128"/>
+              </a:rPr>
+              <a:t>Lack of ownership</a:t>
+            </a:r>
+          </a:p>
+          <a:p>
+            <a:pPr lvl="2">
+              <a:lnSpc>
+                <a:spcPct val="150000"/>
+              </a:lnSpc>
+            </a:pPr>
+            <a:r>
+              <a:rPr lang="en-US" altLang="en-US" dirty="0" err="1" smtClean="0">
+                <a:latin typeface="Gill Sans MT" charset="0"/>
+                <a:ea typeface="MS PGothic" charset="-128"/>
+              </a:rPr>
+              <a:t>Devs</a:t>
+            </a:r>
+            <a:r>
+              <a:rPr lang="en-US" altLang="en-US" dirty="0" smtClean="0">
+                <a:latin typeface="Gill Sans MT" charset="0"/>
+                <a:ea typeface="MS PGothic" charset="-128"/>
+              </a:rPr>
+              <a:t> own security for their code too</a:t>
+            </a:r>
+            <a:endParaRPr lang="en-US" altLang="en-US" dirty="0" smtClean="0">
+              <a:latin typeface="Gill Sans MT" charset="0"/>
+              <a:ea typeface="MS PGothic" charset="-128"/>
+            </a:endParaRPr>
+          </a:p>
+          <a:p>
+            <a:pPr lvl="1">
+              <a:lnSpc>
+                <a:spcPct val="150000"/>
+              </a:lnSpc>
+            </a:pPr>
+            <a:r>
+              <a:rPr lang="en-US" dirty="0" smtClean="0"/>
+              <a:t>Lack of customer obsession</a:t>
+            </a:r>
+          </a:p>
+          <a:p>
+            <a:pPr lvl="2">
+              <a:lnSpc>
+                <a:spcPct val="150000"/>
+              </a:lnSpc>
+            </a:pPr>
+            <a:r>
+              <a:rPr lang="en-US" dirty="0" smtClean="0"/>
+              <a:t>Customers experiences might be vastly affected if we have an EHI on our website</a:t>
+            </a:r>
+            <a:endParaRPr lang="en-US" altLang="en-US" dirty="0">
+              <a:latin typeface="Gill Sans MT" charset="0"/>
+              <a:ea typeface="MS PGothic" charset="-128"/>
+            </a:endParaRPr>
+          </a:p>
+          <a:p>
+            <a:pPr lvl="1"/>
+            <a:endParaRPr lang="en-US" altLang="en-US" dirty="0">
+              <a:latin typeface="Gill Sans MT" charset="0"/>
+              <a:ea typeface="MS PGothic" charset="-128"/>
+            </a:endParaRPr>
+          </a:p>
+        </p:txBody>
+      </p:sp>
+    </p:spTree>
+    <p:extLst>
+      <p:ext uri="{BB962C8B-B14F-4D97-AF65-F5344CB8AC3E}">
+        <p14:creationId xmlns:p14="http://schemas.microsoft.com/office/powerpoint/2010/main" val="1821122997"/>
+      </p:ext>
+    </p:extLst>
+  </p:cSld>
+  <p:clrMapOvr>
+    <a:masterClrMapping/>
+  </p:clrMapOvr>
+  <mc:AlternateContent xmlns:mc="http://schemas.openxmlformats.org/markup-compatibility/2006" xmlns:p14="http://schemas.microsoft.com/office/powerpoint/2010/main">
+    <mc:Choice Requires="p14">
+      <p:transition spd="slow" p14:dur="2000"/>
+    </mc:Choice>
+    <mc:Fallback xmlns="">
+      <p:transition spd="slow"/>
+    </mc:Fallback>
+  </mc:AlternateContent>
+  <p:timing>
+    <p:tnLst>
+      <p:par>
+        <p:cTn id="1" dur="indefinite" restart="never" nodeType="tmRoot"/>
+      </p:par>
+    </p:tnLst>
+  </p:timing>
+</p:sld>
+</file>
+
+<file path=ppt/slides/slide13.xml><?xml version="1.0" encoding="utf-8"?>
+<p:sld xmlns:a="http://schemas.openxmlformats.org/drawingml/2006/main" xmlns:r="http://schemas.openxmlformats.org/officeDocument/2006/relationships" xmlns:p="http://schemas.openxmlformats.org/presentationml/2006/main">
+  <p:cSld>
+    <p:spTree>
+      <p:nvGrpSpPr>
+        <p:cNvPr id="1" name=""/>
+        <p:cNvGrpSpPr/>
+        <p:nvPr/>
+      </p:nvGrpSpPr>
+      <p:grpSpPr>
+        <a:xfrm>
+          <a:off x="0" y="0"/>
+          <a:ext cx="0" cy="0"/>
+          <a:chOff x="0" y="0"/>
+          <a:chExt cx="0" cy="0"/>
+        </a:xfrm>
+      </p:grpSpPr>
+      <p:sp>
+        <p:nvSpPr>
+          <p:cNvPr id="29697" name="Title 1"/>
+          <p:cNvSpPr>
+            <a:spLocks noGrp="1"/>
+          </p:cNvSpPr>
+          <p:nvPr>
+            <p:ph type="title"/>
+          </p:nvPr>
+        </p:nvSpPr>
+        <p:spPr/>
+        <p:txBody>
+          <a:bodyPr/>
+          <a:lstStyle/>
+          <a:p>
+            <a:r>
+              <a:rPr lang="en-US" altLang="en-US" dirty="0" smtClean="0">
+                <a:latin typeface="Gill Sans MT" charset="0"/>
+                <a:ea typeface="MS PGothic" charset="-128"/>
+              </a:rPr>
+              <a:t>Results – Data </a:t>
+            </a:r>
+            <a:r>
+              <a:rPr lang="en-US" altLang="en-US" dirty="0" smtClean="0">
+                <a:latin typeface="Gill Sans MT" charset="0"/>
+                <a:ea typeface="MS PGothic" charset="-128"/>
+              </a:rPr>
+              <a:t>Gathered from WWW</a:t>
+            </a:r>
+            <a:endParaRPr lang="en-US" altLang="en-US" dirty="0">
+              <a:latin typeface="Gill Sans MT" charset="0"/>
+              <a:ea typeface="MS PGothic" charset="-128"/>
+            </a:endParaRPr>
+          </a:p>
+        </p:txBody>
+      </p:sp>
+      <p:sp>
+        <p:nvSpPr>
+          <p:cNvPr id="29698" name="Content Placeholder 2"/>
+          <p:cNvSpPr>
+            <a:spLocks noGrp="1"/>
+          </p:cNvSpPr>
+          <p:nvPr>
+            <p:ph idx="1"/>
+          </p:nvPr>
+        </p:nvSpPr>
+        <p:spPr>
+          <a:xfrm>
+            <a:off x="1485900" y="1210866"/>
+            <a:ext cx="6172200" cy="3394472"/>
+          </a:xfrm>
+        </p:spPr>
+        <p:txBody>
+          <a:bodyPr/>
+          <a:lstStyle/>
+          <a:p>
+            <a:r>
+              <a:rPr lang="en-US" sz="1800" dirty="0"/>
+              <a:t>Over a period of </a:t>
+            </a:r>
+            <a:r>
+              <a:rPr lang="en-US" sz="1800" dirty="0" smtClean="0"/>
+              <a:t>45 </a:t>
+            </a:r>
+            <a:r>
+              <a:rPr lang="en-US" sz="1800" dirty="0"/>
+              <a:t>days (Feb 26, 2016 – </a:t>
+            </a:r>
+            <a:r>
+              <a:rPr lang="en-US" sz="1800" dirty="0" smtClean="0"/>
+              <a:t>April 11, 2016), </a:t>
+            </a:r>
+            <a:r>
+              <a:rPr lang="en-US" sz="1800" dirty="0"/>
+              <a:t>we were able to gather the data shown in the table below: </a:t>
+            </a:r>
+          </a:p>
+          <a:p>
+            <a:endParaRPr lang="en-US" altLang="en-US" dirty="0">
+              <a:latin typeface="Gill Sans MT" charset="0"/>
+              <a:ea typeface="MS PGothic" charset="-128"/>
+            </a:endParaRPr>
+          </a:p>
+        </p:txBody>
+      </p:sp>
+      <p:pic>
+        <p:nvPicPr>
+          <p:cNvPr id="5" name="Picture 4"/>
+          <p:cNvPicPr>
+            <a:picLocks noChangeAspect="1"/>
+          </p:cNvPicPr>
+          <p:nvPr/>
+        </p:nvPicPr>
+        <p:blipFill>
+          <a:blip r:embed="rId3">
+            <a:extLst>
+              <a:ext uri="{28A0092B-C50C-407E-A947-70E740481C1C}">
+                <a14:useLocalDpi xmlns:a14="http://schemas.microsoft.com/office/drawing/2010/main" val="0"/>
+              </a:ext>
+            </a:extLst>
+          </a:blip>
+          <a:stretch>
+            <a:fillRect/>
+          </a:stretch>
+        </p:blipFill>
+        <p:spPr>
+          <a:xfrm>
+            <a:off x="1054100" y="2175798"/>
+            <a:ext cx="7035800" cy="2641600"/>
+          </a:xfrm>
+          <a:prstGeom prst="rect">
+            <a:avLst/>
+          </a:prstGeom>
+        </p:spPr>
+      </p:pic>
+    </p:spTree>
+    <p:extLst>
+      <p:ext uri="{BB962C8B-B14F-4D97-AF65-F5344CB8AC3E}">
+        <p14:creationId xmlns:p14="http://schemas.microsoft.com/office/powerpoint/2010/main" val="516033227"/>
+      </p:ext>
+    </p:extLst>
+  </p:cSld>
+  <p:clrMapOvr>
+    <a:masterClrMapping/>
+  </p:clrMapOvr>
+  <mc:AlternateContent xmlns:mc="http://schemas.openxmlformats.org/markup-compatibility/2006" xmlns:p14="http://schemas.microsoft.com/office/powerpoint/2010/main">
+    <mc:Choice Requires="p14">
+      <p:transition spd="slow" p14:dur="2000"/>
+    </mc:Choice>
+    <mc:Fallback xmlns="">
+      <p:transition spd="slow"/>
+    </mc:Fallback>
+  </mc:AlternateContent>
+  <p:timing>
+    <p:tnLst>
+      <p:par>
+        <p:cTn id="1" dur="indefinite" restart="never" nodeType="tmRoot"/>
+      </p:par>
+    </p:tnLst>
+  </p:timing>
+</p:sld>
+</file>
+
+<file path=ppt/slides/slide14.xml><?xml version="1.0" encoding="utf-8"?>
+<p:sld xmlns:a="http://schemas.openxmlformats.org/drawingml/2006/main" xmlns:r="http://schemas.openxmlformats.org/officeDocument/2006/relationships" xmlns:p="http://schemas.openxmlformats.org/presentationml/2006/main">
+  <p:cSld>
+    <p:spTree>
+      <p:nvGrpSpPr>
+        <p:cNvPr id="1" name=""/>
+        <p:cNvGrpSpPr/>
+        <p:nvPr/>
+      </p:nvGrpSpPr>
+      <p:grpSpPr>
+        <a:xfrm>
+          <a:off x="0" y="0"/>
+          <a:ext cx="0" cy="0"/>
+          <a:chOff x="0" y="0"/>
+          <a:chExt cx="0" cy="0"/>
+        </a:xfrm>
+      </p:grpSpPr>
+      <p:sp>
+        <p:nvSpPr>
+          <p:cNvPr id="29697" name="Title 1"/>
+          <p:cNvSpPr>
+            <a:spLocks noGrp="1"/>
+          </p:cNvSpPr>
+          <p:nvPr>
+            <p:ph type="title"/>
+          </p:nvPr>
+        </p:nvSpPr>
+        <p:spPr/>
+        <p:txBody>
+          <a:bodyPr/>
+          <a:lstStyle/>
+          <a:p>
+            <a:r>
+              <a:rPr lang="en-US" altLang="en-US" dirty="0" smtClean="0">
+                <a:latin typeface="Gill Sans MT" charset="0"/>
+                <a:ea typeface="MS PGothic" charset="-128"/>
+              </a:rPr>
+              <a:t>Results – E-Mails Received</a:t>
+            </a:r>
+            <a:endParaRPr lang="en-US" altLang="en-US" dirty="0">
+              <a:latin typeface="Gill Sans MT" charset="0"/>
+              <a:ea typeface="MS PGothic" charset="-128"/>
+            </a:endParaRPr>
+          </a:p>
+        </p:txBody>
+      </p:sp>
+      <p:sp>
+        <p:nvSpPr>
+          <p:cNvPr id="29698" name="Content Placeholder 2"/>
+          <p:cNvSpPr>
+            <a:spLocks noGrp="1"/>
+          </p:cNvSpPr>
+          <p:nvPr>
+            <p:ph idx="1"/>
+          </p:nvPr>
+        </p:nvSpPr>
+        <p:spPr>
+          <a:xfrm>
+            <a:off x="1485900" y="1210866"/>
+            <a:ext cx="6172200" cy="3394472"/>
+          </a:xfrm>
+        </p:spPr>
+        <p:txBody>
+          <a:bodyPr/>
+          <a:lstStyle/>
+          <a:p>
+            <a:r>
+              <a:rPr lang="en-US" sz="1800" dirty="0"/>
+              <a:t>The e-mails we received can be classified into the following major injection types (shown in the table below): </a:t>
+            </a:r>
+          </a:p>
+          <a:p>
+            <a:endParaRPr lang="en-US" altLang="en-US" sz="1800" dirty="0">
+              <a:latin typeface="Gill Sans MT" charset="0"/>
+              <a:ea typeface="MS PGothic" charset="-128"/>
+            </a:endParaRPr>
+          </a:p>
+        </p:txBody>
+      </p:sp>
+      <p:graphicFrame>
+        <p:nvGraphicFramePr>
+          <p:cNvPr id="3" name="Table 2"/>
+          <p:cNvGraphicFramePr>
+            <a:graphicFrameLocks noGrp="1"/>
+          </p:cNvGraphicFramePr>
+          <p:nvPr>
+            <p:extLst>
+              <p:ext uri="{D42A27DB-BD31-4B8C-83A1-F6EECF244321}">
+                <p14:modId xmlns:p14="http://schemas.microsoft.com/office/powerpoint/2010/main" val="638271270"/>
+              </p:ext>
+            </p:extLst>
+          </p:nvPr>
+        </p:nvGraphicFramePr>
+        <p:xfrm>
+          <a:off x="1043609" y="2068116"/>
+          <a:ext cx="7086600" cy="2275779"/>
+        </p:xfrm>
+        <a:graphic>
+          <a:graphicData uri="http://schemas.openxmlformats.org/drawingml/2006/table">
+            <a:tbl>
+              <a:tblPr firstRow="1" bandRow="1">
+                <a:tableStyleId>{1E171933-4619-4E11-9A3F-F7608DF75F80}</a:tableStyleId>
+              </a:tblPr>
+              <a:tblGrid>
+                <a:gridCol w="4742322"/>
+                <a:gridCol w="2344278"/>
+              </a:tblGrid>
+              <a:tr h="657301">
+                <a:tc>
+                  <a:txBody>
+                    <a:bodyPr/>
+                    <a:lstStyle/>
+                    <a:p>
+                      <a:pPr algn="ctr"/>
+                      <a:r>
+                        <a:rPr lang="en-US" sz="1600" cap="none" spc="0" dirty="0" smtClean="0">
+                          <a:ln>
+                            <a:noFill/>
+                          </a:ln>
+                          <a:effectLst/>
+                        </a:rPr>
+                        <a:t>Type of Injection</a:t>
+                      </a:r>
+                      <a:endParaRPr lang="en-US" sz="1600" b="1" cap="none" spc="0" dirty="0">
+                        <a:ln>
+                          <a:noFill/>
+                        </a:ln>
+                        <a:solidFill>
+                          <a:schemeClr val="bg1"/>
+                        </a:solidFill>
+                        <a:effectLst/>
+                        <a:latin typeface="+mn-lt"/>
+                        <a:ea typeface="Adobe Garamond Pro" charset="0"/>
+                        <a:cs typeface="Adobe Garamond Pro" charset="0"/>
+                      </a:endParaRPr>
+                    </a:p>
+                  </a:txBody>
+                  <a:tcPr marL="68580" marR="68580" marT="34290" marB="34290"/>
+                </a:tc>
+                <a:tc>
+                  <a:txBody>
+                    <a:bodyPr/>
+                    <a:lstStyle/>
+                    <a:p>
+                      <a:pPr algn="ctr"/>
+                      <a:r>
+                        <a:rPr lang="en-US" sz="1600" cap="none" spc="0" dirty="0" smtClean="0">
+                          <a:ln>
+                            <a:noFill/>
+                          </a:ln>
+                          <a:effectLst/>
+                        </a:rPr>
+                        <a:t>No. of e-mails received</a:t>
+                      </a:r>
+                      <a:endParaRPr lang="en-US" sz="1600" b="1" cap="none" spc="0" dirty="0">
+                        <a:ln>
+                          <a:noFill/>
+                        </a:ln>
+                        <a:solidFill>
+                          <a:schemeClr val="bg1"/>
+                        </a:solidFill>
+                        <a:effectLst/>
+                        <a:latin typeface="+mn-lt"/>
+                        <a:ea typeface="Adobe Garamond Pro" charset="0"/>
+                        <a:cs typeface="Adobe Garamond Pro" charset="0"/>
+                      </a:endParaRPr>
+                    </a:p>
+                  </a:txBody>
+                  <a:tcPr marL="68580" marR="68580" marT="34290" marB="34290"/>
+                </a:tc>
+              </a:tr>
+              <a:tr h="395858">
+                <a:tc>
+                  <a:txBody>
+                    <a:bodyPr/>
+                    <a:lstStyle/>
+                    <a:p>
+                      <a:r>
+                        <a:rPr lang="en-US" sz="1600" cap="none" spc="0" dirty="0" smtClean="0">
+                          <a:ln>
+                            <a:noFill/>
+                          </a:ln>
+                          <a:effectLst/>
+                        </a:rPr>
+                        <a:t>E-Mail Header Injections with bcc header</a:t>
+                      </a:r>
+                      <a:endParaRPr lang="en-US" sz="1600" b="0" cap="none" spc="0" dirty="0">
+                        <a:ln>
+                          <a:noFill/>
+                        </a:ln>
+                        <a:solidFill>
+                          <a:schemeClr val="bg1"/>
+                        </a:solidFill>
+                        <a:effectLst/>
+                        <a:latin typeface="+mn-lt"/>
+                        <a:ea typeface="Adobe Garamond Pro" charset="0"/>
+                        <a:cs typeface="Adobe Garamond Pro" charset="0"/>
+                      </a:endParaRPr>
+                    </a:p>
+                  </a:txBody>
+                  <a:tcPr marL="68580" marR="68580" marT="34290" marB="34290"/>
+                </a:tc>
+                <a:tc>
+                  <a:txBody>
+                    <a:bodyPr/>
+                    <a:lstStyle/>
+                    <a:p>
+                      <a:pPr algn="ctr"/>
+                      <a:r>
+                        <a:rPr lang="en-US" sz="1600" b="0" cap="none" spc="0" dirty="0" smtClean="0">
+                          <a:ln>
+                            <a:noFill/>
+                          </a:ln>
+                          <a:solidFill>
+                            <a:schemeClr val="dk1"/>
+                          </a:solidFill>
+                          <a:effectLst/>
+                          <a:latin typeface="+mn-lt"/>
+                          <a:ea typeface="+mn-ea"/>
+                          <a:cs typeface="+mn-cs"/>
+                        </a:rPr>
+                        <a:t>583</a:t>
+                      </a:r>
+                      <a:endParaRPr lang="en-US" sz="1600" b="0" cap="none" spc="0" dirty="0">
+                        <a:ln>
+                          <a:noFill/>
+                        </a:ln>
+                        <a:solidFill>
+                          <a:schemeClr val="bg1"/>
+                        </a:solidFill>
+                        <a:effectLst/>
+                        <a:latin typeface="+mn-lt"/>
+                        <a:ea typeface="Arial" charset="0"/>
+                        <a:cs typeface="Arial" charset="0"/>
+                      </a:endParaRPr>
+                    </a:p>
+                  </a:txBody>
+                  <a:tcPr marL="68580" marR="68580" marT="34290" marB="34290"/>
+                </a:tc>
+              </a:tr>
+              <a:tr h="395858">
+                <a:tc>
+                  <a:txBody>
+                    <a:bodyPr/>
+                    <a:lstStyle/>
+                    <a:p>
+                      <a:r>
+                        <a:rPr lang="en-US" sz="1600" b="0" cap="none" spc="0" dirty="0" smtClean="0">
+                          <a:ln>
+                            <a:noFill/>
+                          </a:ln>
+                          <a:solidFill>
+                            <a:schemeClr val="tx1"/>
+                          </a:solidFill>
+                          <a:effectLst/>
+                          <a:latin typeface="+mn-lt"/>
+                          <a:ea typeface="Adobe Garamond Pro" charset="0"/>
+                          <a:cs typeface="Adobe Garamond Pro" charset="0"/>
+                        </a:rPr>
+                        <a:t>Malicious attachments possible</a:t>
+                      </a:r>
+                      <a:endParaRPr lang="en-US" sz="1600" b="0" cap="none" spc="0" dirty="0">
+                        <a:ln>
+                          <a:noFill/>
+                        </a:ln>
+                        <a:solidFill>
+                          <a:schemeClr val="tx1"/>
+                        </a:solidFill>
+                        <a:effectLst/>
+                        <a:latin typeface="+mn-lt"/>
+                        <a:ea typeface="Adobe Garamond Pro" charset="0"/>
+                        <a:cs typeface="Adobe Garamond Pro" charset="0"/>
+                      </a:endParaRPr>
+                    </a:p>
+                  </a:txBody>
+                  <a:tcPr marL="68580" marR="68580" marT="34290" marB="34290"/>
+                </a:tc>
+                <a:tc>
+                  <a:txBody>
+                    <a:bodyPr/>
+                    <a:lstStyle/>
+                    <a:p>
+                      <a:pPr algn="ctr"/>
+                      <a:r>
+                        <a:rPr lang="en-US" sz="1600" b="0" cap="none" spc="0" dirty="0" smtClean="0">
+                          <a:ln>
+                            <a:noFill/>
+                          </a:ln>
+                          <a:solidFill>
+                            <a:schemeClr val="tx1"/>
+                          </a:solidFill>
+                          <a:effectLst/>
+                          <a:latin typeface="+mn-lt"/>
+                          <a:ea typeface="Arial" charset="0"/>
+                          <a:cs typeface="Arial" charset="0"/>
+                        </a:rPr>
+                        <a:t>443</a:t>
+                      </a:r>
+                      <a:endParaRPr lang="en-US" sz="1600" b="0" cap="none" spc="0" dirty="0">
+                        <a:ln>
+                          <a:noFill/>
+                        </a:ln>
+                        <a:solidFill>
+                          <a:schemeClr val="tx1"/>
+                        </a:solidFill>
+                        <a:effectLst/>
+                        <a:latin typeface="+mn-lt"/>
+                        <a:ea typeface="Arial" charset="0"/>
+                        <a:cs typeface="Arial" charset="0"/>
+                      </a:endParaRPr>
+                    </a:p>
+                  </a:txBody>
+                  <a:tcPr marL="68580" marR="68580" marT="34290" marB="34290"/>
+                </a:tc>
+              </a:tr>
+              <a:tr h="413381">
+                <a:tc>
+                  <a:txBody>
+                    <a:bodyPr/>
+                    <a:lstStyle/>
+                    <a:p>
+                      <a:r>
+                        <a:rPr lang="en-US" sz="1600" cap="none" spc="0" dirty="0" smtClean="0">
+                          <a:ln>
+                            <a:noFill/>
+                          </a:ln>
+                          <a:effectLst/>
+                        </a:rPr>
+                        <a:t>To header injections alone</a:t>
+                      </a:r>
+                      <a:endParaRPr lang="en-US" sz="1600" b="0" cap="none" spc="0" dirty="0">
+                        <a:ln>
+                          <a:noFill/>
+                        </a:ln>
+                        <a:solidFill>
+                          <a:schemeClr val="bg1"/>
+                        </a:solidFill>
+                        <a:effectLst/>
+                        <a:latin typeface="+mn-lt"/>
+                        <a:ea typeface="Adobe Garamond Pro" charset="0"/>
+                        <a:cs typeface="Adobe Garamond Pro" charset="0"/>
+                      </a:endParaRPr>
+                    </a:p>
+                  </a:txBody>
+                  <a:tcPr marL="68580" marR="68580" marT="34290" marB="34290"/>
+                </a:tc>
+                <a:tc>
+                  <a:txBody>
+                    <a:bodyPr/>
+                    <a:lstStyle/>
+                    <a:p>
+                      <a:pPr algn="ctr"/>
+                      <a:r>
+                        <a:rPr lang="en-US" sz="1600" b="0" cap="none" spc="0" dirty="0" smtClean="0">
+                          <a:ln>
+                            <a:noFill/>
+                          </a:ln>
+                          <a:solidFill>
+                            <a:schemeClr val="dk1"/>
+                          </a:solidFill>
+                          <a:effectLst/>
+                          <a:latin typeface="+mn-lt"/>
+                          <a:ea typeface="+mn-ea"/>
+                          <a:cs typeface="+mn-cs"/>
+                        </a:rPr>
+                        <a:t>229</a:t>
+                      </a:r>
+                      <a:endParaRPr lang="en-US" sz="1600" b="0" cap="none" spc="0" dirty="0">
+                        <a:ln>
+                          <a:noFill/>
+                        </a:ln>
+                        <a:solidFill>
+                          <a:schemeClr val="bg1"/>
+                        </a:solidFill>
+                        <a:effectLst/>
+                        <a:latin typeface="+mn-lt"/>
+                        <a:ea typeface="Arial" charset="0"/>
+                        <a:cs typeface="Arial" charset="0"/>
+                      </a:endParaRPr>
+                    </a:p>
+                  </a:txBody>
+                  <a:tcPr marL="68580" marR="68580" marT="34290" marB="34290"/>
+                </a:tc>
+              </a:tr>
+              <a:tr h="413381">
+                <a:tc>
+                  <a:txBody>
+                    <a:bodyPr/>
+                    <a:lstStyle/>
+                    <a:p>
+                      <a:r>
+                        <a:rPr lang="en-US" sz="1600" cap="none" spc="0" dirty="0" smtClean="0">
+                          <a:ln>
+                            <a:noFill/>
+                          </a:ln>
+                          <a:effectLst/>
+                        </a:rPr>
+                        <a:t>Total successful injections</a:t>
+                      </a:r>
+                      <a:endParaRPr lang="en-US" sz="1600" b="0" cap="none" spc="0" dirty="0">
+                        <a:ln>
+                          <a:noFill/>
+                        </a:ln>
+                        <a:solidFill>
+                          <a:schemeClr val="bg1"/>
+                        </a:solidFill>
+                        <a:effectLst/>
+                        <a:latin typeface="+mn-lt"/>
+                        <a:ea typeface="Adobe Garamond Pro" charset="0"/>
+                        <a:cs typeface="Adobe Garamond Pro" charset="0"/>
+                      </a:endParaRPr>
+                    </a:p>
+                  </a:txBody>
+                  <a:tcPr marL="68580" marR="68580" marT="34290" marB="34290"/>
+                </a:tc>
+                <a:tc>
+                  <a:txBody>
+                    <a:bodyPr/>
+                    <a:lstStyle/>
+                    <a:p>
+                      <a:pPr algn="ctr"/>
+                      <a:r>
+                        <a:rPr lang="en-US" sz="1600" cap="none" spc="0" dirty="0" smtClean="0">
+                          <a:ln>
+                            <a:noFill/>
+                          </a:ln>
+                          <a:effectLst/>
+                        </a:rPr>
+                        <a:t>994</a:t>
+                      </a:r>
+                      <a:endParaRPr lang="en-US" sz="1600" b="0" cap="none" spc="0" dirty="0">
+                        <a:ln>
+                          <a:noFill/>
+                        </a:ln>
+                        <a:solidFill>
+                          <a:schemeClr val="bg1"/>
+                        </a:solidFill>
+                        <a:effectLst/>
+                        <a:latin typeface="+mn-lt"/>
+                        <a:ea typeface="Arial" charset="0"/>
+                        <a:cs typeface="Arial" charset="0"/>
+                      </a:endParaRPr>
+                    </a:p>
+                  </a:txBody>
+                  <a:tcPr marL="68580" marR="68580" marT="34290" marB="34290"/>
+                </a:tc>
+              </a:tr>
+            </a:tbl>
+          </a:graphicData>
+        </a:graphic>
+      </p:graphicFrame>
+    </p:spTree>
+    <p:extLst>
+      <p:ext uri="{BB962C8B-B14F-4D97-AF65-F5344CB8AC3E}">
+        <p14:creationId xmlns:p14="http://schemas.microsoft.com/office/powerpoint/2010/main" val="1375319937"/>
+      </p:ext>
+    </p:extLst>
+  </p:cSld>
+  <p:clrMapOvr>
+    <a:masterClrMapping/>
+  </p:clrMapOvr>
+  <mc:AlternateContent xmlns:mc="http://schemas.openxmlformats.org/markup-compatibility/2006" xmlns:p14="http://schemas.microsoft.com/office/powerpoint/2010/main">
+    <mc:Choice Requires="p14">
+      <p:transition spd="slow" p14:dur="2000"/>
+    </mc:Choice>
+    <mc:Fallback xmlns="">
+      <p:transition spd="slow"/>
+    </mc:Fallback>
+  </mc:AlternateContent>
+  <p:timing>
+    <p:tnLst>
+      <p:par>
+        <p:cTn id="1" dur="indefinite" restart="never" nodeType="tmRoot"/>
+      </p:par>
+    </p:tnLst>
+  </p:timing>
+</p:sld>
+</file>
+
+<file path=ppt/slides/slide15.xml><?xml version="1.0" encoding="utf-8"?>
+<p:sld xmlns:a="http://schemas.openxmlformats.org/drawingml/2006/main" xmlns:r="http://schemas.openxmlformats.org/officeDocument/2006/relationships" xmlns:p="http://schemas.openxmlformats.org/presentationml/2006/main">
+  <p:cSld>
+    <p:spTree>
+      <p:nvGrpSpPr>
+        <p:cNvPr id="1" name=""/>
+        <p:cNvGrpSpPr/>
+        <p:nvPr/>
+      </p:nvGrpSpPr>
+      <p:grpSpPr>
+        <a:xfrm>
+          <a:off x="0" y="0"/>
+          <a:ext cx="0" cy="0"/>
+          <a:chOff x="0" y="0"/>
+          <a:chExt cx="0" cy="0"/>
+        </a:xfrm>
+      </p:grpSpPr>
+      <p:sp>
+        <p:nvSpPr>
+          <p:cNvPr id="29697" name="Title 1"/>
+          <p:cNvSpPr>
+            <a:spLocks noGrp="1"/>
+          </p:cNvSpPr>
+          <p:nvPr>
+            <p:ph type="title"/>
+          </p:nvPr>
+        </p:nvSpPr>
+        <p:spPr/>
+        <p:txBody>
+          <a:bodyPr/>
+          <a:lstStyle/>
+          <a:p>
+            <a:r>
+              <a:rPr lang="en-US" altLang="en-US" dirty="0" smtClean="0">
+                <a:latin typeface="Gill Sans MT" charset="0"/>
+                <a:ea typeface="MS PGothic" charset="-128"/>
+              </a:rPr>
+              <a:t>Data Pipeline</a:t>
+            </a:r>
+            <a:endParaRPr lang="en-US" altLang="en-US" dirty="0">
+              <a:latin typeface="Gill Sans MT" charset="0"/>
+              <a:ea typeface="MS PGothic" charset="-128"/>
+            </a:endParaRPr>
+          </a:p>
+        </p:txBody>
+      </p:sp>
+      <p:sp>
+        <p:nvSpPr>
+          <p:cNvPr id="29698" name="Content Placeholder 2"/>
+          <p:cNvSpPr>
+            <a:spLocks noGrp="1"/>
+          </p:cNvSpPr>
+          <p:nvPr>
+            <p:ph idx="1"/>
+          </p:nvPr>
+        </p:nvSpPr>
+        <p:spPr>
+          <a:xfrm>
+            <a:off x="1485900" y="1210866"/>
+            <a:ext cx="6172200" cy="3394472"/>
+          </a:xfrm>
+        </p:spPr>
+        <p:txBody>
+          <a:bodyPr/>
+          <a:lstStyle/>
+          <a:p>
+            <a:endParaRPr lang="en-US" altLang="en-US" dirty="0">
+              <a:latin typeface="Gill Sans MT" charset="0"/>
+              <a:ea typeface="MS PGothic" charset="-128"/>
+            </a:endParaRPr>
+          </a:p>
+        </p:txBody>
+      </p:sp>
+      <p:pic>
+        <p:nvPicPr>
+          <p:cNvPr id="3" name="Picture 2"/>
+          <p:cNvPicPr>
+            <a:picLocks noChangeAspect="1"/>
+          </p:cNvPicPr>
+          <p:nvPr/>
+        </p:nvPicPr>
+        <p:blipFill>
+          <a:blip r:embed="rId3">
+            <a:extLst>
+              <a:ext uri="{28A0092B-C50C-407E-A947-70E740481C1C}">
+                <a14:useLocalDpi xmlns:a14="http://schemas.microsoft.com/office/drawing/2010/main" val="0"/>
+              </a:ext>
+            </a:extLst>
+          </a:blip>
+          <a:stretch>
+            <a:fillRect/>
+          </a:stretch>
+        </p:blipFill>
+        <p:spPr>
+          <a:xfrm>
+            <a:off x="477077" y="998806"/>
+            <a:ext cx="8189845" cy="4606959"/>
+          </a:xfrm>
+          <a:prstGeom prst="rect">
+            <a:avLst/>
+          </a:prstGeom>
+        </p:spPr>
+      </p:pic>
+    </p:spTree>
+    <p:extLst>
+      <p:ext uri="{BB962C8B-B14F-4D97-AF65-F5344CB8AC3E}">
+        <p14:creationId xmlns:p14="http://schemas.microsoft.com/office/powerpoint/2010/main" val="1163936056"/>
+      </p:ext>
+    </p:extLst>
+  </p:cSld>
+  <p:clrMapOvr>
+    <a:masterClrMapping/>
+  </p:clrMapOvr>
+  <mc:AlternateContent xmlns:mc="http://schemas.openxmlformats.org/markup-compatibility/2006" xmlns:p14="http://schemas.microsoft.com/office/powerpoint/2010/main">
+    <mc:Choice Requires="p14">
+      <p:transition spd="slow" p14:dur="2000"/>
+    </mc:Choice>
+    <mc:Fallback xmlns="">
+      <p:transition spd="slow"/>
+    </mc:Fallback>
+  </mc:AlternateContent>
+  <p:timing>
+    <p:tnLst>
+      <p:par>
+        <p:cTn id="1" dur="indefinite" restart="never" nodeType="tmRoot"/>
+      </p:par>
+    </p:tnLst>
+  </p:timing>
+</p:sld>
+</file>
+
+<file path=ppt/slides/slide16.xml><?xml version="1.0" encoding="utf-8"?>
+<p:sld xmlns:a="http://schemas.openxmlformats.org/drawingml/2006/main" xmlns:r="http://schemas.openxmlformats.org/officeDocument/2006/relationships" xmlns:p="http://schemas.openxmlformats.org/presentationml/2006/main">
+  <p:cSld>
+    <p:spTree>
+      <p:nvGrpSpPr>
+        <p:cNvPr id="1" name=""/>
+        <p:cNvGrpSpPr/>
+        <p:nvPr/>
+      </p:nvGrpSpPr>
+      <p:grpSpPr>
+        <a:xfrm>
+          <a:off x="0" y="0"/>
+          <a:ext cx="0" cy="0"/>
+          <a:chOff x="0" y="0"/>
+          <a:chExt cx="0" cy="0"/>
+        </a:xfrm>
+      </p:grpSpPr>
+      <p:sp>
+        <p:nvSpPr>
+          <p:cNvPr id="29697" name="Title 1"/>
+          <p:cNvSpPr>
+            <a:spLocks noGrp="1"/>
+          </p:cNvSpPr>
+          <p:nvPr>
+            <p:ph type="title"/>
+          </p:nvPr>
+        </p:nvSpPr>
+        <p:spPr/>
+        <p:txBody>
+          <a:bodyPr/>
+          <a:lstStyle/>
+          <a:p>
+            <a:r>
+              <a:rPr lang="en-US" altLang="en-US" dirty="0" smtClean="0">
+                <a:ea typeface="MS PGothic" charset="-128"/>
+              </a:rPr>
+              <a:t>Mitigation Strategies</a:t>
+            </a:r>
+            <a:endParaRPr lang="en-US" altLang="en-US" dirty="0">
+              <a:ea typeface="MS PGothic" charset="-128"/>
+            </a:endParaRPr>
+          </a:p>
+        </p:txBody>
+      </p:sp>
+      <p:sp>
+        <p:nvSpPr>
+          <p:cNvPr id="29698" name="Content Placeholder 2"/>
+          <p:cNvSpPr>
+            <a:spLocks noGrp="1"/>
+          </p:cNvSpPr>
+          <p:nvPr>
+            <p:ph idx="1"/>
+          </p:nvPr>
+        </p:nvSpPr>
+        <p:spPr>
+          <a:xfrm>
+            <a:off x="327991" y="1337040"/>
+            <a:ext cx="8726556" cy="3394472"/>
+          </a:xfrm>
+        </p:spPr>
+        <p:txBody>
+          <a:bodyPr/>
+          <a:lstStyle/>
+          <a:p>
+            <a:pPr>
+              <a:lnSpc>
+                <a:spcPct val="150000"/>
+              </a:lnSpc>
+            </a:pPr>
+            <a:r>
+              <a:rPr lang="en-US" sz="1800" dirty="0" smtClean="0"/>
+              <a:t>Do not trust </a:t>
+            </a:r>
+            <a:r>
+              <a:rPr lang="en-US" sz="1800" smtClean="0"/>
+              <a:t>user input, Use </a:t>
+            </a:r>
+            <a:r>
+              <a:rPr lang="en-US" sz="1800" dirty="0"/>
+              <a:t>E-Mail </a:t>
+            </a:r>
+            <a:r>
+              <a:rPr lang="en-US" sz="1800" dirty="0" smtClean="0"/>
+              <a:t>libraries that are verified to prevent such attacks </a:t>
+            </a:r>
+            <a:r>
+              <a:rPr lang="en-US" sz="1800" dirty="0"/>
+              <a:t/>
+            </a:r>
+            <a:br>
+              <a:rPr lang="en-US" sz="1800" dirty="0"/>
+            </a:br>
+            <a:r>
+              <a:rPr lang="en-US" sz="1800" dirty="0"/>
+              <a:t/>
+            </a:r>
+            <a:br>
+              <a:rPr lang="en-US" sz="1800" dirty="0"/>
+            </a:br>
+            <a:endParaRPr lang="en-US" sz="1800" dirty="0"/>
+          </a:p>
+          <a:p>
+            <a:endParaRPr lang="en-US" sz="1800" dirty="0"/>
+          </a:p>
+          <a:p>
+            <a:endParaRPr lang="en-US" altLang="en-US" dirty="0">
+              <a:ea typeface="MS PGothic" charset="-128"/>
+            </a:endParaRPr>
+          </a:p>
+        </p:txBody>
+      </p:sp>
+      <p:graphicFrame>
+        <p:nvGraphicFramePr>
+          <p:cNvPr id="4" name="Table 3"/>
+          <p:cNvGraphicFramePr>
+            <a:graphicFrameLocks noGrp="1"/>
+          </p:cNvGraphicFramePr>
+          <p:nvPr>
+            <p:extLst>
+              <p:ext uri="{D42A27DB-BD31-4B8C-83A1-F6EECF244321}">
+                <p14:modId xmlns:p14="http://schemas.microsoft.com/office/powerpoint/2010/main" val="1688756144"/>
+              </p:ext>
+            </p:extLst>
+          </p:nvPr>
+        </p:nvGraphicFramePr>
+        <p:xfrm>
+          <a:off x="1485900" y="1891526"/>
+          <a:ext cx="5908813" cy="2839986"/>
+        </p:xfrm>
+        <a:graphic>
+          <a:graphicData uri="http://schemas.openxmlformats.org/drawingml/2006/table">
+            <a:tbl>
+              <a:tblPr>
+                <a:tableStyleId>{00A15C55-8517-42AA-B614-E9B94910E393}</a:tableStyleId>
+              </a:tblPr>
+              <a:tblGrid>
+                <a:gridCol w="1356746"/>
+                <a:gridCol w="4552067"/>
+              </a:tblGrid>
+              <a:tr h="477344">
+                <a:tc>
+                  <a:txBody>
+                    <a:bodyPr/>
+                    <a:lstStyle/>
+                    <a:p>
+                      <a:r>
+                        <a:rPr lang="en-US" sz="1600" dirty="0">
+                          <a:effectLst/>
+                        </a:rPr>
+                        <a:t>Language </a:t>
+                      </a:r>
+                      <a:endParaRPr lang="en-US" sz="2400" b="1" dirty="0">
+                        <a:solidFill>
+                          <a:schemeClr val="bg1"/>
+                        </a:solidFill>
+                        <a:effectLst/>
+                        <a:latin typeface="+mn-lt"/>
+                      </a:endParaRPr>
+                    </a:p>
+                  </a:txBody>
+                  <a:tcPr marL="68580" marR="68580" marT="34290" marB="34290" anchor="ctr"/>
+                </a:tc>
+                <a:tc>
+                  <a:txBody>
+                    <a:bodyPr/>
+                    <a:lstStyle/>
+                    <a:p>
+                      <a:r>
+                        <a:rPr lang="en-US" sz="1600" dirty="0">
+                          <a:effectLst/>
+                        </a:rPr>
+                        <a:t>Mail Libraries </a:t>
+                      </a:r>
+                      <a:endParaRPr lang="en-US" sz="2400" b="1" dirty="0">
+                        <a:solidFill>
+                          <a:schemeClr val="bg1"/>
+                        </a:solidFill>
+                        <a:effectLst/>
+                        <a:latin typeface="+mn-lt"/>
+                      </a:endParaRPr>
+                    </a:p>
+                  </a:txBody>
+                  <a:tcPr marL="68580" marR="68580" marT="34290" marB="34290" anchor="ctr"/>
+                </a:tc>
+              </a:tr>
+              <a:tr h="460675">
+                <a:tc>
+                  <a:txBody>
+                    <a:bodyPr/>
+                    <a:lstStyle/>
+                    <a:p>
+                      <a:r>
+                        <a:rPr lang="hr-HR" sz="1600" dirty="0">
+                          <a:effectLst/>
+                        </a:rPr>
+                        <a:t>PHP </a:t>
+                      </a:r>
+                      <a:endParaRPr lang="hr-HR" sz="2400" dirty="0">
+                        <a:solidFill>
+                          <a:schemeClr val="bg1"/>
+                        </a:solidFill>
+                        <a:effectLst/>
+                        <a:latin typeface="+mn-lt"/>
+                      </a:endParaRPr>
+                    </a:p>
+                  </a:txBody>
+                  <a:tcPr marL="68580" marR="68580" marT="34290" marB="34290" anchor="ctr"/>
+                </a:tc>
+                <a:tc>
+                  <a:txBody>
+                    <a:bodyPr/>
+                    <a:lstStyle/>
+                    <a:p>
+                      <a:r>
+                        <a:rPr lang="en-US" sz="1600" dirty="0">
+                          <a:effectLst/>
+                        </a:rPr>
+                        <a:t>PEAR </a:t>
+                      </a:r>
+                      <a:r>
+                        <a:rPr lang="en-US" sz="1600" dirty="0" smtClean="0">
+                          <a:effectLst/>
+                        </a:rPr>
+                        <a:t>Mail, </a:t>
+                      </a:r>
+                      <a:r>
+                        <a:rPr lang="en-US" sz="1600" dirty="0" err="1" smtClean="0">
+                          <a:effectLst/>
+                        </a:rPr>
+                        <a:t>PHPMailer</a:t>
+                      </a:r>
+                      <a:r>
+                        <a:rPr lang="en-US" sz="1600" dirty="0" smtClean="0">
+                          <a:effectLst/>
+                        </a:rPr>
+                        <a:t>, </a:t>
+                      </a:r>
+                      <a:r>
+                        <a:rPr lang="en-US" sz="1600" dirty="0" err="1" smtClean="0">
+                          <a:effectLst/>
+                        </a:rPr>
+                        <a:t>Swiftmailer</a:t>
+                      </a:r>
+                      <a:r>
+                        <a:rPr lang="en-US" sz="1000" dirty="0" smtClean="0">
+                          <a:effectLst/>
+                        </a:rPr>
+                        <a:t> </a:t>
+                      </a:r>
+                      <a:endParaRPr lang="en-US" sz="2400" dirty="0">
+                        <a:solidFill>
+                          <a:schemeClr val="bg1"/>
+                        </a:solidFill>
+                        <a:effectLst/>
+                        <a:latin typeface="+mn-lt"/>
+                      </a:endParaRPr>
+                    </a:p>
+                  </a:txBody>
+                  <a:tcPr marL="68580" marR="68580" marT="34290" marB="34290" anchor="ctr"/>
+                </a:tc>
+              </a:tr>
+              <a:tr h="519942">
+                <a:tc>
+                  <a:txBody>
+                    <a:bodyPr/>
+                    <a:lstStyle/>
+                    <a:p>
+                      <a:r>
+                        <a:rPr lang="en-US" sz="1600" dirty="0">
+                          <a:effectLst/>
+                        </a:rPr>
+                        <a:t>Python </a:t>
+                      </a:r>
+                      <a:endParaRPr lang="en-US" sz="2400" dirty="0">
+                        <a:solidFill>
+                          <a:schemeClr val="bg1"/>
+                        </a:solidFill>
+                        <a:effectLst/>
+                        <a:latin typeface="+mn-lt"/>
+                      </a:endParaRPr>
+                    </a:p>
+                  </a:txBody>
+                  <a:tcPr marL="68580" marR="68580" marT="34290" marB="34290" anchor="ctr"/>
+                </a:tc>
+                <a:tc>
+                  <a:txBody>
+                    <a:bodyPr/>
+                    <a:lstStyle/>
+                    <a:p>
+                      <a:r>
+                        <a:rPr lang="en-US" sz="1600" dirty="0" err="1">
+                          <a:effectLst/>
+                        </a:rPr>
+                        <a:t>SMTPLib</a:t>
+                      </a:r>
+                      <a:r>
+                        <a:rPr lang="en-US" sz="1600" dirty="0">
+                          <a:effectLst/>
+                        </a:rPr>
+                        <a:t> with </a:t>
+                      </a:r>
+                      <a:r>
+                        <a:rPr lang="en-US" sz="1600" dirty="0" err="1" smtClean="0">
+                          <a:effectLst/>
+                        </a:rPr>
+                        <a:t>email.header.Header</a:t>
+                      </a:r>
+                      <a:r>
+                        <a:rPr lang="en-US" sz="1000" dirty="0" smtClean="0">
+                          <a:effectLst/>
+                        </a:rPr>
+                        <a:t> </a:t>
+                      </a:r>
+                      <a:endParaRPr lang="en-US" sz="2400" dirty="0">
+                        <a:solidFill>
+                          <a:schemeClr val="bg1"/>
+                        </a:solidFill>
+                        <a:effectLst/>
+                        <a:latin typeface="+mn-lt"/>
+                      </a:endParaRPr>
+                    </a:p>
+                  </a:txBody>
+                  <a:tcPr marL="68580" marR="68580" marT="34290" marB="34290" anchor="ctr"/>
+                </a:tc>
+              </a:tr>
+              <a:tr h="460675">
+                <a:tc>
+                  <a:txBody>
+                    <a:bodyPr/>
+                    <a:lstStyle/>
+                    <a:p>
+                      <a:r>
+                        <a:rPr lang="en-US" sz="1600" dirty="0">
+                          <a:effectLst/>
+                        </a:rPr>
+                        <a:t>Java </a:t>
+                      </a:r>
+                      <a:endParaRPr lang="en-US" sz="2400" dirty="0">
+                        <a:solidFill>
+                          <a:schemeClr val="bg1"/>
+                        </a:solidFill>
+                        <a:effectLst/>
+                        <a:latin typeface="+mn-lt"/>
+                      </a:endParaRPr>
+                    </a:p>
+                  </a:txBody>
+                  <a:tcPr marL="68580" marR="68580" marT="34290" marB="34290" anchor="ctr"/>
+                </a:tc>
+                <a:tc>
+                  <a:txBody>
+                    <a:bodyPr/>
+                    <a:lstStyle/>
+                    <a:p>
+                      <a:r>
+                        <a:rPr lang="en-US" sz="1600" dirty="0">
+                          <a:effectLst/>
+                        </a:rPr>
+                        <a:t>Apache Commons </a:t>
+                      </a:r>
+                      <a:r>
+                        <a:rPr lang="en-US" sz="1600" dirty="0" smtClean="0">
+                          <a:effectLst/>
+                        </a:rPr>
+                        <a:t>E-Mail</a:t>
+                      </a:r>
+                      <a:r>
+                        <a:rPr lang="en-US" sz="1000" dirty="0" smtClean="0">
+                          <a:effectLst/>
+                        </a:rPr>
+                        <a:t> </a:t>
+                      </a:r>
+                      <a:endParaRPr lang="en-US" sz="2400" dirty="0">
+                        <a:solidFill>
+                          <a:schemeClr val="bg1"/>
+                        </a:solidFill>
+                        <a:effectLst/>
+                        <a:latin typeface="+mn-lt"/>
+                      </a:endParaRPr>
+                    </a:p>
+                  </a:txBody>
+                  <a:tcPr marL="68580" marR="68580" marT="34290" marB="34290" anchor="ctr"/>
+                </a:tc>
+              </a:tr>
+              <a:tr h="460675">
+                <a:tc>
+                  <a:txBody>
+                    <a:bodyPr/>
+                    <a:lstStyle/>
+                    <a:p>
+                      <a:r>
+                        <a:rPr lang="en-US" sz="1600" dirty="0">
+                          <a:effectLst/>
+                        </a:rPr>
+                        <a:t>Ruby </a:t>
+                      </a:r>
+                      <a:endParaRPr lang="en-US" sz="2400" dirty="0">
+                        <a:solidFill>
+                          <a:schemeClr val="bg1"/>
+                        </a:solidFill>
+                        <a:effectLst/>
+                        <a:latin typeface="+mn-lt"/>
+                      </a:endParaRPr>
+                    </a:p>
+                  </a:txBody>
+                  <a:tcPr marL="68580" marR="68580" marT="34290" marB="34290" anchor="ctr"/>
+                </a:tc>
+                <a:tc>
+                  <a:txBody>
+                    <a:bodyPr/>
+                    <a:lstStyle/>
+                    <a:p>
+                      <a:r>
+                        <a:rPr lang="sk-SK" sz="1600" dirty="0">
+                          <a:effectLst/>
+                        </a:rPr>
+                        <a:t>Ruby Mail &gt;= </a:t>
+                      </a:r>
+                      <a:r>
+                        <a:rPr lang="sk-SK" sz="1600" dirty="0" smtClean="0">
+                          <a:effectLst/>
+                        </a:rPr>
+                        <a:t>2.6</a:t>
+                      </a:r>
+                      <a:r>
+                        <a:rPr lang="sk-SK" sz="1000" dirty="0" smtClean="0">
+                          <a:effectLst/>
+                        </a:rPr>
+                        <a:t> </a:t>
+                      </a:r>
+                      <a:endParaRPr lang="sk-SK" sz="2400" dirty="0">
+                        <a:solidFill>
+                          <a:schemeClr val="bg1"/>
+                        </a:solidFill>
+                        <a:effectLst/>
+                        <a:latin typeface="+mn-lt"/>
+                      </a:endParaRPr>
+                    </a:p>
+                  </a:txBody>
+                  <a:tcPr marL="68580" marR="68580" marT="34290" marB="34290" anchor="ctr"/>
+                </a:tc>
+              </a:tr>
+              <a:tr h="460675">
+                <a:tc>
+                  <a:txBody>
+                    <a:bodyPr/>
+                    <a:lstStyle/>
+                    <a:p>
+                      <a:endParaRPr lang="en-US" sz="2400" dirty="0">
+                        <a:solidFill>
+                          <a:schemeClr val="bg1"/>
+                        </a:solidFill>
+                        <a:effectLst/>
+                        <a:latin typeface="+mn-lt"/>
+                      </a:endParaRPr>
+                    </a:p>
+                  </a:txBody>
+                  <a:tcPr marL="68580" marR="68580" marT="34290" marB="34290" anchor="ctr"/>
+                </a:tc>
+                <a:tc>
+                  <a:txBody>
+                    <a:bodyPr/>
+                    <a:lstStyle/>
+                    <a:p>
+                      <a:endParaRPr lang="en-US" sz="2400" dirty="0">
+                        <a:solidFill>
+                          <a:schemeClr val="bg1"/>
+                        </a:solidFill>
+                        <a:effectLst/>
+                        <a:latin typeface="+mn-lt"/>
+                      </a:endParaRPr>
+                    </a:p>
+                  </a:txBody>
+                  <a:tcPr marL="68580" marR="68580" marT="34290" marB="34290" anchor="ctr"/>
+                </a:tc>
+              </a:tr>
+            </a:tbl>
+          </a:graphicData>
+        </a:graphic>
+      </p:graphicFrame>
+    </p:spTree>
+    <p:extLst>
+      <p:ext uri="{BB962C8B-B14F-4D97-AF65-F5344CB8AC3E}">
+        <p14:creationId xmlns:p14="http://schemas.microsoft.com/office/powerpoint/2010/main" val="1873862690"/>
+      </p:ext>
+    </p:extLst>
+  </p:cSld>
+  <p:clrMapOvr>
+    <a:masterClrMapping/>
+  </p:clrMapOvr>
+  <mc:AlternateContent xmlns:mc="http://schemas.openxmlformats.org/markup-compatibility/2006" xmlns:p14="http://schemas.microsoft.com/office/powerpoint/2010/main">
+    <mc:Choice Requires="p14">
+      <p:transition spd="slow" p14:dur="2000"/>
+    </mc:Choice>
+    <mc:Fallback xmlns="">
+      <p:transition spd="slow"/>
+    </mc:Fallback>
+  </mc:AlternateContent>
+  <p:timing>
+    <p:tnLst>
+      <p:par>
+        <p:cTn id="1" dur="indefinite" restart="never" nodeType="tmRoot"/>
+      </p:par>
+    </p:tnLst>
+  </p:timing>
+</p:sld>
+</file>
+
+<file path=ppt/slides/slide17.xml><?xml version="1.0" encoding="utf-8"?>
+<p:sld xmlns:a="http://schemas.openxmlformats.org/drawingml/2006/main" xmlns:r="http://schemas.openxmlformats.org/officeDocument/2006/relationships" xmlns:p="http://schemas.openxmlformats.org/presentationml/2006/main">
+  <p:cSld>
+    <p:spTree>
+      <p:nvGrpSpPr>
+        <p:cNvPr id="1" name=""/>
+        <p:cNvGrpSpPr/>
+        <p:nvPr/>
+      </p:nvGrpSpPr>
+      <p:grpSpPr>
+        <a:xfrm>
+          <a:off x="0" y="0"/>
+          <a:ext cx="0" cy="0"/>
+          <a:chOff x="0" y="0"/>
+          <a:chExt cx="0" cy="0"/>
+        </a:xfrm>
+      </p:grpSpPr>
+      <p:sp>
+        <p:nvSpPr>
+          <p:cNvPr id="29697" name="Title 1"/>
+          <p:cNvSpPr>
+            <a:spLocks noGrp="1"/>
+          </p:cNvSpPr>
+          <p:nvPr>
+            <p:ph type="title"/>
+          </p:nvPr>
+        </p:nvSpPr>
+        <p:spPr/>
+        <p:txBody>
+          <a:bodyPr/>
+          <a:lstStyle/>
+          <a:p>
+            <a:r>
+              <a:rPr lang="en-US" altLang="en-US" dirty="0" smtClean="0">
+                <a:latin typeface="Gill Sans MT" charset="0"/>
+                <a:ea typeface="MS PGothic" charset="-128"/>
+              </a:rPr>
+              <a:t>Mitigation Strategies – Contd.</a:t>
+            </a:r>
+            <a:endParaRPr lang="en-US" altLang="en-US" dirty="0">
+              <a:latin typeface="Gill Sans MT" charset="0"/>
+              <a:ea typeface="MS PGothic" charset="-128"/>
+            </a:endParaRPr>
+          </a:p>
+        </p:txBody>
+      </p:sp>
+      <p:sp>
+        <p:nvSpPr>
+          <p:cNvPr id="29698" name="Content Placeholder 2"/>
+          <p:cNvSpPr>
+            <a:spLocks noGrp="1"/>
+          </p:cNvSpPr>
+          <p:nvPr>
+            <p:ph idx="1"/>
+          </p:nvPr>
+        </p:nvSpPr>
+        <p:spPr>
+          <a:xfrm>
+            <a:off x="487017" y="1210866"/>
+            <a:ext cx="7911548" cy="3394472"/>
+          </a:xfrm>
+          <a:noFill/>
+          <a:ln>
+            <a:noFill/>
+          </a:ln>
+        </p:spPr>
+        <p:txBody>
+          <a:bodyPr>
+            <a:noAutofit/>
+          </a:bodyPr>
+          <a:lstStyle/>
+          <a:p>
+            <a:pPr>
+              <a:lnSpc>
+                <a:spcPct val="150000"/>
+              </a:lnSpc>
+            </a:pPr>
+            <a:r>
+              <a:rPr lang="en-US" sz="2000" dirty="0"/>
+              <a:t>Input validation</a:t>
+            </a:r>
+          </a:p>
+          <a:p>
+            <a:pPr lvl="1">
+              <a:lnSpc>
+                <a:spcPct val="150000"/>
+              </a:lnSpc>
+            </a:pPr>
+            <a:r>
+              <a:rPr lang="en-US" sz="1600" dirty="0"/>
+              <a:t>Going back to our example from before, we can add input sanitization like so,</a:t>
+            </a:r>
+            <a:br>
+              <a:rPr lang="en-US" sz="1600" dirty="0"/>
+            </a:br>
+            <a:r>
+              <a:rPr lang="en-US" sz="1400" dirty="0">
+                <a:solidFill>
+                  <a:schemeClr val="tx1">
+                    <a:lumMod val="50000"/>
+                    <a:lumOff val="50000"/>
+                  </a:schemeClr>
+                </a:solidFill>
+                <a:latin typeface="Courier" charset="0"/>
+                <a:ea typeface="Courier" charset="0"/>
+                <a:cs typeface="Courier" charset="0"/>
+              </a:rPr>
+              <a:t>$from = ($_REQUEST['email']);</a:t>
+            </a:r>
+            <a:br>
+              <a:rPr lang="en-US" sz="1400" dirty="0">
+                <a:solidFill>
+                  <a:schemeClr val="tx1">
+                    <a:lumMod val="50000"/>
+                    <a:lumOff val="50000"/>
+                  </a:schemeClr>
+                </a:solidFill>
+                <a:latin typeface="Courier" charset="0"/>
+                <a:ea typeface="Courier" charset="0"/>
+                <a:cs typeface="Courier" charset="0"/>
+              </a:rPr>
+            </a:br>
+            <a:r>
+              <a:rPr lang="en-US" sz="1400" dirty="0">
+                <a:solidFill>
+                  <a:schemeClr val="tx1">
+                    <a:lumMod val="50000"/>
+                    <a:lumOff val="50000"/>
+                  </a:schemeClr>
+                </a:solidFill>
+                <a:latin typeface="Courier" charset="0"/>
+                <a:ea typeface="Courier" charset="0"/>
+                <a:cs typeface="Courier" charset="0"/>
+              </a:rPr>
+              <a:t>$sanitized = </a:t>
+            </a:r>
+            <a:r>
+              <a:rPr lang="en-US" sz="1400" dirty="0" err="1">
+                <a:solidFill>
+                  <a:schemeClr val="tx1">
+                    <a:lumMod val="50000"/>
+                    <a:lumOff val="50000"/>
+                  </a:schemeClr>
+                </a:solidFill>
+                <a:latin typeface="Courier" charset="0"/>
+                <a:ea typeface="Courier" charset="0"/>
+                <a:cs typeface="Courier" charset="0"/>
+              </a:rPr>
+              <a:t>filter_var</a:t>
+            </a:r>
+            <a:r>
+              <a:rPr lang="en-US" sz="1400" dirty="0">
+                <a:solidFill>
+                  <a:schemeClr val="tx1">
+                    <a:lumMod val="50000"/>
+                    <a:lumOff val="50000"/>
+                  </a:schemeClr>
+                </a:solidFill>
+                <a:latin typeface="Courier" charset="0"/>
+                <a:ea typeface="Courier" charset="0"/>
+                <a:cs typeface="Courier" charset="0"/>
+              </a:rPr>
+              <a:t>($</a:t>
+            </a:r>
+            <a:r>
+              <a:rPr lang="en-US" sz="1400" dirty="0" err="1">
+                <a:solidFill>
+                  <a:schemeClr val="tx1">
+                    <a:lumMod val="50000"/>
+                    <a:lumOff val="50000"/>
+                  </a:schemeClr>
+                </a:solidFill>
+                <a:latin typeface="Courier" charset="0"/>
+                <a:ea typeface="Courier" charset="0"/>
+                <a:cs typeface="Courier" charset="0"/>
+              </a:rPr>
+              <a:t>from,FILTER_SANITIZE_EMAIL</a:t>
+            </a:r>
+            <a:r>
+              <a:rPr lang="en-US" sz="1400" dirty="0">
+                <a:solidFill>
+                  <a:schemeClr val="tx1">
+                    <a:lumMod val="50000"/>
+                    <a:lumOff val="50000"/>
+                  </a:schemeClr>
+                </a:solidFill>
+                <a:latin typeface="Courier" charset="0"/>
+                <a:ea typeface="Courier" charset="0"/>
+                <a:cs typeface="Courier" charset="0"/>
+              </a:rPr>
+              <a:t>);</a:t>
+            </a:r>
+            <a:br>
+              <a:rPr lang="en-US" sz="1400" dirty="0">
+                <a:solidFill>
+                  <a:schemeClr val="tx1">
+                    <a:lumMod val="50000"/>
+                    <a:lumOff val="50000"/>
+                  </a:schemeClr>
+                </a:solidFill>
+                <a:latin typeface="Courier" charset="0"/>
+                <a:ea typeface="Courier" charset="0"/>
+                <a:cs typeface="Courier" charset="0"/>
+              </a:rPr>
+            </a:br>
+            <a:r>
+              <a:rPr lang="en-US" sz="1400" dirty="0">
+                <a:solidFill>
+                  <a:schemeClr val="tx1">
+                    <a:lumMod val="50000"/>
+                    <a:lumOff val="50000"/>
+                  </a:schemeClr>
+                </a:solidFill>
+                <a:latin typeface="Courier" charset="0"/>
+                <a:ea typeface="Courier" charset="0"/>
+                <a:cs typeface="Courier" charset="0"/>
+              </a:rPr>
+              <a:t>if (</a:t>
+            </a:r>
+            <a:r>
+              <a:rPr lang="en-US" sz="1400" dirty="0" err="1">
+                <a:solidFill>
+                  <a:schemeClr val="tx1">
+                    <a:lumMod val="50000"/>
+                    <a:lumOff val="50000"/>
+                  </a:schemeClr>
+                </a:solidFill>
+                <a:latin typeface="Courier" charset="0"/>
+                <a:ea typeface="Courier" charset="0"/>
+                <a:cs typeface="Courier" charset="0"/>
+              </a:rPr>
+              <a:t>filter_var</a:t>
+            </a:r>
+            <a:r>
+              <a:rPr lang="en-US" sz="1400" dirty="0">
+                <a:solidFill>
+                  <a:schemeClr val="tx1">
+                    <a:lumMod val="50000"/>
+                    <a:lumOff val="50000"/>
+                  </a:schemeClr>
+                </a:solidFill>
+                <a:latin typeface="Courier" charset="0"/>
+                <a:ea typeface="Courier" charset="0"/>
+                <a:cs typeface="Courier" charset="0"/>
+              </a:rPr>
+              <a:t>($</a:t>
+            </a:r>
+            <a:r>
+              <a:rPr lang="en-US" sz="1400" dirty="0" err="1">
+                <a:solidFill>
+                  <a:schemeClr val="tx1">
+                    <a:lumMod val="50000"/>
+                    <a:lumOff val="50000"/>
+                  </a:schemeClr>
+                </a:solidFill>
+                <a:latin typeface="Courier" charset="0"/>
+                <a:ea typeface="Courier" charset="0"/>
+                <a:cs typeface="Courier" charset="0"/>
+              </a:rPr>
+              <a:t>sanitized,FILTER_VALIDATE_EMAIL</a:t>
+            </a:r>
+            <a:r>
+              <a:rPr lang="en-US" sz="1400" dirty="0">
+                <a:solidFill>
+                  <a:schemeClr val="tx1">
+                    <a:lumMod val="50000"/>
+                    <a:lumOff val="50000"/>
+                  </a:schemeClr>
+                </a:solidFill>
+                <a:latin typeface="Courier" charset="0"/>
+                <a:ea typeface="Courier" charset="0"/>
+                <a:cs typeface="Courier" charset="0"/>
+              </a:rPr>
+              <a:t>)) {</a:t>
+            </a:r>
+            <a:br>
+              <a:rPr lang="en-US" sz="1400" dirty="0">
+                <a:solidFill>
+                  <a:schemeClr val="tx1">
+                    <a:lumMod val="50000"/>
+                    <a:lumOff val="50000"/>
+                  </a:schemeClr>
+                </a:solidFill>
+                <a:latin typeface="Courier" charset="0"/>
+                <a:ea typeface="Courier" charset="0"/>
+                <a:cs typeface="Courier" charset="0"/>
+              </a:rPr>
+            </a:br>
+            <a:r>
+              <a:rPr lang="en-US" sz="1400" dirty="0">
+                <a:solidFill>
+                  <a:srgbClr val="92D050"/>
+                </a:solidFill>
+                <a:latin typeface="Courier" charset="0"/>
+                <a:ea typeface="Courier" charset="0"/>
+                <a:cs typeface="Courier" charset="0"/>
+              </a:rPr>
+              <a:t>// do the rest of the e-mail code</a:t>
+            </a:r>
+            <a:br>
+              <a:rPr lang="en-US" sz="1400" dirty="0">
+                <a:solidFill>
+                  <a:srgbClr val="92D050"/>
+                </a:solidFill>
+                <a:latin typeface="Courier" charset="0"/>
+                <a:ea typeface="Courier" charset="0"/>
+                <a:cs typeface="Courier" charset="0"/>
+              </a:rPr>
+            </a:br>
+            <a:r>
+              <a:rPr lang="en-US" sz="1400" dirty="0">
+                <a:solidFill>
+                  <a:schemeClr val="tx1">
+                    <a:lumMod val="50000"/>
+                    <a:lumOff val="50000"/>
+                  </a:schemeClr>
+                </a:solidFill>
+                <a:latin typeface="Courier" charset="0"/>
+                <a:ea typeface="Courier" charset="0"/>
+                <a:cs typeface="Courier" charset="0"/>
+              </a:rPr>
+              <a:t>}</a:t>
+            </a:r>
+            <a:r>
+              <a:rPr lang="en-US" sz="1400" dirty="0">
+                <a:latin typeface="Courier" charset="0"/>
+                <a:ea typeface="Courier" charset="0"/>
+                <a:cs typeface="Courier" charset="0"/>
+              </a:rPr>
+              <a:t/>
+            </a:r>
+            <a:br>
+              <a:rPr lang="en-US" sz="1400" dirty="0">
+                <a:latin typeface="Courier" charset="0"/>
+                <a:ea typeface="Courier" charset="0"/>
+                <a:cs typeface="Courier" charset="0"/>
+              </a:rPr>
+            </a:br>
+            <a:r>
+              <a:rPr lang="en-US" sz="1400" dirty="0">
+                <a:latin typeface="Gill Sans MT" charset="0"/>
+                <a:ea typeface="Gill Sans MT" charset="0"/>
+                <a:cs typeface="Gill Sans MT" charset="0"/>
+              </a:rPr>
+              <a:t>where ‘</a:t>
+            </a:r>
+            <a:r>
+              <a:rPr lang="en-US" sz="1400" dirty="0" err="1">
+                <a:latin typeface="Gill Sans MT" charset="0"/>
+                <a:ea typeface="Gill Sans MT" charset="0"/>
+                <a:cs typeface="Gill Sans MT" charset="0"/>
+              </a:rPr>
+              <a:t>filter_var</a:t>
+            </a:r>
+            <a:r>
+              <a:rPr lang="en-US" sz="1400" dirty="0">
+                <a:latin typeface="Gill Sans MT" charset="0"/>
+                <a:ea typeface="Gill Sans MT" charset="0"/>
+                <a:cs typeface="Gill Sans MT" charset="0"/>
+              </a:rPr>
+              <a:t>’ is a built-in PHP function</a:t>
+            </a:r>
+            <a:r>
+              <a:rPr lang="en-US" sz="1400" dirty="0" smtClean="0">
+                <a:latin typeface="Gill Sans MT" charset="0"/>
+                <a:ea typeface="Gill Sans MT" charset="0"/>
+                <a:cs typeface="Gill Sans MT" charset="0"/>
+              </a:rPr>
+              <a:t>.</a:t>
+            </a:r>
+          </a:p>
+          <a:p>
+            <a:pPr lvl="1">
+              <a:lnSpc>
+                <a:spcPct val="150000"/>
+              </a:lnSpc>
+            </a:pPr>
+            <a:r>
+              <a:rPr lang="en-US" sz="1600" dirty="0" smtClean="0">
+                <a:latin typeface="Gill Sans MT" charset="0"/>
+                <a:ea typeface="Gill Sans MT" charset="0"/>
+                <a:cs typeface="Gill Sans MT" charset="0"/>
+              </a:rPr>
+              <a:t>A word of caution though, do use tested methods for input validation and avoid writing your own.</a:t>
+            </a:r>
+            <a:r>
+              <a:rPr lang="en-US" dirty="0"/>
+              <a:t/>
+            </a:r>
+            <a:br>
+              <a:rPr lang="en-US" dirty="0"/>
+            </a:br>
+            <a:endParaRPr lang="en-US" dirty="0"/>
+          </a:p>
+          <a:p>
+            <a:endParaRPr lang="en-US" sz="2000" dirty="0"/>
+          </a:p>
+          <a:p>
+            <a:endParaRPr lang="en-US" altLang="en-US" sz="2400" dirty="0">
+              <a:latin typeface="Gill Sans MT" charset="0"/>
+              <a:ea typeface="MS PGothic" charset="-128"/>
+            </a:endParaRPr>
+          </a:p>
+        </p:txBody>
+      </p:sp>
+    </p:spTree>
+    <p:extLst>
+      <p:ext uri="{BB962C8B-B14F-4D97-AF65-F5344CB8AC3E}">
+        <p14:creationId xmlns:p14="http://schemas.microsoft.com/office/powerpoint/2010/main" val="2093645277"/>
+      </p:ext>
+    </p:extLst>
+  </p:cSld>
+  <p:clrMapOvr>
+    <a:masterClrMapping/>
+  </p:clrMapOvr>
+  <mc:AlternateContent xmlns:mc="http://schemas.openxmlformats.org/markup-compatibility/2006" xmlns:p14="http://schemas.microsoft.com/office/powerpoint/2010/main">
+    <mc:Choice Requires="p14">
+      <p:transition spd="slow" p14:dur="2000"/>
+    </mc:Choice>
+    <mc:Fallback xmlns="">
+      <p:transition spd="slow"/>
+    </mc:Fallback>
+  </mc:AlternateContent>
+  <p:timing>
+    <p:tnLst>
+      <p:par>
+        <p:cTn id="1" dur="indefinite" restart="never" nodeType="tmRoot"/>
+      </p:par>
+    </p:tnLst>
+  </p:timing>
+</p:sld>
+</file>
+
+<file path=ppt/slides/slide18.xml><?xml version="1.0" encoding="utf-8"?>
+<p:sld xmlns:a="http://schemas.openxmlformats.org/drawingml/2006/main" xmlns:r="http://schemas.openxmlformats.org/officeDocument/2006/relationships" xmlns:p="http://schemas.openxmlformats.org/presentationml/2006/main">
+  <p:cSld>
+    <p:spTree>
+      <p:nvGrpSpPr>
+        <p:cNvPr id="1" name=""/>
+        <p:cNvGrpSpPr/>
+        <p:nvPr/>
+      </p:nvGrpSpPr>
+      <p:grpSpPr>
+        <a:xfrm>
+          <a:off x="0" y="0"/>
+          <a:ext cx="0" cy="0"/>
+          <a:chOff x="0" y="0"/>
+          <a:chExt cx="0" cy="0"/>
+        </a:xfrm>
+      </p:grpSpPr>
+      <p:sp>
+        <p:nvSpPr>
+          <p:cNvPr id="2" name="Title 1"/>
+          <p:cNvSpPr>
+            <a:spLocks noGrp="1"/>
+          </p:cNvSpPr>
+          <p:nvPr>
+            <p:ph type="title"/>
+          </p:nvPr>
+        </p:nvSpPr>
+        <p:spPr/>
+        <p:txBody>
+          <a:bodyPr/>
+          <a:lstStyle/>
+          <a:p>
+            <a:r>
+              <a:rPr lang="en-US" dirty="0" smtClean="0"/>
+              <a:t>Takeaways</a:t>
+            </a:r>
+            <a:endParaRPr lang="en-US" dirty="0"/>
+          </a:p>
+        </p:txBody>
+      </p:sp>
+      <p:sp>
+        <p:nvSpPr>
+          <p:cNvPr id="3" name="Content Placeholder 2"/>
+          <p:cNvSpPr>
+            <a:spLocks noGrp="1"/>
+          </p:cNvSpPr>
+          <p:nvPr>
+            <p:ph idx="1"/>
+          </p:nvPr>
+        </p:nvSpPr>
+        <p:spPr/>
+        <p:txBody>
+          <a:bodyPr>
+            <a:normAutofit/>
+          </a:bodyPr>
+          <a:lstStyle/>
+          <a:p>
+            <a:r>
+              <a:rPr lang="en-US" sz="1800" dirty="0" smtClean="0"/>
+              <a:t>Our </a:t>
+            </a:r>
+            <a:r>
+              <a:rPr lang="en-US" sz="1800" dirty="0"/>
+              <a:t>work proves that E-Mail Header Injection vulnerability is widespread on the internet, found on </a:t>
+            </a:r>
+            <a:r>
+              <a:rPr lang="en-US" sz="1800" dirty="0" smtClean="0"/>
+              <a:t>0.038% </a:t>
+            </a:r>
+            <a:r>
+              <a:rPr lang="en-US" sz="1800" dirty="0"/>
+              <a:t>of the </a:t>
+            </a:r>
+            <a:r>
+              <a:rPr lang="en-US" sz="1800" dirty="0" smtClean="0"/>
+              <a:t>websites that didn't have measures to prevent automated crawling.</a:t>
+            </a:r>
+          </a:p>
+          <a:p>
+            <a:r>
+              <a:rPr lang="en-US" sz="1800" dirty="0" smtClean="0"/>
+              <a:t>Even if that looks like a small percentage, remember, it only takes 1 vulnerable form for us to lose customer trust.</a:t>
+            </a:r>
+          </a:p>
+          <a:p>
+            <a:r>
+              <a:rPr lang="en-US" sz="1800" dirty="0" smtClean="0"/>
+              <a:t>Do not trust user input, sanitize/pre-process/reject user input using well-tested libraries.</a:t>
+            </a:r>
+          </a:p>
+          <a:p>
+            <a:r>
+              <a:rPr lang="en-US" sz="1800" dirty="0" smtClean="0"/>
+              <a:t>Do not try to perform user input validation by yourself, even the simplest attacks have tricky edge-cases to cover.</a:t>
+            </a:r>
+            <a:endParaRPr lang="en-US" sz="1800" dirty="0"/>
+          </a:p>
+          <a:p>
+            <a:endParaRPr lang="en-US" sz="1800" dirty="0"/>
+          </a:p>
+        </p:txBody>
+      </p:sp>
+      <p:sp>
+        <p:nvSpPr>
+          <p:cNvPr id="4" name="Slide Number Placeholder 3"/>
+          <p:cNvSpPr>
+            <a:spLocks noGrp="1"/>
+          </p:cNvSpPr>
+          <p:nvPr>
+            <p:ph type="sldNum" sz="quarter" idx="10"/>
+          </p:nvPr>
+        </p:nvSpPr>
+        <p:spPr/>
+        <p:txBody>
+          <a:bodyPr/>
+          <a:lstStyle/>
+          <a:p>
+            <a:pPr>
+              <a:defRPr/>
+            </a:pPr>
+            <a:fld id="{A6049551-C800-0F49-AC98-3AEA702B0E63}" type="slidenum">
+              <a:rPr lang="en-US" altLang="en-US" smtClean="0"/>
+              <a:pPr>
+                <a:defRPr/>
+              </a:pPr>
+              <a:t>18</a:t>
+            </a:fld>
+            <a:endParaRPr lang="en-US" altLang="en-US"/>
+          </a:p>
+        </p:txBody>
+      </p:sp>
+      <p:sp>
+        <p:nvSpPr>
+          <p:cNvPr id="5" name="Date Placeholder 4"/>
+          <p:cNvSpPr>
+            <a:spLocks noGrp="1"/>
+          </p:cNvSpPr>
+          <p:nvPr>
+            <p:ph type="dt" sz="half" idx="11"/>
+          </p:nvPr>
+        </p:nvSpPr>
+        <p:spPr/>
+        <p:txBody>
+          <a:bodyPr/>
+          <a:lstStyle/>
+          <a:p>
+            <a:pPr>
+              <a:defRPr/>
+            </a:pPr>
+            <a:fld id="{C37AA8D1-E9CF-2944-A66E-EFC74035EB27}" type="datetime1">
+              <a:rPr lang="en-US" altLang="en-US" smtClean="0"/>
+              <a:pPr>
+                <a:defRPr/>
+              </a:pPr>
+              <a:t>1/13/17</a:t>
+            </a:fld>
+            <a:endParaRPr lang="en-US" altLang="en-US"/>
+          </a:p>
+        </p:txBody>
+      </p:sp>
+    </p:spTree>
+    <p:extLst>
+      <p:ext uri="{BB962C8B-B14F-4D97-AF65-F5344CB8AC3E}">
+        <p14:creationId xmlns:p14="http://schemas.microsoft.com/office/powerpoint/2010/main" val="1917631177"/>
+      </p:ext>
+    </p:extLst>
+  </p:cSld>
+  <p:clrMapOvr>
+    <a:masterClrMapping/>
+  </p:clrMapOvr>
+  <mc:AlternateContent xmlns:mc="http://schemas.openxmlformats.org/markup-compatibility/2006" xmlns:p14="http://schemas.microsoft.com/office/powerpoint/2010/main">
+    <mc:Choice Requires="p14">
+      <p:transition spd="slow" p14:dur="2000"/>
+    </mc:Choice>
+    <mc:Fallback xmlns="">
+      <p:transition spd="slow"/>
+    </mc:Fallback>
+  </mc:AlternateContent>
+  <p:timing>
+    <p:tnLst>
+      <p:par>
+        <p:cTn id="1" dur="indefinite" restart="never" nodeType="tmRoot"/>
+      </p:par>
+    </p:tnLst>
+  </p:timing>
+</p:sld>
+</file>
+
+<file path=ppt/slides/slide19.xml><?xml version="1.0" encoding="utf-8"?>
+<p:sld xmlns:a="http://schemas.openxmlformats.org/drawingml/2006/main" xmlns:r="http://schemas.openxmlformats.org/officeDocument/2006/relationships" xmlns:p="http://schemas.openxmlformats.org/presentationml/2006/main">
+  <p:cSld>
+    <p:spTree>
+      <p:nvGrpSpPr>
+        <p:cNvPr id="1" name=""/>
+        <p:cNvGrpSpPr/>
+        <p:nvPr/>
+      </p:nvGrpSpPr>
+      <p:grpSpPr>
+        <a:xfrm>
+          <a:off x="0" y="0"/>
+          <a:ext cx="0" cy="0"/>
+          <a:chOff x="0" y="0"/>
+          <a:chExt cx="0" cy="0"/>
+        </a:xfrm>
+      </p:grpSpPr>
+      <p:sp>
+        <p:nvSpPr>
+          <p:cNvPr id="2" name="Title 1"/>
+          <p:cNvSpPr>
+            <a:spLocks noGrp="1"/>
+          </p:cNvSpPr>
+          <p:nvPr>
+            <p:ph type="title"/>
+          </p:nvPr>
+        </p:nvSpPr>
+        <p:spPr/>
+        <p:txBody>
+          <a:bodyPr>
+            <a:normAutofit/>
+          </a:bodyPr>
+          <a:lstStyle/>
+          <a:p>
+            <a:r>
+              <a:rPr lang="en-US" sz="2400" dirty="0" smtClean="0"/>
+              <a:t>Ethical Disclosure </a:t>
+            </a:r>
+            <a:r>
+              <a:rPr lang="en-US" sz="2400" dirty="0"/>
+              <a:t>of discovered vulnerabilities</a:t>
+            </a:r>
+          </a:p>
+        </p:txBody>
+      </p:sp>
+      <p:sp>
+        <p:nvSpPr>
+          <p:cNvPr id="3" name="Content Placeholder 2"/>
+          <p:cNvSpPr>
+            <a:spLocks noGrp="1"/>
+          </p:cNvSpPr>
+          <p:nvPr>
+            <p:ph idx="1"/>
+          </p:nvPr>
+        </p:nvSpPr>
+        <p:spPr/>
+        <p:txBody>
+          <a:bodyPr>
+            <a:normAutofit/>
+          </a:bodyPr>
+          <a:lstStyle/>
+          <a:p>
+            <a:r>
+              <a:rPr lang="en-US" sz="1800" dirty="0" smtClean="0"/>
+              <a:t>E-mailed ~400 </a:t>
+            </a:r>
+            <a:r>
+              <a:rPr lang="en-US" sz="1800" dirty="0"/>
+              <a:t>websites about the discovered vulnerabilities</a:t>
+            </a:r>
+          </a:p>
+          <a:p>
+            <a:r>
+              <a:rPr lang="en-US" sz="1800" dirty="0"/>
+              <a:t>We sent e-mails to the following addresses (as described in RFC2142):</a:t>
+            </a:r>
+          </a:p>
+          <a:p>
+            <a:pPr lvl="1"/>
+            <a:r>
+              <a:rPr lang="en-US" sz="1500" dirty="0"/>
+              <a:t>security@domain.com</a:t>
+            </a:r>
+          </a:p>
+          <a:p>
+            <a:pPr lvl="1"/>
+            <a:r>
+              <a:rPr lang="en-US" sz="1500" dirty="0"/>
+              <a:t>admin@domain.com</a:t>
+            </a:r>
+          </a:p>
+          <a:p>
+            <a:pPr lvl="1"/>
+            <a:r>
+              <a:rPr lang="en-US" sz="1500" dirty="0"/>
+              <a:t>webmaster@domain.com</a:t>
+            </a:r>
+          </a:p>
+          <a:p>
+            <a:r>
+              <a:rPr lang="en-US" sz="1800" dirty="0"/>
+              <a:t>Only </a:t>
+            </a:r>
+            <a:r>
+              <a:rPr lang="en-US" sz="1800" dirty="0" smtClean="0"/>
+              <a:t>330 </a:t>
+            </a:r>
+            <a:r>
+              <a:rPr lang="en-US" sz="1800" dirty="0"/>
+              <a:t>of these mailboxes were found</a:t>
+            </a:r>
+          </a:p>
+          <a:p>
+            <a:r>
+              <a:rPr lang="en-US" sz="1800" dirty="0"/>
+              <a:t>We received </a:t>
+            </a:r>
+            <a:r>
+              <a:rPr lang="en-US" sz="1800" dirty="0" smtClean="0"/>
+              <a:t>~70 responses, and verified that these websites had the vulnerability fixed.</a:t>
+            </a:r>
+            <a:endParaRPr lang="en-US" sz="1800" dirty="0"/>
+          </a:p>
+        </p:txBody>
+      </p:sp>
+      <p:sp>
+        <p:nvSpPr>
+          <p:cNvPr id="4" name="Slide Number Placeholder 3"/>
+          <p:cNvSpPr>
+            <a:spLocks noGrp="1"/>
+          </p:cNvSpPr>
+          <p:nvPr>
+            <p:ph type="sldNum" sz="quarter" idx="10"/>
+          </p:nvPr>
+        </p:nvSpPr>
+        <p:spPr/>
+        <p:txBody>
+          <a:bodyPr/>
+          <a:lstStyle/>
+          <a:p>
+            <a:pPr>
+              <a:defRPr/>
+            </a:pPr>
+            <a:fld id="{A6049551-C800-0F49-AC98-3AEA702B0E63}" type="slidenum">
+              <a:rPr lang="en-US" altLang="en-US" smtClean="0"/>
+              <a:pPr>
+                <a:defRPr/>
+              </a:pPr>
+              <a:t>19</a:t>
+            </a:fld>
+            <a:endParaRPr lang="en-US" altLang="en-US"/>
+          </a:p>
+        </p:txBody>
+      </p:sp>
+      <p:sp>
+        <p:nvSpPr>
+          <p:cNvPr id="5" name="Date Placeholder 4"/>
+          <p:cNvSpPr>
+            <a:spLocks noGrp="1"/>
+          </p:cNvSpPr>
+          <p:nvPr>
+            <p:ph type="dt" sz="half" idx="11"/>
+          </p:nvPr>
+        </p:nvSpPr>
+        <p:spPr/>
+        <p:txBody>
+          <a:bodyPr/>
+          <a:lstStyle/>
+          <a:p>
+            <a:pPr>
+              <a:defRPr/>
+            </a:pPr>
+            <a:fld id="{C37AA8D1-E9CF-2944-A66E-EFC74035EB27}" type="datetime1">
+              <a:rPr lang="en-US" altLang="en-US" smtClean="0"/>
+              <a:pPr>
+                <a:defRPr/>
+              </a:pPr>
+              <a:t>1/13/17</a:t>
+            </a:fld>
+            <a:endParaRPr lang="en-US" altLang="en-US"/>
+          </a:p>
+        </p:txBody>
+      </p:sp>
+    </p:spTree>
+    <p:extLst>
+      <p:ext uri="{BB962C8B-B14F-4D97-AF65-F5344CB8AC3E}">
+        <p14:creationId xmlns:p14="http://schemas.microsoft.com/office/powerpoint/2010/main" val="986901837"/>
+      </p:ext>
+    </p:extLst>
+  </p:cSld>
+  <p:clrMapOvr>
+    <a:masterClrMapping/>
+  </p:clrMapOvr>
+  <mc:AlternateContent xmlns:mc="http://schemas.openxmlformats.org/markup-compatibility/2006" xmlns:p14="http://schemas.microsoft.com/office/powerpoint/2010/main">
+    <mc:Choice Requires="p14">
+      <p:transition spd="slow" p14:dur="2000"/>
+    </mc:Choice>
+    <mc:Fallback xmlns="">
+      <p:transition spd="slow"/>
+    </mc:Fallback>
+  </mc:AlternateContent>
+  <p:timing>
+    <p:tnLst>
+      <p:par>
+        <p:cTn id="1" dur="indefinite" restart="never" nodeType="tmRoot"/>
+      </p:par>
+    </p:tnLst>
+  </p:timing>
+</p:sld>
+</file>
+
+<file path=ppt/slides/slide2.xml><?xml version="1.0" encoding="utf-8"?>
+<p:sld xmlns:a="http://schemas.openxmlformats.org/drawingml/2006/main" xmlns:r="http://schemas.openxmlformats.org/officeDocument/2006/relationships" xmlns:p="http://schemas.openxmlformats.org/presentationml/2006/main">
+  <p:cSld>
+    <p:spTree>
+      <p:nvGrpSpPr>
+        <p:cNvPr id="1" name=""/>
+        <p:cNvGrpSpPr/>
+        <p:nvPr/>
+      </p:nvGrpSpPr>
+      <p:grpSpPr>
+        <a:xfrm>
+          <a:off x="0" y="0"/>
+          <a:ext cx="0" cy="0"/>
+          <a:chOff x="0" y="0"/>
+          <a:chExt cx="0" cy="0"/>
+        </a:xfrm>
+      </p:grpSpPr>
+      <p:sp>
+        <p:nvSpPr>
+          <p:cNvPr id="16385" name="Title 1"/>
+          <p:cNvSpPr>
+            <a:spLocks noGrp="1"/>
+          </p:cNvSpPr>
+          <p:nvPr>
+            <p:ph type="title"/>
+          </p:nvPr>
+        </p:nvSpPr>
+        <p:spPr/>
+        <p:txBody>
+          <a:bodyPr/>
+          <a:lstStyle/>
+          <a:p>
+            <a:r>
+              <a:rPr lang="en-US" altLang="en-US">
+                <a:latin typeface="Gill Sans MT" charset="0"/>
+                <a:ea typeface="MS PGothic" charset="-128"/>
+              </a:rPr>
+              <a:t>Introduction</a:t>
+            </a:r>
+          </a:p>
+        </p:txBody>
+      </p:sp>
+      <p:sp>
+        <p:nvSpPr>
+          <p:cNvPr id="3" name="Content Placeholder 2"/>
+          <p:cNvSpPr>
+            <a:spLocks noGrp="1"/>
+          </p:cNvSpPr>
+          <p:nvPr>
+            <p:ph idx="1"/>
+          </p:nvPr>
+        </p:nvSpPr>
+        <p:spPr>
+          <a:xfrm>
+            <a:off x="1485900" y="1210866"/>
+            <a:ext cx="6172200" cy="3394472"/>
+          </a:xfrm>
+        </p:spPr>
+        <p:txBody>
+          <a:bodyPr/>
+          <a:lstStyle/>
+          <a:p>
+            <a:pPr>
+              <a:defRPr/>
+            </a:pPr>
+            <a:r>
+              <a:rPr lang="en-US" dirty="0" smtClean="0"/>
+              <a:t>“</a:t>
+            </a:r>
+            <a:r>
+              <a:rPr lang="en-US" i="1" dirty="0"/>
+              <a:t>Email injection is a security vulnerability that can occur in Internet applications that are used to send email messages</a:t>
+            </a:r>
+            <a:r>
+              <a:rPr lang="en-US" i="1" dirty="0" smtClean="0"/>
+              <a:t>.”</a:t>
+            </a:r>
+            <a:endParaRPr lang="en-US" i="1" dirty="0"/>
+          </a:p>
+          <a:p>
+            <a:pPr marL="0" indent="0">
+              <a:buNone/>
+              <a:defRPr/>
+            </a:pPr>
+            <a:r>
+              <a:rPr lang="en-US" dirty="0" smtClean="0"/>
+              <a:t>													- Wikipedia</a:t>
+            </a:r>
+          </a:p>
+          <a:p>
+            <a:pPr>
+              <a:defRPr/>
+            </a:pPr>
+            <a:endParaRPr lang="en-US" i="1" dirty="0" smtClean="0"/>
+          </a:p>
+        </p:txBody>
+      </p:sp>
+    </p:spTree>
+    <p:extLst>
+      <p:ext uri="{BB962C8B-B14F-4D97-AF65-F5344CB8AC3E}">
+        <p14:creationId xmlns:p14="http://schemas.microsoft.com/office/powerpoint/2010/main" val="836714336"/>
+      </p:ext>
+    </p:extLst>
+  </p:cSld>
+  <p:clrMapOvr>
+    <a:masterClrMapping/>
+  </p:clrMapOvr>
+  <mc:AlternateContent xmlns:mc="http://schemas.openxmlformats.org/markup-compatibility/2006" xmlns:p14="http://schemas.microsoft.com/office/powerpoint/2010/main">
+    <mc:Choice Requires="p14">
+      <p:transition spd="slow" p14:dur="2000"/>
+    </mc:Choice>
+    <mc:Fallback xmlns="">
+      <p:transition spd="slow"/>
+    </mc:Fallback>
+  </mc:AlternateContent>
+  <p:timing>
+    <p:tnLst>
+      <p:par>
+        <p:cTn id="1" dur="indefinite" restart="never" nodeType="tmRoot"/>
+      </p:par>
+    </p:tnLst>
+  </p:timing>
+</p:sld>
+</file>
+
+<file path=ppt/slides/slide20.xml><?xml version="1.0" encoding="utf-8"?>
+<p:sld xmlns:a="http://schemas.openxmlformats.org/drawingml/2006/main" xmlns:r="http://schemas.openxmlformats.org/officeDocument/2006/relationships" xmlns:p="http://schemas.openxmlformats.org/presentationml/2006/main">
+  <p:cSld>
+    <p:spTree>
+      <p:nvGrpSpPr>
+        <p:cNvPr id="1" name=""/>
+        <p:cNvGrpSpPr/>
+        <p:nvPr/>
+      </p:nvGrpSpPr>
+      <p:grpSpPr>
+        <a:xfrm>
+          <a:off x="0" y="0"/>
+          <a:ext cx="0" cy="0"/>
+          <a:chOff x="0" y="0"/>
+          <a:chExt cx="0" cy="0"/>
+        </a:xfrm>
+      </p:grpSpPr>
+      <p:sp>
+        <p:nvSpPr>
+          <p:cNvPr id="32769" name="Title 1"/>
+          <p:cNvSpPr>
+            <a:spLocks noGrp="1"/>
+          </p:cNvSpPr>
+          <p:nvPr>
+            <p:ph type="title"/>
+          </p:nvPr>
+        </p:nvSpPr>
+        <p:spPr/>
+        <p:txBody>
+          <a:bodyPr/>
+          <a:lstStyle/>
+          <a:p>
+            <a:r>
+              <a:rPr lang="en-US" altLang="en-US">
+                <a:latin typeface="Gill Sans MT" charset="0"/>
+                <a:ea typeface="MS PGothic" charset="-128"/>
+              </a:rPr>
+              <a:t>Acknowledgements</a:t>
+            </a:r>
+          </a:p>
+        </p:txBody>
+      </p:sp>
+      <p:sp>
+        <p:nvSpPr>
+          <p:cNvPr id="32770" name="Content Placeholder 2"/>
+          <p:cNvSpPr>
+            <a:spLocks noGrp="1"/>
+          </p:cNvSpPr>
+          <p:nvPr>
+            <p:ph idx="1"/>
+          </p:nvPr>
+        </p:nvSpPr>
+        <p:spPr>
+          <a:xfrm>
+            <a:off x="628650" y="1210866"/>
+            <a:ext cx="8107846" cy="3394472"/>
+          </a:xfrm>
+        </p:spPr>
+        <p:txBody>
+          <a:bodyPr>
+            <a:normAutofit/>
+          </a:bodyPr>
+          <a:lstStyle/>
+          <a:p>
+            <a:pPr algn="just"/>
+            <a:r>
+              <a:rPr lang="en-US" sz="1800" dirty="0"/>
+              <a:t>Dr. Adam </a:t>
+            </a:r>
+            <a:r>
+              <a:rPr lang="en-US" sz="1800" dirty="0" err="1"/>
+              <a:t>Doupe</a:t>
+            </a:r>
+            <a:r>
+              <a:rPr lang="en-US" sz="1800" dirty="0"/>
+              <a:t>́, </a:t>
+            </a:r>
+            <a:r>
+              <a:rPr lang="en-US" sz="1800" dirty="0">
+                <a:latin typeface="Gill Sans MT" charset="0"/>
+                <a:ea typeface="MS PGothic" charset="-128"/>
+              </a:rPr>
+              <a:t>t</a:t>
+            </a:r>
+            <a:r>
+              <a:rPr lang="en-US" altLang="en-US" sz="1800" dirty="0">
+                <a:latin typeface="Gill Sans MT" charset="0"/>
+                <a:ea typeface="MS PGothic" charset="-128"/>
+              </a:rPr>
+              <a:t>his project is his brain child, and without him this project wouldn’t have been </a:t>
+            </a:r>
+            <a:r>
+              <a:rPr lang="en-US" altLang="en-US" sz="1800" dirty="0" smtClean="0">
+                <a:latin typeface="Gill Sans MT" charset="0"/>
+                <a:ea typeface="MS PGothic" charset="-128"/>
+              </a:rPr>
+              <a:t>possible</a:t>
+            </a:r>
+            <a:endParaRPr lang="en-US" altLang="en-US" sz="1800" dirty="0">
+              <a:latin typeface="Gill Sans MT" charset="0"/>
+              <a:ea typeface="MS PGothic" charset="-128"/>
+            </a:endParaRPr>
+          </a:p>
+        </p:txBody>
+      </p:sp>
+    </p:spTree>
+    <p:extLst>
+      <p:ext uri="{BB962C8B-B14F-4D97-AF65-F5344CB8AC3E}">
+        <p14:creationId xmlns:p14="http://schemas.microsoft.com/office/powerpoint/2010/main" val="243416135"/>
+      </p:ext>
+    </p:extLst>
+  </p:cSld>
+  <p:clrMapOvr>
+    <a:masterClrMapping/>
+  </p:clrMapOvr>
+  <mc:AlternateContent xmlns:mc="http://schemas.openxmlformats.org/markup-compatibility/2006" xmlns:p14="http://schemas.microsoft.com/office/powerpoint/2010/main">
+    <mc:Choice Requires="p14">
+      <p:transition spd="slow" p14:dur="2000"/>
+    </mc:Choice>
+    <mc:Fallback xmlns="">
+      <p:transition spd="slow"/>
+    </mc:Fallback>
+  </mc:AlternateContent>
+  <p:timing>
+    <p:tnLst>
+      <p:par>
+        <p:cTn id="1" dur="indefinite" restart="never" nodeType="tmRoot"/>
+      </p:par>
+    </p:tnLst>
+  </p:timing>
+</p:sld>
+</file>
+
+<file path=ppt/slides/slide21.xml><?xml version="1.0" encoding="utf-8"?>
+<p:sld xmlns:a="http://schemas.openxmlformats.org/drawingml/2006/main" xmlns:r="http://schemas.openxmlformats.org/officeDocument/2006/relationships" xmlns:p="http://schemas.openxmlformats.org/presentationml/2006/main">
+  <p:cSld>
+    <p:spTree>
+      <p:nvGrpSpPr>
+        <p:cNvPr id="1" name=""/>
+        <p:cNvGrpSpPr/>
+        <p:nvPr/>
+      </p:nvGrpSpPr>
+      <p:grpSpPr>
+        <a:xfrm>
+          <a:off x="0" y="0"/>
+          <a:ext cx="0" cy="0"/>
+          <a:chOff x="0" y="0"/>
+          <a:chExt cx="0" cy="0"/>
+        </a:xfrm>
+      </p:grpSpPr>
+      <p:sp>
+        <p:nvSpPr>
+          <p:cNvPr id="31745" name="Title 1"/>
+          <p:cNvSpPr>
+            <a:spLocks noGrp="1"/>
+          </p:cNvSpPr>
+          <p:nvPr>
+            <p:ph type="title"/>
+          </p:nvPr>
+        </p:nvSpPr>
+        <p:spPr/>
+        <p:txBody>
+          <a:bodyPr/>
+          <a:lstStyle/>
+          <a:p>
+            <a:r>
+              <a:rPr lang="en-US" altLang="en-US">
+                <a:latin typeface="Gill Sans MT" charset="0"/>
+                <a:ea typeface="MS PGothic" charset="-128"/>
+              </a:rPr>
+              <a:t>Questions?</a:t>
+            </a:r>
+          </a:p>
+        </p:txBody>
+      </p:sp>
+      <p:sp>
+        <p:nvSpPr>
+          <p:cNvPr id="31746" name="Content Placeholder 2"/>
+          <p:cNvSpPr>
+            <a:spLocks noGrp="1"/>
+          </p:cNvSpPr>
+          <p:nvPr>
+            <p:ph idx="1"/>
+          </p:nvPr>
+        </p:nvSpPr>
+        <p:spPr>
+          <a:xfrm>
+            <a:off x="1485900" y="1210866"/>
+            <a:ext cx="6172200" cy="3394472"/>
+          </a:xfrm>
+        </p:spPr>
+        <p:txBody>
+          <a:bodyPr/>
+          <a:lstStyle/>
+          <a:p>
+            <a:r>
+              <a:rPr lang="en-US" altLang="en-US">
+                <a:latin typeface="Gill Sans MT" charset="0"/>
+                <a:ea typeface="MS PGothic" charset="-128"/>
+              </a:rPr>
+              <a:t>Please feel free to ask any questions.</a:t>
+            </a:r>
+          </a:p>
+        </p:txBody>
+      </p:sp>
+    </p:spTree>
+    <p:extLst>
+      <p:ext uri="{BB962C8B-B14F-4D97-AF65-F5344CB8AC3E}">
+        <p14:creationId xmlns:p14="http://schemas.microsoft.com/office/powerpoint/2010/main" val="669090042"/>
+      </p:ext>
+    </p:extLst>
+  </p:cSld>
+  <p:clrMapOvr>
+    <a:masterClrMapping/>
+  </p:clrMapOvr>
+  <mc:AlternateContent xmlns:mc="http://schemas.openxmlformats.org/markup-compatibility/2006" xmlns:p14="http://schemas.microsoft.com/office/powerpoint/2010/main">
+    <mc:Choice Requires="p14">
+      <p:transition spd="slow" p14:dur="2000"/>
+    </mc:Choice>
+    <mc:Fallback xmlns="">
+      <p:transition spd="slow"/>
+    </mc:Fallback>
+  </mc:AlternateContent>
+  <p:timing>
+    <p:tnLst>
+      <p:par>
+        <p:cTn id="1" dur="indefinite" restart="never" nodeType="tmRoot"/>
+      </p:par>
+    </p:tnLst>
+  </p:timing>
+</p:sld>
+</file>
+
+<file path=ppt/slides/slide3.xml><?xml version="1.0" encoding="utf-8"?>
+<p:sld xmlns:a="http://schemas.openxmlformats.org/drawingml/2006/main" xmlns:r="http://schemas.openxmlformats.org/officeDocument/2006/relationships" xmlns:p="http://schemas.openxmlformats.org/presentationml/2006/main">
+  <p:cSld>
+    <p:spTree>
+      <p:nvGrpSpPr>
+        <p:cNvPr id="1" name=""/>
+        <p:cNvGrpSpPr/>
+        <p:nvPr/>
+      </p:nvGrpSpPr>
+      <p:grpSpPr>
+        <a:xfrm>
+          <a:off x="0" y="0"/>
+          <a:ext cx="0" cy="0"/>
+          <a:chOff x="0" y="0"/>
+          <a:chExt cx="0" cy="0"/>
+        </a:xfrm>
+      </p:grpSpPr>
+      <p:sp>
+        <p:nvSpPr>
+          <p:cNvPr id="2" name="Title 1"/>
+          <p:cNvSpPr>
+            <a:spLocks noGrp="1"/>
+          </p:cNvSpPr>
+          <p:nvPr>
+            <p:ph type="title"/>
+          </p:nvPr>
+        </p:nvSpPr>
+        <p:spPr/>
+        <p:txBody>
+          <a:bodyPr/>
+          <a:lstStyle/>
+          <a:p>
+            <a:r>
+              <a:rPr lang="en-US" dirty="0" smtClean="0"/>
+              <a:t>History</a:t>
+            </a:r>
+            <a:endParaRPr lang="en-US" dirty="0"/>
+          </a:p>
+        </p:txBody>
+      </p:sp>
+      <p:sp>
+        <p:nvSpPr>
+          <p:cNvPr id="3" name="Content Placeholder 2"/>
+          <p:cNvSpPr>
+            <a:spLocks noGrp="1"/>
+          </p:cNvSpPr>
+          <p:nvPr>
+            <p:ph idx="1"/>
+          </p:nvPr>
+        </p:nvSpPr>
+        <p:spPr/>
+        <p:txBody>
+          <a:bodyPr/>
+          <a:lstStyle/>
+          <a:p>
+            <a:pPr>
+              <a:lnSpc>
+                <a:spcPct val="150000"/>
+              </a:lnSpc>
+            </a:pPr>
+            <a:r>
+              <a:rPr lang="en-US" sz="1800" dirty="0"/>
+              <a:t>First documented over a decade ago, in a late 2004 Article on </a:t>
+            </a:r>
+            <a:r>
+              <a:rPr lang="en-US" sz="1800" dirty="0" err="1"/>
+              <a:t>phpsecure.info</a:t>
+            </a:r>
+            <a:r>
+              <a:rPr lang="en-US" sz="1800" dirty="0"/>
+              <a:t> by user ‘</a:t>
+            </a:r>
+            <a:r>
+              <a:rPr lang="en-US" sz="1800" dirty="0" err="1"/>
+              <a:t>tobozo</a:t>
+            </a:r>
+            <a:r>
+              <a:rPr lang="en-US" sz="1800" dirty="0"/>
+              <a:t>’</a:t>
+            </a:r>
+          </a:p>
+          <a:p>
+            <a:pPr>
+              <a:lnSpc>
+                <a:spcPct val="150000"/>
+              </a:lnSpc>
+            </a:pPr>
+            <a:r>
+              <a:rPr lang="en-US" sz="1800" dirty="0"/>
+              <a:t>Since this vulnerability was initially found in the </a:t>
+            </a:r>
+            <a:r>
+              <a:rPr lang="en-US" sz="1800" i="1" dirty="0"/>
+              <a:t>mail()</a:t>
+            </a:r>
+            <a:r>
+              <a:rPr lang="en-US" sz="1800" dirty="0"/>
+              <a:t> function of PHP, E-Mail Header Injection can be traced to as early as the beginning of the 2000’s (release of mail function in PHP 4)</a:t>
+            </a:r>
+          </a:p>
+        </p:txBody>
+      </p:sp>
+      <p:sp>
+        <p:nvSpPr>
+          <p:cNvPr id="4" name="Slide Number Placeholder 3"/>
+          <p:cNvSpPr>
+            <a:spLocks noGrp="1"/>
+          </p:cNvSpPr>
+          <p:nvPr>
+            <p:ph type="sldNum" sz="quarter" idx="10"/>
+          </p:nvPr>
+        </p:nvSpPr>
+        <p:spPr/>
+        <p:txBody>
+          <a:bodyPr/>
+          <a:lstStyle/>
+          <a:p>
+            <a:pPr>
+              <a:defRPr/>
+            </a:pPr>
+            <a:fld id="{A6049551-C800-0F49-AC98-3AEA702B0E63}" type="slidenum">
+              <a:rPr lang="en-US" altLang="en-US" smtClean="0"/>
+              <a:pPr>
+                <a:defRPr/>
+              </a:pPr>
+              <a:t>3</a:t>
+            </a:fld>
+            <a:endParaRPr lang="en-US" altLang="en-US"/>
+          </a:p>
+        </p:txBody>
+      </p:sp>
+      <p:sp>
+        <p:nvSpPr>
+          <p:cNvPr id="5" name="Date Placeholder 4"/>
+          <p:cNvSpPr>
+            <a:spLocks noGrp="1"/>
+          </p:cNvSpPr>
+          <p:nvPr>
+            <p:ph type="dt" sz="half" idx="11"/>
+          </p:nvPr>
+        </p:nvSpPr>
+        <p:spPr/>
+        <p:txBody>
+          <a:bodyPr/>
+          <a:lstStyle/>
+          <a:p>
+            <a:pPr>
+              <a:defRPr/>
+            </a:pPr>
+            <a:fld id="{C37AA8D1-E9CF-2944-A66E-EFC74035EB27}" type="datetime1">
+              <a:rPr lang="en-US" altLang="en-US" smtClean="0"/>
+              <a:pPr>
+                <a:defRPr/>
+              </a:pPr>
+              <a:t>1/13/17</a:t>
+            </a:fld>
+            <a:endParaRPr lang="en-US" altLang="en-US"/>
+          </a:p>
+        </p:txBody>
+      </p:sp>
+    </p:spTree>
+    <p:extLst>
+      <p:ext uri="{BB962C8B-B14F-4D97-AF65-F5344CB8AC3E}">
+        <p14:creationId xmlns:p14="http://schemas.microsoft.com/office/powerpoint/2010/main" val="336655601"/>
+      </p:ext>
+    </p:extLst>
+  </p:cSld>
+  <p:clrMapOvr>
+    <a:masterClrMapping/>
+  </p:clrMapOvr>
+  <mc:AlternateContent xmlns:mc="http://schemas.openxmlformats.org/markup-compatibility/2006" xmlns:p14="http://schemas.microsoft.com/office/powerpoint/2010/main">
+    <mc:Choice Requires="p14">
+      <p:transition spd="slow" p14:dur="2000"/>
+    </mc:Choice>
+    <mc:Fallback xmlns="">
+      <p:transition spd="slow"/>
+    </mc:Fallback>
+  </mc:AlternateContent>
+  <p:timing>
+    <p:tnLst>
+      <p:par>
+        <p:cTn id="1" dur="indefinite" restart="never" nodeType="tmRoot"/>
+      </p:par>
+    </p:tnLst>
+  </p:timing>
+</p:sld>
+</file>
+
+<file path=ppt/slides/slide4.xml><?xml version="1.0" encoding="utf-8"?>
+<p:sld xmlns:a="http://schemas.openxmlformats.org/drawingml/2006/main" xmlns:r="http://schemas.openxmlformats.org/officeDocument/2006/relationships" xmlns:p="http://schemas.openxmlformats.org/presentationml/2006/main">
+  <p:cSld>
+    <p:spTree>
+      <p:nvGrpSpPr>
+        <p:cNvPr id="1" name=""/>
+        <p:cNvGrpSpPr/>
+        <p:nvPr/>
+      </p:nvGrpSpPr>
+      <p:grpSpPr>
+        <a:xfrm>
+          <a:off x="0" y="0"/>
+          <a:ext cx="0" cy="0"/>
+          <a:chOff x="0" y="0"/>
+          <a:chExt cx="0" cy="0"/>
+        </a:xfrm>
+      </p:grpSpPr>
+      <p:sp>
+        <p:nvSpPr>
+          <p:cNvPr id="17409" name="Title 1"/>
+          <p:cNvSpPr>
+            <a:spLocks noGrp="1"/>
+          </p:cNvSpPr>
+          <p:nvPr>
+            <p:ph type="title"/>
+          </p:nvPr>
+        </p:nvSpPr>
+        <p:spPr/>
+        <p:txBody>
+          <a:bodyPr/>
+          <a:lstStyle/>
+          <a:p>
+            <a:r>
+              <a:rPr lang="en-US" dirty="0" smtClean="0"/>
+              <a:t>Problem Background</a:t>
+            </a:r>
+            <a:endParaRPr lang="en-US" altLang="en-US" dirty="0">
+              <a:latin typeface="Gill Sans MT" charset="0"/>
+              <a:ea typeface="MS PGothic" charset="-128"/>
+            </a:endParaRPr>
+          </a:p>
+        </p:txBody>
+      </p:sp>
+      <p:sp>
+        <p:nvSpPr>
+          <p:cNvPr id="17410" name="Content Placeholder 2"/>
+          <p:cNvSpPr>
+            <a:spLocks noGrp="1"/>
+          </p:cNvSpPr>
+          <p:nvPr>
+            <p:ph idx="1"/>
+          </p:nvPr>
+        </p:nvSpPr>
+        <p:spPr>
+          <a:xfrm>
+            <a:off x="329879" y="1818537"/>
+            <a:ext cx="8420582" cy="3394472"/>
+          </a:xfrm>
+        </p:spPr>
+        <p:txBody>
+          <a:bodyPr/>
+          <a:lstStyle/>
+          <a:p>
+            <a:pPr algn="just">
+              <a:lnSpc>
+                <a:spcPct val="150000"/>
+              </a:lnSpc>
+            </a:pPr>
+            <a:r>
+              <a:rPr lang="en-US" altLang="en-US" sz="1800" dirty="0">
+                <a:latin typeface="Gill Sans MT" charset="0"/>
+                <a:ea typeface="MS PGothic" charset="-128"/>
+              </a:rPr>
+              <a:t>Email Header Injection is possible when </a:t>
+            </a:r>
+            <a:r>
+              <a:rPr lang="en-US" altLang="en-US" sz="1800" dirty="0">
+                <a:latin typeface="Gill Sans MT" charset="0"/>
+                <a:ea typeface="MS PGothic" charset="-128"/>
+              </a:rPr>
+              <a:t>a</a:t>
+            </a:r>
+            <a:r>
+              <a:rPr lang="en-US" altLang="en-US" sz="1800" dirty="0" smtClean="0">
+                <a:latin typeface="Gill Sans MT" charset="0"/>
+                <a:ea typeface="MS PGothic" charset="-128"/>
+              </a:rPr>
+              <a:t> </a:t>
+            </a:r>
+            <a:r>
+              <a:rPr lang="en-US" altLang="en-US" sz="1800" dirty="0">
+                <a:latin typeface="Gill Sans MT" charset="0"/>
+                <a:ea typeface="MS PGothic" charset="-128"/>
+              </a:rPr>
+              <a:t>mailing script fails to properly sanitize user input</a:t>
+            </a:r>
+          </a:p>
+          <a:p>
+            <a:pPr algn="just">
+              <a:lnSpc>
+                <a:spcPct val="150000"/>
+              </a:lnSpc>
+            </a:pPr>
+            <a:r>
+              <a:rPr lang="en-US" altLang="en-US" sz="1800" dirty="0">
+                <a:latin typeface="Gill Sans MT" charset="0"/>
+                <a:ea typeface="MS PGothic" charset="-128"/>
+              </a:rPr>
+              <a:t>Failure to check for the presence of newlines and/or email headers in the form fields that take in email addresses can result in this vulnerability</a:t>
+            </a:r>
+          </a:p>
+          <a:p>
+            <a:pPr algn="just">
+              <a:lnSpc>
+                <a:spcPct val="150000"/>
+              </a:lnSpc>
+            </a:pPr>
+            <a:r>
+              <a:rPr lang="en-US" altLang="en-US" sz="1800" dirty="0">
+                <a:latin typeface="Gill Sans MT" charset="0"/>
+                <a:ea typeface="MS PGothic" charset="-128"/>
+              </a:rPr>
+              <a:t>Can result in e-mails sent with additional and/or spoofed headers</a:t>
+            </a:r>
+          </a:p>
+        </p:txBody>
+      </p:sp>
+    </p:spTree>
+    <p:extLst>
+      <p:ext uri="{BB962C8B-B14F-4D97-AF65-F5344CB8AC3E}">
+        <p14:creationId xmlns:p14="http://schemas.microsoft.com/office/powerpoint/2010/main" val="139839873"/>
+      </p:ext>
+    </p:extLst>
+  </p:cSld>
+  <p:clrMapOvr>
+    <a:masterClrMapping/>
+  </p:clrMapOvr>
+  <mc:AlternateContent xmlns:mc="http://schemas.openxmlformats.org/markup-compatibility/2006" xmlns:p14="http://schemas.microsoft.com/office/powerpoint/2010/main">
+    <mc:Choice Requires="p14">
+      <p:transition spd="slow" p14:dur="2000"/>
+    </mc:Choice>
+    <mc:Fallback xmlns="">
+      <p:transition spd="slow"/>
+    </mc:Fallback>
+  </mc:AlternateContent>
+  <p:timing>
+    <p:tnLst>
+      <p:par>
+        <p:cTn id="1" dur="indefinite" restart="never" nodeType="tmRoot"/>
+      </p:par>
+    </p:tnLst>
+  </p:timing>
+</p:sld>
+</file>
+
+<file path=ppt/slides/slide5.xml><?xml version="1.0" encoding="utf-8"?>
+<p:sld xmlns:a="http://schemas.openxmlformats.org/drawingml/2006/main" xmlns:r="http://schemas.openxmlformats.org/officeDocument/2006/relationships" xmlns:p="http://schemas.openxmlformats.org/presentationml/2006/main">
+  <p:cSld>
+    <p:spTree>
+      <p:nvGrpSpPr>
+        <p:cNvPr id="1" name=""/>
+        <p:cNvGrpSpPr/>
+        <p:nvPr/>
+      </p:nvGrpSpPr>
+      <p:grpSpPr>
+        <a:xfrm>
+          <a:off x="0" y="0"/>
+          <a:ext cx="0" cy="0"/>
+          <a:chOff x="0" y="0"/>
+          <a:chExt cx="0" cy="0"/>
+        </a:xfrm>
+      </p:grpSpPr>
+      <p:sp>
+        <p:nvSpPr>
+          <p:cNvPr id="2" name="Title 1"/>
+          <p:cNvSpPr>
+            <a:spLocks noGrp="1"/>
+          </p:cNvSpPr>
+          <p:nvPr>
+            <p:ph type="title"/>
+          </p:nvPr>
+        </p:nvSpPr>
+        <p:spPr/>
+        <p:txBody>
+          <a:bodyPr/>
+          <a:lstStyle/>
+          <a:p>
+            <a:r>
+              <a:rPr lang="en-US" dirty="0" smtClean="0"/>
+              <a:t>Sample HTML page</a:t>
+            </a:r>
+            <a:endParaRPr lang="en-US" dirty="0"/>
+          </a:p>
+        </p:txBody>
+      </p:sp>
+      <p:sp>
+        <p:nvSpPr>
+          <p:cNvPr id="3" name="Content Placeholder 2"/>
+          <p:cNvSpPr>
+            <a:spLocks noGrp="1"/>
+          </p:cNvSpPr>
+          <p:nvPr>
+            <p:ph idx="1"/>
+          </p:nvPr>
+        </p:nvSpPr>
+        <p:spPr/>
+        <p:txBody>
+          <a:bodyPr>
+            <a:normAutofit fontScale="92500" lnSpcReduction="10000"/>
+          </a:bodyPr>
+          <a:lstStyle/>
+          <a:p>
+            <a:pPr marL="0" indent="0">
+              <a:buNone/>
+            </a:pPr>
+            <a:r>
+              <a:rPr lang="en-US" dirty="0">
+                <a:solidFill>
+                  <a:schemeClr val="tx1">
+                    <a:lumMod val="50000"/>
+                    <a:lumOff val="50000"/>
+                  </a:schemeClr>
+                </a:solidFill>
+                <a:latin typeface="Courier" charset="0"/>
+                <a:ea typeface="Courier" charset="0"/>
+                <a:cs typeface="Courier" charset="0"/>
+              </a:rPr>
+              <a:t>&lt;!</a:t>
+            </a:r>
+            <a:r>
+              <a:rPr lang="en-US" dirty="0" err="1">
+                <a:solidFill>
+                  <a:schemeClr val="tx1">
+                    <a:lumMod val="50000"/>
+                    <a:lumOff val="50000"/>
+                  </a:schemeClr>
+                </a:solidFill>
+                <a:latin typeface="Courier" charset="0"/>
+                <a:ea typeface="Courier" charset="0"/>
+                <a:cs typeface="Courier" charset="0"/>
+              </a:rPr>
+              <a:t>doctype</a:t>
+            </a:r>
+            <a:r>
+              <a:rPr lang="en-US" dirty="0">
+                <a:solidFill>
+                  <a:schemeClr val="tx1">
+                    <a:lumMod val="50000"/>
+                    <a:lumOff val="50000"/>
+                  </a:schemeClr>
+                </a:solidFill>
+                <a:latin typeface="Courier" charset="0"/>
+                <a:ea typeface="Courier" charset="0"/>
+                <a:cs typeface="Courier" charset="0"/>
+              </a:rPr>
+              <a:t> html&gt;</a:t>
+            </a:r>
+            <a:br>
+              <a:rPr lang="en-US" dirty="0">
+                <a:solidFill>
+                  <a:schemeClr val="tx1">
+                    <a:lumMod val="50000"/>
+                    <a:lumOff val="50000"/>
+                  </a:schemeClr>
+                </a:solidFill>
+                <a:latin typeface="Courier" charset="0"/>
+                <a:ea typeface="Courier" charset="0"/>
+                <a:cs typeface="Courier" charset="0"/>
+              </a:rPr>
+            </a:br>
+            <a:r>
+              <a:rPr lang="en-US" dirty="0">
+                <a:solidFill>
+                  <a:schemeClr val="tx1">
+                    <a:lumMod val="50000"/>
+                    <a:lumOff val="50000"/>
+                  </a:schemeClr>
+                </a:solidFill>
+                <a:latin typeface="Courier" charset="0"/>
+                <a:ea typeface="Courier" charset="0"/>
+                <a:cs typeface="Courier" charset="0"/>
+              </a:rPr>
+              <a:t>&lt;html </a:t>
+            </a:r>
+            <a:r>
+              <a:rPr lang="en-US" dirty="0" err="1">
+                <a:solidFill>
+                  <a:schemeClr val="tx1">
+                    <a:lumMod val="50000"/>
+                    <a:lumOff val="50000"/>
+                  </a:schemeClr>
+                </a:solidFill>
+                <a:latin typeface="Courier" charset="0"/>
+                <a:ea typeface="Courier" charset="0"/>
+                <a:cs typeface="Courier" charset="0"/>
+              </a:rPr>
+              <a:t>lang</a:t>
+            </a:r>
+            <a:r>
+              <a:rPr lang="en-US" dirty="0">
+                <a:solidFill>
+                  <a:schemeClr val="tx1">
+                    <a:lumMod val="50000"/>
+                    <a:lumOff val="50000"/>
+                  </a:schemeClr>
+                </a:solidFill>
+                <a:latin typeface="Courier" charset="0"/>
+                <a:ea typeface="Courier" charset="0"/>
+                <a:cs typeface="Courier" charset="0"/>
+              </a:rPr>
+              <a:t>="en"&gt;</a:t>
+            </a:r>
+            <a:br>
+              <a:rPr lang="en-US" dirty="0">
+                <a:solidFill>
+                  <a:schemeClr val="tx1">
+                    <a:lumMod val="50000"/>
+                    <a:lumOff val="50000"/>
+                  </a:schemeClr>
+                </a:solidFill>
+                <a:latin typeface="Courier" charset="0"/>
+                <a:ea typeface="Courier" charset="0"/>
+                <a:cs typeface="Courier" charset="0"/>
+              </a:rPr>
+            </a:br>
+            <a:r>
+              <a:rPr lang="en-US" dirty="0">
+                <a:solidFill>
+                  <a:schemeClr val="tx1">
+                    <a:lumMod val="50000"/>
+                    <a:lumOff val="50000"/>
+                  </a:schemeClr>
+                </a:solidFill>
+                <a:latin typeface="Courier" charset="0"/>
+                <a:ea typeface="Courier" charset="0"/>
+                <a:cs typeface="Courier" charset="0"/>
+              </a:rPr>
+              <a:t>&lt;head&gt;</a:t>
+            </a:r>
+            <a:br>
+              <a:rPr lang="en-US" dirty="0">
+                <a:solidFill>
+                  <a:schemeClr val="tx1">
+                    <a:lumMod val="50000"/>
+                    <a:lumOff val="50000"/>
+                  </a:schemeClr>
+                </a:solidFill>
+                <a:latin typeface="Courier" charset="0"/>
+                <a:ea typeface="Courier" charset="0"/>
+                <a:cs typeface="Courier" charset="0"/>
+              </a:rPr>
+            </a:br>
+            <a:r>
+              <a:rPr lang="en-US" dirty="0">
+                <a:solidFill>
+                  <a:schemeClr val="tx1">
+                    <a:lumMod val="50000"/>
+                    <a:lumOff val="50000"/>
+                  </a:schemeClr>
+                </a:solidFill>
+                <a:latin typeface="Courier" charset="0"/>
+                <a:ea typeface="Courier" charset="0"/>
+                <a:cs typeface="Courier" charset="0"/>
+              </a:rPr>
+              <a:t>&lt;meta name="author" content="Sai Pc"&gt;</a:t>
+            </a:r>
+          </a:p>
+          <a:p>
+            <a:pPr marL="0" indent="0">
+              <a:buNone/>
+            </a:pPr>
+            <a:r>
+              <a:rPr lang="en-US" dirty="0">
+                <a:solidFill>
+                  <a:schemeClr val="tx1">
+                    <a:lumMod val="50000"/>
+                    <a:lumOff val="50000"/>
+                  </a:schemeClr>
+                </a:solidFill>
+                <a:latin typeface="Courier" charset="0"/>
+                <a:ea typeface="Courier" charset="0"/>
+                <a:cs typeface="Courier" charset="0"/>
+              </a:rPr>
+              <a:t>&lt;title&gt;Mock Email&lt;/title&gt;&lt;/head&gt;</a:t>
+            </a:r>
+            <a:br>
+              <a:rPr lang="en-US" dirty="0">
+                <a:solidFill>
+                  <a:schemeClr val="tx1">
+                    <a:lumMod val="50000"/>
+                    <a:lumOff val="50000"/>
+                  </a:schemeClr>
+                </a:solidFill>
+                <a:latin typeface="Courier" charset="0"/>
+                <a:ea typeface="Courier" charset="0"/>
+                <a:cs typeface="Courier" charset="0"/>
+              </a:rPr>
+            </a:br>
+            <a:r>
+              <a:rPr lang="en-US" dirty="0">
+                <a:solidFill>
+                  <a:schemeClr val="tx1">
+                    <a:lumMod val="50000"/>
+                    <a:lumOff val="50000"/>
+                  </a:schemeClr>
+                </a:solidFill>
+                <a:latin typeface="Courier" charset="0"/>
+                <a:ea typeface="Courier" charset="0"/>
+                <a:cs typeface="Courier" charset="0"/>
+              </a:rPr>
+              <a:t>&lt;body&gt;</a:t>
+            </a:r>
+            <a:br>
+              <a:rPr lang="en-US" dirty="0">
+                <a:solidFill>
+                  <a:schemeClr val="tx1">
+                    <a:lumMod val="50000"/>
+                    <a:lumOff val="50000"/>
+                  </a:schemeClr>
+                </a:solidFill>
+                <a:latin typeface="Courier" charset="0"/>
+                <a:ea typeface="Courier" charset="0"/>
+                <a:cs typeface="Courier" charset="0"/>
+              </a:rPr>
+            </a:br>
+            <a:r>
+              <a:rPr lang="en-US" dirty="0">
+                <a:solidFill>
+                  <a:schemeClr val="tx1">
+                    <a:lumMod val="50000"/>
+                    <a:lumOff val="50000"/>
+                  </a:schemeClr>
+                </a:solidFill>
+                <a:latin typeface="Courier" charset="0"/>
+                <a:ea typeface="Courier" charset="0"/>
+                <a:cs typeface="Courier" charset="0"/>
+              </a:rPr>
+              <a:t>&lt;form action</a:t>
+            </a:r>
+            <a:r>
+              <a:rPr lang="en-US" dirty="0" smtClean="0">
+                <a:solidFill>
+                  <a:schemeClr val="tx1">
+                    <a:lumMod val="50000"/>
+                    <a:lumOff val="50000"/>
+                  </a:schemeClr>
+                </a:solidFill>
+                <a:latin typeface="Courier" charset="0"/>
+                <a:ea typeface="Courier" charset="0"/>
+                <a:cs typeface="Courier" charset="0"/>
+              </a:rPr>
+              <a:t>="{mailing-script}” </a:t>
+            </a:r>
+            <a:r>
+              <a:rPr lang="en-US" dirty="0">
+                <a:solidFill>
+                  <a:schemeClr val="tx1">
+                    <a:lumMod val="50000"/>
+                    <a:lumOff val="50000"/>
+                  </a:schemeClr>
+                </a:solidFill>
+                <a:latin typeface="Courier" charset="0"/>
+                <a:ea typeface="Courier" charset="0"/>
+                <a:cs typeface="Courier" charset="0"/>
+              </a:rPr>
+              <a:t>method="post"&gt;</a:t>
+            </a:r>
+            <a:br>
+              <a:rPr lang="en-US" dirty="0">
+                <a:solidFill>
+                  <a:schemeClr val="tx1">
+                    <a:lumMod val="50000"/>
+                    <a:lumOff val="50000"/>
+                  </a:schemeClr>
+                </a:solidFill>
+                <a:latin typeface="Courier" charset="0"/>
+                <a:ea typeface="Courier" charset="0"/>
+                <a:cs typeface="Courier" charset="0"/>
+              </a:rPr>
+            </a:br>
+            <a:r>
+              <a:rPr lang="en-US" dirty="0">
+                <a:solidFill>
+                  <a:schemeClr val="tx1">
+                    <a:lumMod val="50000"/>
+                    <a:lumOff val="50000"/>
+                  </a:schemeClr>
+                </a:solidFill>
+                <a:latin typeface="Courier" charset="0"/>
+                <a:ea typeface="Courier" charset="0"/>
+                <a:cs typeface="Courier" charset="0"/>
+              </a:rPr>
+              <a:t>&lt;input type="text" placeholder="Email" name="email" id="e−mail</a:t>
+            </a:r>
+            <a:r>
+              <a:rPr lang="en-US" dirty="0" smtClean="0">
+                <a:solidFill>
+                  <a:schemeClr val="tx1">
+                    <a:lumMod val="50000"/>
+                    <a:lumOff val="50000"/>
+                  </a:schemeClr>
+                </a:solidFill>
+                <a:latin typeface="Courier" charset="0"/>
+                <a:ea typeface="Courier" charset="0"/>
+                <a:cs typeface="Courier" charset="0"/>
+              </a:rPr>
+              <a:t>"&gt;</a:t>
+            </a:r>
+          </a:p>
+          <a:p>
+            <a:pPr marL="0" indent="0">
+              <a:buNone/>
+            </a:pPr>
+            <a:r>
+              <a:rPr lang="en-US" dirty="0" smtClean="0">
+                <a:solidFill>
+                  <a:schemeClr val="tx1">
+                    <a:lumMod val="50000"/>
+                    <a:lumOff val="50000"/>
+                  </a:schemeClr>
+                </a:solidFill>
+                <a:latin typeface="Courier" charset="0"/>
+                <a:ea typeface="Courier" charset="0"/>
+                <a:cs typeface="Courier" charset="0"/>
+              </a:rPr>
+              <a:t>&lt;</a:t>
+            </a:r>
+            <a:r>
+              <a:rPr lang="en-US" dirty="0" err="1">
+                <a:solidFill>
+                  <a:schemeClr val="tx1">
+                    <a:lumMod val="50000"/>
+                    <a:lumOff val="50000"/>
+                  </a:schemeClr>
+                </a:solidFill>
+                <a:latin typeface="Courier" charset="0"/>
+                <a:ea typeface="Courier" charset="0"/>
+                <a:cs typeface="Courier" charset="0"/>
+              </a:rPr>
+              <a:t>textarea</a:t>
+            </a:r>
+            <a:r>
+              <a:rPr lang="en-US" dirty="0">
+                <a:solidFill>
+                  <a:schemeClr val="tx1">
+                    <a:lumMod val="50000"/>
+                    <a:lumOff val="50000"/>
+                  </a:schemeClr>
+                </a:solidFill>
+                <a:latin typeface="Courier" charset="0"/>
+                <a:ea typeface="Courier" charset="0"/>
+                <a:cs typeface="Courier" charset="0"/>
+              </a:rPr>
+              <a:t> name="</a:t>
+            </a:r>
+            <a:r>
+              <a:rPr lang="en-US" dirty="0" err="1">
+                <a:solidFill>
+                  <a:schemeClr val="tx1">
+                    <a:lumMod val="50000"/>
+                    <a:lumOff val="50000"/>
+                  </a:schemeClr>
+                </a:solidFill>
+                <a:latin typeface="Courier" charset="0"/>
+                <a:ea typeface="Courier" charset="0"/>
+                <a:cs typeface="Courier" charset="0"/>
+              </a:rPr>
+              <a:t>msg</a:t>
+            </a:r>
+            <a:r>
+              <a:rPr lang="en-US" dirty="0">
+                <a:solidFill>
+                  <a:schemeClr val="tx1">
+                    <a:lumMod val="50000"/>
+                    <a:lumOff val="50000"/>
+                  </a:schemeClr>
+                </a:solidFill>
+                <a:latin typeface="Courier" charset="0"/>
+                <a:ea typeface="Courier" charset="0"/>
+                <a:cs typeface="Courier" charset="0"/>
+              </a:rPr>
+              <a:t>" rows="20" cols="120"&gt;&lt;/</a:t>
+            </a:r>
+            <a:r>
+              <a:rPr lang="en-US" dirty="0" err="1">
+                <a:solidFill>
+                  <a:schemeClr val="tx1">
+                    <a:lumMod val="50000"/>
+                    <a:lumOff val="50000"/>
+                  </a:schemeClr>
+                </a:solidFill>
+                <a:latin typeface="Courier" charset="0"/>
+                <a:ea typeface="Courier" charset="0"/>
+                <a:cs typeface="Courier" charset="0"/>
+              </a:rPr>
+              <a:t>textarea</a:t>
+            </a:r>
+            <a:r>
+              <a:rPr lang="en-US" dirty="0">
+                <a:solidFill>
+                  <a:schemeClr val="tx1">
+                    <a:lumMod val="50000"/>
+                    <a:lumOff val="50000"/>
+                  </a:schemeClr>
+                </a:solidFill>
+                <a:latin typeface="Courier" charset="0"/>
+                <a:ea typeface="Courier" charset="0"/>
+                <a:cs typeface="Courier" charset="0"/>
+              </a:rPr>
+              <a:t>&gt;</a:t>
+            </a:r>
+            <a:br>
+              <a:rPr lang="en-US" dirty="0">
+                <a:solidFill>
+                  <a:schemeClr val="tx1">
+                    <a:lumMod val="50000"/>
+                    <a:lumOff val="50000"/>
+                  </a:schemeClr>
+                </a:solidFill>
+                <a:latin typeface="Courier" charset="0"/>
+                <a:ea typeface="Courier" charset="0"/>
+                <a:cs typeface="Courier" charset="0"/>
+              </a:rPr>
+            </a:br>
+            <a:r>
+              <a:rPr lang="en-US" dirty="0">
+                <a:solidFill>
+                  <a:schemeClr val="tx1">
+                    <a:lumMod val="50000"/>
+                    <a:lumOff val="50000"/>
+                  </a:schemeClr>
+                </a:solidFill>
+                <a:latin typeface="Courier" charset="0"/>
+                <a:ea typeface="Courier" charset="0"/>
+                <a:cs typeface="Courier" charset="0"/>
+              </a:rPr>
+              <a:t>&lt;input type="submit" value="Email Me! "&gt;</a:t>
+            </a:r>
+            <a:br>
+              <a:rPr lang="en-US" dirty="0">
+                <a:solidFill>
+                  <a:schemeClr val="tx1">
+                    <a:lumMod val="50000"/>
+                    <a:lumOff val="50000"/>
+                  </a:schemeClr>
+                </a:solidFill>
+                <a:latin typeface="Courier" charset="0"/>
+                <a:ea typeface="Courier" charset="0"/>
+                <a:cs typeface="Courier" charset="0"/>
+              </a:rPr>
+            </a:br>
+            <a:r>
+              <a:rPr lang="en-US" dirty="0">
+                <a:solidFill>
+                  <a:schemeClr val="tx1">
+                    <a:lumMod val="50000"/>
+                    <a:lumOff val="50000"/>
+                  </a:schemeClr>
+                </a:solidFill>
+                <a:latin typeface="Courier" charset="0"/>
+                <a:ea typeface="Courier" charset="0"/>
+                <a:cs typeface="Courier" charset="0"/>
+              </a:rPr>
+              <a:t>&lt;/form&gt;</a:t>
+            </a:r>
+            <a:br>
+              <a:rPr lang="en-US" dirty="0">
+                <a:solidFill>
+                  <a:schemeClr val="tx1">
+                    <a:lumMod val="50000"/>
+                    <a:lumOff val="50000"/>
+                  </a:schemeClr>
+                </a:solidFill>
+                <a:latin typeface="Courier" charset="0"/>
+                <a:ea typeface="Courier" charset="0"/>
+                <a:cs typeface="Courier" charset="0"/>
+              </a:rPr>
+            </a:br>
+            <a:r>
+              <a:rPr lang="en-US" dirty="0">
+                <a:solidFill>
+                  <a:schemeClr val="tx1">
+                    <a:lumMod val="50000"/>
+                    <a:lumOff val="50000"/>
+                  </a:schemeClr>
+                </a:solidFill>
+                <a:latin typeface="Courier" charset="0"/>
+                <a:ea typeface="Courier" charset="0"/>
+                <a:cs typeface="Courier" charset="0"/>
+              </a:rPr>
+              <a:t>&lt;/body&gt;</a:t>
+            </a:r>
+            <a:br>
+              <a:rPr lang="en-US" dirty="0">
+                <a:solidFill>
+                  <a:schemeClr val="tx1">
+                    <a:lumMod val="50000"/>
+                    <a:lumOff val="50000"/>
+                  </a:schemeClr>
+                </a:solidFill>
+                <a:latin typeface="Courier" charset="0"/>
+                <a:ea typeface="Courier" charset="0"/>
+                <a:cs typeface="Courier" charset="0"/>
+              </a:rPr>
+            </a:br>
+            <a:r>
+              <a:rPr lang="en-US" dirty="0">
+                <a:solidFill>
+                  <a:schemeClr val="tx1">
+                    <a:lumMod val="50000"/>
+                    <a:lumOff val="50000"/>
+                  </a:schemeClr>
+                </a:solidFill>
+                <a:latin typeface="Courier" charset="0"/>
+                <a:ea typeface="Courier" charset="0"/>
+                <a:cs typeface="Courier" charset="0"/>
+              </a:rPr>
+              <a:t>&lt;/html&gt; </a:t>
+            </a:r>
+          </a:p>
+          <a:p>
+            <a:pPr marL="0" indent="0">
+              <a:buNone/>
+            </a:pPr>
+            <a:endParaRPr lang="en-US" dirty="0">
+              <a:latin typeface="Courier" charset="0"/>
+              <a:ea typeface="Courier" charset="0"/>
+              <a:cs typeface="Courier" charset="0"/>
+            </a:endParaRPr>
+          </a:p>
+        </p:txBody>
+      </p:sp>
+      <p:sp>
+        <p:nvSpPr>
+          <p:cNvPr id="4" name="Slide Number Placeholder 3"/>
+          <p:cNvSpPr>
+            <a:spLocks noGrp="1"/>
+          </p:cNvSpPr>
+          <p:nvPr>
+            <p:ph type="sldNum" sz="quarter" idx="10"/>
+          </p:nvPr>
+        </p:nvSpPr>
+        <p:spPr/>
+        <p:txBody>
+          <a:bodyPr/>
+          <a:lstStyle/>
+          <a:p>
+            <a:pPr>
+              <a:defRPr/>
+            </a:pPr>
+            <a:fld id="{A6049551-C800-0F49-AC98-3AEA702B0E63}" type="slidenum">
+              <a:rPr lang="en-US" altLang="en-US" smtClean="0"/>
+              <a:pPr>
+                <a:defRPr/>
+              </a:pPr>
+              <a:t>5</a:t>
+            </a:fld>
+            <a:endParaRPr lang="en-US" altLang="en-US"/>
+          </a:p>
+        </p:txBody>
+      </p:sp>
+      <p:sp>
+        <p:nvSpPr>
+          <p:cNvPr id="5" name="Date Placeholder 4"/>
+          <p:cNvSpPr>
+            <a:spLocks noGrp="1"/>
+          </p:cNvSpPr>
+          <p:nvPr>
+            <p:ph type="dt" sz="half" idx="11"/>
+          </p:nvPr>
+        </p:nvSpPr>
+        <p:spPr/>
+        <p:txBody>
+          <a:bodyPr/>
+          <a:lstStyle/>
+          <a:p>
+            <a:pPr>
+              <a:defRPr/>
+            </a:pPr>
+            <a:fld id="{C37AA8D1-E9CF-2944-A66E-EFC74035EB27}" type="datetime1">
+              <a:rPr lang="en-US" altLang="en-US" smtClean="0"/>
+              <a:pPr>
+                <a:defRPr/>
+              </a:pPr>
+              <a:t>1/13/17</a:t>
+            </a:fld>
+            <a:endParaRPr lang="en-US" altLang="en-US"/>
+          </a:p>
+        </p:txBody>
+      </p:sp>
+    </p:spTree>
+    <p:extLst>
+      <p:ext uri="{BB962C8B-B14F-4D97-AF65-F5344CB8AC3E}">
+        <p14:creationId xmlns:p14="http://schemas.microsoft.com/office/powerpoint/2010/main" val="1264097508"/>
+      </p:ext>
+    </p:extLst>
+  </p:cSld>
+  <p:clrMapOvr>
+    <a:masterClrMapping/>
+  </p:clrMapOvr>
+  <mc:AlternateContent xmlns:mc="http://schemas.openxmlformats.org/markup-compatibility/2006" xmlns:p14="http://schemas.microsoft.com/office/powerpoint/2010/main">
+    <mc:Choice Requires="p14">
+      <p:transition spd="slow" p14:dur="2000"/>
+    </mc:Choice>
+    <mc:Fallback xmlns="">
+      <p:transition spd="slow"/>
+    </mc:Fallback>
+  </mc:AlternateContent>
+  <p:timing>
+    <p:tnLst>
+      <p:par>
+        <p:cTn id="1" dur="indefinite" restart="never" nodeType="tmRoot"/>
+      </p:par>
+    </p:tnLst>
+  </p:timing>
+</p:sld>
+</file>
+
+<file path=ppt/slides/slide6.xml><?xml version="1.0" encoding="utf-8"?>
+<p:sld xmlns:a="http://schemas.openxmlformats.org/drawingml/2006/main" xmlns:r="http://schemas.openxmlformats.org/officeDocument/2006/relationships" xmlns:p="http://schemas.openxmlformats.org/presentationml/2006/main">
+  <p:cSld>
+    <p:spTree>
+      <p:nvGrpSpPr>
+        <p:cNvPr id="1" name=""/>
+        <p:cNvGrpSpPr/>
+        <p:nvPr/>
+      </p:nvGrpSpPr>
+      <p:grpSpPr>
+        <a:xfrm>
+          <a:off x="0" y="0"/>
+          <a:ext cx="0" cy="0"/>
+          <a:chOff x="0" y="0"/>
+          <a:chExt cx="0" cy="0"/>
+        </a:xfrm>
+      </p:grpSpPr>
+      <p:sp>
+        <p:nvSpPr>
+          <p:cNvPr id="2" name="Title 1"/>
+          <p:cNvSpPr>
+            <a:spLocks noGrp="1"/>
+          </p:cNvSpPr>
+          <p:nvPr>
+            <p:ph type="title"/>
+          </p:nvPr>
+        </p:nvSpPr>
+        <p:spPr/>
+        <p:txBody>
+          <a:bodyPr/>
+          <a:lstStyle/>
+          <a:p>
+            <a:r>
+              <a:rPr lang="en-US" dirty="0" smtClean="0"/>
+              <a:t>Sample PHP e-mail script</a:t>
+            </a:r>
+            <a:endParaRPr lang="en-US" dirty="0"/>
+          </a:p>
+        </p:txBody>
+      </p:sp>
+      <p:sp>
+        <p:nvSpPr>
+          <p:cNvPr id="3" name="Content Placeholder 2"/>
+          <p:cNvSpPr>
+            <a:spLocks noGrp="1"/>
+          </p:cNvSpPr>
+          <p:nvPr>
+            <p:ph idx="1"/>
+          </p:nvPr>
+        </p:nvSpPr>
+        <p:spPr/>
+        <p:txBody>
+          <a:bodyPr>
+            <a:normAutofit fontScale="92500"/>
+          </a:bodyPr>
+          <a:lstStyle/>
+          <a:p>
+            <a:pPr marL="0" indent="0">
+              <a:buNone/>
+            </a:pPr>
+            <a:endParaRPr lang="en-US" sz="1500" dirty="0">
+              <a:latin typeface="Courier" charset="0"/>
+              <a:ea typeface="Courier" charset="0"/>
+              <a:cs typeface="Courier" charset="0"/>
+            </a:endParaRPr>
+          </a:p>
+          <a:p>
+            <a:pPr marL="0" indent="0">
+              <a:buNone/>
+            </a:pPr>
+            <a:r>
+              <a:rPr lang="en-US" dirty="0">
+                <a:solidFill>
+                  <a:schemeClr val="tx1">
+                    <a:lumMod val="50000"/>
+                    <a:lumOff val="50000"/>
+                  </a:schemeClr>
+                </a:solidFill>
+                <a:latin typeface="Courier" charset="0"/>
+                <a:ea typeface="Courier" charset="0"/>
+                <a:cs typeface="Courier" charset="0"/>
+              </a:rPr>
+              <a:t>$from = $_REQUEST['email'];</a:t>
+            </a:r>
+            <a:br>
+              <a:rPr lang="en-US" dirty="0">
+                <a:solidFill>
+                  <a:schemeClr val="tx1">
+                    <a:lumMod val="50000"/>
+                    <a:lumOff val="50000"/>
+                  </a:schemeClr>
+                </a:solidFill>
+                <a:latin typeface="Courier" charset="0"/>
+                <a:ea typeface="Courier" charset="0"/>
+                <a:cs typeface="Courier" charset="0"/>
+              </a:rPr>
+            </a:br>
+            <a:r>
+              <a:rPr lang="en-US" dirty="0">
+                <a:solidFill>
+                  <a:schemeClr val="tx1">
+                    <a:lumMod val="50000"/>
+                    <a:lumOff val="50000"/>
+                  </a:schemeClr>
+                </a:solidFill>
+                <a:latin typeface="Courier" charset="0"/>
+                <a:ea typeface="Courier" charset="0"/>
+                <a:cs typeface="Courier" charset="0"/>
+              </a:rPr>
+              <a:t>$subject = "Hello Sai Pc";</a:t>
+            </a:r>
+            <a:br>
+              <a:rPr lang="en-US" dirty="0">
+                <a:solidFill>
+                  <a:schemeClr val="tx1">
+                    <a:lumMod val="50000"/>
+                    <a:lumOff val="50000"/>
+                  </a:schemeClr>
+                </a:solidFill>
+                <a:latin typeface="Courier" charset="0"/>
+                <a:ea typeface="Courier" charset="0"/>
+                <a:cs typeface="Courier" charset="0"/>
+              </a:rPr>
+            </a:br>
+            <a:r>
+              <a:rPr lang="en-US" dirty="0">
+                <a:solidFill>
+                  <a:schemeClr val="tx1">
+                    <a:lumMod val="50000"/>
+                    <a:lumOff val="50000"/>
+                  </a:schemeClr>
+                </a:solidFill>
+                <a:latin typeface="Courier" charset="0"/>
+                <a:ea typeface="Courier" charset="0"/>
+                <a:cs typeface="Courier" charset="0"/>
+              </a:rPr>
+              <a:t>$message = "We need you to reset your password on </a:t>
+            </a:r>
+            <a:r>
+              <a:rPr lang="is-IS" dirty="0">
+                <a:solidFill>
+                  <a:schemeClr val="tx1">
+                    <a:lumMod val="50000"/>
+                    <a:lumOff val="50000"/>
+                  </a:schemeClr>
+                </a:solidFill>
+                <a:latin typeface="Courier" charset="0"/>
+                <a:ea typeface="Courier" charset="0"/>
+                <a:cs typeface="Courier" charset="0"/>
+              </a:rPr>
+              <a:t>…</a:t>
+            </a:r>
+            <a:r>
+              <a:rPr lang="en-US" dirty="0">
+                <a:solidFill>
+                  <a:schemeClr val="tx1">
+                    <a:lumMod val="50000"/>
+                    <a:lumOff val="50000"/>
+                  </a:schemeClr>
+                </a:solidFill>
+                <a:latin typeface="Courier" charset="0"/>
+                <a:ea typeface="Courier" charset="0"/>
+                <a:cs typeface="Courier" charset="0"/>
+              </a:rPr>
+              <a:t>"; </a:t>
+            </a:r>
+          </a:p>
+          <a:p>
+            <a:pPr marL="0" indent="0">
+              <a:buNone/>
+            </a:pPr>
+            <a:r>
+              <a:rPr lang="en-US" dirty="0">
+                <a:solidFill>
+                  <a:schemeClr val="tx1">
+                    <a:lumMod val="50000"/>
+                    <a:lumOff val="50000"/>
+                  </a:schemeClr>
+                </a:solidFill>
+                <a:latin typeface="Courier" charset="0"/>
+                <a:ea typeface="Courier" charset="0"/>
+                <a:cs typeface="Courier" charset="0"/>
+              </a:rPr>
+              <a:t>$to = </a:t>
+            </a:r>
+            <a:r>
+              <a:rPr lang="en-US" dirty="0" smtClean="0">
+                <a:solidFill>
+                  <a:schemeClr val="tx1">
+                    <a:lumMod val="50000"/>
+                    <a:lumOff val="50000"/>
+                  </a:schemeClr>
+                </a:solidFill>
+                <a:latin typeface="Courier" charset="0"/>
+                <a:ea typeface="Courier" charset="0"/>
+                <a:cs typeface="Courier" charset="0"/>
+              </a:rPr>
+              <a:t>”</a:t>
+            </a:r>
+            <a:r>
+              <a:rPr lang="en-US" dirty="0" err="1" smtClean="0">
+                <a:solidFill>
+                  <a:schemeClr val="tx1">
+                    <a:lumMod val="50000"/>
+                    <a:lumOff val="50000"/>
+                  </a:schemeClr>
+                </a:solidFill>
+                <a:latin typeface="Courier" charset="0"/>
+                <a:ea typeface="Courier" charset="0"/>
+                <a:cs typeface="Courier" charset="0"/>
+              </a:rPr>
+              <a:t>csai@amazon.com</a:t>
+            </a:r>
+            <a:r>
+              <a:rPr lang="en-US" dirty="0" smtClean="0">
+                <a:solidFill>
+                  <a:schemeClr val="tx1">
+                    <a:lumMod val="50000"/>
+                    <a:lumOff val="50000"/>
+                  </a:schemeClr>
+                </a:solidFill>
+                <a:latin typeface="Courier" charset="0"/>
+                <a:ea typeface="Courier" charset="0"/>
+                <a:cs typeface="Courier" charset="0"/>
+              </a:rPr>
+              <a:t>"; </a:t>
+            </a:r>
+            <a:endParaRPr lang="en-US" dirty="0">
+              <a:solidFill>
+                <a:schemeClr val="tx1">
+                  <a:lumMod val="50000"/>
+                  <a:lumOff val="50000"/>
+                </a:schemeClr>
+              </a:solidFill>
+              <a:latin typeface="Courier" charset="0"/>
+              <a:ea typeface="Courier" charset="0"/>
+              <a:cs typeface="Courier" charset="0"/>
+            </a:endParaRPr>
+          </a:p>
+          <a:p>
+            <a:pPr marL="0" indent="0">
+              <a:buNone/>
+            </a:pPr>
+            <a:endParaRPr lang="en-US" dirty="0">
+              <a:solidFill>
+                <a:schemeClr val="tx1">
+                  <a:lumMod val="50000"/>
+                  <a:lumOff val="50000"/>
+                </a:schemeClr>
+              </a:solidFill>
+              <a:latin typeface="Courier" charset="0"/>
+              <a:ea typeface="Courier" charset="0"/>
+              <a:cs typeface="Courier" charset="0"/>
+            </a:endParaRPr>
+          </a:p>
+          <a:p>
+            <a:pPr marL="0" indent="0">
+              <a:buNone/>
+            </a:pPr>
+            <a:r>
+              <a:rPr lang="en-US" dirty="0">
+                <a:solidFill>
+                  <a:srgbClr val="92D050"/>
+                </a:solidFill>
+                <a:latin typeface="Courier" charset="0"/>
+                <a:ea typeface="Courier" charset="0"/>
+                <a:cs typeface="Courier" charset="0"/>
+              </a:rPr>
+              <a:t>// attack string =&gt; '</a:t>
+            </a:r>
+            <a:r>
+              <a:rPr lang="en-US" dirty="0" err="1">
+                <a:solidFill>
+                  <a:srgbClr val="92D050"/>
+                </a:solidFill>
+                <a:latin typeface="Courier" charset="0"/>
+                <a:ea typeface="Courier" charset="0"/>
+                <a:cs typeface="Courier" charset="0"/>
+              </a:rPr>
+              <a:t>sai@sai.com</a:t>
+            </a:r>
+            <a:r>
+              <a:rPr lang="en-US" dirty="0">
+                <a:solidFill>
+                  <a:srgbClr val="92D050"/>
+                </a:solidFill>
+                <a:latin typeface="Courier" charset="0"/>
+                <a:ea typeface="Courier" charset="0"/>
+                <a:cs typeface="Courier" charset="0"/>
+              </a:rPr>
+              <a:t>\</a:t>
+            </a:r>
+            <a:r>
+              <a:rPr lang="en-US" dirty="0" err="1">
+                <a:solidFill>
+                  <a:srgbClr val="92D050"/>
+                </a:solidFill>
+                <a:latin typeface="Courier" charset="0"/>
+                <a:ea typeface="Courier" charset="0"/>
+                <a:cs typeface="Courier" charset="0"/>
+              </a:rPr>
+              <a:t>nBCC:sss@sss.com</a:t>
+            </a:r>
+            <a:r>
+              <a:rPr lang="en-US" dirty="0">
+                <a:solidFill>
+                  <a:srgbClr val="92D050"/>
+                </a:solidFill>
+                <a:latin typeface="Courier" charset="0"/>
+                <a:ea typeface="Courier" charset="0"/>
+                <a:cs typeface="Courier" charset="0"/>
+              </a:rPr>
+              <a:t>' </a:t>
+            </a:r>
+          </a:p>
+          <a:p>
+            <a:pPr marL="0" indent="0">
+              <a:buNone/>
+            </a:pPr>
+            <a:r>
+              <a:rPr lang="en-US" dirty="0">
+                <a:solidFill>
+                  <a:schemeClr val="tx1">
+                    <a:lumMod val="50000"/>
+                    <a:lumOff val="50000"/>
+                  </a:schemeClr>
+                </a:solidFill>
+                <a:latin typeface="Courier" charset="0"/>
+                <a:ea typeface="Courier" charset="0"/>
+                <a:cs typeface="Courier" charset="0"/>
+              </a:rPr>
+              <a:t>$</a:t>
+            </a:r>
+            <a:r>
+              <a:rPr lang="en-US" dirty="0" err="1">
+                <a:solidFill>
+                  <a:schemeClr val="tx1">
+                    <a:lumMod val="50000"/>
+                    <a:lumOff val="50000"/>
+                  </a:schemeClr>
+                </a:solidFill>
+                <a:latin typeface="Courier" charset="0"/>
+                <a:ea typeface="Courier" charset="0"/>
+                <a:cs typeface="Courier" charset="0"/>
+              </a:rPr>
+              <a:t>retValue</a:t>
+            </a:r>
+            <a:r>
+              <a:rPr lang="en-US" dirty="0">
+                <a:solidFill>
+                  <a:schemeClr val="tx1">
+                    <a:lumMod val="50000"/>
+                    <a:lumOff val="50000"/>
+                  </a:schemeClr>
+                </a:solidFill>
+                <a:latin typeface="Courier" charset="0"/>
+                <a:ea typeface="Courier" charset="0"/>
+                <a:cs typeface="Courier" charset="0"/>
+              </a:rPr>
+              <a:t> = mail($to, $subject , $message, "From: $from"); </a:t>
+            </a:r>
+          </a:p>
+          <a:p>
+            <a:pPr marL="0" indent="0">
+              <a:buNone/>
+            </a:pPr>
+            <a:r>
+              <a:rPr lang="en-US" dirty="0">
+                <a:solidFill>
+                  <a:srgbClr val="92D050"/>
+                </a:solidFill>
+                <a:latin typeface="Courier" charset="0"/>
+                <a:ea typeface="Courier" charset="0"/>
+                <a:cs typeface="Courier" charset="0"/>
+              </a:rPr>
+              <a:t>// E−Mail gets sent to both </a:t>
+            </a:r>
+            <a:r>
+              <a:rPr lang="en-US" dirty="0" err="1">
+                <a:solidFill>
+                  <a:srgbClr val="92D050"/>
+                </a:solidFill>
+                <a:latin typeface="Courier" charset="0"/>
+                <a:ea typeface="Courier" charset="0"/>
+                <a:cs typeface="Courier" charset="0"/>
+              </a:rPr>
+              <a:t>csai@amazon.com</a:t>
+            </a:r>
+            <a:r>
+              <a:rPr lang="en-US" dirty="0" smtClean="0">
+                <a:solidFill>
+                  <a:srgbClr val="92D050"/>
+                </a:solidFill>
+                <a:latin typeface="Courier" charset="0"/>
+                <a:ea typeface="Courier" charset="0"/>
+                <a:cs typeface="Courier" charset="0"/>
+              </a:rPr>
+              <a:t> </a:t>
+            </a:r>
+            <a:r>
+              <a:rPr lang="en-US" dirty="0">
+                <a:solidFill>
+                  <a:srgbClr val="92D050"/>
+                </a:solidFill>
+                <a:latin typeface="Courier" charset="0"/>
+                <a:ea typeface="Courier" charset="0"/>
+                <a:cs typeface="Courier" charset="0"/>
+              </a:rPr>
+              <a:t>AND </a:t>
+            </a:r>
+            <a:r>
+              <a:rPr lang="en-US" dirty="0" err="1">
+                <a:solidFill>
+                  <a:srgbClr val="92D050"/>
+                </a:solidFill>
+                <a:latin typeface="Courier" charset="0"/>
+                <a:ea typeface="Courier" charset="0"/>
+                <a:cs typeface="Courier" charset="0"/>
+              </a:rPr>
+              <a:t>sss@sss.com</a:t>
+            </a:r>
+            <a:r>
+              <a:rPr lang="en-US" dirty="0">
+                <a:solidFill>
+                  <a:srgbClr val="92D050"/>
+                </a:solidFill>
+                <a:latin typeface="Courier" charset="0"/>
+                <a:ea typeface="Courier" charset="0"/>
+                <a:cs typeface="Courier" charset="0"/>
+              </a:rPr>
+              <a:t> </a:t>
+            </a:r>
+          </a:p>
+          <a:p>
+            <a:endParaRPr lang="en-US" dirty="0"/>
+          </a:p>
+        </p:txBody>
+      </p:sp>
+      <p:sp>
+        <p:nvSpPr>
+          <p:cNvPr id="4" name="Slide Number Placeholder 3"/>
+          <p:cNvSpPr>
+            <a:spLocks noGrp="1"/>
+          </p:cNvSpPr>
+          <p:nvPr>
+            <p:ph type="sldNum" sz="quarter" idx="10"/>
+          </p:nvPr>
+        </p:nvSpPr>
+        <p:spPr/>
+        <p:txBody>
+          <a:bodyPr/>
+          <a:lstStyle/>
+          <a:p>
+            <a:pPr>
+              <a:defRPr/>
+            </a:pPr>
+            <a:fld id="{A6049551-C800-0F49-AC98-3AEA702B0E63}" type="slidenum">
+              <a:rPr lang="en-US" altLang="en-US" smtClean="0"/>
+              <a:pPr>
+                <a:defRPr/>
+              </a:pPr>
+              <a:t>6</a:t>
+            </a:fld>
+            <a:endParaRPr lang="en-US" altLang="en-US"/>
+          </a:p>
+        </p:txBody>
+      </p:sp>
+      <p:sp>
+        <p:nvSpPr>
+          <p:cNvPr id="5" name="Date Placeholder 4"/>
+          <p:cNvSpPr>
+            <a:spLocks noGrp="1"/>
+          </p:cNvSpPr>
+          <p:nvPr>
+            <p:ph type="dt" sz="half" idx="11"/>
+          </p:nvPr>
+        </p:nvSpPr>
+        <p:spPr/>
+        <p:txBody>
+          <a:bodyPr/>
+          <a:lstStyle/>
+          <a:p>
+            <a:pPr>
+              <a:defRPr/>
+            </a:pPr>
+            <a:fld id="{C37AA8D1-E9CF-2944-A66E-EFC74035EB27}" type="datetime1">
+              <a:rPr lang="en-US" altLang="en-US" smtClean="0"/>
+              <a:pPr>
+                <a:defRPr/>
+              </a:pPr>
+              <a:t>1/13/17</a:t>
+            </a:fld>
+            <a:endParaRPr lang="en-US" altLang="en-US"/>
+          </a:p>
+        </p:txBody>
+      </p:sp>
+    </p:spTree>
+    <p:extLst>
+      <p:ext uri="{BB962C8B-B14F-4D97-AF65-F5344CB8AC3E}">
+        <p14:creationId xmlns:p14="http://schemas.microsoft.com/office/powerpoint/2010/main" val="631097185"/>
+      </p:ext>
+    </p:extLst>
+  </p:cSld>
+  <p:clrMapOvr>
+    <a:masterClrMapping/>
+  </p:clrMapOvr>
+  <mc:AlternateContent xmlns:mc="http://schemas.openxmlformats.org/markup-compatibility/2006" xmlns:p14="http://schemas.microsoft.com/office/powerpoint/2010/main">
+    <mc:Choice Requires="p14">
+      <p:transition spd="slow" p14:dur="2000"/>
+    </mc:Choice>
+    <mc:Fallback xmlns="">
+      <p:transition spd="slow"/>
+    </mc:Fallback>
+  </mc:AlternateContent>
+  <p:timing>
+    <p:tnLst>
+      <p:par>
+        <p:cTn id="1" dur="indefinite" restart="never" nodeType="tmRoot"/>
+      </p:par>
+    </p:tnLst>
+  </p:timing>
+</p:sld>
+</file>
+
+<file path=ppt/slides/slide7.xml><?xml version="1.0" encoding="utf-8"?>
+<p:sld xmlns:a="http://schemas.openxmlformats.org/drawingml/2006/main" xmlns:r="http://schemas.openxmlformats.org/officeDocument/2006/relationships" xmlns:p="http://schemas.openxmlformats.org/presentationml/2006/main">
+  <p:cSld>
+    <p:spTree>
+      <p:nvGrpSpPr>
+        <p:cNvPr id="1" name=""/>
+        <p:cNvGrpSpPr/>
+        <p:nvPr/>
+      </p:nvGrpSpPr>
+      <p:grpSpPr>
+        <a:xfrm>
+          <a:off x="0" y="0"/>
+          <a:ext cx="0" cy="0"/>
+          <a:chOff x="0" y="0"/>
+          <a:chExt cx="0" cy="0"/>
+        </a:xfrm>
+      </p:grpSpPr>
+      <p:sp>
+        <p:nvSpPr>
+          <p:cNvPr id="2" name="Title 1"/>
+          <p:cNvSpPr>
+            <a:spLocks noGrp="1"/>
+          </p:cNvSpPr>
+          <p:nvPr>
+            <p:ph type="title"/>
+          </p:nvPr>
+        </p:nvSpPr>
+        <p:spPr/>
+        <p:txBody>
+          <a:bodyPr/>
+          <a:lstStyle/>
+          <a:p>
+            <a:r>
+              <a:rPr lang="en-US" dirty="0" smtClean="0"/>
+              <a:t>Output of injection</a:t>
+            </a:r>
+            <a:endParaRPr lang="en-US" dirty="0"/>
+          </a:p>
+        </p:txBody>
+      </p:sp>
+      <p:pic>
+        <p:nvPicPr>
+          <p:cNvPr id="6" name="Content Placeholder 5"/>
+          <p:cNvPicPr>
+            <a:picLocks noGrp="1" noChangeAspect="1"/>
+          </p:cNvPicPr>
+          <p:nvPr>
+            <p:ph idx="1"/>
+          </p:nvPr>
+        </p:nvPicPr>
+        <p:blipFill>
+          <a:blip r:embed="rId3">
+            <a:extLst>
+              <a:ext uri="{28A0092B-C50C-407E-A947-70E740481C1C}">
+                <a14:useLocalDpi xmlns:a14="http://schemas.microsoft.com/office/drawing/2010/main" val="0"/>
+              </a:ext>
+            </a:extLst>
+          </a:blip>
+          <a:stretch>
+            <a:fillRect/>
+          </a:stretch>
+        </p:blipFill>
+        <p:spPr>
+          <a:xfrm>
+            <a:off x="781401" y="1213586"/>
+            <a:ext cx="7388564" cy="4056911"/>
+          </a:xfrm>
+        </p:spPr>
+      </p:pic>
+      <p:sp>
+        <p:nvSpPr>
+          <p:cNvPr id="4" name="Slide Number Placeholder 3"/>
+          <p:cNvSpPr>
+            <a:spLocks noGrp="1"/>
+          </p:cNvSpPr>
+          <p:nvPr>
+            <p:ph type="sldNum" sz="quarter" idx="10"/>
+          </p:nvPr>
+        </p:nvSpPr>
+        <p:spPr/>
+        <p:txBody>
+          <a:bodyPr/>
+          <a:lstStyle/>
+          <a:p>
+            <a:pPr>
+              <a:defRPr/>
+            </a:pPr>
+            <a:fld id="{A6049551-C800-0F49-AC98-3AEA702B0E63}" type="slidenum">
+              <a:rPr lang="en-US" altLang="en-US" smtClean="0"/>
+              <a:pPr>
+                <a:defRPr/>
+              </a:pPr>
+              <a:t>7</a:t>
+            </a:fld>
+            <a:endParaRPr lang="en-US" altLang="en-US"/>
+          </a:p>
+        </p:txBody>
+      </p:sp>
+      <p:sp>
+        <p:nvSpPr>
+          <p:cNvPr id="5" name="Date Placeholder 4"/>
+          <p:cNvSpPr>
+            <a:spLocks noGrp="1"/>
+          </p:cNvSpPr>
+          <p:nvPr>
+            <p:ph type="dt" sz="half" idx="11"/>
+          </p:nvPr>
+        </p:nvSpPr>
+        <p:spPr/>
+        <p:txBody>
+          <a:bodyPr/>
+          <a:lstStyle/>
+          <a:p>
+            <a:pPr>
+              <a:defRPr/>
+            </a:pPr>
+            <a:fld id="{C37AA8D1-E9CF-2944-A66E-EFC74035EB27}" type="datetime1">
+              <a:rPr lang="en-US" altLang="en-US" smtClean="0"/>
+              <a:pPr>
+                <a:defRPr/>
+              </a:pPr>
+              <a:t>1/13/17</a:t>
+            </a:fld>
+            <a:endParaRPr lang="en-US" altLang="en-US"/>
+          </a:p>
+        </p:txBody>
+      </p:sp>
+    </p:spTree>
+    <p:extLst>
+      <p:ext uri="{BB962C8B-B14F-4D97-AF65-F5344CB8AC3E}">
+        <p14:creationId xmlns:p14="http://schemas.microsoft.com/office/powerpoint/2010/main" val="428655762"/>
+      </p:ext>
+    </p:extLst>
+  </p:cSld>
+  <p:clrMapOvr>
+    <a:masterClrMapping/>
+  </p:clrMapOvr>
+  <mc:AlternateContent xmlns:mc="http://schemas.openxmlformats.org/markup-compatibility/2006" xmlns:p14="http://schemas.microsoft.com/office/powerpoint/2010/main">
+    <mc:Choice Requires="p14">
+      <p:transition spd="slow" p14:dur="2000"/>
+    </mc:Choice>
+    <mc:Fallback xmlns="">
+      <p:transition spd="slow"/>
+    </mc:Fallback>
+  </mc:AlternateContent>
+  <p:timing>
+    <p:tnLst>
+      <p:par>
+        <p:cTn id="1" dur="indefinite" restart="never" nodeType="tmRoot"/>
+      </p:par>
+    </p:tnLst>
+  </p:timing>
+</p:sld>
+</file>
+
+<file path=ppt/slides/slide8.xml><?xml version="1.0" encoding="utf-8"?>
+<p:sld xmlns:a="http://schemas.openxmlformats.org/drawingml/2006/main" xmlns:r="http://schemas.openxmlformats.org/officeDocument/2006/relationships" xmlns:p="http://schemas.openxmlformats.org/presentationml/2006/main">
+  <p:cSld>
+    <p:spTree>
+      <p:nvGrpSpPr>
+        <p:cNvPr id="1" name=""/>
+        <p:cNvGrpSpPr/>
+        <p:nvPr/>
+      </p:nvGrpSpPr>
+      <p:grpSpPr>
+        <a:xfrm>
+          <a:off x="0" y="0"/>
+          <a:ext cx="0" cy="0"/>
+          <a:chOff x="0" y="0"/>
+          <a:chExt cx="0" cy="0"/>
+        </a:xfrm>
+      </p:grpSpPr>
+      <p:sp>
+        <p:nvSpPr>
+          <p:cNvPr id="2" name="Title 1"/>
+          <p:cNvSpPr>
+            <a:spLocks noGrp="1"/>
+          </p:cNvSpPr>
+          <p:nvPr>
+            <p:ph type="title"/>
+          </p:nvPr>
+        </p:nvSpPr>
+        <p:spPr/>
+        <p:txBody>
+          <a:bodyPr/>
+          <a:lstStyle/>
+          <a:p>
+            <a:r>
+              <a:rPr lang="en-US" dirty="0" smtClean="0"/>
+              <a:t>E-Mail Headers</a:t>
+            </a:r>
+            <a:endParaRPr lang="en-US" dirty="0"/>
+          </a:p>
+        </p:txBody>
+      </p:sp>
+      <p:sp>
+        <p:nvSpPr>
+          <p:cNvPr id="3" name="Content Placeholder 2"/>
+          <p:cNvSpPr>
+            <a:spLocks noGrp="1"/>
+          </p:cNvSpPr>
+          <p:nvPr>
+            <p:ph idx="1"/>
+          </p:nvPr>
+        </p:nvSpPr>
+        <p:spPr/>
+        <p:txBody>
+          <a:bodyPr/>
+          <a:lstStyle/>
+          <a:p>
+            <a:pPr>
+              <a:lnSpc>
+                <a:spcPct val="150000"/>
+              </a:lnSpc>
+            </a:pPr>
+            <a:r>
+              <a:rPr lang="en-US" dirty="0" smtClean="0"/>
+              <a:t>Headers can include: </a:t>
+            </a:r>
+          </a:p>
+          <a:p>
+            <a:pPr lvl="1">
+              <a:lnSpc>
+                <a:spcPct val="150000"/>
+              </a:lnSpc>
+            </a:pPr>
+            <a:r>
+              <a:rPr lang="en-US" dirty="0" smtClean="0"/>
+              <a:t>Cc – Carbon Copy</a:t>
+            </a:r>
+          </a:p>
+          <a:p>
+            <a:pPr lvl="1">
+              <a:lnSpc>
+                <a:spcPct val="150000"/>
+              </a:lnSpc>
+            </a:pPr>
+            <a:r>
+              <a:rPr lang="en-US" dirty="0" smtClean="0"/>
+              <a:t>Bcc – Blind Carbon Copy </a:t>
+            </a:r>
+          </a:p>
+          <a:p>
+            <a:pPr lvl="1">
+              <a:lnSpc>
+                <a:spcPct val="150000"/>
+              </a:lnSpc>
+            </a:pPr>
+            <a:r>
+              <a:rPr lang="en-US" dirty="0" smtClean="0"/>
+              <a:t>To – Recipient of the e-mail</a:t>
+            </a:r>
+          </a:p>
+          <a:p>
+            <a:pPr lvl="1">
+              <a:lnSpc>
+                <a:spcPct val="150000"/>
+              </a:lnSpc>
+            </a:pPr>
+            <a:r>
+              <a:rPr lang="en-US" dirty="0" smtClean="0"/>
+              <a:t>From – Sender of the e-mail</a:t>
+            </a:r>
+          </a:p>
+          <a:p>
+            <a:pPr lvl="1">
+              <a:lnSpc>
+                <a:spcPct val="150000"/>
+              </a:lnSpc>
+            </a:pPr>
+            <a:r>
+              <a:rPr lang="en-US" dirty="0" smtClean="0"/>
+              <a:t>Subject – Subject field of the </a:t>
+            </a:r>
+            <a:r>
+              <a:rPr lang="en-US" dirty="0" smtClean="0"/>
+              <a:t>e-mail</a:t>
+            </a:r>
+            <a:endParaRPr lang="en-US" dirty="0" smtClean="0"/>
+          </a:p>
+        </p:txBody>
+      </p:sp>
+      <p:sp>
+        <p:nvSpPr>
+          <p:cNvPr id="4" name="Slide Number Placeholder 3"/>
+          <p:cNvSpPr>
+            <a:spLocks noGrp="1"/>
+          </p:cNvSpPr>
+          <p:nvPr>
+            <p:ph type="sldNum" sz="quarter" idx="10"/>
+          </p:nvPr>
+        </p:nvSpPr>
+        <p:spPr/>
+        <p:txBody>
+          <a:bodyPr/>
+          <a:lstStyle/>
+          <a:p>
+            <a:pPr>
+              <a:defRPr/>
+            </a:pPr>
+            <a:fld id="{A6049551-C800-0F49-AC98-3AEA702B0E63}" type="slidenum">
+              <a:rPr lang="en-US" altLang="en-US" smtClean="0"/>
+              <a:pPr>
+                <a:defRPr/>
+              </a:pPr>
+              <a:t>8</a:t>
+            </a:fld>
+            <a:endParaRPr lang="en-US" altLang="en-US"/>
+          </a:p>
+        </p:txBody>
+      </p:sp>
+      <p:sp>
+        <p:nvSpPr>
+          <p:cNvPr id="5" name="Date Placeholder 4"/>
+          <p:cNvSpPr>
+            <a:spLocks noGrp="1"/>
+          </p:cNvSpPr>
+          <p:nvPr>
+            <p:ph type="dt" sz="half" idx="11"/>
+          </p:nvPr>
+        </p:nvSpPr>
+        <p:spPr/>
+        <p:txBody>
+          <a:bodyPr/>
+          <a:lstStyle/>
+          <a:p>
+            <a:pPr>
+              <a:defRPr/>
+            </a:pPr>
+            <a:fld id="{C37AA8D1-E9CF-2944-A66E-EFC74035EB27}" type="datetime1">
+              <a:rPr lang="en-US" altLang="en-US" smtClean="0"/>
+              <a:pPr>
+                <a:defRPr/>
+              </a:pPr>
+              <a:t>1/13/17</a:t>
+            </a:fld>
+            <a:endParaRPr lang="en-US" altLang="en-US"/>
+          </a:p>
+        </p:txBody>
+      </p:sp>
+    </p:spTree>
+    <p:extLst>
+      <p:ext uri="{BB962C8B-B14F-4D97-AF65-F5344CB8AC3E}">
+        <p14:creationId xmlns:p14="http://schemas.microsoft.com/office/powerpoint/2010/main" val="1757239896"/>
+      </p:ext>
+    </p:extLst>
+  </p:cSld>
+  <p:clrMapOvr>
+    <a:masterClrMapping/>
+  </p:clrMapOvr>
+  <mc:AlternateContent xmlns:mc="http://schemas.openxmlformats.org/markup-compatibility/2006" xmlns:p14="http://schemas.microsoft.com/office/powerpoint/2010/main">
+    <mc:Choice Requires="p14">
+      <p:transition spd="slow" p14:dur="2000"/>
+    </mc:Choice>
+    <mc:Fallback xmlns="">
+      <p:transition spd="slow"/>
+    </mc:Fallback>
+  </mc:AlternateContent>
+  <p:timing>
+    <p:tnLst>
+      <p:par>
+        <p:cTn id="1" dur="indefinite" restart="never" nodeType="tmRoot"/>
+      </p:par>
+    </p:tnLst>
+  </p:timing>
+</p:sld>
+</file>
+
+<file path=ppt/slides/slide9.xml><?xml version="1.0" encoding="utf-8"?>
+<p:sld xmlns:a="http://schemas.openxmlformats.org/drawingml/2006/main" xmlns:r="http://schemas.openxmlformats.org/officeDocument/2006/relationships" xmlns:p="http://schemas.openxmlformats.org/presentationml/2006/main">
+  <p:cSld>
+    <p:spTree>
+      <p:nvGrpSpPr>
+        <p:cNvPr id="1" name=""/>
+        <p:cNvGrpSpPr/>
+        <p:nvPr/>
+      </p:nvGrpSpPr>
+      <p:grpSpPr>
+        <a:xfrm>
+          <a:off x="0" y="0"/>
+          <a:ext cx="0" cy="0"/>
+          <a:chOff x="0" y="0"/>
+          <a:chExt cx="0" cy="0"/>
+        </a:xfrm>
+      </p:grpSpPr>
+      <p:sp>
+        <p:nvSpPr>
+          <p:cNvPr id="2" name="Title 1"/>
+          <p:cNvSpPr>
+            <a:spLocks noGrp="1"/>
+          </p:cNvSpPr>
+          <p:nvPr>
+            <p:ph type="title"/>
+          </p:nvPr>
+        </p:nvSpPr>
+        <p:spPr/>
+        <p:txBody>
+          <a:bodyPr/>
+          <a:lstStyle/>
+          <a:p>
+            <a:r>
+              <a:rPr lang="en-US" dirty="0" smtClean="0"/>
+              <a:t>Popular Languages Affected</a:t>
+            </a:r>
+            <a:endParaRPr lang="en-US" dirty="0"/>
+          </a:p>
+        </p:txBody>
+      </p:sp>
+      <p:sp>
+        <p:nvSpPr>
+          <p:cNvPr id="3" name="Content Placeholder 2"/>
+          <p:cNvSpPr>
+            <a:spLocks noGrp="1"/>
+          </p:cNvSpPr>
+          <p:nvPr>
+            <p:ph idx="1"/>
+          </p:nvPr>
+        </p:nvSpPr>
+        <p:spPr/>
+        <p:txBody>
+          <a:bodyPr/>
+          <a:lstStyle/>
+          <a:p>
+            <a:pPr>
+              <a:lnSpc>
+                <a:spcPct val="150000"/>
+              </a:lnSpc>
+            </a:pPr>
+            <a:r>
+              <a:rPr lang="en-US" altLang="en-US" sz="1800" dirty="0">
+                <a:latin typeface="Gill Sans MT" charset="0"/>
+                <a:ea typeface="MS PGothic" charset="-128"/>
+              </a:rPr>
+              <a:t>PHP – </a:t>
+            </a:r>
+            <a:r>
+              <a:rPr lang="en-US" altLang="en-US" sz="1800" i="1" dirty="0">
+                <a:latin typeface="Gill Sans MT" charset="0"/>
+                <a:ea typeface="MS PGothic" charset="-128"/>
+              </a:rPr>
+              <a:t>mail()</a:t>
+            </a:r>
+            <a:r>
+              <a:rPr lang="en-US" altLang="en-US" sz="1800" dirty="0">
+                <a:latin typeface="Gill Sans MT" charset="0"/>
+                <a:ea typeface="MS PGothic" charset="-128"/>
+              </a:rPr>
+              <a:t> function</a:t>
+            </a:r>
+          </a:p>
+          <a:p>
+            <a:pPr>
+              <a:lnSpc>
+                <a:spcPct val="150000"/>
+              </a:lnSpc>
+            </a:pPr>
+            <a:r>
+              <a:rPr lang="en-US" altLang="en-US" sz="1800" dirty="0">
+                <a:latin typeface="Gill Sans MT" charset="0"/>
+                <a:ea typeface="MS PGothic" charset="-128"/>
+              </a:rPr>
+              <a:t>Java – </a:t>
+            </a:r>
+            <a:r>
+              <a:rPr lang="en-US" sz="1800" i="1" dirty="0" err="1"/>
+              <a:t>JavaMail</a:t>
+            </a:r>
+            <a:r>
+              <a:rPr lang="en-US" sz="1800" dirty="0"/>
+              <a:t> API </a:t>
+            </a:r>
+            <a:endParaRPr lang="en-US" altLang="en-US" sz="1800" dirty="0">
+              <a:latin typeface="Gill Sans MT" charset="0"/>
+              <a:ea typeface="MS PGothic" charset="-128"/>
+            </a:endParaRPr>
+          </a:p>
+          <a:p>
+            <a:pPr>
+              <a:lnSpc>
+                <a:spcPct val="150000"/>
+              </a:lnSpc>
+            </a:pPr>
+            <a:r>
+              <a:rPr lang="en-US" altLang="en-US" sz="1800" dirty="0">
+                <a:latin typeface="Gill Sans MT" charset="0"/>
+                <a:ea typeface="MS PGothic" charset="-128"/>
+              </a:rPr>
+              <a:t>Python – </a:t>
+            </a:r>
+            <a:r>
+              <a:rPr lang="en-US" sz="1800" i="1" dirty="0" err="1"/>
+              <a:t>email.parser</a:t>
+            </a:r>
+            <a:r>
+              <a:rPr lang="en-US" sz="1800" dirty="0"/>
+              <a:t> library</a:t>
+            </a:r>
+            <a:endParaRPr lang="en-US" altLang="en-US" sz="1800" dirty="0">
+              <a:latin typeface="Gill Sans MT" charset="0"/>
+              <a:ea typeface="MS PGothic" charset="-128"/>
+            </a:endParaRPr>
+          </a:p>
+          <a:p>
+            <a:pPr>
+              <a:lnSpc>
+                <a:spcPct val="150000"/>
+              </a:lnSpc>
+            </a:pPr>
+            <a:r>
+              <a:rPr lang="en-US" altLang="en-US" sz="1800" dirty="0">
+                <a:latin typeface="Gill Sans MT" charset="0"/>
+                <a:ea typeface="MS PGothic" charset="-128"/>
+              </a:rPr>
+              <a:t>Ruby – </a:t>
+            </a:r>
+            <a:r>
+              <a:rPr lang="en-US" sz="1800" i="1" dirty="0"/>
+              <a:t>Net::SMTP</a:t>
+            </a:r>
+            <a:r>
+              <a:rPr lang="en-US" sz="1800" dirty="0"/>
+              <a:t> Library</a:t>
+            </a:r>
+            <a:endParaRPr lang="en-US" altLang="en-US" sz="1800" dirty="0">
+              <a:latin typeface="Gill Sans MT" charset="0"/>
+              <a:ea typeface="MS PGothic" charset="-128"/>
+            </a:endParaRPr>
+          </a:p>
+          <a:p>
+            <a:r>
+              <a:rPr lang="en-US" sz="1800" dirty="0" smtClean="0"/>
+              <a:t>Together, these languages account for over 90% of server side code on the World Wide Web.</a:t>
+            </a:r>
+          </a:p>
+          <a:p>
+            <a:r>
+              <a:rPr lang="en-US" sz="1800" dirty="0" smtClean="0"/>
+              <a:t>//TODO</a:t>
+            </a:r>
+            <a:r>
+              <a:rPr lang="en-US" sz="1800" dirty="0"/>
+              <a:t>: add usage of these </a:t>
+            </a:r>
+            <a:r>
+              <a:rPr lang="en-US" sz="1800" dirty="0" smtClean="0"/>
+              <a:t>languages </a:t>
+            </a:r>
+            <a:r>
+              <a:rPr lang="en-US" sz="1800" dirty="0"/>
+              <a:t>inside amazon</a:t>
+            </a:r>
+          </a:p>
+          <a:p>
+            <a:endParaRPr lang="en-US" sz="1800" dirty="0"/>
+          </a:p>
+        </p:txBody>
+      </p:sp>
+      <p:sp>
+        <p:nvSpPr>
+          <p:cNvPr id="4" name="Slide Number Placeholder 3"/>
+          <p:cNvSpPr>
+            <a:spLocks noGrp="1"/>
+          </p:cNvSpPr>
+          <p:nvPr>
+            <p:ph type="sldNum" sz="quarter" idx="10"/>
+          </p:nvPr>
+        </p:nvSpPr>
+        <p:spPr/>
+        <p:txBody>
+          <a:bodyPr/>
+          <a:lstStyle/>
+          <a:p>
+            <a:pPr>
+              <a:defRPr/>
+            </a:pPr>
+            <a:fld id="{A6049551-C800-0F49-AC98-3AEA702B0E63}" type="slidenum">
+              <a:rPr lang="en-US" altLang="en-US" smtClean="0"/>
+              <a:pPr>
+                <a:defRPr/>
+              </a:pPr>
+              <a:t>9</a:t>
+            </a:fld>
+            <a:endParaRPr lang="en-US" altLang="en-US"/>
+          </a:p>
+        </p:txBody>
+      </p:sp>
+      <p:sp>
+        <p:nvSpPr>
+          <p:cNvPr id="5" name="Date Placeholder 4"/>
+          <p:cNvSpPr>
+            <a:spLocks noGrp="1"/>
+          </p:cNvSpPr>
+          <p:nvPr>
+            <p:ph type="dt" sz="half" idx="11"/>
+          </p:nvPr>
+        </p:nvSpPr>
+        <p:spPr/>
+        <p:txBody>
+          <a:bodyPr/>
+          <a:lstStyle/>
+          <a:p>
+            <a:pPr>
+              <a:defRPr/>
+            </a:pPr>
+            <a:fld id="{C37AA8D1-E9CF-2944-A66E-EFC74035EB27}" type="datetime1">
+              <a:rPr lang="en-US" altLang="en-US" smtClean="0"/>
+              <a:pPr>
+                <a:defRPr/>
+              </a:pPr>
+              <a:t>1/13/17</a:t>
+            </a:fld>
+            <a:endParaRPr lang="en-US" altLang="en-US"/>
+          </a:p>
+        </p:txBody>
+      </p:sp>
+    </p:spTree>
+    <p:extLst>
+      <p:ext uri="{BB962C8B-B14F-4D97-AF65-F5344CB8AC3E}">
+        <p14:creationId xmlns:p14="http://schemas.microsoft.com/office/powerpoint/2010/main" val="261022998"/>
+      </p:ext>
+    </p:extLst>
+  </p:cSld>
+  <p:clrMapOvr>
+    <a:masterClrMapping/>
+  </p:clrMapOvr>
+  <mc:AlternateContent xmlns:mc="http://schemas.openxmlformats.org/markup-compatibility/2006" xmlns:p14="http://schemas.microsoft.com/office/powerpoint/2010/main">
+    <mc:Choice Requires="p14">
+      <p:transition spd="slow" p14:dur="2000"/>
+    </mc:Choice>
+    <mc:Fallback xmlns="">
+      <p:transition spd="slow"/>
+    </mc:Fallback>
+  </mc:AlternateContent>
   <p:timing>
     <p:tnLst>
       <p:par>

--- a/Zoncon-2017-Sai-Pc-ZCSlides.pptx
+++ b/Zoncon-2017-Sai-Pc-ZCSlides.pptx
@@ -5,30 +5,23 @@
     <p:sldMasterId id="2147483660" r:id="rId4"/>
   </p:sldMasterIdLst>
   <p:notesMasterIdLst>
-    <p:notesMasterId r:id="rId26"/>
+    <p:notesMasterId r:id="rId19"/>
   </p:notesMasterIdLst>
   <p:sldIdLst>
     <p:sldId id="259" r:id="rId5"/>
-    <p:sldId id="261" r:id="rId6"/>
-    <p:sldId id="267" r:id="rId7"/>
-    <p:sldId id="262" r:id="rId8"/>
-    <p:sldId id="263" r:id="rId9"/>
-    <p:sldId id="264" r:id="rId10"/>
-    <p:sldId id="265" r:id="rId11"/>
-    <p:sldId id="266" r:id="rId12"/>
-    <p:sldId id="268" r:id="rId13"/>
-    <p:sldId id="285" r:id="rId14"/>
-    <p:sldId id="270" r:id="rId15"/>
-    <p:sldId id="307" r:id="rId16"/>
-    <p:sldId id="288" r:id="rId17"/>
-    <p:sldId id="290" r:id="rId18"/>
-    <p:sldId id="292" r:id="rId19"/>
-    <p:sldId id="298" r:id="rId20"/>
-    <p:sldId id="300" r:id="rId21"/>
-    <p:sldId id="301" r:id="rId22"/>
-    <p:sldId id="304" r:id="rId23"/>
-    <p:sldId id="306" r:id="rId24"/>
-    <p:sldId id="303" r:id="rId25"/>
+    <p:sldId id="310" r:id="rId6"/>
+    <p:sldId id="262" r:id="rId7"/>
+    <p:sldId id="264" r:id="rId8"/>
+    <p:sldId id="265" r:id="rId9"/>
+    <p:sldId id="270" r:id="rId10"/>
+    <p:sldId id="307" r:id="rId11"/>
+    <p:sldId id="292" r:id="rId12"/>
+    <p:sldId id="290" r:id="rId13"/>
+    <p:sldId id="298" r:id="rId14"/>
+    <p:sldId id="300" r:id="rId15"/>
+    <p:sldId id="301" r:id="rId16"/>
+    <p:sldId id="306" r:id="rId17"/>
+    <p:sldId id="303" r:id="rId18"/>
   </p:sldIdLst>
   <p:sldSz cx="9144000" cy="5715000" type="screen16x10"/>
   <p:notesSz cx="6858000" cy="9144000"/>
@@ -217,7 +210,7 @@
           <a:p>
             <a:fld id="{3D20B095-8FC6-4FFD-B1CE-5387BFA3F168}" type="datetimeFigureOut">
               <a:rPr lang="en-US" smtClean="0"/>
-              <a:t>1/13/17</a:t>
+              <a:t>2/19/17</a:t>
             </a:fld>
             <a:endParaRPr lang="en-US"/>
           </a:p>
@@ -529,6 +522,20 @@
           <a:bodyPr/>
           <a:lstStyle/>
           <a:p>
+            <a:r>
+              <a:rPr lang="en-US" dirty="0" smtClean="0"/>
+              <a:t>I am Sai Pc, working with the </a:t>
+            </a:r>
+            <a:r>
+              <a:rPr lang="en-US" dirty="0" err="1" smtClean="0"/>
+              <a:t>Samsite</a:t>
+            </a:r>
+            <a:r>
+              <a:rPr lang="en-US" dirty="0" smtClean="0"/>
+              <a:t> team on a product called Noir, which helps in Compliance for Suspicious Activity Monitoring.</a:t>
+            </a:r>
+          </a:p>
+          <a:p>
             <a:endParaRPr lang="en-US" dirty="0"/>
           </a:p>
         </p:txBody>
@@ -610,13 +617,29 @@
         </p:nvSpPr>
         <p:spPr/>
         <p:txBody>
-          <a:bodyPr/>
-          <a:lstStyle/>
-          <a:p>
-            <a:r>
-              <a:rPr lang="en-US" dirty="0" smtClean="0"/>
-              <a:t>So, in case the ‘bcc’ field is already present as part of the headers, our injected ‘bcc’ header would be ignored. In order to overcome this, we need to inject a new header that has not been seen before. </a:t>
-            </a:r>
+          <a:bodyPr>
+            <a:normAutofit/>
+          </a:bodyPr>
+          <a:lstStyle/>
+          <a:p>
+            <a:pPr marL="228600" marR="0" lvl="0" indent="-228600" algn="l" defTabSz="713203" rtl="0" eaLnBrk="1" fontAlgn="auto" latinLnBrk="0" hangingPunct="1">
+              <a:lnSpc>
+                <a:spcPct val="100000"/>
+              </a:lnSpc>
+              <a:spcBef>
+                <a:spcPts val="0"/>
+              </a:spcBef>
+              <a:spcAft>
+                <a:spcPts val="0"/>
+              </a:spcAft>
+              <a:buClrTx/>
+              <a:buSzTx/>
+              <a:buFontTx/>
+              <a:buNone/>
+              <a:tabLst/>
+              <a:defRPr/>
+            </a:pPr>
+            <a:endParaRPr lang="en-US" dirty="0"/>
           </a:p>
         </p:txBody>
       </p:sp>
@@ -652,7 +675,7 @@
     </p:spTree>
     <p:extLst>
       <p:ext uri="{BB962C8B-B14F-4D97-AF65-F5344CB8AC3E}">
-        <p14:creationId xmlns:p14="http://schemas.microsoft.com/office/powerpoint/2010/main" val="625594215"/>
+        <p14:creationId xmlns:p14="http://schemas.microsoft.com/office/powerpoint/2010/main" val="1162547575"/>
       </p:ext>
     </p:extLst>
   </p:cSld>
@@ -703,27 +726,101 @@
         </p:nvSpPr>
         <p:spPr/>
         <p:txBody>
-          <a:bodyPr/>
-          <a:lstStyle/>
-          <a:p>
+          <a:bodyPr>
+            <a:normAutofit/>
+          </a:bodyPr>
+          <a:lstStyle/>
+          <a:p>
+            <a:pPr marL="0" marR="0" lvl="1" indent="0" algn="l" defTabSz="713203" rtl="0" eaLnBrk="1" fontAlgn="auto" latinLnBrk="0" hangingPunct="1">
+              <a:lnSpc>
+                <a:spcPct val="100000"/>
+              </a:lnSpc>
+              <a:spcBef>
+                <a:spcPts val="0"/>
+              </a:spcBef>
+              <a:spcAft>
+                <a:spcPts val="0"/>
+              </a:spcAft>
+              <a:buClrTx/>
+              <a:buSzTx/>
+              <a:buFontTx/>
+              <a:buNone/>
+              <a:tabLst/>
+              <a:defRPr/>
+            </a:pPr>
+            <a:r>
+              <a:rPr lang="en-US" sz="1600" dirty="0" smtClean="0">
+                <a:latin typeface="Gill Sans MT" charset="0"/>
+                <a:ea typeface="Gill Sans MT" charset="0"/>
+                <a:cs typeface="Gill Sans MT" charset="0"/>
+              </a:rPr>
+              <a:t>A word of caution though, do use tested methods for input validation and avoid writing your own.</a:t>
+            </a:r>
+            <a:endParaRPr lang="en-US" sz="936" dirty="0" smtClean="0">
+              <a:latin typeface="+mn-lt"/>
+              <a:ea typeface="+mn-ea"/>
+              <a:cs typeface="+mn-cs"/>
+            </a:endParaRPr>
+          </a:p>
+          <a:p>
+            <a:pPr marL="0" marR="0" lvl="1" indent="0" algn="l" defTabSz="713203" rtl="0" eaLnBrk="1" fontAlgn="auto" latinLnBrk="0" hangingPunct="1">
+              <a:lnSpc>
+                <a:spcPct val="100000"/>
+              </a:lnSpc>
+              <a:spcBef>
+                <a:spcPts val="0"/>
+              </a:spcBef>
+              <a:spcAft>
+                <a:spcPts val="0"/>
+              </a:spcAft>
+              <a:buClrTx/>
+              <a:buSzTx/>
+              <a:buFontTx/>
+              <a:buNone/>
+              <a:tabLst/>
+              <a:defRPr/>
+            </a:pPr>
+            <a:endParaRPr lang="en-US" sz="936" dirty="0" smtClean="0">
+              <a:latin typeface="+mn-lt"/>
+              <a:ea typeface="+mn-ea"/>
+              <a:cs typeface="+mn-cs"/>
+            </a:endParaRPr>
+          </a:p>
+          <a:p>
+            <a:pPr marL="0" marR="0" lvl="1" indent="0" algn="l" defTabSz="713203" rtl="0" eaLnBrk="1" fontAlgn="auto" latinLnBrk="0" hangingPunct="1">
+              <a:lnSpc>
+                <a:spcPct val="100000"/>
+              </a:lnSpc>
+              <a:spcBef>
+                <a:spcPts val="0"/>
+              </a:spcBef>
+              <a:spcAft>
+                <a:spcPts val="0"/>
+              </a:spcAft>
+              <a:buClrTx/>
+              <a:buSzTx/>
+              <a:buFontTx/>
+              <a:buNone/>
+              <a:tabLst/>
+              <a:defRPr/>
+            </a:pPr>
             <a:r>
               <a:rPr lang="en-US" dirty="0" smtClean="0"/>
-              <a:t>What is the actual harm that it can lead to?</a:t>
-            </a:r>
-          </a:p>
-          <a:p>
+              <a:t>Talk </a:t>
+            </a:r>
             <a:r>
               <a:rPr lang="en-US" dirty="0" smtClean="0"/>
-              <a:t>trusted </a:t>
-            </a:r>
-            <a:r>
-              <a:rPr lang="en-US" dirty="0" smtClean="0"/>
-              <a:t>attachments – showcase data from research about trusted attachments</a:t>
+              <a:t>about the different types of newlines that the RFC describes and the</a:t>
             </a:r>
             <a:r>
               <a:rPr lang="en-US" baseline="0" dirty="0" smtClean="0"/>
-              <a:t> spoofing that was done.</a:t>
-            </a:r>
+              <a:t> total number of cases/combinations (8) we need to test for.</a:t>
+            </a:r>
+          </a:p>
+          <a:p>
+            <a:pPr marL="228600" indent="-228600">
+              <a:buAutoNum type="arabicPeriod"/>
+            </a:pPr>
             <a:endParaRPr lang="en-US" dirty="0"/>
           </a:p>
         </p:txBody>
@@ -760,7 +857,7 @@
     </p:spTree>
     <p:extLst>
       <p:ext uri="{BB962C8B-B14F-4D97-AF65-F5344CB8AC3E}">
-        <p14:creationId xmlns:p14="http://schemas.microsoft.com/office/powerpoint/2010/main" val="1171456993"/>
+        <p14:creationId xmlns:p14="http://schemas.microsoft.com/office/powerpoint/2010/main" val="1376614444"/>
       </p:ext>
     </p:extLst>
   </p:cSld>
@@ -816,109 +913,53 @@
           <a:p>
             <a:r>
               <a:rPr lang="en-US" dirty="0" smtClean="0"/>
-              <a:t>What is the actual harm that it can lead to?</a:t>
-            </a:r>
+              <a:t>Can result in loss of trust, malicious attachments</a:t>
+            </a:r>
+          </a:p>
+          <a:p>
+            <a:endParaRPr lang="en-US" dirty="0" smtClean="0"/>
           </a:p>
           <a:p>
             <a:r>
               <a:rPr lang="en-US" dirty="0" smtClean="0"/>
-              <a:t>trusted </a:t>
-            </a:r>
+              <a:t>Not</a:t>
+            </a:r>
+            <a:r>
+              <a:rPr lang="en-US" baseline="0" dirty="0" smtClean="0"/>
+              <a:t> just email inputs, all inputs</a:t>
+            </a:r>
+          </a:p>
+          <a:p>
+            <a:endParaRPr lang="en-US" baseline="0" dirty="0" smtClean="0"/>
+          </a:p>
+          <a:p>
+            <a:r>
+              <a:rPr lang="en-US" baseline="0" dirty="0" smtClean="0"/>
+              <a:t>DO NOT TRUST USER INPUT</a:t>
+            </a:r>
+          </a:p>
+          <a:p>
+            <a:endParaRPr lang="en-US" baseline="0" dirty="0" smtClean="0"/>
+          </a:p>
+          <a:p>
+            <a:r>
+              <a:rPr lang="en-US" baseline="0" dirty="0" smtClean="0"/>
+              <a:t>Edge cases:</a:t>
+            </a:r>
+          </a:p>
+          <a:p>
             <a:r>
               <a:rPr lang="en-US" dirty="0" smtClean="0"/>
-              <a:t>attachments – showcase data from research </a:t>
-            </a:r>
-          </a:p>
-          <a:p>
-            <a:endParaRPr lang="en-US" dirty="0" smtClean="0"/>
-          </a:p>
-          <a:p>
-            <a:pPr marL="0" marR="0" lvl="2" indent="0" algn="l" defTabSz="713203" rtl="0" eaLnBrk="1" fontAlgn="auto" latinLnBrk="0" hangingPunct="1">
-              <a:lnSpc>
-                <a:spcPct val="100000"/>
-              </a:lnSpc>
-              <a:spcBef>
-                <a:spcPts val="0"/>
-              </a:spcBef>
-              <a:spcAft>
-                <a:spcPts val="0"/>
-              </a:spcAft>
-              <a:buClrTx/>
-              <a:buSzTx/>
-              <a:buFontTx/>
-              <a:buNone/>
-              <a:tabLst/>
-              <a:defRPr/>
-            </a:pPr>
+              <a:t>Newlines = \n \r</a:t>
+            </a:r>
+          </a:p>
+          <a:p>
             <a:r>
               <a:rPr lang="en-US" dirty="0" smtClean="0"/>
-              <a:t>Loss of trust - </a:t>
-            </a:r>
-            <a:r>
-              <a:rPr lang="en-US" altLang="en-US" dirty="0" smtClean="0">
-                <a:latin typeface="Gill Sans MT" charset="0"/>
-                <a:ea typeface="MS PGothic" charset="-128"/>
-              </a:rPr>
-              <a:t>Customers getting phishing emails from a legitimate Amazon server, with a legitimate @</a:t>
-            </a:r>
-            <a:r>
-              <a:rPr lang="en-US" altLang="en-US" dirty="0" err="1" smtClean="0">
-                <a:latin typeface="Gill Sans MT" charset="0"/>
-                <a:ea typeface="MS PGothic" charset="-128"/>
-              </a:rPr>
-              <a:t>amazon.com</a:t>
-            </a:r>
-            <a:r>
-              <a:rPr lang="en-US" altLang="en-US" dirty="0" smtClean="0">
-                <a:latin typeface="Gill Sans MT" charset="0"/>
-                <a:ea typeface="MS PGothic" charset="-128"/>
-              </a:rPr>
-              <a:t> email address that mail clients like </a:t>
-            </a:r>
-            <a:r>
-              <a:rPr lang="en-US" altLang="en-US" dirty="0" err="1" smtClean="0">
-                <a:latin typeface="Gill Sans MT" charset="0"/>
-                <a:ea typeface="MS PGothic" charset="-128"/>
-              </a:rPr>
-              <a:t>gmail</a:t>
-            </a:r>
-            <a:r>
-              <a:rPr lang="en-US" altLang="en-US" dirty="0" smtClean="0">
-                <a:latin typeface="Gill Sans MT" charset="0"/>
-                <a:ea typeface="MS PGothic" charset="-128"/>
-              </a:rPr>
-              <a:t> wont flag</a:t>
-            </a:r>
-          </a:p>
-          <a:p>
-            <a:endParaRPr lang="en-US" dirty="0" smtClean="0"/>
-          </a:p>
-          <a:p>
-            <a:r>
-              <a:rPr lang="en-US" dirty="0" smtClean="0"/>
-              <a:t>If we don</a:t>
-            </a:r>
-            <a:r>
-              <a:rPr lang="uk-UA" dirty="0" smtClean="0"/>
-              <a:t>’</a:t>
-            </a:r>
-            <a:r>
-              <a:rPr lang="en-US" dirty="0" smtClean="0"/>
-              <a:t>t cover every vulnerability, then are we truly safe?</a:t>
-            </a:r>
-          </a:p>
-          <a:p>
-            <a:endParaRPr lang="en-US" dirty="0" smtClean="0"/>
-          </a:p>
-          <a:p>
-            <a:r>
-              <a:rPr lang="en-US" dirty="0" smtClean="0"/>
-              <a:t>about trusted attachments</a:t>
-            </a:r>
-            <a:r>
-              <a:rPr lang="en-US" baseline="0" dirty="0" smtClean="0"/>
-              <a:t> spoofing that was done.</a:t>
-            </a:r>
+              <a:t>Encoded = %0a, %0d</a:t>
+            </a:r>
+          </a:p>
+          <a:p>
             <a:endParaRPr lang="en-US" dirty="0"/>
           </a:p>
         </p:txBody>
@@ -955,7 +996,7 @@
     </p:spTree>
     <p:extLst>
       <p:ext uri="{BB962C8B-B14F-4D97-AF65-F5344CB8AC3E}">
-        <p14:creationId xmlns:p14="http://schemas.microsoft.com/office/powerpoint/2010/main" val="1677273535"/>
+        <p14:creationId xmlns:p14="http://schemas.microsoft.com/office/powerpoint/2010/main" val="192617663"/>
       </p:ext>
     </p:extLst>
   </p:cSld>
@@ -1009,62 +1050,6 @@
           <a:bodyPr/>
           <a:lstStyle/>
           <a:p>
-            <a:r>
-              <a:rPr lang="en-US" dirty="0" smtClean="0"/>
-              <a:t>To verify</a:t>
-            </a:r>
-            <a:r>
-              <a:rPr lang="en-US" baseline="0" dirty="0" smtClean="0"/>
-              <a:t> the hypotheses and quantify the prevalence of this vulnerability, I did a research project with a system that can perform </a:t>
-            </a:r>
-            <a:r>
-              <a:rPr lang="en-US" baseline="0" dirty="0" err="1" smtClean="0"/>
-              <a:t>blackbox</a:t>
-            </a:r>
-            <a:r>
-              <a:rPr lang="en-US" baseline="0" dirty="0" smtClean="0"/>
-              <a:t> testing on websites on the WWW.</a:t>
-            </a:r>
-          </a:p>
-          <a:p>
-            <a:r>
-              <a:rPr lang="en-US" baseline="0" dirty="0" smtClean="0"/>
-              <a:t>Since we are a data-driven company, I would like to share a few interesting points with the results we obtained.</a:t>
-            </a:r>
-            <a:endParaRPr lang="en-US" dirty="0" smtClean="0"/>
-          </a:p>
-          <a:p>
-            <a:endParaRPr lang="en-US" dirty="0" smtClean="0"/>
-          </a:p>
-          <a:p>
-            <a:r>
-              <a:rPr lang="en-US" dirty="0" smtClean="0"/>
-              <a:t>23 mill </a:t>
-            </a:r>
-            <a:r>
-              <a:rPr lang="en-US" dirty="0" err="1" smtClean="0"/>
-              <a:t>urls</a:t>
-            </a:r>
-            <a:r>
-              <a:rPr lang="en-US" dirty="0" smtClean="0"/>
-              <a:t> crawled,</a:t>
-            </a:r>
-            <a:r>
-              <a:rPr lang="en-US" baseline="0" dirty="0" smtClean="0"/>
-              <a:t> </a:t>
-            </a:r>
-          </a:p>
-          <a:p>
-            <a:r>
-              <a:rPr lang="en-US" baseline="0" dirty="0" smtClean="0"/>
-              <a:t>1 mill forms with email fields found,</a:t>
-            </a:r>
-          </a:p>
-          <a:p>
-            <a:r>
-              <a:rPr lang="en-US" baseline="0" dirty="0" smtClean="0"/>
-              <a:t>65k attacked with automated bots</a:t>
-            </a:r>
             <a:endParaRPr lang="en-US" dirty="0"/>
           </a:p>
         </p:txBody>
@@ -1101,831 +1086,7 @@
     </p:spTree>
     <p:extLst>
       <p:ext uri="{BB962C8B-B14F-4D97-AF65-F5344CB8AC3E}">
-        <p14:creationId xmlns:p14="http://schemas.microsoft.com/office/powerpoint/2010/main" val="1431479603"/>
-      </p:ext>
-    </p:extLst>
-  </p:cSld>
-  <p:clrMapOvr>
-    <a:masterClrMapping/>
-  </p:clrMapOvr>
-</p:notes>
-</file>
-
-<file path=ppt/notesSlides/notesSlide14.xml><?xml version="1.0" encoding="utf-8"?>
-<p:notes xmlns:a="http://schemas.openxmlformats.org/drawingml/2006/main" xmlns:r="http://schemas.openxmlformats.org/officeDocument/2006/relationships" xmlns:p="http://schemas.openxmlformats.org/presentationml/2006/main">
-  <p:cSld>
-    <p:spTree>
-      <p:nvGrpSpPr>
-        <p:cNvPr id="1" name=""/>
-        <p:cNvGrpSpPr/>
-        <p:nvPr/>
-      </p:nvGrpSpPr>
-      <p:grpSpPr>
-        <a:xfrm>
-          <a:off x="0" y="0"/>
-          <a:ext cx="0" cy="0"/>
-          <a:chOff x="0" y="0"/>
-          <a:chExt cx="0" cy="0"/>
-        </a:xfrm>
-      </p:grpSpPr>
-      <p:sp>
-        <p:nvSpPr>
-          <p:cNvPr id="2" name="Slide Image Placeholder 1"/>
-          <p:cNvSpPr>
-            <a:spLocks noGrp="1" noRot="1" noChangeAspect="1"/>
-          </p:cNvSpPr>
-          <p:nvPr>
-            <p:ph type="sldImg"/>
-          </p:nvPr>
-        </p:nvSpPr>
-        <p:spPr/>
-      </p:sp>
-      <p:sp>
-        <p:nvSpPr>
-          <p:cNvPr id="3" name="Notes Placeholder 2"/>
-          <p:cNvSpPr>
-            <a:spLocks noGrp="1"/>
-          </p:cNvSpPr>
-          <p:nvPr>
-            <p:ph type="body" idx="1"/>
-          </p:nvPr>
-        </p:nvSpPr>
-        <p:spPr/>
-        <p:txBody>
-          <a:bodyPr>
-            <a:normAutofit/>
-          </a:bodyPr>
-          <a:lstStyle/>
-          <a:p>
-            <a:pPr marL="228600" marR="0" indent="-228600" algn="l" defTabSz="713203" rtl="0" eaLnBrk="1" fontAlgn="auto" latinLnBrk="0" hangingPunct="1">
-              <a:lnSpc>
-                <a:spcPct val="100000"/>
-              </a:lnSpc>
-              <a:spcBef>
-                <a:spcPts val="0"/>
-              </a:spcBef>
-              <a:spcAft>
-                <a:spcPts val="0"/>
-              </a:spcAft>
-              <a:buClrTx/>
-              <a:buSzTx/>
-              <a:buFontTx/>
-              <a:buAutoNum type="arabicPeriod"/>
-              <a:tabLst/>
-              <a:defRPr/>
-            </a:pPr>
-            <a:r>
-              <a:rPr lang="en-US" sz="1200" kern="1200" baseline="0" dirty="0" smtClean="0">
-                <a:solidFill>
-                  <a:schemeClr val="tx1"/>
-                </a:solidFill>
-                <a:effectLst/>
-                <a:latin typeface="+mn-lt"/>
-                <a:ea typeface="MS PGothic" panose="020B0600070205080204" pitchFamily="34" charset="-128"/>
-                <a:cs typeface="+mn-cs"/>
-              </a:rPr>
-              <a:t>Discuss what each injection type allows</a:t>
-            </a:r>
-          </a:p>
-          <a:p>
-            <a:pPr marL="228600" marR="0" indent="-228600" algn="l" defTabSz="713203" rtl="0" eaLnBrk="1" fontAlgn="auto" latinLnBrk="0" hangingPunct="1">
-              <a:lnSpc>
-                <a:spcPct val="100000"/>
-              </a:lnSpc>
-              <a:spcBef>
-                <a:spcPts val="0"/>
-              </a:spcBef>
-              <a:spcAft>
-                <a:spcPts val="0"/>
-              </a:spcAft>
-              <a:buClrTx/>
-              <a:buSzTx/>
-              <a:buFontTx/>
-              <a:buAutoNum type="arabicPeriod"/>
-              <a:tabLst/>
-              <a:defRPr/>
-            </a:pPr>
-            <a:r>
-              <a:rPr lang="en-US" sz="1200" kern="1200" baseline="0" dirty="0" smtClean="0">
-                <a:solidFill>
-                  <a:schemeClr val="tx1"/>
-                </a:solidFill>
-                <a:effectLst/>
-                <a:latin typeface="+mn-lt"/>
-                <a:ea typeface="MS PGothic" panose="020B0600070205080204" pitchFamily="34" charset="-128"/>
-                <a:cs typeface="+mn-cs"/>
-              </a:rPr>
-              <a:t>Ability to inject malicious code as an attachment</a:t>
-            </a:r>
-            <a:endParaRPr lang="en-US" sz="1200" kern="1200" dirty="0" smtClean="0">
-              <a:solidFill>
-                <a:schemeClr val="tx1"/>
-              </a:solidFill>
-              <a:effectLst/>
-              <a:latin typeface="+mn-lt"/>
-              <a:ea typeface="MS PGothic" panose="020B0600070205080204" pitchFamily="34" charset="-128"/>
-              <a:cs typeface="+mn-cs"/>
-            </a:endParaRPr>
-          </a:p>
-          <a:p>
-            <a:pPr marL="228600" indent="-228600">
-              <a:buAutoNum type="arabicPeriod"/>
-            </a:pPr>
-            <a:r>
-              <a:rPr lang="en-US" sz="1200" kern="1200" dirty="0" smtClean="0">
-                <a:solidFill>
-                  <a:schemeClr val="tx1"/>
-                </a:solidFill>
-                <a:effectLst/>
-                <a:latin typeface="+mn-lt"/>
-                <a:ea typeface="MS PGothic" panose="020B0600070205080204" pitchFamily="34" charset="-128"/>
-                <a:cs typeface="+mn-cs"/>
-              </a:rPr>
-              <a:t>E-Mail </a:t>
-            </a:r>
-            <a:r>
-              <a:rPr lang="en-US" sz="1200" kern="1200" dirty="0" smtClean="0">
-                <a:solidFill>
-                  <a:schemeClr val="tx1"/>
-                </a:solidFill>
-                <a:effectLst/>
-                <a:latin typeface="+mn-lt"/>
-                <a:ea typeface="MS PGothic" panose="020B0600070205080204" pitchFamily="34" charset="-128"/>
-                <a:cs typeface="+mn-cs"/>
-              </a:rPr>
-              <a:t>Header Injections with ‘bcc’ and ‘x-check’ headers</a:t>
-            </a:r>
-            <a:br>
-              <a:rPr lang="en-US" sz="1200" kern="1200" dirty="0" smtClean="0">
-                <a:solidFill>
-                  <a:schemeClr val="tx1"/>
-                </a:solidFill>
-                <a:effectLst/>
-                <a:latin typeface="+mn-lt"/>
-                <a:ea typeface="MS PGothic" panose="020B0600070205080204" pitchFamily="34" charset="-128"/>
-                <a:cs typeface="+mn-cs"/>
-              </a:rPr>
-            </a:br>
-            <a:r>
-              <a:rPr lang="en-US" sz="1200" kern="1200" dirty="0" smtClean="0">
-                <a:solidFill>
-                  <a:schemeClr val="tx1"/>
-                </a:solidFill>
-                <a:effectLst/>
-                <a:latin typeface="+mn-lt"/>
-                <a:ea typeface="MS PGothic" panose="020B0600070205080204" pitchFamily="34" charset="-128"/>
-                <a:cs typeface="+mn-cs"/>
-              </a:rPr>
-              <a:t>	These represent the perfect attack scenario where we are able to inject multiple headers into the e-mails. We can see that over 75% of the received ‘bcc’ header injected e-mails are also susceptible to other header injections. </a:t>
-            </a:r>
-          </a:p>
-          <a:p>
-            <a:r>
-              <a:rPr lang="en-US" sz="1200" kern="1200" dirty="0" smtClean="0">
-                <a:solidFill>
-                  <a:schemeClr val="tx1"/>
-                </a:solidFill>
-                <a:effectLst/>
-                <a:latin typeface="+mn-lt"/>
-                <a:ea typeface="MS PGothic" panose="020B0600070205080204" pitchFamily="34" charset="-128"/>
-                <a:cs typeface="+mn-cs"/>
-              </a:rPr>
-              <a:t>4</a:t>
-            </a:r>
-            <a:r>
-              <a:rPr lang="en-US" sz="1200" kern="1200" dirty="0" smtClean="0">
-                <a:solidFill>
-                  <a:schemeClr val="tx1"/>
-                </a:solidFill>
-                <a:effectLst/>
-                <a:latin typeface="+mn-lt"/>
-                <a:ea typeface="MS PGothic" panose="020B0600070205080204" pitchFamily="34" charset="-128"/>
-                <a:cs typeface="+mn-cs"/>
-              </a:rPr>
-              <a:t>. Unique ‘x-check’ headers found in ‘</a:t>
-            </a:r>
-            <a:r>
-              <a:rPr lang="en-US" sz="1200" kern="1200" dirty="0" err="1" smtClean="0">
-                <a:solidFill>
-                  <a:schemeClr val="tx1"/>
-                </a:solidFill>
-                <a:effectLst/>
-                <a:latin typeface="+mn-lt"/>
-                <a:ea typeface="MS PGothic" panose="020B0600070205080204" pitchFamily="34" charset="-128"/>
-                <a:cs typeface="+mn-cs"/>
-              </a:rPr>
-              <a:t>nuser</a:t>
-            </a:r>
-            <a:r>
-              <a:rPr lang="en-US" sz="1200" kern="1200" dirty="0" smtClean="0">
-                <a:solidFill>
-                  <a:schemeClr val="tx1"/>
-                </a:solidFill>
-                <a:effectLst/>
-                <a:latin typeface="+mn-lt"/>
-                <a:ea typeface="MS PGothic" panose="020B0600070205080204" pitchFamily="34" charset="-128"/>
-                <a:cs typeface="+mn-cs"/>
-              </a:rPr>
-              <a:t>’ e-mails</a:t>
-            </a:r>
-            <a:br>
-              <a:rPr lang="en-US" sz="1200" kern="1200" dirty="0" smtClean="0">
-                <a:solidFill>
-                  <a:schemeClr val="tx1"/>
-                </a:solidFill>
-                <a:effectLst/>
-                <a:latin typeface="+mn-lt"/>
-                <a:ea typeface="MS PGothic" panose="020B0600070205080204" pitchFamily="34" charset="-128"/>
-                <a:cs typeface="+mn-cs"/>
-              </a:rPr>
-            </a:br>
-            <a:r>
-              <a:rPr lang="en-US" sz="1200" kern="1200" dirty="0" smtClean="0">
-                <a:solidFill>
-                  <a:schemeClr val="tx1"/>
-                </a:solidFill>
-                <a:effectLst/>
-                <a:latin typeface="+mn-lt"/>
-                <a:ea typeface="MS PGothic" panose="020B0600070205080204" pitchFamily="34" charset="-128"/>
-                <a:cs typeface="+mn-cs"/>
-              </a:rPr>
-              <a:t>	These represent the e-mails with </a:t>
-            </a:r>
-            <a:r>
-              <a:rPr lang="en-US" sz="1200" kern="1200" dirty="0" err="1" smtClean="0">
-                <a:solidFill>
-                  <a:schemeClr val="tx1"/>
-                </a:solidFill>
-                <a:effectLst/>
-                <a:latin typeface="+mn-lt"/>
-                <a:ea typeface="MS PGothic" panose="020B0600070205080204" pitchFamily="34" charset="-128"/>
-                <a:cs typeface="+mn-cs"/>
-              </a:rPr>
-              <a:t>form_ids</a:t>
-            </a:r>
-            <a:r>
-              <a:rPr lang="en-US" sz="1200" kern="1200" dirty="0" smtClean="0">
-                <a:solidFill>
-                  <a:schemeClr val="tx1"/>
-                </a:solidFill>
-                <a:effectLst/>
-                <a:latin typeface="+mn-lt"/>
-                <a:ea typeface="MS PGothic" panose="020B0600070205080204" pitchFamily="34" charset="-128"/>
-                <a:cs typeface="+mn-cs"/>
-              </a:rPr>
-              <a:t> that were not already found in the ‘</a:t>
-            </a:r>
-            <a:r>
-              <a:rPr lang="en-US" sz="1200" kern="1200" dirty="0" err="1" smtClean="0">
-                <a:solidFill>
-                  <a:schemeClr val="tx1"/>
-                </a:solidFill>
-                <a:effectLst/>
-                <a:latin typeface="+mn-lt"/>
-                <a:ea typeface="MS PGothic" panose="020B0600070205080204" pitchFamily="34" charset="-128"/>
-                <a:cs typeface="+mn-cs"/>
-              </a:rPr>
-              <a:t>maluser</a:t>
-            </a:r>
-            <a:r>
-              <a:rPr lang="en-US" sz="1200" kern="1200" dirty="0" smtClean="0">
-                <a:solidFill>
-                  <a:schemeClr val="tx1"/>
-                </a:solidFill>
-                <a:effectLst/>
-                <a:latin typeface="+mn-lt"/>
-                <a:ea typeface="MS PGothic" panose="020B0600070205080204" pitchFamily="34" charset="-128"/>
-                <a:cs typeface="+mn-cs"/>
-              </a:rPr>
-              <a:t>’ account. We attribute these e-mails to (probably) having a backend that was built with Python or another language having a similar behavior with respect to constructing headers. </a:t>
-            </a:r>
-          </a:p>
-          <a:p>
-            <a:endParaRPr lang="en-US" dirty="0"/>
-          </a:p>
-        </p:txBody>
-      </p:sp>
-      <p:sp>
-        <p:nvSpPr>
-          <p:cNvPr id="4" name="Slide Number Placeholder 3"/>
-          <p:cNvSpPr>
-            <a:spLocks noGrp="1"/>
-          </p:cNvSpPr>
-          <p:nvPr>
-            <p:ph type="sldNum" sz="quarter" idx="10"/>
-          </p:nvPr>
-        </p:nvSpPr>
-        <p:spPr/>
-        <p:txBody>
-          <a:bodyPr/>
-          <a:lstStyle/>
-          <a:p>
-            <a:pPr>
-              <a:defRPr/>
-            </a:pPr>
-            <a:fld id="{61BDAAEF-ED04-764D-8703-B9BAE45E1C57}" type="slidenum">
-              <a:rPr lang="en-US" altLang="en-US" smtClean="0"/>
-              <a:pPr>
-                <a:defRPr/>
-              </a:pPr>
-              <a:t>14</a:t>
-            </a:fld>
-            <a:endParaRPr lang="en-US" altLang="en-US"/>
-          </a:p>
-        </p:txBody>
-      </p:sp>
-    </p:spTree>
-    <p:extLst>
-      <p:ext uri="{BB962C8B-B14F-4D97-AF65-F5344CB8AC3E}">
-        <p14:creationId xmlns:p14="http://schemas.microsoft.com/office/powerpoint/2010/main" val="1635688498"/>
-      </p:ext>
-    </p:extLst>
-  </p:cSld>
-  <p:clrMapOvr>
-    <a:masterClrMapping/>
-  </p:clrMapOvr>
-</p:notes>
-</file>
-
-<file path=ppt/notesSlides/notesSlide15.xml><?xml version="1.0" encoding="utf-8"?>
-<p:notes xmlns:a="http://schemas.openxmlformats.org/drawingml/2006/main" xmlns:r="http://schemas.openxmlformats.org/officeDocument/2006/relationships" xmlns:p="http://schemas.openxmlformats.org/presentationml/2006/main">
-  <p:cSld>
-    <p:spTree>
-      <p:nvGrpSpPr>
-        <p:cNvPr id="1" name=""/>
-        <p:cNvGrpSpPr/>
-        <p:nvPr/>
-      </p:nvGrpSpPr>
-      <p:grpSpPr>
-        <a:xfrm>
-          <a:off x="0" y="0"/>
-          <a:ext cx="0" cy="0"/>
-          <a:chOff x="0" y="0"/>
-          <a:chExt cx="0" cy="0"/>
-        </a:xfrm>
-      </p:grpSpPr>
-      <p:sp>
-        <p:nvSpPr>
-          <p:cNvPr id="2" name="Slide Image Placeholder 1"/>
-          <p:cNvSpPr>
-            <a:spLocks noGrp="1" noRot="1" noChangeAspect="1"/>
-          </p:cNvSpPr>
-          <p:nvPr>
-            <p:ph type="sldImg"/>
-          </p:nvPr>
-        </p:nvSpPr>
-        <p:spPr/>
-      </p:sp>
-      <p:sp>
-        <p:nvSpPr>
-          <p:cNvPr id="3" name="Notes Placeholder 2"/>
-          <p:cNvSpPr>
-            <a:spLocks noGrp="1"/>
-          </p:cNvSpPr>
-          <p:nvPr>
-            <p:ph type="body" idx="1"/>
-          </p:nvPr>
-        </p:nvSpPr>
-        <p:spPr/>
-        <p:txBody>
-          <a:bodyPr>
-            <a:normAutofit/>
-          </a:bodyPr>
-          <a:lstStyle/>
-          <a:p>
-            <a:endParaRPr lang="en-US" dirty="0"/>
-          </a:p>
-        </p:txBody>
-      </p:sp>
-      <p:sp>
-        <p:nvSpPr>
-          <p:cNvPr id="4" name="Slide Number Placeholder 3"/>
-          <p:cNvSpPr>
-            <a:spLocks noGrp="1"/>
-          </p:cNvSpPr>
-          <p:nvPr>
-            <p:ph type="sldNum" sz="quarter" idx="10"/>
-          </p:nvPr>
-        </p:nvSpPr>
-        <p:spPr/>
-        <p:txBody>
-          <a:bodyPr/>
-          <a:lstStyle/>
-          <a:p>
-            <a:pPr>
-              <a:defRPr/>
-            </a:pPr>
-            <a:fld id="{61BDAAEF-ED04-764D-8703-B9BAE45E1C57}" type="slidenum">
-              <a:rPr lang="en-US" altLang="en-US" smtClean="0"/>
-              <a:pPr>
-                <a:defRPr/>
-              </a:pPr>
-              <a:t>15</a:t>
-            </a:fld>
-            <a:endParaRPr lang="en-US" altLang="en-US"/>
-          </a:p>
-        </p:txBody>
-      </p:sp>
-    </p:spTree>
-    <p:extLst>
-      <p:ext uri="{BB962C8B-B14F-4D97-AF65-F5344CB8AC3E}">
-        <p14:creationId xmlns:p14="http://schemas.microsoft.com/office/powerpoint/2010/main" val="844752669"/>
-      </p:ext>
-    </p:extLst>
-  </p:cSld>
-  <p:clrMapOvr>
-    <a:masterClrMapping/>
-  </p:clrMapOvr>
-</p:notes>
-</file>
-
-<file path=ppt/notesSlides/notesSlide16.xml><?xml version="1.0" encoding="utf-8"?>
-<p:notes xmlns:a="http://schemas.openxmlformats.org/drawingml/2006/main" xmlns:r="http://schemas.openxmlformats.org/officeDocument/2006/relationships" xmlns:p="http://schemas.openxmlformats.org/presentationml/2006/main">
-  <p:cSld>
-    <p:spTree>
-      <p:nvGrpSpPr>
-        <p:cNvPr id="1" name=""/>
-        <p:cNvGrpSpPr/>
-        <p:nvPr/>
-      </p:nvGrpSpPr>
-      <p:grpSpPr>
-        <a:xfrm>
-          <a:off x="0" y="0"/>
-          <a:ext cx="0" cy="0"/>
-          <a:chOff x="0" y="0"/>
-          <a:chExt cx="0" cy="0"/>
-        </a:xfrm>
-      </p:grpSpPr>
-      <p:sp>
-        <p:nvSpPr>
-          <p:cNvPr id="2" name="Slide Image Placeholder 1"/>
-          <p:cNvSpPr>
-            <a:spLocks noGrp="1" noRot="1" noChangeAspect="1"/>
-          </p:cNvSpPr>
-          <p:nvPr>
-            <p:ph type="sldImg"/>
-          </p:nvPr>
-        </p:nvSpPr>
-        <p:spPr/>
-      </p:sp>
-      <p:sp>
-        <p:nvSpPr>
-          <p:cNvPr id="3" name="Notes Placeholder 2"/>
-          <p:cNvSpPr>
-            <a:spLocks noGrp="1"/>
-          </p:cNvSpPr>
-          <p:nvPr>
-            <p:ph type="body" idx="1"/>
-          </p:nvPr>
-        </p:nvSpPr>
-        <p:spPr/>
-        <p:txBody>
-          <a:bodyPr>
-            <a:normAutofit/>
-          </a:bodyPr>
-          <a:lstStyle/>
-          <a:p>
-            <a:pPr marL="228600" indent="-228600">
-              <a:buAutoNum type="arabicPeriod"/>
-            </a:pPr>
-            <a:endParaRPr lang="en-US" dirty="0"/>
-          </a:p>
-        </p:txBody>
-      </p:sp>
-      <p:sp>
-        <p:nvSpPr>
-          <p:cNvPr id="4" name="Slide Number Placeholder 3"/>
-          <p:cNvSpPr>
-            <a:spLocks noGrp="1"/>
-          </p:cNvSpPr>
-          <p:nvPr>
-            <p:ph type="sldNum" sz="quarter" idx="10"/>
-          </p:nvPr>
-        </p:nvSpPr>
-        <p:spPr/>
-        <p:txBody>
-          <a:bodyPr/>
-          <a:lstStyle/>
-          <a:p>
-            <a:pPr>
-              <a:defRPr/>
-            </a:pPr>
-            <a:fld id="{61BDAAEF-ED04-764D-8703-B9BAE45E1C57}" type="slidenum">
-              <a:rPr lang="en-US" altLang="en-US" smtClean="0"/>
-              <a:pPr>
-                <a:defRPr/>
-              </a:pPr>
-              <a:t>16</a:t>
-            </a:fld>
-            <a:endParaRPr lang="en-US" altLang="en-US"/>
-          </a:p>
-        </p:txBody>
-      </p:sp>
-    </p:spTree>
-    <p:extLst>
-      <p:ext uri="{BB962C8B-B14F-4D97-AF65-F5344CB8AC3E}">
-        <p14:creationId xmlns:p14="http://schemas.microsoft.com/office/powerpoint/2010/main" val="1162547575"/>
-      </p:ext>
-    </p:extLst>
-  </p:cSld>
-  <p:clrMapOvr>
-    <a:masterClrMapping/>
-  </p:clrMapOvr>
-</p:notes>
-</file>
-
-<file path=ppt/notesSlides/notesSlide17.xml><?xml version="1.0" encoding="utf-8"?>
-<p:notes xmlns:a="http://schemas.openxmlformats.org/drawingml/2006/main" xmlns:r="http://schemas.openxmlformats.org/officeDocument/2006/relationships" xmlns:p="http://schemas.openxmlformats.org/presentationml/2006/main">
-  <p:cSld>
-    <p:spTree>
-      <p:nvGrpSpPr>
-        <p:cNvPr id="1" name=""/>
-        <p:cNvGrpSpPr/>
-        <p:nvPr/>
-      </p:nvGrpSpPr>
-      <p:grpSpPr>
-        <a:xfrm>
-          <a:off x="0" y="0"/>
-          <a:ext cx="0" cy="0"/>
-          <a:chOff x="0" y="0"/>
-          <a:chExt cx="0" cy="0"/>
-        </a:xfrm>
-      </p:grpSpPr>
-      <p:sp>
-        <p:nvSpPr>
-          <p:cNvPr id="2" name="Slide Image Placeholder 1"/>
-          <p:cNvSpPr>
-            <a:spLocks noGrp="1" noRot="1" noChangeAspect="1"/>
-          </p:cNvSpPr>
-          <p:nvPr>
-            <p:ph type="sldImg"/>
-          </p:nvPr>
-        </p:nvSpPr>
-        <p:spPr/>
-      </p:sp>
-      <p:sp>
-        <p:nvSpPr>
-          <p:cNvPr id="3" name="Notes Placeholder 2"/>
-          <p:cNvSpPr>
-            <a:spLocks noGrp="1"/>
-          </p:cNvSpPr>
-          <p:nvPr>
-            <p:ph type="body" idx="1"/>
-          </p:nvPr>
-        </p:nvSpPr>
-        <p:spPr/>
-        <p:txBody>
-          <a:bodyPr>
-            <a:normAutofit/>
-          </a:bodyPr>
-          <a:lstStyle/>
-          <a:p>
-            <a:pPr marL="228600" indent="-228600">
-              <a:buAutoNum type="arabicPeriod"/>
-            </a:pPr>
-            <a:r>
-              <a:rPr lang="en-US" dirty="0" smtClean="0"/>
-              <a:t>add the example, </a:t>
-            </a:r>
-            <a:r>
-              <a:rPr lang="en-US" dirty="0" smtClean="0"/>
-              <a:t>here</a:t>
-            </a:r>
-          </a:p>
-          <a:p>
-            <a:pPr marL="228600" indent="-228600">
-              <a:buAutoNum type="arabicPeriod"/>
-            </a:pPr>
-            <a:r>
-              <a:rPr lang="en-US" dirty="0" smtClean="0"/>
-              <a:t>Talk about the different types of newlines that the RFC describes and the</a:t>
-            </a:r>
-            <a:r>
-              <a:rPr lang="en-US" baseline="0" dirty="0" smtClean="0"/>
-              <a:t> total number of cases/combinations (8) we need to test for.</a:t>
-            </a:r>
-          </a:p>
-          <a:p>
-            <a:pPr marL="228600" indent="-228600">
-              <a:buAutoNum type="arabicPeriod"/>
-            </a:pPr>
-            <a:endParaRPr lang="en-US" dirty="0"/>
-          </a:p>
-        </p:txBody>
-      </p:sp>
-      <p:sp>
-        <p:nvSpPr>
-          <p:cNvPr id="4" name="Slide Number Placeholder 3"/>
-          <p:cNvSpPr>
-            <a:spLocks noGrp="1"/>
-          </p:cNvSpPr>
-          <p:nvPr>
-            <p:ph type="sldNum" sz="quarter" idx="10"/>
-          </p:nvPr>
-        </p:nvSpPr>
-        <p:spPr/>
-        <p:txBody>
-          <a:bodyPr/>
-          <a:lstStyle/>
-          <a:p>
-            <a:pPr>
-              <a:defRPr/>
-            </a:pPr>
-            <a:fld id="{61BDAAEF-ED04-764D-8703-B9BAE45E1C57}" type="slidenum">
-              <a:rPr lang="en-US" altLang="en-US" smtClean="0"/>
-              <a:pPr>
-                <a:defRPr/>
-              </a:pPr>
-              <a:t>17</a:t>
-            </a:fld>
-            <a:endParaRPr lang="en-US" altLang="en-US"/>
-          </a:p>
-        </p:txBody>
-      </p:sp>
-    </p:spTree>
-    <p:extLst>
-      <p:ext uri="{BB962C8B-B14F-4D97-AF65-F5344CB8AC3E}">
-        <p14:creationId xmlns:p14="http://schemas.microsoft.com/office/powerpoint/2010/main" val="1376614444"/>
-      </p:ext>
-    </p:extLst>
-  </p:cSld>
-  <p:clrMapOvr>
-    <a:masterClrMapping/>
-  </p:clrMapOvr>
-</p:notes>
-</file>
-
-<file path=ppt/notesSlides/notesSlide18.xml><?xml version="1.0" encoding="utf-8"?>
-<p:notes xmlns:a="http://schemas.openxmlformats.org/drawingml/2006/main" xmlns:r="http://schemas.openxmlformats.org/officeDocument/2006/relationships" xmlns:p="http://schemas.openxmlformats.org/presentationml/2006/main">
-  <p:cSld>
-    <p:spTree>
-      <p:nvGrpSpPr>
-        <p:cNvPr id="1" name=""/>
-        <p:cNvGrpSpPr/>
-        <p:nvPr/>
-      </p:nvGrpSpPr>
-      <p:grpSpPr>
-        <a:xfrm>
-          <a:off x="0" y="0"/>
-          <a:ext cx="0" cy="0"/>
-          <a:chOff x="0" y="0"/>
-          <a:chExt cx="0" cy="0"/>
-        </a:xfrm>
-      </p:grpSpPr>
-      <p:sp>
-        <p:nvSpPr>
-          <p:cNvPr id="2" name="Slide Image Placeholder 1"/>
-          <p:cNvSpPr>
-            <a:spLocks noGrp="1" noRot="1" noChangeAspect="1"/>
-          </p:cNvSpPr>
-          <p:nvPr>
-            <p:ph type="sldImg"/>
-          </p:nvPr>
-        </p:nvSpPr>
-        <p:spPr/>
-      </p:sp>
-      <p:sp>
-        <p:nvSpPr>
-          <p:cNvPr id="3" name="Notes Placeholder 2"/>
-          <p:cNvSpPr>
-            <a:spLocks noGrp="1"/>
-          </p:cNvSpPr>
-          <p:nvPr>
-            <p:ph type="body" idx="1"/>
-          </p:nvPr>
-        </p:nvSpPr>
-        <p:spPr/>
-        <p:txBody>
-          <a:bodyPr/>
-          <a:lstStyle/>
-          <a:p>
-            <a:endParaRPr lang="en-US" dirty="0"/>
-          </a:p>
-        </p:txBody>
-      </p:sp>
-      <p:sp>
-        <p:nvSpPr>
-          <p:cNvPr id="4" name="Slide Number Placeholder 3"/>
-          <p:cNvSpPr>
-            <a:spLocks noGrp="1"/>
-          </p:cNvSpPr>
-          <p:nvPr>
-            <p:ph type="sldNum" sz="quarter" idx="10"/>
-          </p:nvPr>
-        </p:nvSpPr>
-        <p:spPr/>
-        <p:txBody>
-          <a:bodyPr/>
-          <a:lstStyle/>
-          <a:p>
-            <a:pPr>
-              <a:defRPr/>
-            </a:pPr>
-            <a:fld id="{61BDAAEF-ED04-764D-8703-B9BAE45E1C57}" type="slidenum">
-              <a:rPr lang="en-US" altLang="en-US" smtClean="0"/>
-              <a:pPr>
-                <a:defRPr/>
-              </a:pPr>
-              <a:t>18</a:t>
-            </a:fld>
-            <a:endParaRPr lang="en-US" altLang="en-US"/>
-          </a:p>
-        </p:txBody>
-      </p:sp>
-    </p:spTree>
-    <p:extLst>
-      <p:ext uri="{BB962C8B-B14F-4D97-AF65-F5344CB8AC3E}">
-        <p14:creationId xmlns:p14="http://schemas.microsoft.com/office/powerpoint/2010/main" val="192617663"/>
-      </p:ext>
-    </p:extLst>
-  </p:cSld>
-  <p:clrMapOvr>
-    <a:masterClrMapping/>
-  </p:clrMapOvr>
-</p:notes>
-</file>
-
-<file path=ppt/notesSlides/notesSlide19.xml><?xml version="1.0" encoding="utf-8"?>
-<p:notes xmlns:a="http://schemas.openxmlformats.org/drawingml/2006/main" xmlns:r="http://schemas.openxmlformats.org/officeDocument/2006/relationships" xmlns:p="http://schemas.openxmlformats.org/presentationml/2006/main">
-  <p:cSld>
-    <p:spTree>
-      <p:nvGrpSpPr>
-        <p:cNvPr id="1" name=""/>
-        <p:cNvGrpSpPr/>
-        <p:nvPr/>
-      </p:nvGrpSpPr>
-      <p:grpSpPr>
-        <a:xfrm>
-          <a:off x="0" y="0"/>
-          <a:ext cx="0" cy="0"/>
-          <a:chOff x="0" y="0"/>
-          <a:chExt cx="0" cy="0"/>
-        </a:xfrm>
-      </p:grpSpPr>
-      <p:sp>
-        <p:nvSpPr>
-          <p:cNvPr id="2" name="Slide Image Placeholder 1"/>
-          <p:cNvSpPr>
-            <a:spLocks noGrp="1" noRot="1" noChangeAspect="1"/>
-          </p:cNvSpPr>
-          <p:nvPr>
-            <p:ph type="sldImg"/>
-          </p:nvPr>
-        </p:nvSpPr>
-        <p:spPr/>
-      </p:sp>
-      <p:sp>
-        <p:nvSpPr>
-          <p:cNvPr id="3" name="Notes Placeholder 2"/>
-          <p:cNvSpPr>
-            <a:spLocks noGrp="1"/>
-          </p:cNvSpPr>
-          <p:nvPr>
-            <p:ph type="body" idx="1"/>
-          </p:nvPr>
-        </p:nvSpPr>
-        <p:spPr/>
-        <p:txBody>
-          <a:bodyPr/>
-          <a:lstStyle/>
-          <a:p>
-            <a:endParaRPr lang="en-US" dirty="0" smtClean="0"/>
-          </a:p>
-        </p:txBody>
-      </p:sp>
-      <p:sp>
-        <p:nvSpPr>
-          <p:cNvPr id="4" name="Slide Number Placeholder 3"/>
-          <p:cNvSpPr>
-            <a:spLocks noGrp="1"/>
-          </p:cNvSpPr>
-          <p:nvPr>
-            <p:ph type="sldNum" sz="quarter" idx="10"/>
-          </p:nvPr>
-        </p:nvSpPr>
-        <p:spPr/>
-        <p:txBody>
-          <a:bodyPr/>
-          <a:lstStyle/>
-          <a:p>
-            <a:pPr>
-              <a:defRPr/>
-            </a:pPr>
-            <a:fld id="{61BDAAEF-ED04-764D-8703-B9BAE45E1C57}" type="slidenum">
-              <a:rPr lang="en-US" altLang="en-US" smtClean="0"/>
-              <a:pPr>
-                <a:defRPr/>
-              </a:pPr>
-              <a:t>19</a:t>
-            </a:fld>
-            <a:endParaRPr lang="en-US" altLang="en-US"/>
-          </a:p>
-        </p:txBody>
-      </p:sp>
-    </p:spTree>
-    <p:extLst>
-      <p:ext uri="{BB962C8B-B14F-4D97-AF65-F5344CB8AC3E}">
-        <p14:creationId xmlns:p14="http://schemas.microsoft.com/office/powerpoint/2010/main" val="1842968678"/>
+        <p14:creationId xmlns:p14="http://schemas.microsoft.com/office/powerpoint/2010/main" val="138633410"/>
       </p:ext>
     </p:extLst>
   </p:cSld>
@@ -1979,6 +1140,115 @@
           <a:bodyPr/>
           <a:lstStyle/>
           <a:p>
+            <a:r>
+              <a:rPr lang="en-US" i="0" dirty="0" smtClean="0"/>
+              <a:t>Discuss “What is it” right here in this slide.</a:t>
+            </a:r>
+          </a:p>
+          <a:p>
+            <a:r>
+              <a:rPr lang="en-US" i="1" dirty="0" smtClean="0"/>
+              <a:t>Email header injection is a security vulnerability that can occur in Internet applications that are used to send email messages constructed</a:t>
+            </a:r>
+            <a:r>
+              <a:rPr lang="en-US" i="1" baseline="0" dirty="0" smtClean="0"/>
+              <a:t> using </a:t>
+            </a:r>
+            <a:r>
+              <a:rPr lang="en-US" i="1" dirty="0" smtClean="0"/>
+              <a:t>user supplied data, e.g.</a:t>
+            </a:r>
+            <a:r>
+              <a:rPr lang="en-US" i="1" baseline="0" dirty="0" smtClean="0"/>
+              <a:t> </a:t>
+            </a:r>
+            <a:r>
+              <a:rPr lang="en-US" i="1" baseline="0" dirty="0" err="1" smtClean="0"/>
+              <a:t>Contact_us</a:t>
+            </a:r>
+            <a:r>
+              <a:rPr lang="en-US" i="1" baseline="0" dirty="0" smtClean="0"/>
+              <a:t> forms, subscribe forms, etc</a:t>
+            </a:r>
+            <a:r>
+              <a:rPr lang="en-US" i="1" dirty="0" smtClean="0"/>
+              <a:t>.</a:t>
+            </a:r>
+          </a:p>
+          <a:p>
+            <a:endParaRPr lang="en-US" dirty="0" smtClean="0"/>
+          </a:p>
+          <a:p>
+            <a:r>
+              <a:rPr lang="en-US" dirty="0" smtClean="0"/>
+              <a:t>CVE (Common vulnerabilities and exposures) DB lists 12</a:t>
+            </a:r>
+            <a:r>
+              <a:rPr lang="en-US" baseline="0" dirty="0" smtClean="0"/>
+              <a:t> such vulnerabilities discovered in popular frameworks in the last 3 years.</a:t>
+            </a:r>
+          </a:p>
+          <a:p>
+            <a:endParaRPr lang="en-US" baseline="0" dirty="0" smtClean="0"/>
+          </a:p>
+          <a:p>
+            <a:r>
+              <a:rPr lang="en-US" dirty="0" smtClean="0"/>
+              <a:t>Not a</a:t>
+            </a:r>
+            <a:r>
+              <a:rPr lang="en-US" baseline="0" dirty="0" smtClean="0"/>
+              <a:t> new vulnerability, has existed forever, with no research or major patch for vulnerable languages</a:t>
+            </a:r>
+            <a:endParaRPr lang="en-US" i="1" dirty="0" smtClean="0"/>
+          </a:p>
+          <a:p>
+            <a:pPr>
+              <a:lnSpc>
+                <a:spcPct val="150000"/>
+              </a:lnSpc>
+            </a:pPr>
+            <a:r>
+              <a:rPr lang="en-US" sz="900" dirty="0" smtClean="0"/>
+              <a:t>First documented over a decade ago, in a late 2004 Article on </a:t>
+            </a:r>
+            <a:r>
+              <a:rPr lang="en-US" sz="900" dirty="0" err="1" smtClean="0"/>
+              <a:t>phpsecure.info</a:t>
+            </a:r>
+            <a:r>
+              <a:rPr lang="en-US" sz="900" dirty="0" smtClean="0"/>
+              <a:t> by user ‘</a:t>
+            </a:r>
+            <a:r>
+              <a:rPr lang="en-US" sz="900" dirty="0" err="1" smtClean="0"/>
+              <a:t>tobozo</a:t>
+            </a:r>
+            <a:r>
+              <a:rPr lang="en-US" sz="900" dirty="0" smtClean="0"/>
+              <a:t>’</a:t>
+            </a:r>
+          </a:p>
+          <a:p>
+            <a:pPr>
+              <a:lnSpc>
+                <a:spcPct val="150000"/>
+              </a:lnSpc>
+            </a:pPr>
+            <a:r>
+              <a:rPr lang="en-US" sz="900" dirty="0" smtClean="0"/>
+              <a:t>Since this vulnerability was initially found in the </a:t>
+            </a:r>
+            <a:r>
+              <a:rPr lang="en-US" sz="900" i="1" dirty="0" smtClean="0"/>
+              <a:t>mail()</a:t>
+            </a:r>
+            <a:r>
+              <a:rPr lang="en-US" sz="900" dirty="0" smtClean="0"/>
+              <a:t> function of PHP, E-Mail Header Injection can be traced to as early as the beginning of the 2000’s (release of mail function in PHP 4)</a:t>
+            </a:r>
+          </a:p>
+          <a:p>
             <a:endParaRPr lang="en-US" dirty="0"/>
           </a:p>
         </p:txBody>
@@ -2015,97 +1285,7 @@
     </p:spTree>
     <p:extLst>
       <p:ext uri="{BB962C8B-B14F-4D97-AF65-F5344CB8AC3E}">
-        <p14:creationId xmlns:p14="http://schemas.microsoft.com/office/powerpoint/2010/main" val="934924596"/>
-      </p:ext>
-    </p:extLst>
-  </p:cSld>
-  <p:clrMapOvr>
-    <a:masterClrMapping/>
-  </p:clrMapOvr>
-</p:notes>
-</file>
-
-<file path=ppt/notesSlides/notesSlide20.xml><?xml version="1.0" encoding="utf-8"?>
-<p:notes xmlns:a="http://schemas.openxmlformats.org/drawingml/2006/main" xmlns:r="http://schemas.openxmlformats.org/officeDocument/2006/relationships" xmlns:p="http://schemas.openxmlformats.org/presentationml/2006/main">
-  <p:cSld>
-    <p:spTree>
-      <p:nvGrpSpPr>
-        <p:cNvPr id="1" name=""/>
-        <p:cNvGrpSpPr/>
-        <p:nvPr/>
-      </p:nvGrpSpPr>
-      <p:grpSpPr>
-        <a:xfrm>
-          <a:off x="0" y="0"/>
-          <a:ext cx="0" cy="0"/>
-          <a:chOff x="0" y="0"/>
-          <a:chExt cx="0" cy="0"/>
-        </a:xfrm>
-      </p:grpSpPr>
-      <p:sp>
-        <p:nvSpPr>
-          <p:cNvPr id="2" name="Slide Image Placeholder 1"/>
-          <p:cNvSpPr>
-            <a:spLocks noGrp="1" noRot="1" noChangeAspect="1"/>
-          </p:cNvSpPr>
-          <p:nvPr>
-            <p:ph type="sldImg"/>
-          </p:nvPr>
-        </p:nvSpPr>
-        <p:spPr/>
-      </p:sp>
-      <p:sp>
-        <p:nvSpPr>
-          <p:cNvPr id="3" name="Notes Placeholder 2"/>
-          <p:cNvSpPr>
-            <a:spLocks noGrp="1"/>
-          </p:cNvSpPr>
-          <p:nvPr>
-            <p:ph type="body" idx="1"/>
-          </p:nvPr>
-        </p:nvSpPr>
-        <p:spPr/>
-        <p:txBody>
-          <a:bodyPr/>
-          <a:lstStyle/>
-          <a:p>
-            <a:endParaRPr lang="en-US" dirty="0"/>
-          </a:p>
-        </p:txBody>
-      </p:sp>
-      <p:sp>
-        <p:nvSpPr>
-          <p:cNvPr id="4" name="Slide Number Placeholder 3"/>
-          <p:cNvSpPr>
-            <a:spLocks noGrp="1"/>
-          </p:cNvSpPr>
-          <p:nvPr>
-            <p:ph type="sldNum" sz="quarter" idx="10"/>
-          </p:nvPr>
-        </p:nvSpPr>
-        <p:spPr/>
-        <p:txBody>
-          <a:bodyPr/>
-          <a:lstStyle/>
-          <a:p>
-            <a:pPr>
-              <a:defRPr/>
-            </a:pPr>
-            <a:fld id="{61BDAAEF-ED04-764D-8703-B9BAE45E1C57}" type="slidenum">
-              <a:rPr lang="en-US" altLang="en-US" smtClean="0"/>
-              <a:pPr>
-                <a:defRPr/>
-              </a:pPr>
-              <a:t>20</a:t>
-            </a:fld>
-            <a:endParaRPr lang="en-US" altLang="en-US"/>
-          </a:p>
-        </p:txBody>
-      </p:sp>
-    </p:spTree>
-    <p:extLst>
-      <p:ext uri="{BB962C8B-B14F-4D97-AF65-F5344CB8AC3E}">
-        <p14:creationId xmlns:p14="http://schemas.microsoft.com/office/powerpoint/2010/main" val="138633410"/>
+        <p14:creationId xmlns:p14="http://schemas.microsoft.com/office/powerpoint/2010/main" val="1362683192"/>
       </p:ext>
     </p:extLst>
   </p:cSld>
@@ -2159,19 +1339,79 @@
           <a:bodyPr/>
           <a:lstStyle/>
           <a:p>
+            <a:pPr algn="just">
+              <a:lnSpc>
+                <a:spcPct val="150000"/>
+              </a:lnSpc>
+            </a:pPr>
+            <a:r>
+              <a:rPr lang="en-US" altLang="en-US" sz="1000" dirty="0" smtClean="0">
+                <a:latin typeface="Gill Sans MT" charset="0"/>
+                <a:ea typeface="MS PGothic" charset="-128"/>
+              </a:rPr>
+              <a:t>When a mailing script fails to properly sanitize user input</a:t>
+            </a:r>
+          </a:p>
+          <a:p>
+            <a:pPr algn="just">
+              <a:lnSpc>
+                <a:spcPct val="150000"/>
+              </a:lnSpc>
+            </a:pPr>
+            <a:r>
+              <a:rPr lang="en-US" altLang="en-US" sz="1000" dirty="0" smtClean="0">
+                <a:latin typeface="Gill Sans MT" charset="0"/>
+                <a:ea typeface="MS PGothic" charset="-128"/>
+              </a:rPr>
+              <a:t>Failure to check for the presence of newlines and/or email headers in the form fields that take in email addresses can result in this vulnerability</a:t>
+            </a:r>
+          </a:p>
+          <a:p>
+            <a:pPr algn="just">
+              <a:lnSpc>
+                <a:spcPct val="150000"/>
+              </a:lnSpc>
+            </a:pPr>
+            <a:r>
+              <a:rPr lang="en-US" altLang="en-US" sz="1000" dirty="0" smtClean="0">
+                <a:latin typeface="Gill Sans MT" charset="0"/>
+                <a:ea typeface="MS PGothic" charset="-128"/>
+              </a:rPr>
+              <a:t>Can result in e-mails sent with additional and/or spoofed headers</a:t>
+            </a:r>
+          </a:p>
+          <a:p>
+            <a:endParaRPr lang="en-US" dirty="0" smtClean="0"/>
+          </a:p>
+          <a:p>
             <a:r>
               <a:rPr lang="en-US" dirty="0" smtClean="0"/>
-              <a:t>Not a</a:t>
-            </a:r>
-            <a:r>
-              <a:rPr lang="en-US" baseline="0" dirty="0" smtClean="0"/>
-              <a:t> new </a:t>
-            </a:r>
-            <a:r>
-              <a:rPr lang="en-US" baseline="0" dirty="0" smtClean="0"/>
-              <a:t>vulnerability, has existed forever, with no research or major patch for vulnerable languages</a:t>
-            </a:r>
-            <a:endParaRPr lang="en-US" baseline="0" dirty="0" smtClean="0"/>
+              <a:t>Newlines </a:t>
+            </a:r>
+            <a:r>
+              <a:rPr lang="en-US" dirty="0" smtClean="0"/>
+              <a:t>= \n \r</a:t>
+            </a:r>
+          </a:p>
+          <a:p>
+            <a:r>
+              <a:rPr lang="en-US" dirty="0" smtClean="0"/>
+              <a:t>Encoded = %0a, %0d</a:t>
+            </a:r>
+          </a:p>
+          <a:p>
+            <a:endParaRPr lang="en-US" dirty="0" smtClean="0"/>
+          </a:p>
+          <a:p>
+            <a:r>
+              <a:rPr lang="en-US" dirty="0" smtClean="0"/>
+              <a:t>Headers include cc, bcc, to, from, subject </a:t>
+            </a:r>
+            <a:r>
+              <a:rPr lang="en-US" dirty="0" err="1" smtClean="0"/>
+              <a:t>etc</a:t>
+            </a:r>
+            <a:endParaRPr lang="en-US" dirty="0" smtClean="0"/>
           </a:p>
           <a:p>
             <a:endParaRPr lang="en-US" dirty="0"/>
@@ -2210,7 +1450,7 @@
     </p:spTree>
     <p:extLst>
       <p:ext uri="{BB962C8B-B14F-4D97-AF65-F5344CB8AC3E}">
-        <p14:creationId xmlns:p14="http://schemas.microsoft.com/office/powerpoint/2010/main" val="1698759809"/>
+        <p14:creationId xmlns:p14="http://schemas.microsoft.com/office/powerpoint/2010/main" val="941635693"/>
       </p:ext>
     </p:extLst>
   </p:cSld>
@@ -2266,46 +1506,33 @@
           <a:p>
             <a:r>
               <a:rPr lang="en-US" dirty="0" smtClean="0"/>
-              <a:t>Define </a:t>
-            </a:r>
-          </a:p>
-          <a:p>
-            <a:r>
-              <a:rPr lang="en-US" dirty="0" smtClean="0"/>
-              <a:t>Mailing script</a:t>
-            </a:r>
-          </a:p>
-          <a:p>
-            <a:r>
-              <a:rPr lang="en-US" dirty="0" smtClean="0"/>
-              <a:t>Newlines </a:t>
-            </a:r>
-            <a:r>
-              <a:rPr lang="en-US" dirty="0" smtClean="0"/>
-              <a:t>= \n \r</a:t>
-            </a:r>
-          </a:p>
-          <a:p>
-            <a:r>
-              <a:rPr lang="en-US" dirty="0" smtClean="0"/>
-              <a:t>Encoded = %0a, %0d</a:t>
-            </a:r>
-          </a:p>
-          <a:p>
-            <a:endParaRPr lang="en-US" dirty="0" smtClean="0"/>
-          </a:p>
-          <a:p>
-            <a:r>
-              <a:rPr lang="en-US" dirty="0" smtClean="0"/>
-              <a:t>Headers include cc, bcc, to, from, subject </a:t>
-            </a:r>
-            <a:r>
-              <a:rPr lang="en-US" dirty="0" err="1" smtClean="0"/>
-              <a:t>etc</a:t>
-            </a:r>
-            <a:endParaRPr lang="en-US" dirty="0" smtClean="0"/>
-          </a:p>
-          <a:p>
+              <a:t>$from</a:t>
+            </a:r>
+            <a:r>
+              <a:rPr lang="en-US" baseline="0" dirty="0" smtClean="0"/>
+              <a:t> is the vulnerable </a:t>
+            </a:r>
+            <a:r>
+              <a:rPr lang="en-US" baseline="0" dirty="0" smtClean="0"/>
+              <a:t>variable</a:t>
+            </a:r>
+            <a:r>
+              <a:rPr lang="en-US" baseline="0" dirty="0" smtClean="0"/>
+              <a:t>, as we directly use user input to construct the </a:t>
+            </a:r>
+            <a:r>
+              <a:rPr lang="en-US" baseline="0" dirty="0" smtClean="0"/>
+              <a:t>message</a:t>
+            </a:r>
+          </a:p>
+          <a:p>
+            <a:endParaRPr lang="en-US" baseline="0" dirty="0" smtClean="0"/>
+          </a:p>
+          <a:p>
+            <a:r>
+              <a:rPr lang="en-US" baseline="0" dirty="0" smtClean="0"/>
+              <a:t>Explain that this is a normal way of constructing emails and is widely taught in tutorials and blogposts</a:t>
+            </a:r>
             <a:endParaRPr lang="en-US" dirty="0"/>
           </a:p>
         </p:txBody>
@@ -2325,24 +1552,18 @@
           <a:bodyPr/>
           <a:lstStyle/>
           <a:p>
-            <a:pPr>
-              <a:defRPr/>
-            </a:pPr>
-            <a:fld id="{61BDAAEF-ED04-764D-8703-B9BAE45E1C57}" type="slidenum">
-              <a:rPr lang="en-US" altLang="en-US" smtClean="0"/>
-              <a:pPr>
-                <a:defRPr/>
-              </a:pPr>
+            <a:fld id="{E6E4BBB4-C3E6-4210-888D-95FC20400B6D}" type="slidenum">
+              <a:rPr lang="en-US" smtClean="0"/>
               <a:t>4</a:t>
             </a:fld>
-            <a:endParaRPr lang="en-US" altLang="en-US"/>
+            <a:endParaRPr lang="en-US"/>
           </a:p>
         </p:txBody>
       </p:sp>
     </p:spTree>
     <p:extLst>
       <p:ext uri="{BB962C8B-B14F-4D97-AF65-F5344CB8AC3E}">
-        <p14:creationId xmlns:p14="http://schemas.microsoft.com/office/powerpoint/2010/main" val="941635693"/>
+        <p14:creationId xmlns:p14="http://schemas.microsoft.com/office/powerpoint/2010/main" val="958019164"/>
       </p:ext>
     </p:extLst>
   </p:cSld>
@@ -2398,12 +1619,39 @@
           <a:p>
             <a:r>
               <a:rPr lang="en-US" dirty="0" smtClean="0"/>
-              <a:t>Explain what this form does, where it</a:t>
+              <a:t>Point </a:t>
+            </a:r>
+            <a:r>
+              <a:rPr lang="en-US" dirty="0" smtClean="0"/>
+              <a:t>out the following:</a:t>
+            </a:r>
+          </a:p>
+          <a:p>
+            <a:r>
+              <a:rPr lang="en-US" dirty="0" smtClean="0"/>
+              <a:t>Overwritten subject header</a:t>
+            </a:r>
+          </a:p>
+          <a:p>
+            <a:r>
+              <a:rPr lang="en-US" baseline="0" dirty="0" err="1" smtClean="0"/>
+              <a:t>bcc’ed</a:t>
             </a:r>
             <a:r>
               <a:rPr lang="en-US" baseline="0" dirty="0" smtClean="0"/>
-              <a:t> sends data and move to next slide to show the mailing script</a:t>
-            </a:r>
+              <a:t> email</a:t>
+            </a:r>
+          </a:p>
+          <a:p>
+            <a:r>
+              <a:rPr lang="en-US" baseline="0" dirty="0" smtClean="0"/>
+              <a:t>Absence of any trace that a bcc was added</a:t>
+            </a:r>
+          </a:p>
+          <a:p>
+            <a:endParaRPr lang="en-US" baseline="0" dirty="0" smtClean="0"/>
+          </a:p>
+          <a:p>
             <a:endParaRPr lang="en-US" dirty="0"/>
           </a:p>
         </p:txBody>
@@ -2434,7 +1682,7 @@
     </p:spTree>
     <p:extLst>
       <p:ext uri="{BB962C8B-B14F-4D97-AF65-F5344CB8AC3E}">
-        <p14:creationId xmlns:p14="http://schemas.microsoft.com/office/powerpoint/2010/main" val="1791589104"/>
+        <p14:creationId xmlns:p14="http://schemas.microsoft.com/office/powerpoint/2010/main" val="1123743016"/>
       </p:ext>
     </p:extLst>
   </p:cSld>
@@ -2488,14 +1736,203 @@
           <a:bodyPr/>
           <a:lstStyle/>
           <a:p>
-            <a:r>
-              <a:rPr lang="en-US" dirty="0" smtClean="0"/>
-              <a:t>$from</a:t>
-            </a:r>
-            <a:r>
-              <a:rPr lang="en-US" baseline="0" dirty="0" smtClean="0"/>
-              <a:t> is the vulnerable variable, as we directly use user input to construct the message</a:t>
-            </a:r>
+            <a:pPr>
+              <a:lnSpc>
+                <a:spcPct val="150000"/>
+              </a:lnSpc>
+            </a:pPr>
+            <a:r>
+              <a:rPr lang="en-US" sz="900" dirty="0" smtClean="0"/>
+              <a:t>Can spoof any e-mail header like cc, bcc, subject, etc.</a:t>
+            </a:r>
+          </a:p>
+          <a:p>
+            <a:pPr>
+              <a:lnSpc>
+                <a:spcPct val="150000"/>
+              </a:lnSpc>
+            </a:pPr>
+            <a:r>
+              <a:rPr lang="en-US" sz="900" dirty="0" smtClean="0"/>
+              <a:t>Present in default mail implementations of popular languages like PHP, Java, Python, Rails, Perl, </a:t>
+            </a:r>
+            <a:r>
+              <a:rPr lang="en-US" sz="900" dirty="0" err="1" smtClean="0"/>
+              <a:t>ASP.Net</a:t>
+            </a:r>
+            <a:r>
+              <a:rPr lang="en-US" sz="900" dirty="0" smtClean="0"/>
+              <a:t>.</a:t>
+            </a:r>
+          </a:p>
+          <a:p>
+            <a:pPr>
+              <a:lnSpc>
+                <a:spcPct val="150000"/>
+              </a:lnSpc>
+            </a:pPr>
+            <a:endParaRPr lang="en-US" altLang="en-US" sz="900" dirty="0" smtClean="0">
+              <a:latin typeface="Gill Sans MT" charset="0"/>
+              <a:ea typeface="MS PGothic" charset="-128"/>
+            </a:endParaRPr>
+          </a:p>
+          <a:p>
+            <a:pPr marL="0" marR="0" indent="0" algn="l" defTabSz="713203" rtl="0" eaLnBrk="1" fontAlgn="auto" latinLnBrk="0" hangingPunct="1">
+              <a:lnSpc>
+                <a:spcPct val="150000"/>
+              </a:lnSpc>
+              <a:spcBef>
+                <a:spcPts val="0"/>
+              </a:spcBef>
+              <a:spcAft>
+                <a:spcPts val="0"/>
+              </a:spcAft>
+              <a:buClrTx/>
+              <a:buSzTx/>
+              <a:buFontTx/>
+              <a:buNone/>
+              <a:tabLst/>
+              <a:defRPr/>
+            </a:pPr>
+            <a:r>
+              <a:rPr lang="en-US" sz="900" dirty="0" smtClean="0"/>
+              <a:t>Can add malicious attachments to emails.</a:t>
+            </a:r>
+            <a:endParaRPr lang="en-US" altLang="en-US" sz="900" dirty="0" smtClean="0">
+              <a:latin typeface="Gill Sans MT" charset="0"/>
+              <a:ea typeface="MS PGothic" charset="-128"/>
+            </a:endParaRPr>
+          </a:p>
+          <a:p>
+            <a:pPr>
+              <a:lnSpc>
+                <a:spcPct val="150000"/>
+              </a:lnSpc>
+            </a:pPr>
+            <a:r>
+              <a:rPr lang="en-US" altLang="en-US" sz="900" dirty="0" smtClean="0">
+                <a:latin typeface="Gill Sans MT" charset="0"/>
+                <a:ea typeface="MS PGothic" charset="-128"/>
+              </a:rPr>
+              <a:t>PHP – </a:t>
+            </a:r>
+            <a:r>
+              <a:rPr lang="en-US" altLang="en-US" sz="900" i="1" dirty="0" smtClean="0">
+                <a:latin typeface="Gill Sans MT" charset="0"/>
+                <a:ea typeface="MS PGothic" charset="-128"/>
+              </a:rPr>
+              <a:t>mail()</a:t>
+            </a:r>
+            <a:r>
+              <a:rPr lang="en-US" altLang="en-US" sz="900" dirty="0" smtClean="0">
+                <a:latin typeface="Gill Sans MT" charset="0"/>
+                <a:ea typeface="MS PGothic" charset="-128"/>
+              </a:rPr>
+              <a:t> function</a:t>
+            </a:r>
+          </a:p>
+          <a:p>
+            <a:pPr>
+              <a:lnSpc>
+                <a:spcPct val="150000"/>
+              </a:lnSpc>
+            </a:pPr>
+            <a:r>
+              <a:rPr lang="en-US" altLang="en-US" sz="900" dirty="0" smtClean="0">
+                <a:latin typeface="Gill Sans MT" charset="0"/>
+                <a:ea typeface="MS PGothic" charset="-128"/>
+              </a:rPr>
+              <a:t>Java – </a:t>
+            </a:r>
+            <a:r>
+              <a:rPr lang="en-US" sz="900" i="1" dirty="0" err="1" smtClean="0"/>
+              <a:t>JavaMail</a:t>
+            </a:r>
+            <a:r>
+              <a:rPr lang="en-US" sz="900" dirty="0" smtClean="0"/>
+              <a:t> API </a:t>
+            </a:r>
+            <a:endParaRPr lang="en-US" altLang="en-US" sz="900" dirty="0" smtClean="0">
+              <a:latin typeface="Gill Sans MT" charset="0"/>
+              <a:ea typeface="MS PGothic" charset="-128"/>
+            </a:endParaRPr>
+          </a:p>
+          <a:p>
+            <a:pPr>
+              <a:lnSpc>
+                <a:spcPct val="150000"/>
+              </a:lnSpc>
+            </a:pPr>
+            <a:r>
+              <a:rPr lang="en-US" altLang="en-US" sz="900" dirty="0" smtClean="0">
+                <a:latin typeface="Gill Sans MT" charset="0"/>
+                <a:ea typeface="MS PGothic" charset="-128"/>
+              </a:rPr>
+              <a:t>Python – </a:t>
+            </a:r>
+            <a:r>
+              <a:rPr lang="en-US" sz="900" i="1" dirty="0" err="1" smtClean="0"/>
+              <a:t>email.parser</a:t>
+            </a:r>
+            <a:r>
+              <a:rPr lang="en-US" sz="900" dirty="0" smtClean="0"/>
+              <a:t> library</a:t>
+            </a:r>
+            <a:endParaRPr lang="en-US" altLang="en-US" sz="900" dirty="0" smtClean="0">
+              <a:latin typeface="Gill Sans MT" charset="0"/>
+              <a:ea typeface="MS PGothic" charset="-128"/>
+            </a:endParaRPr>
+          </a:p>
+          <a:p>
+            <a:pPr>
+              <a:lnSpc>
+                <a:spcPct val="150000"/>
+              </a:lnSpc>
+            </a:pPr>
+            <a:r>
+              <a:rPr lang="en-US" altLang="en-US" sz="900" dirty="0" smtClean="0">
+                <a:latin typeface="Gill Sans MT" charset="0"/>
+                <a:ea typeface="MS PGothic" charset="-128"/>
+              </a:rPr>
+              <a:t>Ruby – </a:t>
+            </a:r>
+            <a:r>
+              <a:rPr lang="en-US" sz="900" i="1" dirty="0" smtClean="0"/>
+              <a:t>Net::SMTP</a:t>
+            </a:r>
+            <a:r>
+              <a:rPr lang="en-US" sz="900" dirty="0" smtClean="0"/>
+              <a:t> Library</a:t>
+            </a:r>
+          </a:p>
+          <a:p>
+            <a:pPr>
+              <a:lnSpc>
+                <a:spcPct val="150000"/>
+              </a:lnSpc>
+            </a:pPr>
+            <a:r>
+              <a:rPr lang="en-US" altLang="en-US" sz="900" dirty="0" err="1" smtClean="0">
+                <a:latin typeface="Gill Sans MT" charset="0"/>
+                <a:ea typeface="MS PGothic" charset="-128"/>
+              </a:rPr>
+              <a:t>ASP.Net</a:t>
+            </a:r>
+            <a:endParaRPr lang="en-US" altLang="en-US" sz="900" dirty="0" smtClean="0">
+              <a:latin typeface="Gill Sans MT" charset="0"/>
+              <a:ea typeface="MS PGothic" charset="-128"/>
+            </a:endParaRPr>
+          </a:p>
+          <a:p>
+            <a:r>
+              <a:rPr lang="en-US" sz="900" dirty="0" smtClean="0"/>
+              <a:t>Together, these languages account for over 90% of server side code on the World Wide Web.</a:t>
+            </a:r>
+          </a:p>
+          <a:p>
+            <a:endParaRPr lang="en-US" sz="900" dirty="0" smtClean="0"/>
+          </a:p>
+          <a:p>
             <a:endParaRPr lang="en-US" dirty="0"/>
           </a:p>
         </p:txBody>
@@ -2515,18 +1952,24 @@
           <a:bodyPr/>
           <a:lstStyle/>
           <a:p>
-            <a:fld id="{E6E4BBB4-C3E6-4210-888D-95FC20400B6D}" type="slidenum">
-              <a:rPr lang="en-US" smtClean="0"/>
+            <a:pPr>
+              <a:defRPr/>
+            </a:pPr>
+            <a:fld id="{61BDAAEF-ED04-764D-8703-B9BAE45E1C57}" type="slidenum">
+              <a:rPr lang="en-US" altLang="en-US" smtClean="0"/>
+              <a:pPr>
+                <a:defRPr/>
+              </a:pPr>
               <a:t>6</a:t>
             </a:fld>
-            <a:endParaRPr lang="en-US"/>
+            <a:endParaRPr lang="en-US" altLang="en-US"/>
           </a:p>
         </p:txBody>
       </p:sp>
     </p:spTree>
     <p:extLst>
       <p:ext uri="{BB962C8B-B14F-4D97-AF65-F5344CB8AC3E}">
-        <p14:creationId xmlns:p14="http://schemas.microsoft.com/office/powerpoint/2010/main" val="958019164"/>
+        <p14:creationId xmlns:p14="http://schemas.microsoft.com/office/powerpoint/2010/main" val="1171456993"/>
       </p:ext>
     </p:extLst>
   </p:cSld>
@@ -2580,15 +2023,110 @@
           <a:bodyPr/>
           <a:lstStyle/>
           <a:p>
+            <a:pPr marL="0" marR="0" lvl="2" indent="0" algn="l" defTabSz="713203" rtl="0" eaLnBrk="1" fontAlgn="auto" latinLnBrk="0" hangingPunct="1">
+              <a:lnSpc>
+                <a:spcPct val="100000"/>
+              </a:lnSpc>
+              <a:spcBef>
+                <a:spcPts val="0"/>
+              </a:spcBef>
+              <a:spcAft>
+                <a:spcPts val="0"/>
+              </a:spcAft>
+              <a:buClrTx/>
+              <a:buSzTx/>
+              <a:buFontTx/>
+              <a:buNone/>
+              <a:tabLst/>
+              <a:defRPr/>
+            </a:pPr>
             <a:r>
               <a:rPr lang="en-US" dirty="0" smtClean="0"/>
-              <a:t>Point out the additional headers appended after From: </a:t>
-            </a:r>
+              <a:t>Loss of trust</a:t>
+            </a:r>
+            <a:endParaRPr lang="en-US" altLang="en-US" dirty="0" smtClean="0">
+              <a:latin typeface="Gill Sans MT" charset="0"/>
+              <a:ea typeface="MS PGothic" charset="-128"/>
+            </a:endParaRPr>
+          </a:p>
+          <a:p>
+            <a:r>
+              <a:rPr lang="en-US" altLang="en-US" sz="1000" dirty="0" smtClean="0">
+                <a:latin typeface="Gill Sans MT" charset="0"/>
+                <a:ea typeface="MS PGothic" charset="-128"/>
+              </a:rPr>
+              <a:t>Phishing emails from a legitimate Amazon server and legitimate @</a:t>
+            </a:r>
+            <a:r>
+              <a:rPr lang="en-US" altLang="en-US" sz="1000" dirty="0" err="1" smtClean="0">
+                <a:latin typeface="Gill Sans MT" charset="0"/>
+                <a:ea typeface="MS PGothic" charset="-128"/>
+              </a:rPr>
+              <a:t>amazon.com</a:t>
+            </a:r>
+            <a:r>
+              <a:rPr lang="en-US" altLang="en-US" sz="1000" dirty="0" smtClean="0">
+                <a:latin typeface="Gill Sans MT" charset="0"/>
+                <a:ea typeface="MS PGothic" charset="-128"/>
+              </a:rPr>
+              <a:t> email address that mail clients will not flag as spam.</a:t>
+            </a:r>
+          </a:p>
+          <a:p>
+            <a:endParaRPr lang="en-US" sz="1000" dirty="0" smtClean="0">
+              <a:latin typeface="Gill Sans MT" charset="0"/>
+              <a:ea typeface="MS PGothic" charset="-128"/>
+            </a:endParaRPr>
+          </a:p>
+          <a:p>
             <a:r>
               <a:rPr lang="en-US" dirty="0" err="1" smtClean="0"/>
-              <a:t>sai@sai.com</a:t>
-            </a:r>
-            <a:endParaRPr lang="en-US" dirty="0"/>
+              <a:t>DoS</a:t>
+            </a:r>
+            <a:endParaRPr lang="en-US" dirty="0" smtClean="0"/>
+          </a:p>
+          <a:p>
+            <a:pPr marL="0" marR="0" lvl="2" indent="0" algn="l" defTabSz="713203" rtl="0" eaLnBrk="1" fontAlgn="auto" latinLnBrk="0" hangingPunct="1">
+              <a:lnSpc>
+                <a:spcPct val="100000"/>
+              </a:lnSpc>
+              <a:spcBef>
+                <a:spcPts val="0"/>
+              </a:spcBef>
+              <a:spcAft>
+                <a:spcPts val="0"/>
+              </a:spcAft>
+              <a:buClrTx/>
+              <a:buSzTx/>
+              <a:buFontTx/>
+              <a:buNone/>
+              <a:tabLst/>
+              <a:defRPr/>
+            </a:pPr>
+            <a:r>
+              <a:rPr lang="en-US" altLang="en-US" sz="1600" dirty="0" smtClean="0">
+                <a:latin typeface="Gill Sans MT" charset="0"/>
+                <a:ea typeface="MS PGothic" charset="-128"/>
+              </a:rPr>
+              <a:t>Underlying mail servers can be overloaded with spam, leading to a </a:t>
+            </a:r>
+            <a:r>
+              <a:rPr lang="en-US" altLang="en-US" sz="1600" dirty="0" err="1" smtClean="0">
+                <a:latin typeface="Gill Sans MT" charset="0"/>
+                <a:ea typeface="MS PGothic" charset="-128"/>
+              </a:rPr>
+              <a:t>DoS</a:t>
+            </a:r>
+            <a:r>
+              <a:rPr lang="en-US" altLang="en-US" sz="1600" dirty="0" smtClean="0">
+                <a:latin typeface="Gill Sans MT" charset="0"/>
+                <a:ea typeface="MS PGothic" charset="-128"/>
+              </a:rPr>
+              <a:t> attack.</a:t>
+            </a:r>
+          </a:p>
+          <a:p>
+            <a:endParaRPr lang="en-US" dirty="0" smtClean="0"/>
           </a:p>
         </p:txBody>
       </p:sp>
@@ -2607,18 +2145,24 @@
           <a:bodyPr/>
           <a:lstStyle/>
           <a:p>
-            <a:fld id="{E6E4BBB4-C3E6-4210-888D-95FC20400B6D}" type="slidenum">
-              <a:rPr lang="en-US" smtClean="0"/>
+            <a:pPr>
+              <a:defRPr/>
+            </a:pPr>
+            <a:fld id="{61BDAAEF-ED04-764D-8703-B9BAE45E1C57}" type="slidenum">
+              <a:rPr lang="en-US" altLang="en-US" smtClean="0"/>
+              <a:pPr>
+                <a:defRPr/>
+              </a:pPr>
               <a:t>7</a:t>
             </a:fld>
-            <a:endParaRPr lang="en-US"/>
+            <a:endParaRPr lang="en-US" altLang="en-US"/>
           </a:p>
         </p:txBody>
       </p:sp>
     </p:spTree>
     <p:extLst>
       <p:ext uri="{BB962C8B-B14F-4D97-AF65-F5344CB8AC3E}">
-        <p14:creationId xmlns:p14="http://schemas.microsoft.com/office/powerpoint/2010/main" val="1123743016"/>
+        <p14:creationId xmlns:p14="http://schemas.microsoft.com/office/powerpoint/2010/main" val="1677273535"/>
       </p:ext>
     </p:extLst>
   </p:cSld>
@@ -2669,20 +2213,163 @@
         </p:nvSpPr>
         <p:spPr/>
         <p:txBody>
-          <a:bodyPr/>
-          <a:lstStyle/>
-          <a:p>
+          <a:bodyPr>
+            <a:normAutofit/>
+          </a:bodyPr>
+          <a:lstStyle/>
+          <a:p>
+            <a:pPr marL="0" marR="0" indent="0" algn="l" defTabSz="713203" rtl="0" eaLnBrk="1" fontAlgn="auto" latinLnBrk="0" hangingPunct="1">
+              <a:lnSpc>
+                <a:spcPct val="100000"/>
+              </a:lnSpc>
+              <a:spcBef>
+                <a:spcPts val="0"/>
+              </a:spcBef>
+              <a:spcAft>
+                <a:spcPts val="0"/>
+              </a:spcAft>
+              <a:buClrTx/>
+              <a:buSzTx/>
+              <a:buFontTx/>
+              <a:buNone/>
+              <a:tabLst/>
+              <a:defRPr/>
+            </a:pPr>
+            <a:r>
+              <a:rPr lang="en-US" altLang="en-US" dirty="0" smtClean="0">
+                <a:latin typeface="Gill Sans MT" charset="0"/>
+                <a:ea typeface="MS PGothic" charset="-128"/>
+              </a:rPr>
+              <a:t>135 Domains in the Alexa top 1,000,000 ranked websites affected by the vulnerability.</a:t>
+            </a:r>
+          </a:p>
+          <a:p>
+            <a:pPr marL="0" marR="0" indent="0" algn="l" defTabSz="713203" rtl="0" eaLnBrk="1" fontAlgn="auto" latinLnBrk="0" hangingPunct="1">
+              <a:lnSpc>
+                <a:spcPct val="100000"/>
+              </a:lnSpc>
+              <a:spcBef>
+                <a:spcPts val="0"/>
+              </a:spcBef>
+              <a:spcAft>
+                <a:spcPts val="0"/>
+              </a:spcAft>
+              <a:buClrTx/>
+              <a:buSzTx/>
+              <a:buFontTx/>
+              <a:buNone/>
+              <a:tabLst/>
+              <a:defRPr/>
+            </a:pPr>
+            <a:endParaRPr lang="en-US" altLang="en-US" dirty="0" smtClean="0">
+              <a:latin typeface="Gill Sans MT" charset="0"/>
+              <a:ea typeface="MS PGothic" charset="-128"/>
+            </a:endParaRPr>
+          </a:p>
+          <a:p>
+            <a:pPr marL="0" marR="0" indent="0" algn="l" defTabSz="713203" rtl="0" eaLnBrk="1" fontAlgn="auto" latinLnBrk="0" hangingPunct="1">
+              <a:lnSpc>
+                <a:spcPct val="100000"/>
+              </a:lnSpc>
+              <a:spcBef>
+                <a:spcPts val="0"/>
+              </a:spcBef>
+              <a:spcAft>
+                <a:spcPts val="0"/>
+              </a:spcAft>
+              <a:buClrTx/>
+              <a:buSzTx/>
+              <a:buFontTx/>
+              <a:buNone/>
+              <a:tabLst/>
+              <a:defRPr/>
+            </a:pPr>
+            <a:r>
+              <a:rPr lang="en-US" altLang="en-US" dirty="0" smtClean="0">
+                <a:latin typeface="Gill Sans MT" charset="0"/>
+                <a:ea typeface="MS PGothic" charset="-128"/>
+              </a:rPr>
+              <a:t>Most of these have SPF (Sender Policy Framework), DKIM (</a:t>
+            </a:r>
+            <a:r>
+              <a:rPr lang="en-US" dirty="0" err="1" smtClean="0"/>
+              <a:t>DomainKeys</a:t>
+            </a:r>
             <a:r>
               <a:rPr lang="en-US" dirty="0" smtClean="0"/>
-              <a:t>These</a:t>
+              <a:t> Identified Mail</a:t>
+            </a:r>
+            <a:r>
+              <a:rPr lang="en-US" altLang="en-US" dirty="0" smtClean="0">
+                <a:latin typeface="Gill Sans MT" charset="0"/>
+                <a:ea typeface="MS PGothic" charset="-128"/>
+              </a:rPr>
+              <a:t>), and DMARC(</a:t>
+            </a:r>
+            <a:r>
+              <a:rPr lang="en-US" dirty="0" smtClean="0"/>
+              <a:t>Domain-based Message Authentication, Reporting and Conformance</a:t>
+            </a:r>
+            <a:r>
+              <a:rPr lang="en-US" altLang="en-US" dirty="0" smtClean="0">
+                <a:latin typeface="Gill Sans MT" charset="0"/>
+                <a:ea typeface="MS PGothic" charset="-128"/>
+              </a:rPr>
+              <a:t>) protection. So spoofing them </a:t>
+            </a:r>
+            <a:r>
+              <a:rPr lang="en-US" altLang="en-US" baseline="0" dirty="0" smtClean="0">
+                <a:latin typeface="Gill Sans MT" charset="0"/>
+                <a:ea typeface="MS PGothic" charset="-128"/>
+              </a:rPr>
+              <a:t>manually is very hard, but EHI lets us spoof them easily using their own website and mailing service.</a:t>
+            </a:r>
+            <a:endParaRPr lang="en-US" altLang="en-US" dirty="0" smtClean="0">
+              <a:latin typeface="Gill Sans MT" charset="0"/>
+              <a:ea typeface="MS PGothic" charset="-128"/>
+            </a:endParaRPr>
+          </a:p>
+          <a:p>
+            <a:endParaRPr lang="en-US" dirty="0" smtClean="0"/>
+          </a:p>
+          <a:p>
+            <a:r>
+              <a:rPr lang="en-US" dirty="0" smtClean="0"/>
+              <a:t>53 of these domains being used in active Spam</a:t>
             </a:r>
             <a:r>
               <a:rPr lang="en-US" baseline="0" dirty="0" smtClean="0"/>
-              <a:t> are headers that </a:t>
-            </a:r>
-            <a:r>
-              <a:rPr lang="en-US" dirty="0" smtClean="0"/>
-              <a:t>can be injected, discuss uses</a:t>
+              <a:t> networks already </a:t>
+            </a:r>
+            <a:r>
+              <a:rPr lang="en-US" baseline="0" dirty="0" smtClean="0">
+                <a:sym typeface="Wingdings"/>
+              </a:rPr>
+              <a:t> </a:t>
+            </a:r>
+            <a:r>
+              <a:rPr lang="en-US" baseline="0" dirty="0" err="1" smtClean="0">
+                <a:sym typeface="Wingdings"/>
+              </a:rPr>
+              <a:t>spamhaus</a:t>
+            </a:r>
+            <a:r>
+              <a:rPr lang="en-US" baseline="0" dirty="0" smtClean="0">
+                <a:sym typeface="Wingdings"/>
+              </a:rPr>
+              <a:t>, </a:t>
+            </a:r>
+            <a:r>
+              <a:rPr lang="en-US" baseline="0" dirty="0" err="1" smtClean="0">
+                <a:sym typeface="Wingdings"/>
+              </a:rPr>
+              <a:t>uceprotect</a:t>
+            </a:r>
+            <a:r>
+              <a:rPr lang="en-US" baseline="0" dirty="0" smtClean="0">
+                <a:sym typeface="Wingdings"/>
+              </a:rPr>
+              <a:t>, other spam blacklists</a:t>
             </a:r>
             <a:endParaRPr lang="en-US" dirty="0"/>
           </a:p>
@@ -2720,7 +2407,7 @@
     </p:spTree>
     <p:extLst>
       <p:ext uri="{BB962C8B-B14F-4D97-AF65-F5344CB8AC3E}">
-        <p14:creationId xmlns:p14="http://schemas.microsoft.com/office/powerpoint/2010/main" val="1735818528"/>
+        <p14:creationId xmlns:p14="http://schemas.microsoft.com/office/powerpoint/2010/main" val="844752669"/>
       </p:ext>
     </p:extLst>
   </p:cSld>
@@ -2771,45 +2458,190 @@
         </p:nvSpPr>
         <p:spPr/>
         <p:txBody>
-          <a:bodyPr/>
-          <a:lstStyle/>
-          <a:p>
-            <a:r>
-              <a:rPr lang="en-US" dirty="0" err="1" smtClean="0"/>
-              <a:t>.net’s</a:t>
-            </a:r>
-            <a:r>
-              <a:rPr lang="en-US" dirty="0" smtClean="0"/>
-              <a:t> mail functionality provides inbuilt sanitization for header </a:t>
-            </a:r>
-            <a:r>
-              <a:rPr lang="en-US" dirty="0" smtClean="0"/>
-              <a:t>injections</a:t>
-            </a:r>
-          </a:p>
-          <a:p>
-            <a:endParaRPr lang="en-US" dirty="0" smtClean="0"/>
-          </a:p>
-          <a:p>
-            <a:r>
-              <a:rPr lang="en-US" dirty="0" smtClean="0"/>
-              <a:t>Why is it a major risk? </a:t>
-            </a:r>
-            <a:r>
-              <a:rPr lang="en-US" dirty="0" err="1" smtClean="0"/>
-              <a:t>Cuz</a:t>
-            </a:r>
-            <a:r>
-              <a:rPr lang="en-US" dirty="0" smtClean="0"/>
-              <a:t> its widespread and is seen in most popular</a:t>
-            </a:r>
-            <a:r>
-              <a:rPr lang="en-US" baseline="0" dirty="0" smtClean="0"/>
-              <a:t> langs.</a:t>
-            </a:r>
-          </a:p>
-          <a:p>
-            <a:endParaRPr lang="en-US" baseline="0" dirty="0" smtClean="0"/>
+          <a:bodyPr>
+            <a:normAutofit/>
+          </a:bodyPr>
+          <a:lstStyle/>
+          <a:p>
+            <a:pPr marL="228600" marR="0" indent="-228600" algn="l" defTabSz="713203" rtl="0" eaLnBrk="1" fontAlgn="auto" latinLnBrk="0" hangingPunct="1">
+              <a:lnSpc>
+                <a:spcPct val="100000"/>
+              </a:lnSpc>
+              <a:spcBef>
+                <a:spcPts val="0"/>
+              </a:spcBef>
+              <a:spcAft>
+                <a:spcPts val="0"/>
+              </a:spcAft>
+              <a:buClrTx/>
+              <a:buSzTx/>
+              <a:buFontTx/>
+              <a:buAutoNum type="arabicPeriod"/>
+              <a:tabLst/>
+              <a:defRPr/>
+            </a:pPr>
+            <a:r>
+              <a:rPr lang="en-US" sz="1200" kern="1200" baseline="0" dirty="0" smtClean="0">
+                <a:solidFill>
+                  <a:schemeClr val="tx1"/>
+                </a:solidFill>
+                <a:effectLst/>
+                <a:latin typeface="+mn-lt"/>
+                <a:ea typeface="MS PGothic" panose="020B0600070205080204" pitchFamily="34" charset="-128"/>
+                <a:cs typeface="+mn-cs"/>
+              </a:rPr>
+              <a:t>Any header like subject, </a:t>
+            </a:r>
+            <a:r>
+              <a:rPr lang="en-US" sz="1200" kern="1200" baseline="0" dirty="0" err="1" smtClean="0">
+                <a:solidFill>
+                  <a:schemeClr val="tx1"/>
+                </a:solidFill>
+                <a:effectLst/>
+                <a:latin typeface="+mn-lt"/>
+                <a:ea typeface="MS PGothic" panose="020B0600070205080204" pitchFamily="34" charset="-128"/>
+                <a:cs typeface="+mn-cs"/>
+              </a:rPr>
+              <a:t>etc</a:t>
+            </a:r>
+            <a:endParaRPr lang="en-US" sz="1200" kern="1200" baseline="0" dirty="0" smtClean="0">
+              <a:solidFill>
+                <a:schemeClr val="tx1"/>
+              </a:solidFill>
+              <a:effectLst/>
+              <a:latin typeface="+mn-lt"/>
+              <a:ea typeface="MS PGothic" panose="020B0600070205080204" pitchFamily="34" charset="-128"/>
+              <a:cs typeface="+mn-cs"/>
+            </a:endParaRPr>
+          </a:p>
+          <a:p>
+            <a:pPr marL="228600" marR="0" indent="-228600" algn="l" defTabSz="713203" rtl="0" eaLnBrk="1" fontAlgn="auto" latinLnBrk="0" hangingPunct="1">
+              <a:lnSpc>
+                <a:spcPct val="100000"/>
+              </a:lnSpc>
+              <a:spcBef>
+                <a:spcPts val="0"/>
+              </a:spcBef>
+              <a:spcAft>
+                <a:spcPts val="0"/>
+              </a:spcAft>
+              <a:buClrTx/>
+              <a:buSzTx/>
+              <a:buFontTx/>
+              <a:buAutoNum type="arabicPeriod"/>
+              <a:tabLst/>
+              <a:defRPr/>
+            </a:pPr>
+            <a:r>
+              <a:rPr lang="en-US" sz="1200" kern="1200" baseline="0" dirty="0" smtClean="0">
+                <a:solidFill>
+                  <a:schemeClr val="tx1"/>
+                </a:solidFill>
+                <a:effectLst/>
+                <a:latin typeface="+mn-lt"/>
+                <a:ea typeface="MS PGothic" panose="020B0600070205080204" pitchFamily="34" charset="-128"/>
+                <a:cs typeface="+mn-cs"/>
+              </a:rPr>
+              <a:t>Ability to inject malicious code as an attachment</a:t>
+            </a:r>
+            <a:endParaRPr lang="en-US" sz="1200" kern="1200" dirty="0" smtClean="0">
+              <a:solidFill>
+                <a:schemeClr val="tx1"/>
+              </a:solidFill>
+              <a:effectLst/>
+              <a:latin typeface="+mn-lt"/>
+              <a:ea typeface="MS PGothic" panose="020B0600070205080204" pitchFamily="34" charset="-128"/>
+              <a:cs typeface="+mn-cs"/>
+            </a:endParaRPr>
+          </a:p>
+          <a:p>
+            <a:pPr marL="228600" indent="-228600">
+              <a:buAutoNum type="arabicPeriod"/>
+            </a:pPr>
+            <a:r>
+              <a:rPr lang="en-US" sz="1200" kern="1200" dirty="0" smtClean="0">
+                <a:solidFill>
+                  <a:schemeClr val="tx1"/>
+                </a:solidFill>
+                <a:effectLst/>
+                <a:latin typeface="+mn-lt"/>
+                <a:ea typeface="MS PGothic" panose="020B0600070205080204" pitchFamily="34" charset="-128"/>
+                <a:cs typeface="+mn-cs"/>
+              </a:rPr>
+              <a:t>E-Mail Header Injections with ‘bcc’ </a:t>
+            </a:r>
+            <a:r>
+              <a:rPr lang="en-US" sz="1200" kern="1200" dirty="0" smtClean="0">
+                <a:solidFill>
+                  <a:schemeClr val="tx1"/>
+                </a:solidFill>
+                <a:effectLst/>
+                <a:latin typeface="+mn-lt"/>
+                <a:ea typeface="MS PGothic" panose="020B0600070205080204" pitchFamily="34" charset="-128"/>
+                <a:cs typeface="+mn-cs"/>
+              </a:rPr>
+              <a:t>,</a:t>
+            </a:r>
+            <a:r>
+              <a:rPr lang="en-US" sz="1200" kern="1200" baseline="0" dirty="0" smtClean="0">
+                <a:solidFill>
+                  <a:schemeClr val="tx1"/>
+                </a:solidFill>
+                <a:effectLst/>
+                <a:latin typeface="+mn-lt"/>
+                <a:ea typeface="MS PGothic" panose="020B0600070205080204" pitchFamily="34" charset="-128"/>
+                <a:cs typeface="+mn-cs"/>
+              </a:rPr>
+              <a:t> cc, to </a:t>
+            </a:r>
+            <a:r>
+              <a:rPr lang="en-US" sz="1200" kern="1200" dirty="0" smtClean="0">
+                <a:solidFill>
+                  <a:schemeClr val="tx1"/>
+                </a:solidFill>
+                <a:effectLst/>
+                <a:latin typeface="+mn-lt"/>
+                <a:ea typeface="MS PGothic" panose="020B0600070205080204" pitchFamily="34" charset="-128"/>
+                <a:cs typeface="+mn-cs"/>
+              </a:rPr>
+              <a:t>headers</a:t>
+            </a:r>
+            <a:r>
+              <a:rPr lang="en-US" sz="1200" kern="1200" dirty="0" smtClean="0">
+                <a:solidFill>
+                  <a:schemeClr val="tx1"/>
+                </a:solidFill>
+                <a:effectLst/>
+                <a:latin typeface="+mn-lt"/>
+                <a:ea typeface="MS PGothic" panose="020B0600070205080204" pitchFamily="34" charset="-128"/>
+                <a:cs typeface="+mn-cs"/>
+              </a:rPr>
+              <a:t/>
+            </a:r>
+            <a:br>
+              <a:rPr lang="en-US" sz="1200" kern="1200" dirty="0" smtClean="0">
+                <a:solidFill>
+                  <a:schemeClr val="tx1"/>
+                </a:solidFill>
+                <a:effectLst/>
+                <a:latin typeface="+mn-lt"/>
+                <a:ea typeface="MS PGothic" panose="020B0600070205080204" pitchFamily="34" charset="-128"/>
+                <a:cs typeface="+mn-cs"/>
+              </a:rPr>
+            </a:br>
+            <a:r>
+              <a:rPr lang="en-US" sz="1200" kern="1200" dirty="0" smtClean="0">
+                <a:solidFill>
+                  <a:schemeClr val="tx1"/>
+                </a:solidFill>
+                <a:effectLst/>
+                <a:latin typeface="+mn-lt"/>
+                <a:ea typeface="MS PGothic" panose="020B0600070205080204" pitchFamily="34" charset="-128"/>
+                <a:cs typeface="+mn-cs"/>
+              </a:rPr>
+              <a:t>	</a:t>
+            </a:r>
+            <a:endParaRPr lang="en-US" dirty="0"/>
           </a:p>
         </p:txBody>
       </p:sp>
@@ -2845,7 +2677,7 @@
     </p:spTree>
     <p:extLst>
       <p:ext uri="{BB962C8B-B14F-4D97-AF65-F5344CB8AC3E}">
-        <p14:creationId xmlns:p14="http://schemas.microsoft.com/office/powerpoint/2010/main" val="1851920212"/>
+        <p14:creationId xmlns:p14="http://schemas.microsoft.com/office/powerpoint/2010/main" val="1635688498"/>
       </p:ext>
     </p:extLst>
   </p:cSld>
@@ -3184,10 +3016,6 @@
           <a:bodyPr/>
           <a:lstStyle/>
           <a:p>
-            <a:fld id="{04770304-5C60-458F-A6BB-3BBAB3B19EF6}" type="datetime1">
-              <a:rPr lang="en-US" smtClean="0"/>
-              <a:t>1/13/17</a:t>
-            </a:fld>
             <a:endParaRPr lang="en-US"/>
           </a:p>
         </p:txBody>
@@ -3499,10 +3327,6 @@
           <a:bodyPr/>
           <a:lstStyle/>
           <a:p>
-            <a:fld id="{DE398D0C-AA7E-414C-A835-AE605FA83C34}" type="datetime1">
-              <a:rPr lang="en-US" smtClean="0"/>
-              <a:t>1/13/17</a:t>
-            </a:fld>
             <a:endParaRPr lang="en-US"/>
           </a:p>
         </p:txBody>
@@ -3957,10 +3781,6 @@
           <a:bodyPr/>
           <a:lstStyle/>
           <a:p>
-            <a:fld id="{36730C34-0506-4CF7-B0D3-40606C2F5343}" type="datetime1">
-              <a:rPr lang="en-US" smtClean="0"/>
-              <a:t>1/13/17</a:t>
-            </a:fld>
             <a:endParaRPr lang="en-US"/>
           </a:p>
         </p:txBody>
@@ -4086,10 +3906,6 @@
           <a:bodyPr/>
           <a:lstStyle/>
           <a:p>
-            <a:fld id="{7E638A72-4218-413B-ABBD-61C5D4B5E06B}" type="datetime1">
-              <a:rPr lang="en-US" smtClean="0"/>
-              <a:t>1/13/17</a:t>
-            </a:fld>
             <a:endParaRPr lang="en-US"/>
           </a:p>
         </p:txBody>
@@ -4192,10 +4008,6 @@
           <a:bodyPr/>
           <a:lstStyle/>
           <a:p>
-            <a:fld id="{2E3D0D2D-F2B5-4242-A2EB-D3660A59FE3A}" type="datetime1">
-              <a:rPr lang="en-US" smtClean="0"/>
-              <a:t>1/13/17</a:t>
-            </a:fld>
             <a:endParaRPr lang="en-US"/>
           </a:p>
         </p:txBody>
@@ -4508,10 +4320,6 @@
           <a:bodyPr/>
           <a:lstStyle/>
           <a:p>
-            <a:fld id="{5018D1F3-B46E-4AD5-8B6C-406EE51E2536}" type="datetime1">
-              <a:rPr lang="en-US" smtClean="0"/>
-              <a:t>1/13/17</a:t>
-            </a:fld>
             <a:endParaRPr lang="en-US"/>
           </a:p>
         </p:txBody>
@@ -4788,10 +4596,6 @@
           <a:bodyPr/>
           <a:lstStyle/>
           <a:p>
-            <a:fld id="{36486CBE-FBB4-4940-AF78-71659E8A4DC4}" type="datetime1">
-              <a:rPr lang="en-US" smtClean="0"/>
-              <a:t>1/13/17</a:t>
-            </a:fld>
             <a:endParaRPr lang="en-US"/>
           </a:p>
         </p:txBody>
@@ -5021,10 +4825,6 @@
             </a:lvl1pPr>
           </a:lstStyle>
           <a:p>
-            <a:fld id="{99194092-3354-4929-B16E-4A566CB03891}" type="datetime1">
-              <a:rPr lang="en-US" smtClean="0"/>
-              <a:t>1/13/17</a:t>
-            </a:fld>
             <a:endParaRPr lang="en-US"/>
           </a:p>
         </p:txBody>
@@ -5484,12 +5284,14 @@
         </p:nvSpPr>
         <p:spPr>
           <a:xfrm>
-            <a:off x="4128868" y="2737794"/>
-            <a:ext cx="4804116" cy="855458"/>
+            <a:off x="4128867" y="2737794"/>
+            <a:ext cx="4804117" cy="1721664"/>
           </a:xfrm>
         </p:spPr>
         <p:txBody>
-          <a:bodyPr/>
+          <a:bodyPr>
+            <a:normAutofit/>
+          </a:bodyPr>
           <a:lstStyle/>
           <a:p>
             <a:r>
@@ -5497,8 +5299,74 @@
                 <a:latin typeface="Gill Sans MT" charset="0"/>
                 <a:ea typeface="MS PGothic" charset="-128"/>
               </a:rPr>
-              <a:t>Sai Prashanth Chandramouli</a:t>
-            </a:r>
+              <a:t>Sai </a:t>
+            </a:r>
+            <a:r>
+              <a:rPr lang="en-US" altLang="en-US" dirty="0" err="1">
+                <a:latin typeface="Gill Sans MT" charset="0"/>
+                <a:ea typeface="MS PGothic" charset="-128"/>
+              </a:rPr>
+              <a:t>Prashanth</a:t>
+            </a:r>
+            <a:r>
+              <a:rPr lang="en-US" altLang="en-US" dirty="0">
+                <a:latin typeface="Gill Sans MT" charset="0"/>
+                <a:ea typeface="MS PGothic" charset="-128"/>
+              </a:rPr>
+              <a:t> </a:t>
+            </a:r>
+            <a:r>
+              <a:rPr lang="en-US" altLang="en-US" dirty="0" err="1" smtClean="0">
+                <a:latin typeface="Gill Sans MT" charset="0"/>
+                <a:ea typeface="MS PGothic" charset="-128"/>
+              </a:rPr>
+              <a:t>Chandramouli</a:t>
+            </a:r>
+            <a:endParaRPr lang="en-US" altLang="en-US" dirty="0" smtClean="0">
+              <a:latin typeface="Gill Sans MT" charset="0"/>
+              <a:ea typeface="MS PGothic" charset="-128"/>
+            </a:endParaRPr>
+          </a:p>
+          <a:p>
+            <a:r>
+              <a:rPr lang="en-US" altLang="en-US" dirty="0" smtClean="0">
+                <a:latin typeface="Gill Sans MT" charset="0"/>
+                <a:ea typeface="MS PGothic" charset="-128"/>
+              </a:rPr>
+              <a:t>Software Development Engineer</a:t>
+            </a:r>
+          </a:p>
+          <a:p>
+            <a:r>
+              <a:rPr lang="en-US" altLang="en-US" dirty="0" err="1" smtClean="0">
+                <a:latin typeface="Gill Sans MT" charset="0"/>
+                <a:ea typeface="MS PGothic" charset="-128"/>
+              </a:rPr>
+              <a:t>Samsite</a:t>
+            </a:r>
+            <a:r>
+              <a:rPr lang="en-US" altLang="en-US" dirty="0" smtClean="0">
+                <a:latin typeface="Gill Sans MT" charset="0"/>
+                <a:ea typeface="MS PGothic" charset="-128"/>
+              </a:rPr>
+              <a:t> team – Pyramid Org </a:t>
+            </a:r>
+            <a:r>
+              <a:rPr lang="en-US" altLang="en-US" dirty="0">
+                <a:latin typeface="Gill Sans MT" charset="0"/>
+                <a:ea typeface="MS PGothic" charset="-128"/>
+              </a:rPr>
+              <a:t>–</a:t>
+            </a:r>
+            <a:r>
+              <a:rPr lang="en-US" altLang="en-US" dirty="0" smtClean="0">
+                <a:latin typeface="Gill Sans MT" charset="0"/>
+                <a:ea typeface="MS PGothic" charset="-128"/>
+              </a:rPr>
+              <a:t> TRMS</a:t>
+            </a:r>
+          </a:p>
+          <a:p>
             <a:endParaRPr lang="en-US" altLang="en-US" dirty="0">
               <a:latin typeface="Gill Sans MT" charset="0"/>
               <a:ea typeface="MS PGothic" charset="-128"/>
@@ -5545,1641 +5413,6 @@
       </p:grpSpPr>
       <p:sp>
         <p:nvSpPr>
-          <p:cNvPr id="2" name="Title 1"/>
-          <p:cNvSpPr>
-            <a:spLocks noGrp="1"/>
-          </p:cNvSpPr>
-          <p:nvPr>
-            <p:ph type="title"/>
-          </p:nvPr>
-        </p:nvSpPr>
-        <p:spPr/>
-        <p:txBody>
-          <a:bodyPr/>
-          <a:lstStyle/>
-          <a:p>
-            <a:r>
-              <a:rPr lang="en-US" dirty="0" smtClean="0"/>
-              <a:t>Special Case - Python</a:t>
-            </a:r>
-            <a:endParaRPr lang="en-US" dirty="0"/>
-          </a:p>
-        </p:txBody>
-      </p:sp>
-      <p:sp>
-        <p:nvSpPr>
-          <p:cNvPr id="3" name="Content Placeholder 2"/>
-          <p:cNvSpPr>
-            <a:spLocks noGrp="1"/>
-          </p:cNvSpPr>
-          <p:nvPr>
-            <p:ph idx="1"/>
-          </p:nvPr>
-        </p:nvSpPr>
-        <p:spPr>
-          <a:xfrm>
-            <a:off x="556591" y="1210411"/>
-            <a:ext cx="8160026" cy="3394472"/>
-          </a:xfrm>
-        </p:spPr>
-        <p:txBody>
-          <a:bodyPr>
-            <a:normAutofit/>
-          </a:bodyPr>
-          <a:lstStyle/>
-          <a:p>
-            <a:pPr>
-              <a:lnSpc>
-                <a:spcPct val="150000"/>
-              </a:lnSpc>
-            </a:pPr>
-            <a:r>
-              <a:rPr lang="en-US" dirty="0" smtClean="0"/>
-              <a:t>Python’s </a:t>
-            </a:r>
-            <a:r>
-              <a:rPr lang="en-US" dirty="0"/>
-              <a:t>exhibited behavior when attaching </a:t>
-            </a:r>
-            <a:r>
-              <a:rPr lang="en-US" dirty="0" smtClean="0"/>
-              <a:t>headers: instead </a:t>
-            </a:r>
-            <a:r>
-              <a:rPr lang="en-US" dirty="0"/>
-              <a:t>of overwriting a header if it is already present, it ignores duplicate </a:t>
-            </a:r>
-            <a:r>
-              <a:rPr lang="en-US" dirty="0" smtClean="0"/>
-              <a:t>headers </a:t>
-            </a:r>
-          </a:p>
-          <a:p>
-            <a:pPr>
-              <a:lnSpc>
-                <a:spcPct val="150000"/>
-              </a:lnSpc>
-            </a:pPr>
-            <a:r>
-              <a:rPr lang="en-US" dirty="0" smtClean="0"/>
-              <a:t>Hence</a:t>
-            </a:r>
-            <a:r>
-              <a:rPr lang="en-US" dirty="0"/>
-              <a:t>, </a:t>
-            </a:r>
-            <a:r>
-              <a:rPr lang="en-US" dirty="0" smtClean="0"/>
-              <a:t>as an attacker we can inject </a:t>
-            </a:r>
-            <a:r>
-              <a:rPr lang="en-US" dirty="0"/>
-              <a:t>our own </a:t>
-            </a:r>
-            <a:r>
-              <a:rPr lang="en-US" dirty="0" smtClean="0"/>
-              <a:t>unique </a:t>
-            </a:r>
-            <a:r>
-              <a:rPr lang="en-US" dirty="0" smtClean="0"/>
-              <a:t>header </a:t>
-            </a:r>
-            <a:r>
-              <a:rPr lang="en-US" dirty="0" smtClean="0"/>
-              <a:t>‘x-check’ </a:t>
-            </a:r>
-            <a:r>
-              <a:rPr lang="en-US" dirty="0"/>
-              <a:t>to </a:t>
-            </a:r>
-            <a:r>
-              <a:rPr lang="en-US" dirty="0" smtClean="0"/>
-              <a:t>verify </a:t>
-            </a:r>
-            <a:r>
-              <a:rPr lang="en-US" dirty="0"/>
-              <a:t>if </a:t>
-            </a:r>
-            <a:r>
-              <a:rPr lang="en-US" dirty="0" smtClean="0"/>
-              <a:t>an injection attempt was </a:t>
-            </a:r>
-            <a:r>
-              <a:rPr lang="en-US" dirty="0" smtClean="0"/>
-              <a:t>successful</a:t>
-            </a:r>
-          </a:p>
-          <a:p>
-            <a:pPr lvl="1">
-              <a:lnSpc>
-                <a:spcPct val="150000"/>
-              </a:lnSpc>
-            </a:pPr>
-            <a:r>
-              <a:rPr lang="en-US" sz="1350" dirty="0" err="1"/>
-              <a:t>nuser@example.com</a:t>
-            </a:r>
-            <a:r>
-              <a:rPr lang="en-US" sz="1350" dirty="0"/>
-              <a:t>\</a:t>
-            </a:r>
-            <a:r>
-              <a:rPr lang="en-US" sz="1350" dirty="0" err="1"/>
-              <a:t>nbcc:maluser@example.com</a:t>
-            </a:r>
-            <a:r>
-              <a:rPr lang="en-US" sz="1350" dirty="0"/>
-              <a:t>\</a:t>
-            </a:r>
-            <a:r>
-              <a:rPr lang="en-US" sz="1350" dirty="0" err="1"/>
-              <a:t>nx−check:in</a:t>
-            </a:r>
-            <a:r>
-              <a:rPr lang="en-US" sz="1350" dirty="0"/>
-              <a:t> </a:t>
-            </a:r>
-          </a:p>
-          <a:p>
-            <a:pPr lvl="1">
-              <a:lnSpc>
-                <a:spcPct val="150000"/>
-              </a:lnSpc>
-            </a:pPr>
-            <a:endParaRPr lang="en-US" dirty="0"/>
-          </a:p>
-          <a:p>
-            <a:pPr>
-              <a:lnSpc>
-                <a:spcPct val="150000"/>
-              </a:lnSpc>
-            </a:pPr>
-            <a:endParaRPr lang="en-US" dirty="0"/>
-          </a:p>
-        </p:txBody>
-      </p:sp>
-      <p:sp>
-        <p:nvSpPr>
-          <p:cNvPr id="4" name="Slide Number Placeholder 3"/>
-          <p:cNvSpPr>
-            <a:spLocks noGrp="1"/>
-          </p:cNvSpPr>
-          <p:nvPr>
-            <p:ph type="sldNum" sz="quarter" idx="10"/>
-          </p:nvPr>
-        </p:nvSpPr>
-        <p:spPr/>
-        <p:txBody>
-          <a:bodyPr/>
-          <a:lstStyle/>
-          <a:p>
-            <a:pPr>
-              <a:defRPr/>
-            </a:pPr>
-            <a:fld id="{A6049551-C800-0F49-AC98-3AEA702B0E63}" type="slidenum">
-              <a:rPr lang="en-US" altLang="en-US" smtClean="0"/>
-              <a:pPr>
-                <a:defRPr/>
-              </a:pPr>
-              <a:t>10</a:t>
-            </a:fld>
-            <a:endParaRPr lang="en-US" altLang="en-US"/>
-          </a:p>
-        </p:txBody>
-      </p:sp>
-      <p:sp>
-        <p:nvSpPr>
-          <p:cNvPr id="5" name="Date Placeholder 4"/>
-          <p:cNvSpPr>
-            <a:spLocks noGrp="1"/>
-          </p:cNvSpPr>
-          <p:nvPr>
-            <p:ph type="dt" sz="half" idx="11"/>
-          </p:nvPr>
-        </p:nvSpPr>
-        <p:spPr/>
-        <p:txBody>
-          <a:bodyPr/>
-          <a:lstStyle/>
-          <a:p>
-            <a:pPr>
-              <a:defRPr/>
-            </a:pPr>
-            <a:fld id="{C37AA8D1-E9CF-2944-A66E-EFC74035EB27}" type="datetime1">
-              <a:rPr lang="en-US" altLang="en-US" smtClean="0"/>
-              <a:pPr>
-                <a:defRPr/>
-              </a:pPr>
-              <a:t>1/13/17</a:t>
-            </a:fld>
-            <a:endParaRPr lang="en-US" altLang="en-US"/>
-          </a:p>
-        </p:txBody>
-      </p:sp>
-    </p:spTree>
-    <p:extLst>
-      <p:ext uri="{BB962C8B-B14F-4D97-AF65-F5344CB8AC3E}">
-        <p14:creationId xmlns:p14="http://schemas.microsoft.com/office/powerpoint/2010/main" val="2122349555"/>
-      </p:ext>
-    </p:extLst>
-  </p:cSld>
-  <p:clrMapOvr>
-    <a:masterClrMapping/>
-  </p:clrMapOvr>
-  <mc:AlternateContent xmlns:mc="http://schemas.openxmlformats.org/markup-compatibility/2006" xmlns:p14="http://schemas.microsoft.com/office/powerpoint/2010/main">
-    <mc:Choice Requires="p14">
-      <p:transition spd="slow" p14:dur="2000"/>
-    </mc:Choice>
-    <mc:Fallback xmlns="">
-      <p:transition spd="slow"/>
-    </mc:Fallback>
-  </mc:AlternateContent>
-  <p:timing>
-    <p:tnLst>
-      <p:par>
-        <p:cTn id="1" dur="indefinite" restart="never" nodeType="tmRoot"/>
-      </p:par>
-    </p:tnLst>
-  </p:timing>
-</p:sld>
-</file>
-
-<file path=ppt/slides/slide11.xml><?xml version="1.0" encoding="utf-8"?>
-<p:sld xmlns:a="http://schemas.openxmlformats.org/drawingml/2006/main" xmlns:r="http://schemas.openxmlformats.org/officeDocument/2006/relationships" xmlns:p="http://schemas.openxmlformats.org/presentationml/2006/main">
-  <p:cSld>
-    <p:spTree>
-      <p:nvGrpSpPr>
-        <p:cNvPr id="1" name=""/>
-        <p:cNvGrpSpPr/>
-        <p:nvPr/>
-      </p:nvGrpSpPr>
-      <p:grpSpPr>
-        <a:xfrm>
-          <a:off x="0" y="0"/>
-          <a:ext cx="0" cy="0"/>
-          <a:chOff x="0" y="0"/>
-          <a:chExt cx="0" cy="0"/>
-        </a:xfrm>
-      </p:grpSpPr>
-      <p:sp>
-        <p:nvSpPr>
-          <p:cNvPr id="19457" name="Title 1"/>
-          <p:cNvSpPr>
-            <a:spLocks noGrp="1"/>
-          </p:cNvSpPr>
-          <p:nvPr>
-            <p:ph type="title"/>
-          </p:nvPr>
-        </p:nvSpPr>
-        <p:spPr/>
-        <p:txBody>
-          <a:bodyPr/>
-          <a:lstStyle/>
-          <a:p>
-            <a:r>
-              <a:rPr lang="en-US" altLang="en-US" dirty="0" smtClean="0">
-                <a:latin typeface="Gill Sans MT" charset="0"/>
-                <a:ea typeface="MS PGothic" charset="-128"/>
-              </a:rPr>
-              <a:t>Potential Impact - What </a:t>
-            </a:r>
-            <a:r>
-              <a:rPr lang="en-US" altLang="en-US" dirty="0">
-                <a:latin typeface="Gill Sans MT" charset="0"/>
-                <a:ea typeface="MS PGothic" charset="-128"/>
-              </a:rPr>
-              <a:t>can it do?</a:t>
-            </a:r>
-          </a:p>
-        </p:txBody>
-      </p:sp>
-      <p:sp>
-        <p:nvSpPr>
-          <p:cNvPr id="19458" name="Content Placeholder 2"/>
-          <p:cNvSpPr>
-            <a:spLocks noGrp="1"/>
-          </p:cNvSpPr>
-          <p:nvPr>
-            <p:ph idx="1"/>
-          </p:nvPr>
-        </p:nvSpPr>
-        <p:spPr>
-          <a:xfrm>
-            <a:off x="964095" y="1210866"/>
-            <a:ext cx="6937513" cy="3394472"/>
-          </a:xfrm>
-        </p:spPr>
-        <p:txBody>
-          <a:bodyPr/>
-          <a:lstStyle/>
-          <a:p>
-            <a:pPr>
-              <a:lnSpc>
-                <a:spcPct val="150000"/>
-              </a:lnSpc>
-            </a:pPr>
-            <a:r>
-              <a:rPr lang="en-US" altLang="en-US" sz="1800" dirty="0">
-                <a:latin typeface="Gill Sans MT" charset="0"/>
-                <a:ea typeface="MS PGothic" charset="-128"/>
-              </a:rPr>
-              <a:t>Email Header Injection can potentially lead to any of the following:</a:t>
-            </a:r>
-          </a:p>
-          <a:p>
-            <a:pPr lvl="1">
-              <a:lnSpc>
-                <a:spcPct val="150000"/>
-              </a:lnSpc>
-            </a:pPr>
-            <a:r>
-              <a:rPr lang="en-US" altLang="en-US" dirty="0">
-                <a:latin typeface="Gill Sans MT" charset="0"/>
-                <a:ea typeface="MS PGothic" charset="-128"/>
-              </a:rPr>
-              <a:t>Phishing  and </a:t>
-            </a:r>
-            <a:r>
-              <a:rPr lang="en-US" altLang="en-US" dirty="0" smtClean="0">
-                <a:latin typeface="Gill Sans MT" charset="0"/>
-                <a:ea typeface="MS PGothic" charset="-128"/>
-              </a:rPr>
-              <a:t>spoofing </a:t>
-            </a:r>
-            <a:r>
-              <a:rPr lang="en-US" altLang="en-US" dirty="0">
-                <a:latin typeface="Gill Sans MT" charset="0"/>
-                <a:ea typeface="MS PGothic" charset="-128"/>
-              </a:rPr>
-              <a:t>a</a:t>
-            </a:r>
-            <a:r>
-              <a:rPr lang="en-US" altLang="en-US" dirty="0" smtClean="0">
-                <a:latin typeface="Gill Sans MT" charset="0"/>
-                <a:ea typeface="MS PGothic" charset="-128"/>
-              </a:rPr>
-              <a:t>ttacks</a:t>
-            </a:r>
-          </a:p>
-          <a:p>
-            <a:pPr lvl="1">
-              <a:lnSpc>
-                <a:spcPct val="150000"/>
-              </a:lnSpc>
-            </a:pPr>
-            <a:r>
-              <a:rPr lang="en-US" altLang="en-US" dirty="0">
-                <a:latin typeface="Gill Sans MT" charset="0"/>
-                <a:ea typeface="MS PGothic" charset="-128"/>
-              </a:rPr>
-              <a:t>Spam n</a:t>
-            </a:r>
-            <a:r>
-              <a:rPr lang="en-US" altLang="en-US" dirty="0" smtClean="0">
-                <a:latin typeface="Gill Sans MT" charset="0"/>
-                <a:ea typeface="MS PGothic" charset="-128"/>
-              </a:rPr>
-              <a:t>etworks</a:t>
-            </a:r>
-            <a:endParaRPr lang="en-US" altLang="en-US" dirty="0">
-              <a:latin typeface="Gill Sans MT" charset="0"/>
-              <a:ea typeface="MS PGothic" charset="-128"/>
-            </a:endParaRPr>
-          </a:p>
-          <a:p>
-            <a:pPr lvl="1">
-              <a:lnSpc>
-                <a:spcPct val="150000"/>
-              </a:lnSpc>
-            </a:pPr>
-            <a:r>
-              <a:rPr lang="en-US" altLang="en-US" dirty="0">
-                <a:latin typeface="Gill Sans MT" charset="0"/>
-                <a:ea typeface="MS PGothic" charset="-128"/>
-              </a:rPr>
-              <a:t>Denial of </a:t>
-            </a:r>
-            <a:r>
-              <a:rPr lang="en-US" altLang="en-US" dirty="0" smtClean="0">
-                <a:latin typeface="Gill Sans MT" charset="0"/>
-                <a:ea typeface="MS PGothic" charset="-128"/>
-              </a:rPr>
-              <a:t>service by </a:t>
-            </a:r>
-            <a:r>
-              <a:rPr lang="en-US" altLang="en-US" dirty="0">
-                <a:latin typeface="Gill Sans MT" charset="0"/>
-                <a:ea typeface="MS PGothic" charset="-128"/>
-              </a:rPr>
-              <a:t>attacking the underlying mail </a:t>
-            </a:r>
-            <a:r>
-              <a:rPr lang="en-US" altLang="en-US" dirty="0" smtClean="0">
-                <a:latin typeface="Gill Sans MT" charset="0"/>
-                <a:ea typeface="MS PGothic" charset="-128"/>
-              </a:rPr>
-              <a:t>server</a:t>
-            </a:r>
-          </a:p>
-          <a:p>
-            <a:pPr lvl="1">
-              <a:lnSpc>
-                <a:spcPct val="150000"/>
-              </a:lnSpc>
-            </a:pPr>
-            <a:r>
-              <a:rPr lang="en-US" dirty="0"/>
-              <a:t>Information </a:t>
-            </a:r>
-            <a:r>
-              <a:rPr lang="en-US" dirty="0" smtClean="0"/>
-              <a:t>extraction </a:t>
-            </a:r>
-            <a:r>
-              <a:rPr lang="en-US" dirty="0"/>
-              <a:t>of legitimate </a:t>
-            </a:r>
-            <a:r>
-              <a:rPr lang="en-US" dirty="0" smtClean="0"/>
-              <a:t>users</a:t>
-            </a:r>
-          </a:p>
-          <a:p>
-            <a:pPr lvl="1">
-              <a:lnSpc>
-                <a:spcPct val="150000"/>
-              </a:lnSpc>
-            </a:pPr>
-            <a:r>
-              <a:rPr lang="en-US" altLang="en-US" dirty="0" smtClean="0">
-                <a:latin typeface="Gill Sans MT" charset="0"/>
-                <a:ea typeface="MS PGothic" charset="-128"/>
-              </a:rPr>
-              <a:t>Payloads with </a:t>
-            </a:r>
-            <a:r>
-              <a:rPr lang="en-US" altLang="en-US" dirty="0" smtClean="0">
-                <a:latin typeface="Gill Sans MT" charset="0"/>
-                <a:ea typeface="MS PGothic" charset="-128"/>
-              </a:rPr>
-              <a:t>malicious attachments</a:t>
-            </a:r>
-            <a:endParaRPr lang="en-US" altLang="en-US" dirty="0">
-              <a:latin typeface="Gill Sans MT" charset="0"/>
-              <a:ea typeface="MS PGothic" charset="-128"/>
-            </a:endParaRPr>
-          </a:p>
-          <a:p>
-            <a:pPr lvl="1">
-              <a:lnSpc>
-                <a:spcPct val="150000"/>
-              </a:lnSpc>
-            </a:pPr>
-            <a:endParaRPr lang="en-US" altLang="en-US" dirty="0">
-              <a:latin typeface="Gill Sans MT" charset="0"/>
-              <a:ea typeface="MS PGothic" charset="-128"/>
-            </a:endParaRPr>
-          </a:p>
-          <a:p>
-            <a:pPr lvl="1"/>
-            <a:endParaRPr lang="en-US" altLang="en-US" dirty="0">
-              <a:latin typeface="Gill Sans MT" charset="0"/>
-              <a:ea typeface="MS PGothic" charset="-128"/>
-            </a:endParaRPr>
-          </a:p>
-        </p:txBody>
-      </p:sp>
-    </p:spTree>
-    <p:extLst>
-      <p:ext uri="{BB962C8B-B14F-4D97-AF65-F5344CB8AC3E}">
-        <p14:creationId xmlns:p14="http://schemas.microsoft.com/office/powerpoint/2010/main" val="1004494580"/>
-      </p:ext>
-    </p:extLst>
-  </p:cSld>
-  <p:clrMapOvr>
-    <a:masterClrMapping/>
-  </p:clrMapOvr>
-  <mc:AlternateContent xmlns:mc="http://schemas.openxmlformats.org/markup-compatibility/2006" xmlns:p14="http://schemas.microsoft.com/office/powerpoint/2010/main">
-    <mc:Choice Requires="p14">
-      <p:transition spd="slow" p14:dur="2000"/>
-    </mc:Choice>
-    <mc:Fallback xmlns="">
-      <p:transition spd="slow"/>
-    </mc:Fallback>
-  </mc:AlternateContent>
-  <p:timing>
-    <p:tnLst>
-      <p:par>
-        <p:cTn id="1" dur="indefinite" restart="never" nodeType="tmRoot"/>
-      </p:par>
-    </p:tnLst>
-  </p:timing>
-</p:sld>
-</file>
-
-<file path=ppt/slides/slide12.xml><?xml version="1.0" encoding="utf-8"?>
-<p:sld xmlns:a="http://schemas.openxmlformats.org/drawingml/2006/main" xmlns:r="http://schemas.openxmlformats.org/officeDocument/2006/relationships" xmlns:p="http://schemas.openxmlformats.org/presentationml/2006/main">
-  <p:cSld>
-    <p:spTree>
-      <p:nvGrpSpPr>
-        <p:cNvPr id="1" name=""/>
-        <p:cNvGrpSpPr/>
-        <p:nvPr/>
-      </p:nvGrpSpPr>
-      <p:grpSpPr>
-        <a:xfrm>
-          <a:off x="0" y="0"/>
-          <a:ext cx="0" cy="0"/>
-          <a:chOff x="0" y="0"/>
-          <a:chExt cx="0" cy="0"/>
-        </a:xfrm>
-      </p:grpSpPr>
-      <p:sp>
-        <p:nvSpPr>
-          <p:cNvPr id="19457" name="Title 1"/>
-          <p:cNvSpPr>
-            <a:spLocks noGrp="1"/>
-          </p:cNvSpPr>
-          <p:nvPr>
-            <p:ph type="title"/>
-          </p:nvPr>
-        </p:nvSpPr>
-        <p:spPr/>
-        <p:txBody>
-          <a:bodyPr/>
-          <a:lstStyle/>
-          <a:p>
-            <a:r>
-              <a:rPr lang="en-US" altLang="en-US" dirty="0" smtClean="0">
-                <a:latin typeface="Gill Sans MT" charset="0"/>
-                <a:ea typeface="MS PGothic" charset="-128"/>
-              </a:rPr>
-              <a:t>Potential </a:t>
-            </a:r>
-            <a:r>
-              <a:rPr lang="en-US" altLang="en-US" dirty="0" smtClean="0">
-                <a:latin typeface="Gill Sans MT" charset="0"/>
-                <a:ea typeface="MS PGothic" charset="-128"/>
-              </a:rPr>
-              <a:t>Impact at Amazon</a:t>
-            </a:r>
-            <a:endParaRPr lang="en-US" altLang="en-US" dirty="0">
-              <a:latin typeface="Gill Sans MT" charset="0"/>
-              <a:ea typeface="MS PGothic" charset="-128"/>
-            </a:endParaRPr>
-          </a:p>
-        </p:txBody>
-      </p:sp>
-      <p:sp>
-        <p:nvSpPr>
-          <p:cNvPr id="19458" name="Content Placeholder 2"/>
-          <p:cNvSpPr>
-            <a:spLocks noGrp="1"/>
-          </p:cNvSpPr>
-          <p:nvPr>
-            <p:ph idx="1"/>
-          </p:nvPr>
-        </p:nvSpPr>
-        <p:spPr>
-          <a:xfrm>
-            <a:off x="516835" y="1210866"/>
-            <a:ext cx="8368748" cy="4504134"/>
-          </a:xfrm>
-        </p:spPr>
-        <p:txBody>
-          <a:bodyPr>
-            <a:normAutofit/>
-          </a:bodyPr>
-          <a:lstStyle/>
-          <a:p>
-            <a:pPr>
-              <a:lnSpc>
-                <a:spcPct val="150000"/>
-              </a:lnSpc>
-            </a:pPr>
-            <a:r>
-              <a:rPr lang="en-US" altLang="en-US" sz="1800" dirty="0" smtClean="0">
-                <a:latin typeface="Gill Sans MT" charset="0"/>
-                <a:ea typeface="MS PGothic" charset="-128"/>
-              </a:rPr>
-              <a:t>What does this mean to us as </a:t>
-            </a:r>
-            <a:r>
-              <a:rPr lang="en-US" altLang="en-US" sz="1800" dirty="0" err="1" smtClean="0">
-                <a:latin typeface="Gill Sans MT" charset="0"/>
-                <a:ea typeface="MS PGothic" charset="-128"/>
-              </a:rPr>
-              <a:t>devs</a:t>
-            </a:r>
-            <a:r>
-              <a:rPr lang="en-US" altLang="en-US" sz="1800" dirty="0" smtClean="0">
-                <a:latin typeface="Gill Sans MT" charset="0"/>
-                <a:ea typeface="MS PGothic" charset="-128"/>
-              </a:rPr>
-              <a:t>?</a:t>
-            </a:r>
-            <a:endParaRPr lang="en-US" altLang="en-US" sz="1800" dirty="0">
-              <a:latin typeface="Gill Sans MT" charset="0"/>
-              <a:ea typeface="MS PGothic" charset="-128"/>
-            </a:endParaRPr>
-          </a:p>
-          <a:p>
-            <a:pPr lvl="1">
-              <a:lnSpc>
-                <a:spcPct val="150000"/>
-              </a:lnSpc>
-            </a:pPr>
-            <a:r>
-              <a:rPr lang="en-US" altLang="en-US" dirty="0">
-                <a:latin typeface="Gill Sans MT" charset="0"/>
-                <a:ea typeface="MS PGothic" charset="-128"/>
-              </a:rPr>
-              <a:t>Loss of </a:t>
-            </a:r>
-            <a:r>
-              <a:rPr lang="en-US" altLang="en-US" dirty="0" smtClean="0">
-                <a:latin typeface="Gill Sans MT" charset="0"/>
-                <a:ea typeface="MS PGothic" charset="-128"/>
-              </a:rPr>
-              <a:t>trust</a:t>
-            </a:r>
-          </a:p>
-          <a:p>
-            <a:pPr lvl="2">
-              <a:lnSpc>
-                <a:spcPct val="150000"/>
-              </a:lnSpc>
-            </a:pPr>
-            <a:r>
-              <a:rPr lang="en-US" altLang="en-US" dirty="0">
-                <a:latin typeface="Gill Sans MT" charset="0"/>
-                <a:ea typeface="MS PGothic" charset="-128"/>
-              </a:rPr>
-              <a:t>phishing emails from a legitimate Amazon </a:t>
-            </a:r>
-            <a:r>
-              <a:rPr lang="en-US" altLang="en-US" dirty="0" smtClean="0">
-                <a:latin typeface="Gill Sans MT" charset="0"/>
-                <a:ea typeface="MS PGothic" charset="-128"/>
-              </a:rPr>
-              <a:t>server and legitimate </a:t>
-            </a:r>
-            <a:r>
-              <a:rPr lang="en-US" altLang="en-US" dirty="0">
-                <a:latin typeface="Gill Sans MT" charset="0"/>
-                <a:ea typeface="MS PGothic" charset="-128"/>
-              </a:rPr>
-              <a:t>@</a:t>
-            </a:r>
-            <a:r>
-              <a:rPr lang="en-US" altLang="en-US" dirty="0" err="1">
-                <a:latin typeface="Gill Sans MT" charset="0"/>
-                <a:ea typeface="MS PGothic" charset="-128"/>
-              </a:rPr>
-              <a:t>amazon.com</a:t>
-            </a:r>
-            <a:r>
-              <a:rPr lang="en-US" altLang="en-US" dirty="0">
-                <a:latin typeface="Gill Sans MT" charset="0"/>
-                <a:ea typeface="MS PGothic" charset="-128"/>
-              </a:rPr>
-              <a:t> email </a:t>
-            </a:r>
-            <a:r>
-              <a:rPr lang="en-US" altLang="en-US" dirty="0" smtClean="0">
-                <a:latin typeface="Gill Sans MT" charset="0"/>
-                <a:ea typeface="MS PGothic" charset="-128"/>
-              </a:rPr>
-              <a:t>address</a:t>
-            </a:r>
-            <a:endParaRPr lang="en-US" altLang="en-US" dirty="0">
-              <a:latin typeface="Gill Sans MT" charset="0"/>
-              <a:ea typeface="MS PGothic" charset="-128"/>
-            </a:endParaRPr>
-          </a:p>
-          <a:p>
-            <a:pPr lvl="1">
-              <a:lnSpc>
-                <a:spcPct val="150000"/>
-              </a:lnSpc>
-            </a:pPr>
-            <a:r>
-              <a:rPr lang="en-US" altLang="en-US" dirty="0" smtClean="0">
-                <a:latin typeface="Gill Sans MT" charset="0"/>
-                <a:ea typeface="MS PGothic" charset="-128"/>
-              </a:rPr>
-              <a:t>Failing to Insist on highest standards</a:t>
-            </a:r>
-          </a:p>
-          <a:p>
-            <a:pPr lvl="2">
-              <a:lnSpc>
-                <a:spcPct val="150000"/>
-              </a:lnSpc>
-            </a:pPr>
-            <a:r>
-              <a:rPr lang="en-US" altLang="en-US" dirty="0" smtClean="0">
-                <a:latin typeface="Gill Sans MT" charset="0"/>
-                <a:ea typeface="MS PGothic" charset="-128"/>
-              </a:rPr>
-              <a:t>Our Websites need to be secure, we can raise the bar by being more secure.</a:t>
-            </a:r>
-            <a:endParaRPr lang="en-US" altLang="en-US" dirty="0">
-              <a:latin typeface="Gill Sans MT" charset="0"/>
-              <a:ea typeface="MS PGothic" charset="-128"/>
-            </a:endParaRPr>
-          </a:p>
-          <a:p>
-            <a:pPr lvl="1">
-              <a:lnSpc>
-                <a:spcPct val="150000"/>
-              </a:lnSpc>
-            </a:pPr>
-            <a:r>
-              <a:rPr lang="en-US" altLang="en-US" dirty="0" smtClean="0">
-                <a:latin typeface="Gill Sans MT" charset="0"/>
-                <a:ea typeface="MS PGothic" charset="-128"/>
-              </a:rPr>
-              <a:t>Lack of ownership</a:t>
-            </a:r>
-          </a:p>
-          <a:p>
-            <a:pPr lvl="2">
-              <a:lnSpc>
-                <a:spcPct val="150000"/>
-              </a:lnSpc>
-            </a:pPr>
-            <a:r>
-              <a:rPr lang="en-US" altLang="en-US" dirty="0" err="1" smtClean="0">
-                <a:latin typeface="Gill Sans MT" charset="0"/>
-                <a:ea typeface="MS PGothic" charset="-128"/>
-              </a:rPr>
-              <a:t>Devs</a:t>
-            </a:r>
-            <a:r>
-              <a:rPr lang="en-US" altLang="en-US" dirty="0" smtClean="0">
-                <a:latin typeface="Gill Sans MT" charset="0"/>
-                <a:ea typeface="MS PGothic" charset="-128"/>
-              </a:rPr>
-              <a:t> own security for their code too</a:t>
-            </a:r>
-            <a:endParaRPr lang="en-US" altLang="en-US" dirty="0" smtClean="0">
-              <a:latin typeface="Gill Sans MT" charset="0"/>
-              <a:ea typeface="MS PGothic" charset="-128"/>
-            </a:endParaRPr>
-          </a:p>
-          <a:p>
-            <a:pPr lvl="1">
-              <a:lnSpc>
-                <a:spcPct val="150000"/>
-              </a:lnSpc>
-            </a:pPr>
-            <a:r>
-              <a:rPr lang="en-US" dirty="0" smtClean="0"/>
-              <a:t>Lack of customer obsession</a:t>
-            </a:r>
-          </a:p>
-          <a:p>
-            <a:pPr lvl="2">
-              <a:lnSpc>
-                <a:spcPct val="150000"/>
-              </a:lnSpc>
-            </a:pPr>
-            <a:r>
-              <a:rPr lang="en-US" dirty="0" smtClean="0"/>
-              <a:t>Customers experiences might be vastly affected if we have an EHI on our website</a:t>
-            </a:r>
-            <a:endParaRPr lang="en-US" altLang="en-US" dirty="0">
-              <a:latin typeface="Gill Sans MT" charset="0"/>
-              <a:ea typeface="MS PGothic" charset="-128"/>
-            </a:endParaRPr>
-          </a:p>
-          <a:p>
-            <a:pPr lvl="1"/>
-            <a:endParaRPr lang="en-US" altLang="en-US" dirty="0">
-              <a:latin typeface="Gill Sans MT" charset="0"/>
-              <a:ea typeface="MS PGothic" charset="-128"/>
-            </a:endParaRPr>
-          </a:p>
-        </p:txBody>
-      </p:sp>
-    </p:spTree>
-    <p:extLst>
-      <p:ext uri="{BB962C8B-B14F-4D97-AF65-F5344CB8AC3E}">
-        <p14:creationId xmlns:p14="http://schemas.microsoft.com/office/powerpoint/2010/main" val="1821122997"/>
-      </p:ext>
-    </p:extLst>
-  </p:cSld>
-  <p:clrMapOvr>
-    <a:masterClrMapping/>
-  </p:clrMapOvr>
-  <mc:AlternateContent xmlns:mc="http://schemas.openxmlformats.org/markup-compatibility/2006" xmlns:p14="http://schemas.microsoft.com/office/powerpoint/2010/main">
-    <mc:Choice Requires="p14">
-      <p:transition spd="slow" p14:dur="2000"/>
-    </mc:Choice>
-    <mc:Fallback xmlns="">
-      <p:transition spd="slow"/>
-    </mc:Fallback>
-  </mc:AlternateContent>
-  <p:timing>
-    <p:tnLst>
-      <p:par>
-        <p:cTn id="1" dur="indefinite" restart="never" nodeType="tmRoot"/>
-      </p:par>
-    </p:tnLst>
-  </p:timing>
-</p:sld>
-</file>
-
-<file path=ppt/slides/slide13.xml><?xml version="1.0" encoding="utf-8"?>
-<p:sld xmlns:a="http://schemas.openxmlformats.org/drawingml/2006/main" xmlns:r="http://schemas.openxmlformats.org/officeDocument/2006/relationships" xmlns:p="http://schemas.openxmlformats.org/presentationml/2006/main">
-  <p:cSld>
-    <p:spTree>
-      <p:nvGrpSpPr>
-        <p:cNvPr id="1" name=""/>
-        <p:cNvGrpSpPr/>
-        <p:nvPr/>
-      </p:nvGrpSpPr>
-      <p:grpSpPr>
-        <a:xfrm>
-          <a:off x="0" y="0"/>
-          <a:ext cx="0" cy="0"/>
-          <a:chOff x="0" y="0"/>
-          <a:chExt cx="0" cy="0"/>
-        </a:xfrm>
-      </p:grpSpPr>
-      <p:sp>
-        <p:nvSpPr>
-          <p:cNvPr id="29697" name="Title 1"/>
-          <p:cNvSpPr>
-            <a:spLocks noGrp="1"/>
-          </p:cNvSpPr>
-          <p:nvPr>
-            <p:ph type="title"/>
-          </p:nvPr>
-        </p:nvSpPr>
-        <p:spPr/>
-        <p:txBody>
-          <a:bodyPr/>
-          <a:lstStyle/>
-          <a:p>
-            <a:r>
-              <a:rPr lang="en-US" altLang="en-US" dirty="0" smtClean="0">
-                <a:latin typeface="Gill Sans MT" charset="0"/>
-                <a:ea typeface="MS PGothic" charset="-128"/>
-              </a:rPr>
-              <a:t>Results – Data </a:t>
-            </a:r>
-            <a:r>
-              <a:rPr lang="en-US" altLang="en-US" dirty="0" smtClean="0">
-                <a:latin typeface="Gill Sans MT" charset="0"/>
-                <a:ea typeface="MS PGothic" charset="-128"/>
-              </a:rPr>
-              <a:t>Gathered from WWW</a:t>
-            </a:r>
-            <a:endParaRPr lang="en-US" altLang="en-US" dirty="0">
-              <a:latin typeface="Gill Sans MT" charset="0"/>
-              <a:ea typeface="MS PGothic" charset="-128"/>
-            </a:endParaRPr>
-          </a:p>
-        </p:txBody>
-      </p:sp>
-      <p:sp>
-        <p:nvSpPr>
-          <p:cNvPr id="29698" name="Content Placeholder 2"/>
-          <p:cNvSpPr>
-            <a:spLocks noGrp="1"/>
-          </p:cNvSpPr>
-          <p:nvPr>
-            <p:ph idx="1"/>
-          </p:nvPr>
-        </p:nvSpPr>
-        <p:spPr>
-          <a:xfrm>
-            <a:off x="1485900" y="1210866"/>
-            <a:ext cx="6172200" cy="3394472"/>
-          </a:xfrm>
-        </p:spPr>
-        <p:txBody>
-          <a:bodyPr/>
-          <a:lstStyle/>
-          <a:p>
-            <a:r>
-              <a:rPr lang="en-US" sz="1800" dirty="0"/>
-              <a:t>Over a period of </a:t>
-            </a:r>
-            <a:r>
-              <a:rPr lang="en-US" sz="1800" dirty="0" smtClean="0"/>
-              <a:t>45 </a:t>
-            </a:r>
-            <a:r>
-              <a:rPr lang="en-US" sz="1800" dirty="0"/>
-              <a:t>days (Feb 26, 2016 – </a:t>
-            </a:r>
-            <a:r>
-              <a:rPr lang="en-US" sz="1800" dirty="0" smtClean="0"/>
-              <a:t>April 11, 2016), </a:t>
-            </a:r>
-            <a:r>
-              <a:rPr lang="en-US" sz="1800" dirty="0"/>
-              <a:t>we were able to gather the data shown in the table below: </a:t>
-            </a:r>
-          </a:p>
-          <a:p>
-            <a:endParaRPr lang="en-US" altLang="en-US" dirty="0">
-              <a:latin typeface="Gill Sans MT" charset="0"/>
-              <a:ea typeface="MS PGothic" charset="-128"/>
-            </a:endParaRPr>
-          </a:p>
-        </p:txBody>
-      </p:sp>
-      <p:pic>
-        <p:nvPicPr>
-          <p:cNvPr id="5" name="Picture 4"/>
-          <p:cNvPicPr>
-            <a:picLocks noChangeAspect="1"/>
-          </p:cNvPicPr>
-          <p:nvPr/>
-        </p:nvPicPr>
-        <p:blipFill>
-          <a:blip r:embed="rId3">
-            <a:extLst>
-              <a:ext uri="{28A0092B-C50C-407E-A947-70E740481C1C}">
-                <a14:useLocalDpi xmlns:a14="http://schemas.microsoft.com/office/drawing/2010/main" val="0"/>
-              </a:ext>
-            </a:extLst>
-          </a:blip>
-          <a:stretch>
-            <a:fillRect/>
-          </a:stretch>
-        </p:blipFill>
-        <p:spPr>
-          <a:xfrm>
-            <a:off x="1054100" y="2175798"/>
-            <a:ext cx="7035800" cy="2641600"/>
-          </a:xfrm>
-          <a:prstGeom prst="rect">
-            <a:avLst/>
-          </a:prstGeom>
-        </p:spPr>
-      </p:pic>
-    </p:spTree>
-    <p:extLst>
-      <p:ext uri="{BB962C8B-B14F-4D97-AF65-F5344CB8AC3E}">
-        <p14:creationId xmlns:p14="http://schemas.microsoft.com/office/powerpoint/2010/main" val="516033227"/>
-      </p:ext>
-    </p:extLst>
-  </p:cSld>
-  <p:clrMapOvr>
-    <a:masterClrMapping/>
-  </p:clrMapOvr>
-  <mc:AlternateContent xmlns:mc="http://schemas.openxmlformats.org/markup-compatibility/2006" xmlns:p14="http://schemas.microsoft.com/office/powerpoint/2010/main">
-    <mc:Choice Requires="p14">
-      <p:transition spd="slow" p14:dur="2000"/>
-    </mc:Choice>
-    <mc:Fallback xmlns="">
-      <p:transition spd="slow"/>
-    </mc:Fallback>
-  </mc:AlternateContent>
-  <p:timing>
-    <p:tnLst>
-      <p:par>
-        <p:cTn id="1" dur="indefinite" restart="never" nodeType="tmRoot"/>
-      </p:par>
-    </p:tnLst>
-  </p:timing>
-</p:sld>
-</file>
-
-<file path=ppt/slides/slide14.xml><?xml version="1.0" encoding="utf-8"?>
-<p:sld xmlns:a="http://schemas.openxmlformats.org/drawingml/2006/main" xmlns:r="http://schemas.openxmlformats.org/officeDocument/2006/relationships" xmlns:p="http://schemas.openxmlformats.org/presentationml/2006/main">
-  <p:cSld>
-    <p:spTree>
-      <p:nvGrpSpPr>
-        <p:cNvPr id="1" name=""/>
-        <p:cNvGrpSpPr/>
-        <p:nvPr/>
-      </p:nvGrpSpPr>
-      <p:grpSpPr>
-        <a:xfrm>
-          <a:off x="0" y="0"/>
-          <a:ext cx="0" cy="0"/>
-          <a:chOff x="0" y="0"/>
-          <a:chExt cx="0" cy="0"/>
-        </a:xfrm>
-      </p:grpSpPr>
-      <p:sp>
-        <p:nvSpPr>
-          <p:cNvPr id="29697" name="Title 1"/>
-          <p:cNvSpPr>
-            <a:spLocks noGrp="1"/>
-          </p:cNvSpPr>
-          <p:nvPr>
-            <p:ph type="title"/>
-          </p:nvPr>
-        </p:nvSpPr>
-        <p:spPr/>
-        <p:txBody>
-          <a:bodyPr/>
-          <a:lstStyle/>
-          <a:p>
-            <a:r>
-              <a:rPr lang="en-US" altLang="en-US" dirty="0" smtClean="0">
-                <a:latin typeface="Gill Sans MT" charset="0"/>
-                <a:ea typeface="MS PGothic" charset="-128"/>
-              </a:rPr>
-              <a:t>Results – E-Mails Received</a:t>
-            </a:r>
-            <a:endParaRPr lang="en-US" altLang="en-US" dirty="0">
-              <a:latin typeface="Gill Sans MT" charset="0"/>
-              <a:ea typeface="MS PGothic" charset="-128"/>
-            </a:endParaRPr>
-          </a:p>
-        </p:txBody>
-      </p:sp>
-      <p:sp>
-        <p:nvSpPr>
-          <p:cNvPr id="29698" name="Content Placeholder 2"/>
-          <p:cNvSpPr>
-            <a:spLocks noGrp="1"/>
-          </p:cNvSpPr>
-          <p:nvPr>
-            <p:ph idx="1"/>
-          </p:nvPr>
-        </p:nvSpPr>
-        <p:spPr>
-          <a:xfrm>
-            <a:off x="1485900" y="1210866"/>
-            <a:ext cx="6172200" cy="3394472"/>
-          </a:xfrm>
-        </p:spPr>
-        <p:txBody>
-          <a:bodyPr/>
-          <a:lstStyle/>
-          <a:p>
-            <a:r>
-              <a:rPr lang="en-US" sz="1800" dirty="0"/>
-              <a:t>The e-mails we received can be classified into the following major injection types (shown in the table below): </a:t>
-            </a:r>
-          </a:p>
-          <a:p>
-            <a:endParaRPr lang="en-US" altLang="en-US" sz="1800" dirty="0">
-              <a:latin typeface="Gill Sans MT" charset="0"/>
-              <a:ea typeface="MS PGothic" charset="-128"/>
-            </a:endParaRPr>
-          </a:p>
-        </p:txBody>
-      </p:sp>
-      <p:graphicFrame>
-        <p:nvGraphicFramePr>
-          <p:cNvPr id="3" name="Table 2"/>
-          <p:cNvGraphicFramePr>
-            <a:graphicFrameLocks noGrp="1"/>
-          </p:cNvGraphicFramePr>
-          <p:nvPr>
-            <p:extLst>
-              <p:ext uri="{D42A27DB-BD31-4B8C-83A1-F6EECF244321}">
-                <p14:modId xmlns:p14="http://schemas.microsoft.com/office/powerpoint/2010/main" val="638271270"/>
-              </p:ext>
-            </p:extLst>
-          </p:nvPr>
-        </p:nvGraphicFramePr>
-        <p:xfrm>
-          <a:off x="1043609" y="2068116"/>
-          <a:ext cx="7086600" cy="2275779"/>
-        </p:xfrm>
-        <a:graphic>
-          <a:graphicData uri="http://schemas.openxmlformats.org/drawingml/2006/table">
-            <a:tbl>
-              <a:tblPr firstRow="1" bandRow="1">
-                <a:tableStyleId>{1E171933-4619-4E11-9A3F-F7608DF75F80}</a:tableStyleId>
-              </a:tblPr>
-              <a:tblGrid>
-                <a:gridCol w="4742322"/>
-                <a:gridCol w="2344278"/>
-              </a:tblGrid>
-              <a:tr h="657301">
-                <a:tc>
-                  <a:txBody>
-                    <a:bodyPr/>
-                    <a:lstStyle/>
-                    <a:p>
-                      <a:pPr algn="ctr"/>
-                      <a:r>
-                        <a:rPr lang="en-US" sz="1600" cap="none" spc="0" dirty="0" smtClean="0">
-                          <a:ln>
-                            <a:noFill/>
-                          </a:ln>
-                          <a:effectLst/>
-                        </a:rPr>
-                        <a:t>Type of Injection</a:t>
-                      </a:r>
-                      <a:endParaRPr lang="en-US" sz="1600" b="1" cap="none" spc="0" dirty="0">
-                        <a:ln>
-                          <a:noFill/>
-                        </a:ln>
-                        <a:solidFill>
-                          <a:schemeClr val="bg1"/>
-                        </a:solidFill>
-                        <a:effectLst/>
-                        <a:latin typeface="+mn-lt"/>
-                        <a:ea typeface="Adobe Garamond Pro" charset="0"/>
-                        <a:cs typeface="Adobe Garamond Pro" charset="0"/>
-                      </a:endParaRPr>
-                    </a:p>
-                  </a:txBody>
-                  <a:tcPr marL="68580" marR="68580" marT="34290" marB="34290"/>
-                </a:tc>
-                <a:tc>
-                  <a:txBody>
-                    <a:bodyPr/>
-                    <a:lstStyle/>
-                    <a:p>
-                      <a:pPr algn="ctr"/>
-                      <a:r>
-                        <a:rPr lang="en-US" sz="1600" cap="none" spc="0" dirty="0" smtClean="0">
-                          <a:ln>
-                            <a:noFill/>
-                          </a:ln>
-                          <a:effectLst/>
-                        </a:rPr>
-                        <a:t>No. of e-mails received</a:t>
-                      </a:r>
-                      <a:endParaRPr lang="en-US" sz="1600" b="1" cap="none" spc="0" dirty="0">
-                        <a:ln>
-                          <a:noFill/>
-                        </a:ln>
-                        <a:solidFill>
-                          <a:schemeClr val="bg1"/>
-                        </a:solidFill>
-                        <a:effectLst/>
-                        <a:latin typeface="+mn-lt"/>
-                        <a:ea typeface="Adobe Garamond Pro" charset="0"/>
-                        <a:cs typeface="Adobe Garamond Pro" charset="0"/>
-                      </a:endParaRPr>
-                    </a:p>
-                  </a:txBody>
-                  <a:tcPr marL="68580" marR="68580" marT="34290" marB="34290"/>
-                </a:tc>
-              </a:tr>
-              <a:tr h="395858">
-                <a:tc>
-                  <a:txBody>
-                    <a:bodyPr/>
-                    <a:lstStyle/>
-                    <a:p>
-                      <a:r>
-                        <a:rPr lang="en-US" sz="1600" cap="none" spc="0" dirty="0" smtClean="0">
-                          <a:ln>
-                            <a:noFill/>
-                          </a:ln>
-                          <a:effectLst/>
-                        </a:rPr>
-                        <a:t>E-Mail Header Injections with bcc header</a:t>
-                      </a:r>
-                      <a:endParaRPr lang="en-US" sz="1600" b="0" cap="none" spc="0" dirty="0">
-                        <a:ln>
-                          <a:noFill/>
-                        </a:ln>
-                        <a:solidFill>
-                          <a:schemeClr val="bg1"/>
-                        </a:solidFill>
-                        <a:effectLst/>
-                        <a:latin typeface="+mn-lt"/>
-                        <a:ea typeface="Adobe Garamond Pro" charset="0"/>
-                        <a:cs typeface="Adobe Garamond Pro" charset="0"/>
-                      </a:endParaRPr>
-                    </a:p>
-                  </a:txBody>
-                  <a:tcPr marL="68580" marR="68580" marT="34290" marB="34290"/>
-                </a:tc>
-                <a:tc>
-                  <a:txBody>
-                    <a:bodyPr/>
-                    <a:lstStyle/>
-                    <a:p>
-                      <a:pPr algn="ctr"/>
-                      <a:r>
-                        <a:rPr lang="en-US" sz="1600" b="0" cap="none" spc="0" dirty="0" smtClean="0">
-                          <a:ln>
-                            <a:noFill/>
-                          </a:ln>
-                          <a:solidFill>
-                            <a:schemeClr val="dk1"/>
-                          </a:solidFill>
-                          <a:effectLst/>
-                          <a:latin typeface="+mn-lt"/>
-                          <a:ea typeface="+mn-ea"/>
-                          <a:cs typeface="+mn-cs"/>
-                        </a:rPr>
-                        <a:t>583</a:t>
-                      </a:r>
-                      <a:endParaRPr lang="en-US" sz="1600" b="0" cap="none" spc="0" dirty="0">
-                        <a:ln>
-                          <a:noFill/>
-                        </a:ln>
-                        <a:solidFill>
-                          <a:schemeClr val="bg1"/>
-                        </a:solidFill>
-                        <a:effectLst/>
-                        <a:latin typeface="+mn-lt"/>
-                        <a:ea typeface="Arial" charset="0"/>
-                        <a:cs typeface="Arial" charset="0"/>
-                      </a:endParaRPr>
-                    </a:p>
-                  </a:txBody>
-                  <a:tcPr marL="68580" marR="68580" marT="34290" marB="34290"/>
-                </a:tc>
-              </a:tr>
-              <a:tr h="395858">
-                <a:tc>
-                  <a:txBody>
-                    <a:bodyPr/>
-                    <a:lstStyle/>
-                    <a:p>
-                      <a:r>
-                        <a:rPr lang="en-US" sz="1600" b="0" cap="none" spc="0" dirty="0" smtClean="0">
-                          <a:ln>
-                            <a:noFill/>
-                          </a:ln>
-                          <a:solidFill>
-                            <a:schemeClr val="tx1"/>
-                          </a:solidFill>
-                          <a:effectLst/>
-                          <a:latin typeface="+mn-lt"/>
-                          <a:ea typeface="Adobe Garamond Pro" charset="0"/>
-                          <a:cs typeface="Adobe Garamond Pro" charset="0"/>
-                        </a:rPr>
-                        <a:t>Malicious attachments possible</a:t>
-                      </a:r>
-                      <a:endParaRPr lang="en-US" sz="1600" b="0" cap="none" spc="0" dirty="0">
-                        <a:ln>
-                          <a:noFill/>
-                        </a:ln>
-                        <a:solidFill>
-                          <a:schemeClr val="tx1"/>
-                        </a:solidFill>
-                        <a:effectLst/>
-                        <a:latin typeface="+mn-lt"/>
-                        <a:ea typeface="Adobe Garamond Pro" charset="0"/>
-                        <a:cs typeface="Adobe Garamond Pro" charset="0"/>
-                      </a:endParaRPr>
-                    </a:p>
-                  </a:txBody>
-                  <a:tcPr marL="68580" marR="68580" marT="34290" marB="34290"/>
-                </a:tc>
-                <a:tc>
-                  <a:txBody>
-                    <a:bodyPr/>
-                    <a:lstStyle/>
-                    <a:p>
-                      <a:pPr algn="ctr"/>
-                      <a:r>
-                        <a:rPr lang="en-US" sz="1600" b="0" cap="none" spc="0" dirty="0" smtClean="0">
-                          <a:ln>
-                            <a:noFill/>
-                          </a:ln>
-                          <a:solidFill>
-                            <a:schemeClr val="tx1"/>
-                          </a:solidFill>
-                          <a:effectLst/>
-                          <a:latin typeface="+mn-lt"/>
-                          <a:ea typeface="Arial" charset="0"/>
-                          <a:cs typeface="Arial" charset="0"/>
-                        </a:rPr>
-                        <a:t>443</a:t>
-                      </a:r>
-                      <a:endParaRPr lang="en-US" sz="1600" b="0" cap="none" spc="0" dirty="0">
-                        <a:ln>
-                          <a:noFill/>
-                        </a:ln>
-                        <a:solidFill>
-                          <a:schemeClr val="tx1"/>
-                        </a:solidFill>
-                        <a:effectLst/>
-                        <a:latin typeface="+mn-lt"/>
-                        <a:ea typeface="Arial" charset="0"/>
-                        <a:cs typeface="Arial" charset="0"/>
-                      </a:endParaRPr>
-                    </a:p>
-                  </a:txBody>
-                  <a:tcPr marL="68580" marR="68580" marT="34290" marB="34290"/>
-                </a:tc>
-              </a:tr>
-              <a:tr h="413381">
-                <a:tc>
-                  <a:txBody>
-                    <a:bodyPr/>
-                    <a:lstStyle/>
-                    <a:p>
-                      <a:r>
-                        <a:rPr lang="en-US" sz="1600" cap="none" spc="0" dirty="0" smtClean="0">
-                          <a:ln>
-                            <a:noFill/>
-                          </a:ln>
-                          <a:effectLst/>
-                        </a:rPr>
-                        <a:t>To header injections alone</a:t>
-                      </a:r>
-                      <a:endParaRPr lang="en-US" sz="1600" b="0" cap="none" spc="0" dirty="0">
-                        <a:ln>
-                          <a:noFill/>
-                        </a:ln>
-                        <a:solidFill>
-                          <a:schemeClr val="bg1"/>
-                        </a:solidFill>
-                        <a:effectLst/>
-                        <a:latin typeface="+mn-lt"/>
-                        <a:ea typeface="Adobe Garamond Pro" charset="0"/>
-                        <a:cs typeface="Adobe Garamond Pro" charset="0"/>
-                      </a:endParaRPr>
-                    </a:p>
-                  </a:txBody>
-                  <a:tcPr marL="68580" marR="68580" marT="34290" marB="34290"/>
-                </a:tc>
-                <a:tc>
-                  <a:txBody>
-                    <a:bodyPr/>
-                    <a:lstStyle/>
-                    <a:p>
-                      <a:pPr algn="ctr"/>
-                      <a:r>
-                        <a:rPr lang="en-US" sz="1600" b="0" cap="none" spc="0" dirty="0" smtClean="0">
-                          <a:ln>
-                            <a:noFill/>
-                          </a:ln>
-                          <a:solidFill>
-                            <a:schemeClr val="dk1"/>
-                          </a:solidFill>
-                          <a:effectLst/>
-                          <a:latin typeface="+mn-lt"/>
-                          <a:ea typeface="+mn-ea"/>
-                          <a:cs typeface="+mn-cs"/>
-                        </a:rPr>
-                        <a:t>229</a:t>
-                      </a:r>
-                      <a:endParaRPr lang="en-US" sz="1600" b="0" cap="none" spc="0" dirty="0">
-                        <a:ln>
-                          <a:noFill/>
-                        </a:ln>
-                        <a:solidFill>
-                          <a:schemeClr val="bg1"/>
-                        </a:solidFill>
-                        <a:effectLst/>
-                        <a:latin typeface="+mn-lt"/>
-                        <a:ea typeface="Arial" charset="0"/>
-                        <a:cs typeface="Arial" charset="0"/>
-                      </a:endParaRPr>
-                    </a:p>
-                  </a:txBody>
-                  <a:tcPr marL="68580" marR="68580" marT="34290" marB="34290"/>
-                </a:tc>
-              </a:tr>
-              <a:tr h="413381">
-                <a:tc>
-                  <a:txBody>
-                    <a:bodyPr/>
-                    <a:lstStyle/>
-                    <a:p>
-                      <a:r>
-                        <a:rPr lang="en-US" sz="1600" cap="none" spc="0" dirty="0" smtClean="0">
-                          <a:ln>
-                            <a:noFill/>
-                          </a:ln>
-                          <a:effectLst/>
-                        </a:rPr>
-                        <a:t>Total successful injections</a:t>
-                      </a:r>
-                      <a:endParaRPr lang="en-US" sz="1600" b="0" cap="none" spc="0" dirty="0">
-                        <a:ln>
-                          <a:noFill/>
-                        </a:ln>
-                        <a:solidFill>
-                          <a:schemeClr val="bg1"/>
-                        </a:solidFill>
-                        <a:effectLst/>
-                        <a:latin typeface="+mn-lt"/>
-                        <a:ea typeface="Adobe Garamond Pro" charset="0"/>
-                        <a:cs typeface="Adobe Garamond Pro" charset="0"/>
-                      </a:endParaRPr>
-                    </a:p>
-                  </a:txBody>
-                  <a:tcPr marL="68580" marR="68580" marT="34290" marB="34290"/>
-                </a:tc>
-                <a:tc>
-                  <a:txBody>
-                    <a:bodyPr/>
-                    <a:lstStyle/>
-                    <a:p>
-                      <a:pPr algn="ctr"/>
-                      <a:r>
-                        <a:rPr lang="en-US" sz="1600" cap="none" spc="0" dirty="0" smtClean="0">
-                          <a:ln>
-                            <a:noFill/>
-                          </a:ln>
-                          <a:effectLst/>
-                        </a:rPr>
-                        <a:t>994</a:t>
-                      </a:r>
-                      <a:endParaRPr lang="en-US" sz="1600" b="0" cap="none" spc="0" dirty="0">
-                        <a:ln>
-                          <a:noFill/>
-                        </a:ln>
-                        <a:solidFill>
-                          <a:schemeClr val="bg1"/>
-                        </a:solidFill>
-                        <a:effectLst/>
-                        <a:latin typeface="+mn-lt"/>
-                        <a:ea typeface="Arial" charset="0"/>
-                        <a:cs typeface="Arial" charset="0"/>
-                      </a:endParaRPr>
-                    </a:p>
-                  </a:txBody>
-                  <a:tcPr marL="68580" marR="68580" marT="34290" marB="34290"/>
-                </a:tc>
-              </a:tr>
-            </a:tbl>
-          </a:graphicData>
-        </a:graphic>
-      </p:graphicFrame>
-    </p:spTree>
-    <p:extLst>
-      <p:ext uri="{BB962C8B-B14F-4D97-AF65-F5344CB8AC3E}">
-        <p14:creationId xmlns:p14="http://schemas.microsoft.com/office/powerpoint/2010/main" val="1375319937"/>
-      </p:ext>
-    </p:extLst>
-  </p:cSld>
-  <p:clrMapOvr>
-    <a:masterClrMapping/>
-  </p:clrMapOvr>
-  <mc:AlternateContent xmlns:mc="http://schemas.openxmlformats.org/markup-compatibility/2006" xmlns:p14="http://schemas.microsoft.com/office/powerpoint/2010/main">
-    <mc:Choice Requires="p14">
-      <p:transition spd="slow" p14:dur="2000"/>
-    </mc:Choice>
-    <mc:Fallback xmlns="">
-      <p:transition spd="slow"/>
-    </mc:Fallback>
-  </mc:AlternateContent>
-  <p:timing>
-    <p:tnLst>
-      <p:par>
-        <p:cTn id="1" dur="indefinite" restart="never" nodeType="tmRoot"/>
-      </p:par>
-    </p:tnLst>
-  </p:timing>
-</p:sld>
-</file>
-
-<file path=ppt/slides/slide15.xml><?xml version="1.0" encoding="utf-8"?>
-<p:sld xmlns:a="http://schemas.openxmlformats.org/drawingml/2006/main" xmlns:r="http://schemas.openxmlformats.org/officeDocument/2006/relationships" xmlns:p="http://schemas.openxmlformats.org/presentationml/2006/main">
-  <p:cSld>
-    <p:spTree>
-      <p:nvGrpSpPr>
-        <p:cNvPr id="1" name=""/>
-        <p:cNvGrpSpPr/>
-        <p:nvPr/>
-      </p:nvGrpSpPr>
-      <p:grpSpPr>
-        <a:xfrm>
-          <a:off x="0" y="0"/>
-          <a:ext cx="0" cy="0"/>
-          <a:chOff x="0" y="0"/>
-          <a:chExt cx="0" cy="0"/>
-        </a:xfrm>
-      </p:grpSpPr>
-      <p:sp>
-        <p:nvSpPr>
-          <p:cNvPr id="29697" name="Title 1"/>
-          <p:cNvSpPr>
-            <a:spLocks noGrp="1"/>
-          </p:cNvSpPr>
-          <p:nvPr>
-            <p:ph type="title"/>
-          </p:nvPr>
-        </p:nvSpPr>
-        <p:spPr/>
-        <p:txBody>
-          <a:bodyPr/>
-          <a:lstStyle/>
-          <a:p>
-            <a:r>
-              <a:rPr lang="en-US" altLang="en-US" dirty="0" smtClean="0">
-                <a:latin typeface="Gill Sans MT" charset="0"/>
-                <a:ea typeface="MS PGothic" charset="-128"/>
-              </a:rPr>
-              <a:t>Data Pipeline</a:t>
-            </a:r>
-            <a:endParaRPr lang="en-US" altLang="en-US" dirty="0">
-              <a:latin typeface="Gill Sans MT" charset="0"/>
-              <a:ea typeface="MS PGothic" charset="-128"/>
-            </a:endParaRPr>
-          </a:p>
-        </p:txBody>
-      </p:sp>
-      <p:sp>
-        <p:nvSpPr>
-          <p:cNvPr id="29698" name="Content Placeholder 2"/>
-          <p:cNvSpPr>
-            <a:spLocks noGrp="1"/>
-          </p:cNvSpPr>
-          <p:nvPr>
-            <p:ph idx="1"/>
-          </p:nvPr>
-        </p:nvSpPr>
-        <p:spPr>
-          <a:xfrm>
-            <a:off x="1485900" y="1210866"/>
-            <a:ext cx="6172200" cy="3394472"/>
-          </a:xfrm>
-        </p:spPr>
-        <p:txBody>
-          <a:bodyPr/>
-          <a:lstStyle/>
-          <a:p>
-            <a:endParaRPr lang="en-US" altLang="en-US" dirty="0">
-              <a:latin typeface="Gill Sans MT" charset="0"/>
-              <a:ea typeface="MS PGothic" charset="-128"/>
-            </a:endParaRPr>
-          </a:p>
-        </p:txBody>
-      </p:sp>
-      <p:pic>
-        <p:nvPicPr>
-          <p:cNvPr id="3" name="Picture 2"/>
-          <p:cNvPicPr>
-            <a:picLocks noChangeAspect="1"/>
-          </p:cNvPicPr>
-          <p:nvPr/>
-        </p:nvPicPr>
-        <p:blipFill>
-          <a:blip r:embed="rId3">
-            <a:extLst>
-              <a:ext uri="{28A0092B-C50C-407E-A947-70E740481C1C}">
-                <a14:useLocalDpi xmlns:a14="http://schemas.microsoft.com/office/drawing/2010/main" val="0"/>
-              </a:ext>
-            </a:extLst>
-          </a:blip>
-          <a:stretch>
-            <a:fillRect/>
-          </a:stretch>
-        </p:blipFill>
-        <p:spPr>
-          <a:xfrm>
-            <a:off x="477077" y="998806"/>
-            <a:ext cx="8189845" cy="4606959"/>
-          </a:xfrm>
-          <a:prstGeom prst="rect">
-            <a:avLst/>
-          </a:prstGeom>
-        </p:spPr>
-      </p:pic>
-    </p:spTree>
-    <p:extLst>
-      <p:ext uri="{BB962C8B-B14F-4D97-AF65-F5344CB8AC3E}">
-        <p14:creationId xmlns:p14="http://schemas.microsoft.com/office/powerpoint/2010/main" val="1163936056"/>
-      </p:ext>
-    </p:extLst>
-  </p:cSld>
-  <p:clrMapOvr>
-    <a:masterClrMapping/>
-  </p:clrMapOvr>
-  <mc:AlternateContent xmlns:mc="http://schemas.openxmlformats.org/markup-compatibility/2006" xmlns:p14="http://schemas.microsoft.com/office/powerpoint/2010/main">
-    <mc:Choice Requires="p14">
-      <p:transition spd="slow" p14:dur="2000"/>
-    </mc:Choice>
-    <mc:Fallback xmlns="">
-      <p:transition spd="slow"/>
-    </mc:Fallback>
-  </mc:AlternateContent>
-  <p:timing>
-    <p:tnLst>
-      <p:par>
-        <p:cTn id="1" dur="indefinite" restart="never" nodeType="tmRoot"/>
-      </p:par>
-    </p:tnLst>
-  </p:timing>
-</p:sld>
-</file>
-
-<file path=ppt/slides/slide16.xml><?xml version="1.0" encoding="utf-8"?>
-<p:sld xmlns:a="http://schemas.openxmlformats.org/drawingml/2006/main" xmlns:r="http://schemas.openxmlformats.org/officeDocument/2006/relationships" xmlns:p="http://schemas.openxmlformats.org/presentationml/2006/main">
-  <p:cSld>
-    <p:spTree>
-      <p:nvGrpSpPr>
-        <p:cNvPr id="1" name=""/>
-        <p:cNvGrpSpPr/>
-        <p:nvPr/>
-      </p:nvGrpSpPr>
-      <p:grpSpPr>
-        <a:xfrm>
-          <a:off x="0" y="0"/>
-          <a:ext cx="0" cy="0"/>
-          <a:chOff x="0" y="0"/>
-          <a:chExt cx="0" cy="0"/>
-        </a:xfrm>
-      </p:grpSpPr>
-      <p:sp>
-        <p:nvSpPr>
           <p:cNvPr id="29697" name="Title 1"/>
           <p:cNvSpPr>
             <a:spLocks noGrp="1"/>
@@ -7232,11 +5465,7 @@
             </a:pPr>
             <a:r>
               <a:rPr lang="en-US" sz="1800" dirty="0" smtClean="0"/>
-              <a:t>Do not trust </a:t>
-            </a:r>
-            <a:r>
-              <a:rPr lang="en-US" sz="1800" smtClean="0"/>
-              <a:t>user input, Use </a:t>
+              <a:t>Do not trust user input, Use </a:t>
             </a:r>
             <a:r>
               <a:rPr lang="en-US" sz="1800" dirty="0"/>
@@ -7281,7 +5510,7 @@
           <p:nvPr>
             <p:extLst>
               <p:ext uri="{D42A27DB-BD31-4B8C-83A1-F6EECF244321}">
-                <p14:modId xmlns:p14="http://schemas.microsoft.com/office/powerpoint/2010/main" val="1688756144"/>
+                <p14:modId xmlns:p14="http://schemas.microsoft.com/office/powerpoint/2010/main" val="1645455326"/>
               </p:ext>
             </p:extLst>
           </p:nvPr>
@@ -7307,10 +5536,10 @@
                     <a:lstStyle/>
                     <a:p>
                       <a:r>
-                        <a:rPr lang="en-US" sz="1600" dirty="0">
+                        <a:rPr lang="en-US" sz="1600" dirty="0" smtClean="0">
                           <a:effectLst/>
                         </a:rPr>
-                        <a:t>Language </a:t>
+                        <a:t>LANGUAGE </a:t>
                       </a:r>
                       <a:endParaRPr lang="en-US" sz="2400" b="1" dirty="0">
                         <a:solidFill>
@@ -7329,10 +5558,10 @@
                     <a:lstStyle/>
                     <a:p>
                       <a:r>
-                        <a:rPr lang="en-US" sz="1600" dirty="0">
+                        <a:rPr lang="en-US" sz="1600" dirty="0" smtClean="0">
                           <a:effectLst/>
                         </a:rPr>
-                        <a:t>Mail Libraries </a:t>
+                        <a:t>VERIFIED MAIL LIBRARIES </a:t>
                       </a:r>
                       <a:endParaRPr lang="en-US" sz="2400" b="1" dirty="0">
                         <a:solidFill>
@@ -7640,6 +5869,52 @@
           </a:graphicData>
         </a:graphic>
       </p:graphicFrame>
+      <p:sp>
+        <p:nvSpPr>
+          <p:cNvPr id="9" name="Slide Number Placeholder 8"/>
+          <p:cNvSpPr>
+            <a:spLocks noGrp="1"/>
+          </p:cNvSpPr>
+          <p:nvPr>
+            <p:ph type="sldNum" sz="quarter" idx="12"/>
+          </p:nvPr>
+        </p:nvSpPr>
+        <p:spPr/>
+        <p:txBody>
+          <a:bodyPr/>
+          <a:lstStyle/>
+          <a:p>
+            <a:fld id="{C65DCCF2-6008-4DE1-A65C-BCDCF780F6E1}" type="slidenum">
+              <a:rPr lang="en-US" smtClean="0"/>
+              <a:t>10</a:t>
+            </a:fld>
+            <a:endParaRPr lang="en-US"/>
+          </a:p>
+        </p:txBody>
+      </p:sp>
+      <p:sp>
+        <p:nvSpPr>
+          <p:cNvPr id="10" name="Footer Placeholder 9"/>
+          <p:cNvSpPr>
+            <a:spLocks noGrp="1"/>
+          </p:cNvSpPr>
+          <p:nvPr>
+            <p:ph type="ftr" sz="quarter" idx="11"/>
+          </p:nvPr>
+        </p:nvSpPr>
+        <p:spPr/>
+        <p:txBody>
+          <a:bodyPr/>
+          <a:lstStyle/>
+          <a:p>
+            <a:r>
+              <a:rPr lang="en-US" smtClean="0"/>
+              <a:t>Amazon Confidential</a:t>
+            </a:r>
+            <a:endParaRPr lang="en-US"/>
+          </a:p>
+        </p:txBody>
+      </p:sp>
     </p:spTree>
     <p:extLst>
       <p:ext uri="{BB962C8B-B14F-4D97-AF65-F5344CB8AC3E}">
@@ -7668,7 +5943,7 @@
 </p:sld>
 </file>
 
-<file path=ppt/slides/slide17.xml><?xml version="1.0" encoding="utf-8"?>
+<file path=ppt/slides/slide11.xml><?xml version="1.0" encoding="utf-8"?>
 <p:sld xmlns:a="http://schemas.openxmlformats.org/drawingml/2006/main" xmlns:r="http://schemas.openxmlformats.org/officeDocument/2006/relationships" xmlns:p="http://schemas.openxmlformats.org/presentationml/2006/main">
   <p:cSld>
     <p:spTree>
@@ -7765,19 +6040,135 @@
             </a:br>
             <a:r>
               <a:rPr lang="en-US" sz="1400" dirty="0">
+                <a:latin typeface="Courier" charset="0"/>
+                <a:ea typeface="Courier" charset="0"/>
+                <a:cs typeface="Courier" charset="0"/>
+              </a:rPr>
+              <a:t>$from = ($_REQUEST['email']);</a:t>
+            </a:r>
+            <a:br>
+              <a:rPr lang="en-US" sz="1400" dirty="0">
+                <a:latin typeface="Courier" charset="0"/>
+                <a:ea typeface="Courier" charset="0"/>
+                <a:cs typeface="Courier" charset="0"/>
+              </a:rPr>
+            </a:br>
+            <a:r>
+              <a:rPr lang="en-US" sz="1400" dirty="0">
+                <a:latin typeface="Courier" charset="0"/>
+                <a:ea typeface="Courier" charset="0"/>
+                <a:cs typeface="Courier" charset="0"/>
+              </a:rPr>
+              <a:t>$sanitized = </a:t>
+            </a:r>
+            <a:r>
+              <a:rPr lang="en-US" sz="1400" dirty="0" err="1">
+                <a:latin typeface="Courier" charset="0"/>
+                <a:ea typeface="Courier" charset="0"/>
+                <a:cs typeface="Courier" charset="0"/>
+              </a:rPr>
+              <a:t>filter_var</a:t>
+            </a:r>
+            <a:r>
+              <a:rPr lang="en-US" sz="1400" dirty="0">
+                <a:latin typeface="Courier" charset="0"/>
+                <a:ea typeface="Courier" charset="0"/>
+                <a:cs typeface="Courier" charset="0"/>
+              </a:rPr>
+              <a:t>($</a:t>
+            </a:r>
+            <a:r>
+              <a:rPr lang="en-US" sz="1400" dirty="0" err="1">
+                <a:latin typeface="Courier" charset="0"/>
+                <a:ea typeface="Courier" charset="0"/>
+                <a:cs typeface="Courier" charset="0"/>
+              </a:rPr>
+              <a:t>from,FILTER_SANITIZE_EMAIL</a:t>
+            </a:r>
+            <a:r>
+              <a:rPr lang="en-US" sz="1400" dirty="0">
+                <a:latin typeface="Courier" charset="0"/>
+                <a:ea typeface="Courier" charset="0"/>
+                <a:cs typeface="Courier" charset="0"/>
+              </a:rPr>
+              <a:t>);</a:t>
+            </a:r>
+            <a:br>
+              <a:rPr lang="en-US" sz="1400" dirty="0">
+                <a:latin typeface="Courier" charset="0"/>
+                <a:ea typeface="Courier" charset="0"/>
+                <a:cs typeface="Courier" charset="0"/>
+              </a:rPr>
+            </a:br>
+            <a:r>
+              <a:rPr lang="en-US" sz="1400" dirty="0">
+                <a:latin typeface="Courier" charset="0"/>
+                <a:ea typeface="Courier" charset="0"/>
+                <a:cs typeface="Courier" charset="0"/>
+              </a:rPr>
+              <a:t>if (</a:t>
+            </a:r>
+            <a:r>
+              <a:rPr lang="en-US" sz="1400" dirty="0" err="1">
+                <a:latin typeface="Courier" charset="0"/>
+                <a:ea typeface="Courier" charset="0"/>
+                <a:cs typeface="Courier" charset="0"/>
+              </a:rPr>
+              <a:t>filter_var</a:t>
+            </a:r>
+            <a:r>
+              <a:rPr lang="en-US" sz="1400" dirty="0">
+                <a:latin typeface="Courier" charset="0"/>
+                <a:ea typeface="Courier" charset="0"/>
+                <a:cs typeface="Courier" charset="0"/>
+              </a:rPr>
+              <a:t>($</a:t>
+            </a:r>
+            <a:r>
+              <a:rPr lang="en-US" sz="1400" dirty="0" err="1">
+                <a:latin typeface="Courier" charset="0"/>
+                <a:ea typeface="Courier" charset="0"/>
+                <a:cs typeface="Courier" charset="0"/>
+              </a:rPr>
+              <a:t>sanitized,FILTER_VALIDATE_EMAIL</a:t>
+            </a:r>
+            <a:r>
+              <a:rPr lang="en-US" sz="1400" dirty="0">
+                <a:latin typeface="Courier" charset="0"/>
+                <a:ea typeface="Courier" charset="0"/>
+                <a:cs typeface="Courier" charset="0"/>
+              </a:rPr>
+              <a:t>)) {</a:t>
+            </a:r>
+            <a:br>
+              <a:rPr lang="en-US" sz="1400" dirty="0">
+                <a:latin typeface="Courier" charset="0"/>
+                <a:ea typeface="Courier" charset="0"/>
+                <a:cs typeface="Courier" charset="0"/>
+              </a:rPr>
+            </a:br>
+            <a:r>
+              <a:rPr lang="en-US" sz="1400" dirty="0">
                 <a:solidFill>
-                  <a:schemeClr val="tx1">
-                    <a:lumMod val="50000"/>
-                    <a:lumOff val="50000"/>
-                  </a:schemeClr>
+                  <a:srgbClr val="92D050"/>
                 </a:solidFill>
                 <a:latin typeface="Courier" charset="0"/>
                 <a:ea typeface="Courier" charset="0"/>
                 <a:cs typeface="Courier" charset="0"/>
               </a:rPr>
-              <a:t>$from = ($_REQUEST['email']);</a:t>
+              <a:t>// do the rest of the e-mail code</a:t>
             </a:r>
             <a:br>
+              <a:rPr lang="en-US" sz="1400" dirty="0">
+                <a:solidFill>
+                  <a:srgbClr val="92D050"/>
+                </a:solidFill>
+                <a:latin typeface="Courier" charset="0"/>
+                <a:ea typeface="Courier" charset="0"/>
+                <a:cs typeface="Courier" charset="0"/>
+              </a:rPr>
+            </a:br>
+            <a:r>
               <a:rPr lang="en-US" sz="1400" dirty="0">
                 <a:solidFill>
                   <a:schemeClr val="tx1">
@@ -7789,206 +6180,6 @@
                 <a:ea typeface="Courier" charset="0"/>
                 <a:cs typeface="Courier" charset="0"/>
               </a:rPr>
-            </a:br>
-            <a:r>
-              <a:rPr lang="en-US" sz="1400" dirty="0">
-                <a:solidFill>
-                  <a:schemeClr val="tx1">
-                    <a:lumMod val="50000"/>
-                    <a:lumOff val="50000"/>
-                  </a:schemeClr>
-                </a:solidFill>
-                <a:latin typeface="Courier" charset="0"/>
-                <a:ea typeface="Courier" charset="0"/>
-                <a:cs typeface="Courier" charset="0"/>
-              </a:rPr>
-              <a:t>$sanitized = </a:t>
-            </a:r>
-            <a:r>
-              <a:rPr lang="en-US" sz="1400" dirty="0" err="1">
-                <a:solidFill>
-                  <a:schemeClr val="tx1">
-                    <a:lumMod val="50000"/>
-                    <a:lumOff val="50000"/>
-                  </a:schemeClr>
-                </a:solidFill>
-                <a:latin typeface="Courier" charset="0"/>
-                <a:ea typeface="Courier" charset="0"/>
-                <a:cs typeface="Courier" charset="0"/>
-              </a:rPr>
-              <a:t>filter_var</a:t>
-            </a:r>
-            <a:r>
-              <a:rPr lang="en-US" sz="1400" dirty="0">
-                <a:solidFill>
-                  <a:schemeClr val="tx1">
-                    <a:lumMod val="50000"/>
-                    <a:lumOff val="50000"/>
-                  </a:schemeClr>
-                </a:solidFill>
-                <a:latin typeface="Courier" charset="0"/>
-                <a:ea typeface="Courier" charset="0"/>
-                <a:cs typeface="Courier" charset="0"/>
-              </a:rPr>
-              <a:t>($</a:t>
-            </a:r>
-            <a:r>
-              <a:rPr lang="en-US" sz="1400" dirty="0" err="1">
-                <a:solidFill>
-                  <a:schemeClr val="tx1">
-                    <a:lumMod val="50000"/>
-                    <a:lumOff val="50000"/>
-                  </a:schemeClr>
-                </a:solidFill>
-                <a:latin typeface="Courier" charset="0"/>
-                <a:ea typeface="Courier" charset="0"/>
-                <a:cs typeface="Courier" charset="0"/>
-              </a:rPr>
-              <a:t>from,FILTER_SANITIZE_EMAIL</a:t>
-            </a:r>
-            <a:r>
-              <a:rPr lang="en-US" sz="1400" dirty="0">
-                <a:solidFill>
-                  <a:schemeClr val="tx1">
-                    <a:lumMod val="50000"/>
-                    <a:lumOff val="50000"/>
-                  </a:schemeClr>
-                </a:solidFill>
-                <a:latin typeface="Courier" charset="0"/>
-                <a:ea typeface="Courier" charset="0"/>
-                <a:cs typeface="Courier" charset="0"/>
-              </a:rPr>
-              <a:t>);</a:t>
-            </a:r>
-            <a:br>
-              <a:rPr lang="en-US" sz="1400" dirty="0">
-                <a:solidFill>
-                  <a:schemeClr val="tx1">
-                    <a:lumMod val="50000"/>
-                    <a:lumOff val="50000"/>
-                  </a:schemeClr>
-                </a:solidFill>
-                <a:latin typeface="Courier" charset="0"/>
-                <a:ea typeface="Courier" charset="0"/>
-                <a:cs typeface="Courier" charset="0"/>
-              </a:rPr>
-            </a:br>
-            <a:r>
-              <a:rPr lang="en-US" sz="1400" dirty="0">
-                <a:solidFill>
-                  <a:schemeClr val="tx1">
-                    <a:lumMod val="50000"/>
-                    <a:lumOff val="50000"/>
-                  </a:schemeClr>
-                </a:solidFill>
-                <a:latin typeface="Courier" charset="0"/>
-                <a:ea typeface="Courier" charset="0"/>
-                <a:cs typeface="Courier" charset="0"/>
-              </a:rPr>
-              <a:t>if (</a:t>
-            </a:r>
-            <a:r>
-              <a:rPr lang="en-US" sz="1400" dirty="0" err="1">
-                <a:solidFill>
-                  <a:schemeClr val="tx1">
-                    <a:lumMod val="50000"/>
-                    <a:lumOff val="50000"/>
-                  </a:schemeClr>
-                </a:solidFill>
-                <a:latin typeface="Courier" charset="0"/>
-                <a:ea typeface="Courier" charset="0"/>
-                <a:cs typeface="Courier" charset="0"/>
-              </a:rPr>
-              <a:t>filter_var</a:t>
-            </a:r>
-            <a:r>
-              <a:rPr lang="en-US" sz="1400" dirty="0">
-                <a:solidFill>
-                  <a:schemeClr val="tx1">
-                    <a:lumMod val="50000"/>
-                    <a:lumOff val="50000"/>
-                  </a:schemeClr>
-                </a:solidFill>
-                <a:latin typeface="Courier" charset="0"/>
-                <a:ea typeface="Courier" charset="0"/>
-                <a:cs typeface="Courier" charset="0"/>
-              </a:rPr>
-              <a:t>($</a:t>
-            </a:r>
-            <a:r>
-              <a:rPr lang="en-US" sz="1400" dirty="0" err="1">
-                <a:solidFill>
-                  <a:schemeClr val="tx1">
-                    <a:lumMod val="50000"/>
-                    <a:lumOff val="50000"/>
-                  </a:schemeClr>
-                </a:solidFill>
-                <a:latin typeface="Courier" charset="0"/>
-                <a:ea typeface="Courier" charset="0"/>
-                <a:cs typeface="Courier" charset="0"/>
-              </a:rPr>
-              <a:t>sanitized,FILTER_VALIDATE_EMAIL</a:t>
-            </a:r>
-            <a:r>
-              <a:rPr lang="en-US" sz="1400" dirty="0">
-                <a:solidFill>
-                  <a:schemeClr val="tx1">
-                    <a:lumMod val="50000"/>
-                    <a:lumOff val="50000"/>
-                  </a:schemeClr>
-                </a:solidFill>
-                <a:latin typeface="Courier" charset="0"/>
-                <a:ea typeface="Courier" charset="0"/>
-                <a:cs typeface="Courier" charset="0"/>
-              </a:rPr>
-              <a:t>)) {</a:t>
-            </a:r>
-            <a:br>
-              <a:rPr lang="en-US" sz="1400" dirty="0">
-                <a:solidFill>
-                  <a:schemeClr val="tx1">
-                    <a:lumMod val="50000"/>
-                    <a:lumOff val="50000"/>
-                  </a:schemeClr>
-                </a:solidFill>
-                <a:latin typeface="Courier" charset="0"/>
-                <a:ea typeface="Courier" charset="0"/>
-                <a:cs typeface="Courier" charset="0"/>
-              </a:rPr>
-            </a:br>
-            <a:r>
-              <a:rPr lang="en-US" sz="1400" dirty="0">
-                <a:solidFill>
-                  <a:srgbClr val="92D050"/>
-                </a:solidFill>
-                <a:latin typeface="Courier" charset="0"/>
-                <a:ea typeface="Courier" charset="0"/>
-                <a:cs typeface="Courier" charset="0"/>
-              </a:rPr>
-              <a:t>// do the rest of the e-mail code</a:t>
-            </a:r>
-            <a:br>
-              <a:rPr lang="en-US" sz="1400" dirty="0">
-                <a:solidFill>
-                  <a:srgbClr val="92D050"/>
-                </a:solidFill>
-                <a:latin typeface="Courier" charset="0"/>
-                <a:ea typeface="Courier" charset="0"/>
-                <a:cs typeface="Courier" charset="0"/>
-              </a:rPr>
-            </a:br>
-            <a:r>
-              <a:rPr lang="en-US" sz="1400" dirty="0">
-                <a:solidFill>
-                  <a:schemeClr val="tx1">
-                    <a:lumMod val="50000"/>
-                    <a:lumOff val="50000"/>
-                  </a:schemeClr>
-                </a:solidFill>
-                <a:latin typeface="Courier" charset="0"/>
-                <a:ea typeface="Courier" charset="0"/>
-                <a:cs typeface="Courier" charset="0"/>
-              </a:rPr>
               <a:t>}</a:t>
             </a:r>
             <a:r>
@@ -8040,29 +6231,6 @@
             </a:r>
           </a:p>
           <a:p>
-            <a:pPr lvl="1">
-              <a:lnSpc>
-                <a:spcPct val="150000"/>
-              </a:lnSpc>
-            </a:pPr>
-            <a:r>
-              <a:rPr lang="en-US" sz="1600" dirty="0" smtClean="0">
-                <a:latin typeface="Gill Sans MT" charset="0"/>
-                <a:ea typeface="Gill Sans MT" charset="0"/>
-                <a:cs typeface="Gill Sans MT" charset="0"/>
-              </a:rPr>
-              <a:t>A word of caution though, do use tested methods for input validation and avoid writing your own.</a:t>
-            </a:r>
-            <a:r>
-              <a:rPr lang="en-US" dirty="0"/>
-              <a:t/>
-            </a:r>
-            <a:br>
-              <a:rPr lang="en-US" dirty="0"/>
-            </a:br>
-            <a:endParaRPr lang="en-US" dirty="0"/>
-          </a:p>
-          <a:p>
             <a:endParaRPr lang="en-US" sz="2000" dirty="0"/>
           </a:p>
           <a:p>
@@ -8070,6 +6238,52 @@
               <a:latin typeface="Gill Sans MT" charset="0"/>
               <a:ea typeface="MS PGothic" charset="-128"/>
             </a:endParaRPr>
+          </a:p>
+        </p:txBody>
+      </p:sp>
+      <p:sp>
+        <p:nvSpPr>
+          <p:cNvPr id="8" name="Slide Number Placeholder 7"/>
+          <p:cNvSpPr>
+            <a:spLocks noGrp="1"/>
+          </p:cNvSpPr>
+          <p:nvPr>
+            <p:ph type="sldNum" sz="quarter" idx="12"/>
+          </p:nvPr>
+        </p:nvSpPr>
+        <p:spPr/>
+        <p:txBody>
+          <a:bodyPr/>
+          <a:lstStyle/>
+          <a:p>
+            <a:fld id="{C65DCCF2-6008-4DE1-A65C-BCDCF780F6E1}" type="slidenum">
+              <a:rPr lang="en-US" smtClean="0"/>
+              <a:t>11</a:t>
+            </a:fld>
+            <a:endParaRPr lang="en-US"/>
+          </a:p>
+        </p:txBody>
+      </p:sp>
+      <p:sp>
+        <p:nvSpPr>
+          <p:cNvPr id="9" name="Footer Placeholder 8"/>
+          <p:cNvSpPr>
+            <a:spLocks noGrp="1"/>
+          </p:cNvSpPr>
+          <p:nvPr>
+            <p:ph type="ftr" sz="quarter" idx="11"/>
+          </p:nvPr>
+        </p:nvSpPr>
+        <p:spPr/>
+        <p:txBody>
+          <a:bodyPr/>
+          <a:lstStyle/>
+          <a:p>
+            <a:r>
+              <a:rPr lang="en-US" smtClean="0"/>
+              <a:t>Amazon Confidential</a:t>
+            </a:r>
+            <a:endParaRPr lang="en-US"/>
           </a:p>
         </p:txBody>
       </p:sp>
@@ -8101,7 +6315,7 @@
 </p:sld>
 </file>
 
-<file path=ppt/slides/slide18.xml><?xml version="1.0" encoding="utf-8"?>
+<file path=ppt/slides/slide12.xml><?xml version="1.0" encoding="utf-8"?>
 <p:sld xmlns:a="http://schemas.openxmlformats.org/drawingml/2006/main" xmlns:r="http://schemas.openxmlformats.org/officeDocument/2006/relationships" xmlns:p="http://schemas.openxmlformats.org/presentationml/2006/main">
   <p:cSld>
     <p:spTree>
@@ -8160,104 +6374,93 @@
           <a:p>
             <a:r>
               <a:rPr lang="en-US" sz="1800" dirty="0" smtClean="0"/>
-              <a:t>Our </a:t>
+              <a:t>E-Mail </a:t>
             </a:r>
             <a:r>
               <a:rPr lang="en-US" sz="1800" dirty="0"/>
-              <a:t>work proves that E-Mail Header Injection vulnerability is widespread on the internet, found on </a:t>
+              <a:t>Header Injection vulnerability is </a:t>
             </a:r>
             <a:r>
               <a:rPr lang="en-US" sz="1800" dirty="0" smtClean="0"/>
-              <a:t>0.038% </a:t>
-            </a:r>
+              <a:t>just about as dangerous as any other command injection vulnerability</a:t>
+            </a:r>
+            <a:r>
+              <a:rPr lang="en-US" sz="1800" dirty="0" smtClean="0"/>
+              <a:t>, and is present on the WWW.</a:t>
+            </a:r>
+          </a:p>
+          <a:p>
             <a:r>
               <a:rPr lang="en-US" sz="1800" dirty="0"/>
-              <a:t>of the </a:t>
-            </a:r>
-            <a:r>
-              <a:rPr lang="en-US" sz="1800" dirty="0" smtClean="0"/>
-              <a:t>websites that didn't have measures to prevent automated crawling.</a:t>
-            </a:r>
-          </a:p>
-          <a:p>
-            <a:r>
-              <a:rPr lang="en-US" sz="1800" dirty="0" smtClean="0"/>
-              <a:t>Even if that looks like a small percentage, remember, it only takes 1 vulnerable form for us to lose customer trust.</a:t>
-            </a:r>
-          </a:p>
-          <a:p>
-            <a:r>
-              <a:rPr lang="en-US" sz="1800" dirty="0" smtClean="0"/>
+              <a:t>Its not just email input fields that are vulnerable, any field that is used as part of emails could be potentially vulnerable, including message, feedback, etc.</a:t>
+            </a:r>
+          </a:p>
+          <a:p>
+            <a:r>
+              <a:rPr lang="en-US" sz="1800" dirty="0"/>
               <a:t>Do not trust user input, sanitize/pre-process/reject user input using well-tested libraries.</a:t>
             </a:r>
           </a:p>
           <a:p>
             <a:r>
-              <a:rPr lang="en-US" sz="1800" dirty="0" smtClean="0"/>
+              <a:rPr lang="en-US" sz="1800" dirty="0"/>
               <a:t>Do not try to perform user input validation by yourself, even the simplest attacks have tricky edge-cases to cover.</a:t>
             </a:r>
+          </a:p>
+          <a:p>
             <a:endParaRPr lang="en-US" sz="1800" dirty="0"/>
           </a:p>
           <a:p>
+            <a:endParaRPr lang="en-US" sz="1800" dirty="0" smtClean="0"/>
+          </a:p>
+          <a:p>
             <a:endParaRPr lang="en-US" sz="1800" dirty="0"/>
           </a:p>
         </p:txBody>
       </p:sp>
       <p:sp>
         <p:nvSpPr>
-          <p:cNvPr id="4" name="Slide Number Placeholder 3"/>
-          <p:cNvSpPr>
-            <a:spLocks noGrp="1"/>
-          </p:cNvSpPr>
-          <p:nvPr>
-            <p:ph type="sldNum" sz="quarter" idx="10"/>
-          </p:nvPr>
-        </p:nvSpPr>
-        <p:spPr/>
-        <p:txBody>
-          <a:bodyPr/>
-          <a:lstStyle/>
-          <a:p>
-            <a:pPr>
-              <a:defRPr/>
-            </a:pPr>
-            <a:fld id="{A6049551-C800-0F49-AC98-3AEA702B0E63}" type="slidenum">
-              <a:rPr lang="en-US" altLang="en-US" smtClean="0"/>
-              <a:pPr>
-                <a:defRPr/>
-              </a:pPr>
-              <a:t>18</a:t>
+          <p:cNvPr id="9" name="Slide Number Placeholder 8"/>
+          <p:cNvSpPr>
+            <a:spLocks noGrp="1"/>
+          </p:cNvSpPr>
+          <p:nvPr>
+            <p:ph type="sldNum" sz="quarter" idx="12"/>
+          </p:nvPr>
+        </p:nvSpPr>
+        <p:spPr/>
+        <p:txBody>
+          <a:bodyPr/>
+          <a:lstStyle/>
+          <a:p>
+            <a:fld id="{C65DCCF2-6008-4DE1-A65C-BCDCF780F6E1}" type="slidenum">
+              <a:rPr lang="en-US" smtClean="0"/>
+              <a:t>12</a:t>
             </a:fld>
-            <a:endParaRPr lang="en-US" altLang="en-US"/>
-          </a:p>
-        </p:txBody>
-      </p:sp>
-      <p:sp>
-        <p:nvSpPr>
-          <p:cNvPr id="5" name="Date Placeholder 4"/>
-          <p:cNvSpPr>
-            <a:spLocks noGrp="1"/>
-          </p:cNvSpPr>
-          <p:nvPr>
-            <p:ph type="dt" sz="half" idx="11"/>
-          </p:nvPr>
-        </p:nvSpPr>
-        <p:spPr/>
-        <p:txBody>
-          <a:bodyPr/>
-          <a:lstStyle/>
-          <a:p>
-            <a:pPr>
-              <a:defRPr/>
-            </a:pPr>
-            <a:fld id="{C37AA8D1-E9CF-2944-A66E-EFC74035EB27}" type="datetime1">
-              <a:rPr lang="en-US" altLang="en-US" smtClean="0"/>
-              <a:pPr>
-                <a:defRPr/>
-              </a:pPr>
-              <a:t>1/13/17</a:t>
-            </a:fld>
-            <a:endParaRPr lang="en-US" altLang="en-US"/>
+            <a:endParaRPr lang="en-US"/>
+          </a:p>
+        </p:txBody>
+      </p:sp>
+      <p:sp>
+        <p:nvSpPr>
+          <p:cNvPr id="10" name="Footer Placeholder 9"/>
+          <p:cNvSpPr>
+            <a:spLocks noGrp="1"/>
+          </p:cNvSpPr>
+          <p:nvPr>
+            <p:ph type="ftr" sz="quarter" idx="11"/>
+          </p:nvPr>
+        </p:nvSpPr>
+        <p:spPr/>
+        <p:txBody>
+          <a:bodyPr/>
+          <a:lstStyle/>
+          <a:p>
+            <a:r>
+              <a:rPr lang="en-US" smtClean="0"/>
+              <a:t>Amazon Confidential</a:t>
+            </a:r>
+            <a:endParaRPr lang="en-US"/>
           </a:p>
         </p:txBody>
       </p:sp>
@@ -8289,7 +6492,7 @@
 </p:sld>
 </file>
 
-<file path=ppt/slides/slide19.xml><?xml version="1.0" encoding="utf-8"?>
+<file path=ppt/slides/slide13.xml><?xml version="1.0" encoding="utf-8"?>
 <p:sld xmlns:a="http://schemas.openxmlformats.org/drawingml/2006/main" xmlns:r="http://schemas.openxmlformats.org/officeDocument/2006/relationships" xmlns:p="http://schemas.openxmlformats.org/presentationml/2006/main">
   <p:cSld>
     <p:spTree>
@@ -8308,7 +6511,7 @@
       </p:grpSpPr>
       <p:sp>
         <p:nvSpPr>
-          <p:cNvPr id="2" name="Title 1"/>
+          <p:cNvPr id="32769" name="Title 1"/>
           <p:cNvSpPr>
             <a:spLocks noGrp="1"/>
           </p:cNvSpPr>
@@ -8317,165 +6520,279 @@
           </p:nvPr>
         </p:nvSpPr>
         <p:spPr/>
+        <p:txBody>
+          <a:bodyPr/>
+          <a:lstStyle/>
+          <a:p>
+            <a:r>
+              <a:rPr lang="en-US" altLang="en-US">
+                <a:latin typeface="Gill Sans MT" charset="0"/>
+                <a:ea typeface="MS PGothic" charset="-128"/>
+              </a:rPr>
+              <a:t>Acknowledgements</a:t>
+            </a:r>
+          </a:p>
+        </p:txBody>
+      </p:sp>
+      <p:sp>
+        <p:nvSpPr>
+          <p:cNvPr id="32770" name="Content Placeholder 2"/>
+          <p:cNvSpPr>
+            <a:spLocks noGrp="1"/>
+          </p:cNvSpPr>
+          <p:nvPr>
+            <p:ph idx="1"/>
+          </p:nvPr>
+        </p:nvSpPr>
+        <p:spPr>
+          <a:xfrm>
+            <a:off x="628650" y="1210866"/>
+            <a:ext cx="8107846" cy="3394472"/>
+          </a:xfrm>
+        </p:spPr>
         <p:txBody>
           <a:bodyPr>
             <a:normAutofit/>
           </a:bodyPr>
           <a:lstStyle/>
           <a:p>
-            <a:r>
-              <a:rPr lang="en-US" sz="2400" dirty="0" smtClean="0"/>
-              <a:t>Ethical Disclosure </a:t>
-            </a:r>
-            <a:r>
-              <a:rPr lang="en-US" sz="2400" dirty="0"/>
-              <a:t>of discovered vulnerabilities</a:t>
-            </a:r>
-          </a:p>
-        </p:txBody>
-      </p:sp>
-      <p:sp>
-        <p:nvSpPr>
-          <p:cNvPr id="3" name="Content Placeholder 2"/>
-          <p:cNvSpPr>
-            <a:spLocks noGrp="1"/>
-          </p:cNvSpPr>
-          <p:nvPr>
-            <p:ph idx="1"/>
-          </p:nvPr>
-        </p:nvSpPr>
-        <p:spPr/>
-        <p:txBody>
-          <a:bodyPr>
-            <a:normAutofit/>
-          </a:bodyPr>
-          <a:lstStyle/>
-          <a:p>
-            <a:r>
-              <a:rPr lang="en-US" sz="1800" dirty="0" smtClean="0"/>
-              <a:t>E-mailed ~400 </a:t>
-            </a:r>
+            <a:pPr algn="just"/>
             <a:r>
               <a:rPr lang="en-US" sz="1800" dirty="0"/>
-              <a:t>websites about the discovered vulnerabilities</a:t>
-            </a:r>
-          </a:p>
-          <a:p>
+              <a:t>Dr. Adam </a:t>
+            </a:r>
+            <a:r>
+              <a:rPr lang="en-US" sz="1800" dirty="0" err="1"/>
+              <a:t>Doupe</a:t>
+            </a:r>
             <a:r>
               <a:rPr lang="en-US" sz="1800" dirty="0"/>
-              <a:t>We sent e-mails to the following addresses (as described in RFC2142):</a:t>
-            </a:r>
-          </a:p>
-          <a:p>
-            <a:pPr lvl="1"/>
-            <a:r>
-              <a:rPr lang="en-US" sz="1500" dirty="0"/>
-              <a:t>security@domain.com</a:t>
-            </a:r>
-          </a:p>
-          <a:p>
-            <a:pPr lvl="1"/>
-            <a:r>
-              <a:rPr lang="en-US" sz="1500" dirty="0"/>
-              <a:t>admin@domain.com</a:t>
-            </a:r>
-          </a:p>
-          <a:p>
-            <a:pPr lvl="1"/>
-            <a:r>
-              <a:rPr lang="en-US" sz="1500" dirty="0"/>
-              <a:t>webmaster@domain.com</a:t>
-            </a:r>
-          </a:p>
-          <a:p>
-            <a:r>
-              <a:rPr lang="en-US" sz="1800" dirty="0"/>
-              <a:t>Only </a:t>
-            </a:r>
-            <a:r>
-              <a:rPr lang="en-US" sz="1800" dirty="0" smtClean="0"/>
-              <a:t>330 </a:t>
-            </a:r>
-            <a:r>
-              <a:rPr lang="en-US" sz="1800" dirty="0"/>
-              <a:t>of these mailboxes were found</a:t>
-            </a:r>
-          </a:p>
-          <a:p>
-            <a:r>
-              <a:rPr lang="en-US" sz="1800" dirty="0"/>
-              <a:t>We received </a:t>
-            </a:r>
-            <a:r>
-              <a:rPr lang="en-US" sz="1800" dirty="0" smtClean="0"/>
-              <a:t>~70 responses, and verified that these websites had the vulnerability fixed.</a:t>
-            </a:r>
-            <a:endParaRPr lang="en-US" sz="1800" dirty="0"/>
-          </a:p>
-        </p:txBody>
-      </p:sp>
-      <p:sp>
-        <p:nvSpPr>
-          <p:cNvPr id="4" name="Slide Number Placeholder 3"/>
-          <p:cNvSpPr>
-            <a:spLocks noGrp="1"/>
-          </p:cNvSpPr>
-          <p:nvPr>
-            <p:ph type="sldNum" sz="quarter" idx="10"/>
-          </p:nvPr>
-        </p:nvSpPr>
-        <p:spPr/>
-        <p:txBody>
-          <a:bodyPr/>
-          <a:lstStyle/>
-          <a:p>
-            <a:pPr>
-              <a:defRPr/>
-            </a:pPr>
-            <a:fld id="{A6049551-C800-0F49-AC98-3AEA702B0E63}" type="slidenum">
-              <a:rPr lang="en-US" altLang="en-US" smtClean="0"/>
-              <a:pPr>
-                <a:defRPr/>
-              </a:pPr>
-              <a:t>19</a:t>
+              <a:t>́, </a:t>
+            </a:r>
+            <a:r>
+              <a:rPr lang="en-US" sz="1800" dirty="0">
+                <a:latin typeface="Gill Sans MT" charset="0"/>
+                <a:ea typeface="MS PGothic" charset="-128"/>
+              </a:rPr>
+              <a:t>t</a:t>
+            </a:r>
+            <a:r>
+              <a:rPr lang="en-US" altLang="en-US" sz="1800" dirty="0">
+                <a:latin typeface="Gill Sans MT" charset="0"/>
+                <a:ea typeface="MS PGothic" charset="-128"/>
+              </a:rPr>
+              <a:t>his project is his brain child, and without him this project wouldn’t have been </a:t>
+            </a:r>
+            <a:r>
+              <a:rPr lang="en-US" altLang="en-US" sz="1800" dirty="0" smtClean="0">
+                <a:latin typeface="Gill Sans MT" charset="0"/>
+                <a:ea typeface="MS PGothic" charset="-128"/>
+              </a:rPr>
+              <a:t>possible</a:t>
+            </a:r>
+            <a:endParaRPr lang="en-US" altLang="en-US" sz="1800" dirty="0">
+              <a:latin typeface="Gill Sans MT" charset="0"/>
+              <a:ea typeface="MS PGothic" charset="-128"/>
+            </a:endParaRPr>
+          </a:p>
+        </p:txBody>
+      </p:sp>
+      <p:sp>
+        <p:nvSpPr>
+          <p:cNvPr id="8" name="Slide Number Placeholder 7"/>
+          <p:cNvSpPr>
+            <a:spLocks noGrp="1"/>
+          </p:cNvSpPr>
+          <p:nvPr>
+            <p:ph type="sldNum" sz="quarter" idx="12"/>
+          </p:nvPr>
+        </p:nvSpPr>
+        <p:spPr/>
+        <p:txBody>
+          <a:bodyPr/>
+          <a:lstStyle/>
+          <a:p>
+            <a:fld id="{C65DCCF2-6008-4DE1-A65C-BCDCF780F6E1}" type="slidenum">
+              <a:rPr lang="en-US" smtClean="0"/>
+              <a:t>13</a:t>
             </a:fld>
-            <a:endParaRPr lang="en-US" altLang="en-US"/>
-          </a:p>
-        </p:txBody>
-      </p:sp>
-      <p:sp>
-        <p:nvSpPr>
-          <p:cNvPr id="5" name="Date Placeholder 4"/>
-          <p:cNvSpPr>
-            <a:spLocks noGrp="1"/>
-          </p:cNvSpPr>
-          <p:nvPr>
-            <p:ph type="dt" sz="half" idx="11"/>
-          </p:nvPr>
-        </p:nvSpPr>
-        <p:spPr/>
-        <p:txBody>
-          <a:bodyPr/>
-          <a:lstStyle/>
-          <a:p>
-            <a:pPr>
-              <a:defRPr/>
-            </a:pPr>
-            <a:fld id="{C37AA8D1-E9CF-2944-A66E-EFC74035EB27}" type="datetime1">
-              <a:rPr lang="en-US" altLang="en-US" smtClean="0"/>
-              <a:pPr>
-                <a:defRPr/>
-              </a:pPr>
-              <a:t>1/13/17</a:t>
-            </a:fld>
-            <a:endParaRPr lang="en-US" altLang="en-US"/>
+            <a:endParaRPr lang="en-US"/>
+          </a:p>
+        </p:txBody>
+      </p:sp>
+      <p:sp>
+        <p:nvSpPr>
+          <p:cNvPr id="9" name="Footer Placeholder 8"/>
+          <p:cNvSpPr>
+            <a:spLocks noGrp="1"/>
+          </p:cNvSpPr>
+          <p:nvPr>
+            <p:ph type="ftr" sz="quarter" idx="11"/>
+          </p:nvPr>
+        </p:nvSpPr>
+        <p:spPr/>
+        <p:txBody>
+          <a:bodyPr/>
+          <a:lstStyle/>
+          <a:p>
+            <a:r>
+              <a:rPr lang="en-US" smtClean="0"/>
+              <a:t>Amazon Confidential</a:t>
+            </a:r>
+            <a:endParaRPr lang="en-US"/>
           </a:p>
         </p:txBody>
       </p:sp>
     </p:spTree>
     <p:extLst>
       <p:ext uri="{BB962C8B-B14F-4D97-AF65-F5344CB8AC3E}">
-        <p14:creationId xmlns:p14="http://schemas.microsoft.com/office/powerpoint/2010/main" val="986901837"/>
+        <p14:creationId xmlns:p14="http://schemas.microsoft.com/office/powerpoint/2010/main" val="243416135"/>
+      </p:ext>
+    </p:extLst>
+  </p:cSld>
+  <p:clrMapOvr>
+    <a:masterClrMapping/>
+  </p:clrMapOvr>
+  <mc:AlternateContent xmlns:mc="http://schemas.openxmlformats.org/markup-compatibility/2006" xmlns:p14="http://schemas.microsoft.com/office/powerpoint/2010/main">
+    <mc:Choice Requires="p14">
+      <p:transition spd="slow" p14:dur="2000"/>
+    </mc:Choice>
+    <mc:Fallback xmlns="">
+      <p:transition spd="slow"/>
+    </mc:Fallback>
+  </mc:AlternateContent>
+  <p:timing>
+    <p:tnLst>
+      <p:par>
+        <p:cTn id="1" dur="indefinite" restart="never" nodeType="tmRoot"/>
+      </p:par>
+    </p:tnLst>
+  </p:timing>
+</p:sld>
+</file>
+
+<file path=ppt/slides/slide14.xml><?xml version="1.0" encoding="utf-8"?>
+<p:sld xmlns:a="http://schemas.openxmlformats.org/drawingml/2006/main" xmlns:r="http://schemas.openxmlformats.org/officeDocument/2006/relationships" xmlns:p="http://schemas.openxmlformats.org/presentationml/2006/main">
+  <p:cSld>
+    <p:spTree>
+      <p:nvGrpSpPr>
+        <p:cNvPr id="1" name=""/>
+        <p:cNvGrpSpPr/>
+        <p:nvPr/>
+      </p:nvGrpSpPr>
+      <p:grpSpPr>
+        <a:xfrm>
+          <a:off x="0" y="0"/>
+          <a:ext cx="0" cy="0"/>
+          <a:chOff x="0" y="0"/>
+          <a:chExt cx="0" cy="0"/>
+        </a:xfrm>
+      </p:grpSpPr>
+      <p:sp>
+        <p:nvSpPr>
+          <p:cNvPr id="31745" name="Title 1"/>
+          <p:cNvSpPr>
+            <a:spLocks noGrp="1"/>
+          </p:cNvSpPr>
+          <p:nvPr>
+            <p:ph type="title"/>
+          </p:nvPr>
+        </p:nvSpPr>
+        <p:spPr/>
+        <p:txBody>
+          <a:bodyPr/>
+          <a:lstStyle/>
+          <a:p>
+            <a:r>
+              <a:rPr lang="en-US" altLang="en-US">
+                <a:latin typeface="Gill Sans MT" charset="0"/>
+                <a:ea typeface="MS PGothic" charset="-128"/>
+              </a:rPr>
+              <a:t>Questions?</a:t>
+            </a:r>
+          </a:p>
+        </p:txBody>
+      </p:sp>
+      <p:sp>
+        <p:nvSpPr>
+          <p:cNvPr id="31746" name="Content Placeholder 2"/>
+          <p:cNvSpPr>
+            <a:spLocks noGrp="1"/>
+          </p:cNvSpPr>
+          <p:nvPr>
+            <p:ph idx="1"/>
+          </p:nvPr>
+        </p:nvSpPr>
+        <p:spPr>
+          <a:xfrm>
+            <a:off x="1485900" y="1210866"/>
+            <a:ext cx="6172200" cy="3394472"/>
+          </a:xfrm>
+        </p:spPr>
+        <p:txBody>
+          <a:bodyPr/>
+          <a:lstStyle/>
+          <a:p>
+            <a:r>
+              <a:rPr lang="en-US" altLang="en-US">
+                <a:latin typeface="Gill Sans MT" charset="0"/>
+                <a:ea typeface="MS PGothic" charset="-128"/>
+              </a:rPr>
+              <a:t>Please feel free to ask any questions.</a:t>
+            </a:r>
+          </a:p>
+        </p:txBody>
+      </p:sp>
+      <p:sp>
+        <p:nvSpPr>
+          <p:cNvPr id="8" name="Slide Number Placeholder 7"/>
+          <p:cNvSpPr>
+            <a:spLocks noGrp="1"/>
+          </p:cNvSpPr>
+          <p:nvPr>
+            <p:ph type="sldNum" sz="quarter" idx="12"/>
+          </p:nvPr>
+        </p:nvSpPr>
+        <p:spPr/>
+        <p:txBody>
+          <a:bodyPr/>
+          <a:lstStyle/>
+          <a:p>
+            <a:fld id="{C65DCCF2-6008-4DE1-A65C-BCDCF780F6E1}" type="slidenum">
+              <a:rPr lang="en-US" smtClean="0"/>
+              <a:t>14</a:t>
+            </a:fld>
+            <a:endParaRPr lang="en-US"/>
+          </a:p>
+        </p:txBody>
+      </p:sp>
+      <p:sp>
+        <p:nvSpPr>
+          <p:cNvPr id="9" name="Footer Placeholder 8"/>
+          <p:cNvSpPr>
+            <a:spLocks noGrp="1"/>
+          </p:cNvSpPr>
+          <p:nvPr>
+            <p:ph type="ftr" sz="quarter" idx="11"/>
+          </p:nvPr>
+        </p:nvSpPr>
+        <p:spPr/>
+        <p:txBody>
+          <a:bodyPr/>
+          <a:lstStyle/>
+          <a:p>
+            <a:r>
+              <a:rPr lang="en-US" smtClean="0"/>
+              <a:t>Amazon Confidential</a:t>
+            </a:r>
+            <a:endParaRPr lang="en-US"/>
+          </a:p>
+        </p:txBody>
+      </p:sp>
+    </p:spTree>
+    <p:extLst>
+      <p:ext uri="{BB962C8B-B14F-4D97-AF65-F5344CB8AC3E}">
+        <p14:creationId xmlns:p14="http://schemas.microsoft.com/office/powerpoint/2010/main" val="669090042"/>
       </p:ext>
     </p:extLst>
   </p:cSld>
@@ -8533,12 +6850,16 @@
           <a:lstStyle/>
           <a:p>
             <a:r>
-              <a:rPr lang="en-US" altLang="en-US">
+              <a:rPr lang="en-US" altLang="en-US" dirty="0" smtClean="0">
                 <a:latin typeface="Gill Sans MT" charset="0"/>
                 <a:ea typeface="MS PGothic" charset="-128"/>
               </a:rPr>
-              <a:t>Introduction</a:t>
-            </a:r>
+              <a:t>Agenda</a:t>
+            </a:r>
+            <a:endParaRPr lang="en-US" altLang="en-US" dirty="0">
+              <a:latin typeface="Gill Sans MT" charset="0"/>
+              <a:ea typeface="MS PGothic" charset="-128"/>
+            </a:endParaRPr>
           </a:p>
         </p:txBody>
       </p:sp>
@@ -8554,8 +6875,8 @@
         </p:nvSpPr>
         <p:spPr>
           <a:xfrm>
-            <a:off x="1485900" y="1210866"/>
-            <a:ext cx="6172200" cy="3394472"/>
+            <a:off x="628650" y="1210866"/>
+            <a:ext cx="7769762" cy="3394472"/>
           </a:xfrm>
         </p:spPr>
         <p:txBody>
@@ -8567,273 +6888,108 @@
             </a:pPr>
             <a:r>
               <a:rPr lang="en-US" dirty="0" smtClean="0"/>
-              <a:t>“</a:t>
-            </a:r>
-            <a:r>
-              <a:rPr lang="en-US" i="1" dirty="0"/>
-              <a:t>Email injection is a security vulnerability that can occur in Internet applications that are used to send email messages</a:t>
-            </a:r>
-            <a:r>
-              <a:rPr lang="en-US" i="1" dirty="0" smtClean="0"/>
-              <a:t>.”</a:t>
-            </a:r>
-            <a:endParaRPr lang="en-US" i="1" dirty="0"/>
-          </a:p>
-          <a:p>
-            <a:pPr marL="0" indent="0">
-              <a:buNone/>
-              <a:defRPr/>
-            </a:pPr>
-            <a:r>
-              <a:rPr lang="en-US" dirty="0" smtClean="0"/>
-              <a:t>													- Wikipedia</a:t>
+              <a:t>What is it?</a:t>
             </a:r>
           </a:p>
           <a:p>
             <a:pPr>
               <a:defRPr/>
             </a:pPr>
-            <a:endParaRPr lang="en-US" i="1" dirty="0" smtClean="0"/>
+            <a:r>
+              <a:rPr lang="en-US" dirty="0" smtClean="0"/>
+              <a:t>How does it occur?</a:t>
+            </a:r>
+            <a:endParaRPr lang="en-US" dirty="0" smtClean="0"/>
+          </a:p>
+          <a:p>
+            <a:pPr>
+              <a:defRPr/>
+            </a:pPr>
+            <a:r>
+              <a:rPr lang="en-US" dirty="0" smtClean="0"/>
+              <a:t>Potential Impact – What can it result in?</a:t>
+            </a:r>
+          </a:p>
+          <a:p>
+            <a:pPr>
+              <a:defRPr/>
+            </a:pPr>
+            <a:r>
+              <a:rPr lang="en-US" dirty="0" smtClean="0"/>
+              <a:t>How widespread is it?</a:t>
+            </a:r>
+          </a:p>
+          <a:p>
+            <a:pPr>
+              <a:defRPr/>
+            </a:pPr>
+            <a:r>
+              <a:rPr lang="en-US" dirty="0" smtClean="0"/>
+              <a:t>How can we mitigate it?</a:t>
+            </a:r>
+          </a:p>
+          <a:p>
+            <a:pPr>
+              <a:defRPr/>
+            </a:pPr>
+            <a:r>
+              <a:rPr lang="en-US" dirty="0" smtClean="0"/>
+              <a:t>Takeaways</a:t>
+            </a:r>
+            <a:endParaRPr lang="en-US" dirty="0" smtClean="0"/>
+          </a:p>
+        </p:txBody>
+      </p:sp>
+      <p:sp>
+        <p:nvSpPr>
+          <p:cNvPr id="8" name="Slide Number Placeholder 7"/>
+          <p:cNvSpPr>
+            <a:spLocks noGrp="1"/>
+          </p:cNvSpPr>
+          <p:nvPr>
+            <p:ph type="sldNum" sz="quarter" idx="12"/>
+          </p:nvPr>
+        </p:nvSpPr>
+        <p:spPr/>
+        <p:txBody>
+          <a:bodyPr/>
+          <a:lstStyle/>
+          <a:p>
+            <a:fld id="{C65DCCF2-6008-4DE1-A65C-BCDCF780F6E1}" type="slidenum">
+              <a:rPr lang="en-US" smtClean="0"/>
+              <a:t>2</a:t>
+            </a:fld>
+            <a:endParaRPr lang="en-US"/>
+          </a:p>
+        </p:txBody>
+      </p:sp>
+      <p:sp>
+        <p:nvSpPr>
+          <p:cNvPr id="9" name="Footer Placeholder 8"/>
+          <p:cNvSpPr>
+            <a:spLocks noGrp="1"/>
+          </p:cNvSpPr>
+          <p:nvPr>
+            <p:ph type="ftr" sz="quarter" idx="11"/>
+          </p:nvPr>
+        </p:nvSpPr>
+        <p:spPr/>
+        <p:txBody>
+          <a:bodyPr/>
+          <a:lstStyle/>
+          <a:p>
+            <a:r>
+              <a:rPr lang="en-US" smtClean="0"/>
+              <a:t>Amazon Confidential</a:t>
+            </a:r>
+            <a:endParaRPr lang="en-US"/>
           </a:p>
         </p:txBody>
       </p:sp>
     </p:spTree>
     <p:extLst>
       <p:ext uri="{BB962C8B-B14F-4D97-AF65-F5344CB8AC3E}">
-        <p14:creationId xmlns:p14="http://schemas.microsoft.com/office/powerpoint/2010/main" val="836714336"/>
-      </p:ext>
-    </p:extLst>
-  </p:cSld>
-  <p:clrMapOvr>
-    <a:masterClrMapping/>
-  </p:clrMapOvr>
-  <mc:AlternateContent xmlns:mc="http://schemas.openxmlformats.org/markup-compatibility/2006" xmlns:p14="http://schemas.microsoft.com/office/powerpoint/2010/main">
-    <mc:Choice Requires="p14">
-      <p:transition spd="slow" p14:dur="2000"/>
-    </mc:Choice>
-    <mc:Fallback xmlns="">
-      <p:transition spd="slow"/>
-    </mc:Fallback>
-  </mc:AlternateContent>
-  <p:timing>
-    <p:tnLst>
-      <p:par>
-        <p:cTn id="1" dur="indefinite" restart="never" nodeType="tmRoot"/>
-      </p:par>
-    </p:tnLst>
-  </p:timing>
-</p:sld>
-</file>
-
-<file path=ppt/slides/slide20.xml><?xml version="1.0" encoding="utf-8"?>
-<p:sld xmlns:a="http://schemas.openxmlformats.org/drawingml/2006/main" xmlns:r="http://schemas.openxmlformats.org/officeDocument/2006/relationships" xmlns:p="http://schemas.openxmlformats.org/presentationml/2006/main">
-  <p:cSld>
-    <p:spTree>
-      <p:nvGrpSpPr>
-        <p:cNvPr id="1" name=""/>
-        <p:cNvGrpSpPr/>
-        <p:nvPr/>
-      </p:nvGrpSpPr>
-      <p:grpSpPr>
-        <a:xfrm>
-          <a:off x="0" y="0"/>
-          <a:ext cx="0" cy="0"/>
-          <a:chOff x="0" y="0"/>
-          <a:chExt cx="0" cy="0"/>
-        </a:xfrm>
-      </p:grpSpPr>
-      <p:sp>
-        <p:nvSpPr>
-          <p:cNvPr id="32769" name="Title 1"/>
-          <p:cNvSpPr>
-            <a:spLocks noGrp="1"/>
-          </p:cNvSpPr>
-          <p:nvPr>
-            <p:ph type="title"/>
-          </p:nvPr>
-        </p:nvSpPr>
-        <p:spPr/>
-        <p:txBody>
-          <a:bodyPr/>
-          <a:lstStyle/>
-          <a:p>
-            <a:r>
-              <a:rPr lang="en-US" altLang="en-US">
-                <a:latin typeface="Gill Sans MT" charset="0"/>
-                <a:ea typeface="MS PGothic" charset="-128"/>
-              </a:rPr>
-              <a:t>Acknowledgements</a:t>
-            </a:r>
-          </a:p>
-        </p:txBody>
-      </p:sp>
-      <p:sp>
-        <p:nvSpPr>
-          <p:cNvPr id="32770" name="Content Placeholder 2"/>
-          <p:cNvSpPr>
-            <a:spLocks noGrp="1"/>
-          </p:cNvSpPr>
-          <p:nvPr>
-            <p:ph idx="1"/>
-          </p:nvPr>
-        </p:nvSpPr>
-        <p:spPr>
-          <a:xfrm>
-            <a:off x="628650" y="1210866"/>
-            <a:ext cx="8107846" cy="3394472"/>
-          </a:xfrm>
-        </p:spPr>
-        <p:txBody>
-          <a:bodyPr>
-            <a:normAutofit/>
-          </a:bodyPr>
-          <a:lstStyle/>
-          <a:p>
-            <a:pPr algn="just"/>
-            <a:r>
-              <a:rPr lang="en-US" sz="1800" dirty="0"/>
-              <a:t>Dr. Adam </a:t>
-            </a:r>
-            <a:r>
-              <a:rPr lang="en-US" sz="1800" dirty="0" err="1"/>
-              <a:t>Doupe</a:t>
-            </a:r>
-            <a:r>
-              <a:rPr lang="en-US" sz="1800" dirty="0"/>
-              <a:t>́, </a:t>
-            </a:r>
-            <a:r>
-              <a:rPr lang="en-US" sz="1800" dirty="0">
-                <a:latin typeface="Gill Sans MT" charset="0"/>
-                <a:ea typeface="MS PGothic" charset="-128"/>
-              </a:rPr>
-              <a:t>t</a:t>
-            </a:r>
-            <a:r>
-              <a:rPr lang="en-US" altLang="en-US" sz="1800" dirty="0">
-                <a:latin typeface="Gill Sans MT" charset="0"/>
-                <a:ea typeface="MS PGothic" charset="-128"/>
-              </a:rPr>
-              <a:t>his project is his brain child, and without him this project wouldn’t have been </a:t>
-            </a:r>
-            <a:r>
-              <a:rPr lang="en-US" altLang="en-US" sz="1800" dirty="0" smtClean="0">
-                <a:latin typeface="Gill Sans MT" charset="0"/>
-                <a:ea typeface="MS PGothic" charset="-128"/>
-              </a:rPr>
-              <a:t>possible</a:t>
-            </a:r>
-            <a:endParaRPr lang="en-US" altLang="en-US" sz="1800" dirty="0">
-              <a:latin typeface="Gill Sans MT" charset="0"/>
-              <a:ea typeface="MS PGothic" charset="-128"/>
-            </a:endParaRPr>
-          </a:p>
-        </p:txBody>
-      </p:sp>
-    </p:spTree>
-    <p:extLst>
-      <p:ext uri="{BB962C8B-B14F-4D97-AF65-F5344CB8AC3E}">
-        <p14:creationId xmlns:p14="http://schemas.microsoft.com/office/powerpoint/2010/main" val="243416135"/>
-      </p:ext>
-    </p:extLst>
-  </p:cSld>
-  <p:clrMapOvr>
-    <a:masterClrMapping/>
-  </p:clrMapOvr>
-  <mc:AlternateContent xmlns:mc="http://schemas.openxmlformats.org/markup-compatibility/2006" xmlns:p14="http://schemas.microsoft.com/office/powerpoint/2010/main">
-    <mc:Choice Requires="p14">
-      <p:transition spd="slow" p14:dur="2000"/>
-    </mc:Choice>
-    <mc:Fallback xmlns="">
-      <p:transition spd="slow"/>
-    </mc:Fallback>
-  </mc:AlternateContent>
-  <p:timing>
-    <p:tnLst>
-      <p:par>
-        <p:cTn id="1" dur="indefinite" restart="never" nodeType="tmRoot"/>
-      </p:par>
-    </p:tnLst>
-  </p:timing>
-</p:sld>
-</file>
-
-<file path=ppt/slides/slide21.xml><?xml version="1.0" encoding="utf-8"?>
-<p:sld xmlns:a="http://schemas.openxmlformats.org/drawingml/2006/main" xmlns:r="http://schemas.openxmlformats.org/officeDocument/2006/relationships" xmlns:p="http://schemas.openxmlformats.org/presentationml/2006/main">
-  <p:cSld>
-    <p:spTree>
-      <p:nvGrpSpPr>
-        <p:cNvPr id="1" name=""/>
-        <p:cNvGrpSpPr/>
-        <p:nvPr/>
-      </p:nvGrpSpPr>
-      <p:grpSpPr>
-        <a:xfrm>
-          <a:off x="0" y="0"/>
-          <a:ext cx="0" cy="0"/>
-          <a:chOff x="0" y="0"/>
-          <a:chExt cx="0" cy="0"/>
-        </a:xfrm>
-      </p:grpSpPr>
-      <p:sp>
-        <p:nvSpPr>
-          <p:cNvPr id="31745" name="Title 1"/>
-          <p:cNvSpPr>
-            <a:spLocks noGrp="1"/>
-          </p:cNvSpPr>
-          <p:nvPr>
-            <p:ph type="title"/>
-          </p:nvPr>
-        </p:nvSpPr>
-        <p:spPr/>
-        <p:txBody>
-          <a:bodyPr/>
-          <a:lstStyle/>
-          <a:p>
-            <a:r>
-              <a:rPr lang="en-US" altLang="en-US">
-                <a:latin typeface="Gill Sans MT" charset="0"/>
-                <a:ea typeface="MS PGothic" charset="-128"/>
-              </a:rPr>
-              <a:t>Questions?</a:t>
-            </a:r>
-          </a:p>
-        </p:txBody>
-      </p:sp>
-      <p:sp>
-        <p:nvSpPr>
-          <p:cNvPr id="31746" name="Content Placeholder 2"/>
-          <p:cNvSpPr>
-            <a:spLocks noGrp="1"/>
-          </p:cNvSpPr>
-          <p:nvPr>
-            <p:ph idx="1"/>
-          </p:nvPr>
-        </p:nvSpPr>
-        <p:spPr>
-          <a:xfrm>
-            <a:off x="1485900" y="1210866"/>
-            <a:ext cx="6172200" cy="3394472"/>
-          </a:xfrm>
-        </p:spPr>
-        <p:txBody>
-          <a:bodyPr/>
-          <a:lstStyle/>
-          <a:p>
-            <a:r>
-              <a:rPr lang="en-US" altLang="en-US">
-                <a:latin typeface="Gill Sans MT" charset="0"/>
-                <a:ea typeface="MS PGothic" charset="-128"/>
-              </a:rPr>
-              <a:t>Please feel free to ask any questions.</a:t>
-            </a:r>
-          </a:p>
-        </p:txBody>
-      </p:sp>
-    </p:spTree>
-    <p:extLst>
-      <p:ext uri="{BB962C8B-B14F-4D97-AF65-F5344CB8AC3E}">
-        <p14:creationId xmlns:p14="http://schemas.microsoft.com/office/powerpoint/2010/main" val="669090042"/>
+        <p14:creationId xmlns:p14="http://schemas.microsoft.com/office/powerpoint/2010/main" val="1624844692"/>
       </p:ext>
     </p:extLst>
   </p:cSld>
@@ -8877,7 +7033,7 @@
       </p:grpSpPr>
       <p:sp>
         <p:nvSpPr>
-          <p:cNvPr id="2" name="Title 1"/>
+          <p:cNvPr id="17409" name="Title 1"/>
           <p:cNvSpPr>
             <a:spLocks noGrp="1"/>
           </p:cNvSpPr>
@@ -8885,143 +7041,336 @@
             <p:ph type="title"/>
           </p:nvPr>
         </p:nvSpPr>
-        <p:spPr/>
+        <p:spPr>
+          <a:xfrm>
+            <a:off x="445766" y="304271"/>
+            <a:ext cx="7886700" cy="694535"/>
+          </a:xfrm>
+        </p:spPr>
         <p:txBody>
           <a:bodyPr/>
           <a:lstStyle/>
           <a:p>
             <a:r>
               <a:rPr lang="en-US" dirty="0" smtClean="0"/>
-              <a:t>History</a:t>
-            </a:r>
-            <a:endParaRPr lang="en-US" dirty="0"/>
-          </a:p>
-        </p:txBody>
-      </p:sp>
-      <p:sp>
-        <p:nvSpPr>
-          <p:cNvPr id="3" name="Content Placeholder 2"/>
-          <p:cNvSpPr>
-            <a:spLocks noGrp="1"/>
-          </p:cNvSpPr>
-          <p:nvPr>
-            <p:ph idx="1"/>
-          </p:nvPr>
-        </p:nvSpPr>
-        <p:spPr/>
-        <p:txBody>
-          <a:bodyPr/>
-          <a:lstStyle/>
-          <a:p>
-            <a:pPr>
-              <a:lnSpc>
-                <a:spcPct val="150000"/>
-              </a:lnSpc>
-            </a:pPr>
-            <a:r>
-              <a:rPr lang="en-US" sz="1800" dirty="0"/>
-              <a:t>First documented over a decade ago, in a late 2004 Article on </a:t>
-            </a:r>
-            <a:r>
-              <a:rPr lang="en-US" sz="1800" dirty="0" err="1"/>
-              <a:t>phpsecure.info</a:t>
-            </a:r>
-            <a:r>
-              <a:rPr lang="en-US" sz="1800" dirty="0"/>
-              <a:t> by user ‘</a:t>
-            </a:r>
-            <a:r>
-              <a:rPr lang="en-US" sz="1800" dirty="0" err="1"/>
-              <a:t>tobozo</a:t>
-            </a:r>
-            <a:r>
-              <a:rPr lang="en-US" sz="1800" dirty="0"/>
-              <a:t>’</a:t>
-            </a:r>
-          </a:p>
-          <a:p>
-            <a:pPr>
-              <a:lnSpc>
-                <a:spcPct val="150000"/>
-              </a:lnSpc>
-            </a:pPr>
-            <a:r>
-              <a:rPr lang="en-US" sz="1800" dirty="0"/>
-              <a:t>Since this vulnerability was initially found in the </a:t>
-            </a:r>
-            <a:r>
-              <a:rPr lang="en-US" sz="1800" i="1" dirty="0"/>
-              <a:t>mail()</a:t>
-            </a:r>
-            <a:r>
-              <a:rPr lang="en-US" sz="1800" dirty="0"/>
-              <a:t> function of PHP, E-Mail Header Injection can be traced to as early as the beginning of the 2000’s (release of mail function in PHP 4)</a:t>
-            </a:r>
-          </a:p>
-        </p:txBody>
-      </p:sp>
-      <p:sp>
-        <p:nvSpPr>
-          <p:cNvPr id="4" name="Slide Number Placeholder 3"/>
-          <p:cNvSpPr>
-            <a:spLocks noGrp="1"/>
-          </p:cNvSpPr>
-          <p:nvPr>
-            <p:ph type="sldNum" sz="quarter" idx="10"/>
-          </p:nvPr>
-        </p:nvSpPr>
-        <p:spPr/>
-        <p:txBody>
-          <a:bodyPr/>
-          <a:lstStyle/>
-          <a:p>
-            <a:pPr>
-              <a:defRPr/>
-            </a:pPr>
-            <a:fld id="{A6049551-C800-0F49-AC98-3AEA702B0E63}" type="slidenum">
-              <a:rPr lang="en-US" altLang="en-US" smtClean="0"/>
-              <a:pPr>
-                <a:defRPr/>
-              </a:pPr>
+              <a:t>How does it occur?</a:t>
+            </a:r>
+            <a:endParaRPr lang="en-US" altLang="en-US" dirty="0">
+              <a:latin typeface="Gill Sans MT" charset="0"/>
+              <a:ea typeface="MS PGothic" charset="-128"/>
+            </a:endParaRPr>
+          </a:p>
+        </p:txBody>
+      </p:sp>
+      <p:sp>
+        <p:nvSpPr>
+          <p:cNvPr id="7" name="Slide Number Placeholder 6"/>
+          <p:cNvSpPr>
+            <a:spLocks noGrp="1"/>
+          </p:cNvSpPr>
+          <p:nvPr>
+            <p:ph type="sldNum" sz="quarter" idx="12"/>
+          </p:nvPr>
+        </p:nvSpPr>
+        <p:spPr/>
+        <p:txBody>
+          <a:bodyPr/>
+          <a:lstStyle/>
+          <a:p>
+            <a:fld id="{C65DCCF2-6008-4DE1-A65C-BCDCF780F6E1}" type="slidenum">
+              <a:rPr lang="en-US" smtClean="0"/>
               <a:t>3</a:t>
             </a:fld>
-            <a:endParaRPr lang="en-US" altLang="en-US"/>
-          </a:p>
-        </p:txBody>
-      </p:sp>
-      <p:sp>
-        <p:nvSpPr>
-          <p:cNvPr id="5" name="Date Placeholder 4"/>
-          <p:cNvSpPr>
-            <a:spLocks noGrp="1"/>
-          </p:cNvSpPr>
-          <p:nvPr>
-            <p:ph type="dt" sz="half" idx="11"/>
-          </p:nvPr>
-        </p:nvSpPr>
-        <p:spPr/>
-        <p:txBody>
-          <a:bodyPr/>
-          <a:lstStyle/>
-          <a:p>
-            <a:pPr>
-              <a:defRPr/>
+            <a:endParaRPr lang="en-US"/>
+          </a:p>
+        </p:txBody>
+      </p:sp>
+      <p:sp>
+        <p:nvSpPr>
+          <p:cNvPr id="8" name="Footer Placeholder 7"/>
+          <p:cNvSpPr>
+            <a:spLocks noGrp="1"/>
+          </p:cNvSpPr>
+          <p:nvPr>
+            <p:ph type="ftr" sz="quarter" idx="11"/>
+          </p:nvPr>
+        </p:nvSpPr>
+        <p:spPr/>
+        <p:txBody>
+          <a:bodyPr/>
+          <a:lstStyle/>
+          <a:p>
+            <a:r>
+              <a:rPr lang="en-US" smtClean="0"/>
+              <a:t>Amazon Confidential</a:t>
+            </a:r>
+            <a:endParaRPr lang="en-US"/>
+          </a:p>
+        </p:txBody>
+      </p:sp>
+      <p:sp>
+        <p:nvSpPr>
+          <p:cNvPr id="11" name="Content Placeholder 2"/>
+          <p:cNvSpPr>
+            <a:spLocks noGrp="1"/>
+          </p:cNvSpPr>
+          <p:nvPr>
+            <p:ph idx="1"/>
+          </p:nvPr>
+        </p:nvSpPr>
+        <p:spPr>
+          <a:xfrm>
+            <a:off x="583418" y="1739900"/>
+            <a:ext cx="8420100" cy="3100388"/>
+          </a:xfrm>
+        </p:spPr>
+        <p:txBody>
+          <a:bodyPr>
+            <a:normAutofit/>
+          </a:bodyPr>
+          <a:lstStyle/>
+          <a:p>
+            <a:pPr marL="0" indent="0">
+              <a:buNone/>
             </a:pPr>
-            <a:fld id="{C37AA8D1-E9CF-2944-A66E-EFC74035EB27}" type="datetime1">
-              <a:rPr lang="en-US" altLang="en-US" smtClean="0"/>
-              <a:pPr>
-                <a:defRPr/>
-              </a:pPr>
-              <a:t>1/13/17</a:t>
-            </a:fld>
-            <a:endParaRPr lang="en-US" altLang="en-US"/>
+            <a:r>
+              <a:rPr lang="en-US" dirty="0" smtClean="0">
+                <a:latin typeface="Courier" charset="0"/>
+                <a:ea typeface="Courier" charset="0"/>
+                <a:cs typeface="Courier" charset="0"/>
+              </a:rPr>
+              <a:t>&lt;</a:t>
+            </a:r>
+            <a:r>
+              <a:rPr lang="en-US" dirty="0">
+                <a:latin typeface="Courier" charset="0"/>
+                <a:ea typeface="Courier" charset="0"/>
+                <a:cs typeface="Courier" charset="0"/>
+              </a:rPr>
+              <a:t>form action</a:t>
+            </a:r>
+            <a:r>
+              <a:rPr lang="en-US" dirty="0" smtClean="0">
+                <a:latin typeface="Courier" charset="0"/>
+                <a:ea typeface="Courier" charset="0"/>
+                <a:cs typeface="Courier" charset="0"/>
+              </a:rPr>
+              <a:t>="{mailing-script}” </a:t>
+            </a:r>
+            <a:r>
+              <a:rPr lang="en-US" dirty="0">
+                <a:latin typeface="Courier" charset="0"/>
+                <a:ea typeface="Courier" charset="0"/>
+                <a:cs typeface="Courier" charset="0"/>
+              </a:rPr>
+              <a:t>method="post"&gt;</a:t>
+            </a:r>
+            <a:br>
+              <a:rPr lang="en-US" dirty="0">
+                <a:latin typeface="Courier" charset="0"/>
+                <a:ea typeface="Courier" charset="0"/>
+                <a:cs typeface="Courier" charset="0"/>
+              </a:rPr>
+            </a:br>
+            <a:r>
+              <a:rPr lang="en-US" dirty="0">
+                <a:latin typeface="Courier" charset="0"/>
+                <a:ea typeface="Courier" charset="0"/>
+                <a:cs typeface="Courier" charset="0"/>
+              </a:rPr>
+              <a:t>&lt;input type="</a:t>
+            </a:r>
+            <a:r>
+              <a:rPr lang="en-US" dirty="0" smtClean="0">
+                <a:latin typeface="Courier" charset="0"/>
+                <a:ea typeface="Courier" charset="0"/>
+                <a:cs typeface="Courier" charset="0"/>
+              </a:rPr>
+              <a:t>text" name</a:t>
+            </a:r>
+            <a:r>
+              <a:rPr lang="en-US" dirty="0">
+                <a:latin typeface="Courier" charset="0"/>
+                <a:ea typeface="Courier" charset="0"/>
+                <a:cs typeface="Courier" charset="0"/>
+              </a:rPr>
+              <a:t>="email" id="</a:t>
+            </a:r>
+            <a:r>
+              <a:rPr lang="en-US" dirty="0" smtClean="0">
+                <a:latin typeface="Courier" charset="0"/>
+                <a:ea typeface="Courier" charset="0"/>
+                <a:cs typeface="Courier" charset="0"/>
+              </a:rPr>
+              <a:t>email"&gt;</a:t>
+            </a:r>
+          </a:p>
+          <a:p>
+            <a:pPr marL="0" indent="0">
+              <a:buNone/>
+            </a:pPr>
+            <a:r>
+              <a:rPr lang="en-US" dirty="0" smtClean="0">
+                <a:latin typeface="Courier" charset="0"/>
+                <a:ea typeface="Courier" charset="0"/>
+                <a:cs typeface="Courier" charset="0"/>
+              </a:rPr>
+              <a:t>&lt;</a:t>
+            </a:r>
+            <a:r>
+              <a:rPr lang="en-US" dirty="0" err="1">
+                <a:latin typeface="Courier" charset="0"/>
+                <a:ea typeface="Courier" charset="0"/>
+                <a:cs typeface="Courier" charset="0"/>
+              </a:rPr>
+              <a:t>textarea</a:t>
+            </a:r>
+            <a:r>
+              <a:rPr lang="en-US" dirty="0">
+                <a:latin typeface="Courier" charset="0"/>
+                <a:ea typeface="Courier" charset="0"/>
+                <a:cs typeface="Courier" charset="0"/>
+              </a:rPr>
+              <a:t> name="</a:t>
+            </a:r>
+            <a:r>
+              <a:rPr lang="en-US" dirty="0" err="1">
+                <a:latin typeface="Courier" charset="0"/>
+                <a:ea typeface="Courier" charset="0"/>
+                <a:cs typeface="Courier" charset="0"/>
+              </a:rPr>
+              <a:t>msg</a:t>
+            </a:r>
+            <a:r>
+              <a:rPr lang="en-US" dirty="0" smtClean="0">
+                <a:latin typeface="Courier" charset="0"/>
+                <a:ea typeface="Courier" charset="0"/>
+                <a:cs typeface="Courier" charset="0"/>
+              </a:rPr>
+              <a:t>"&gt;&lt;/</a:t>
+            </a:r>
+            <a:r>
+              <a:rPr lang="en-US" dirty="0" err="1" smtClean="0">
+                <a:latin typeface="Courier" charset="0"/>
+                <a:ea typeface="Courier" charset="0"/>
+                <a:cs typeface="Courier" charset="0"/>
+              </a:rPr>
+              <a:t>textarea</a:t>
+            </a:r>
+            <a:r>
+              <a:rPr lang="en-US" dirty="0" smtClean="0">
+                <a:latin typeface="Courier" charset="0"/>
+                <a:ea typeface="Courier" charset="0"/>
+                <a:cs typeface="Courier" charset="0"/>
+              </a:rPr>
+              <a:t>&gt;</a:t>
+            </a:r>
+            <a:r>
+              <a:rPr lang="en-US" dirty="0">
+                <a:latin typeface="Courier" charset="0"/>
+                <a:ea typeface="Courier" charset="0"/>
+                <a:cs typeface="Courier" charset="0"/>
+              </a:rPr>
+              <a:t/>
+            </a:r>
+            <a:br>
+              <a:rPr lang="en-US" dirty="0">
+                <a:latin typeface="Courier" charset="0"/>
+                <a:ea typeface="Courier" charset="0"/>
+                <a:cs typeface="Courier" charset="0"/>
+              </a:rPr>
+            </a:br>
+            <a:r>
+              <a:rPr lang="en-US" dirty="0">
+                <a:latin typeface="Courier" charset="0"/>
+                <a:ea typeface="Courier" charset="0"/>
+                <a:cs typeface="Courier" charset="0"/>
+              </a:rPr>
+              <a:t>&lt;input type="submit" value="Email Me! "&gt;</a:t>
+            </a:r>
+            <a:br>
+              <a:rPr lang="en-US" dirty="0">
+                <a:latin typeface="Courier" charset="0"/>
+                <a:ea typeface="Courier" charset="0"/>
+                <a:cs typeface="Courier" charset="0"/>
+              </a:rPr>
+            </a:br>
+            <a:r>
+              <a:rPr lang="en-US" dirty="0">
+                <a:latin typeface="Courier" charset="0"/>
+                <a:ea typeface="Courier" charset="0"/>
+                <a:cs typeface="Courier" charset="0"/>
+              </a:rPr>
+              <a:t>&lt;/form&gt;</a:t>
+            </a:r>
+            <a:br>
+              <a:rPr lang="en-US" dirty="0">
+                <a:latin typeface="Courier" charset="0"/>
+                <a:ea typeface="Courier" charset="0"/>
+                <a:cs typeface="Courier" charset="0"/>
+              </a:rPr>
+            </a:br>
+            <a:endParaRPr lang="en-US" dirty="0">
+              <a:latin typeface="Courier" charset="0"/>
+              <a:ea typeface="Courier" charset="0"/>
+              <a:cs typeface="Courier" charset="0"/>
+            </a:endParaRPr>
+          </a:p>
+        </p:txBody>
+      </p:sp>
+      <p:sp>
+        <p:nvSpPr>
+          <p:cNvPr id="12" name="Title 1"/>
+          <p:cNvSpPr txBox="1">
+            <a:spLocks/>
+          </p:cNvSpPr>
+          <p:nvPr/>
+        </p:nvSpPr>
+        <p:spPr>
+          <a:xfrm>
+            <a:off x="487971" y="1035790"/>
+            <a:ext cx="7886700" cy="694535"/>
+          </a:xfrm>
+          <a:prstGeom prst="rect">
+            <a:avLst/>
+          </a:prstGeom>
+        </p:spPr>
+        <p:txBody>
+          <a:bodyPr vert="horz" lIns="91440" tIns="45720" rIns="91440" bIns="45720" rtlCol="0" anchor="ctr">
+            <a:normAutofit/>
+          </a:bodyPr>
+          <a:lstStyle>
+            <a:lvl1pPr algn="l" defTabSz="685800" rtl="0" eaLnBrk="1" latinLnBrk="0" hangingPunct="1">
+              <a:lnSpc>
+                <a:spcPct val="90000"/>
+              </a:lnSpc>
+              <a:spcBef>
+                <a:spcPct val="0"/>
+              </a:spcBef>
+              <a:buNone/>
+              <a:defRPr sz="3300" kern="1200">
+                <a:solidFill>
+                  <a:schemeClr val="bg1"/>
+                </a:solidFill>
+                <a:latin typeface="+mn-lt"/>
+                <a:ea typeface="+mj-ea"/>
+                <a:cs typeface="+mj-cs"/>
+              </a:defRPr>
+            </a:lvl1pPr>
+          </a:lstStyle>
+          <a:p>
+            <a:r>
+              <a:rPr lang="en-US" sz="2400" dirty="0" smtClean="0"/>
+              <a:t>Sample HTML form</a:t>
+            </a:r>
+            <a:endParaRPr lang="en-US" sz="2400" dirty="0"/>
           </a:p>
         </p:txBody>
       </p:sp>
     </p:spTree>
     <p:extLst>
       <p:ext uri="{BB962C8B-B14F-4D97-AF65-F5344CB8AC3E}">
-        <p14:creationId xmlns:p14="http://schemas.microsoft.com/office/powerpoint/2010/main" val="336655601"/>
+        <p14:creationId xmlns:p14="http://schemas.microsoft.com/office/powerpoint/2010/main" val="139839873"/>
       </p:ext>
     </p:extLst>
   </p:cSld>
@@ -9065,7 +7414,7 @@
       </p:grpSpPr>
       <p:sp>
         <p:nvSpPr>
-          <p:cNvPr id="17409" name="Title 1"/>
+          <p:cNvPr id="2" name="Title 1"/>
           <p:cNvSpPr>
             <a:spLocks noGrp="1"/>
           </p:cNvSpPr>
@@ -9080,18 +7429,15 @@
           <a:p>
             <a:r>
               <a:rPr lang="en-US" dirty="0" smtClean="0"/>
-              <a:t>Problem Background</a:t>
-            </a:r>
-            <a:endParaRPr lang="en-US" altLang="en-US" dirty="0">
-              <a:latin typeface="Gill Sans MT" charset="0"/>
-              <a:ea typeface="MS PGothic" charset="-128"/>
-            </a:endParaRPr>
-          </a:p>
-        </p:txBody>
-      </p:sp>
-      <p:sp>
-        <p:nvSpPr>
-          <p:cNvPr id="17410" name="Content Placeholder 2"/>
+              <a:t>Sample PHP e-mail script</a:t>
+            </a:r>
+            <a:endParaRPr lang="en-US" dirty="0"/>
+          </a:p>
+        </p:txBody>
+      </p:sp>
+      <p:sp>
+        <p:nvSpPr>
+          <p:cNvPr id="3" name="Content Placeholder 2"/>
           <p:cNvSpPr>
             <a:spLocks noGrp="1"/>
           </p:cNvSpPr>
@@ -9101,82 +7447,390 @@
         </p:nvSpPr>
         <p:spPr>
           <a:xfrm>
-            <a:off x="329879" y="1818537"/>
-            <a:ext cx="8420582" cy="3394472"/>
+            <a:off x="628650" y="1282198"/>
+            <a:ext cx="7886700" cy="3626115"/>
           </a:xfrm>
         </p:spPr>
         <p:txBody>
-          <a:bodyPr/>
-          <a:lstStyle/>
-          <a:p>
-            <a:pPr algn="just">
-              <a:lnSpc>
-                <a:spcPct val="150000"/>
-              </a:lnSpc>
+          <a:bodyPr>
+            <a:normAutofit fontScale="92500"/>
+          </a:bodyPr>
+          <a:lstStyle/>
+          <a:p>
+            <a:pPr marL="0" indent="0">
+              <a:buNone/>
             </a:pPr>
-            <a:r>
-              <a:rPr lang="en-US" altLang="en-US" sz="1800" dirty="0">
-                <a:latin typeface="Gill Sans MT" charset="0"/>
-                <a:ea typeface="MS PGothic" charset="-128"/>
-              </a:rPr>
-              <a:t>Email Header Injection is possible when </a:t>
-            </a:r>
-            <a:r>
-              <a:rPr lang="en-US" altLang="en-US" sz="1800" dirty="0">
-                <a:latin typeface="Gill Sans MT" charset="0"/>
-                <a:ea typeface="MS PGothic" charset="-128"/>
-              </a:rPr>
-              <a:t>a</a:t>
-            </a:r>
-            <a:r>
-              <a:rPr lang="en-US" altLang="en-US" sz="1800" dirty="0" smtClean="0">
-                <a:latin typeface="Gill Sans MT" charset="0"/>
-                <a:ea typeface="MS PGothic" charset="-128"/>
+            <a:endParaRPr lang="en-US" sz="1500" dirty="0">
+              <a:latin typeface="Courier" charset="0"/>
+              <a:ea typeface="Courier" charset="0"/>
+              <a:cs typeface="Courier" charset="0"/>
+            </a:endParaRPr>
+          </a:p>
+          <a:p>
+            <a:pPr marL="0" indent="0">
+              <a:buNone/>
+            </a:pPr>
+            <a:r>
+              <a:rPr lang="en-US" dirty="0">
+                <a:latin typeface="Courier" charset="0"/>
+                <a:ea typeface="Courier" charset="0"/>
+                <a:cs typeface="Courier" charset="0"/>
+              </a:rPr>
+              <a:t>$from = $_REQUEST['email'];</a:t>
+            </a:r>
+            <a:br>
+              <a:rPr lang="en-US" dirty="0">
+                <a:latin typeface="Courier" charset="0"/>
+                <a:ea typeface="Courier" charset="0"/>
+                <a:cs typeface="Courier" charset="0"/>
+              </a:rPr>
+            </a:br>
+            <a:r>
+              <a:rPr lang="en-US" dirty="0">
+                <a:latin typeface="Courier" charset="0"/>
+                <a:ea typeface="Courier" charset="0"/>
+                <a:cs typeface="Courier" charset="0"/>
+              </a:rPr>
+              <a:t>$subject = "Hello Sai Pc";</a:t>
+            </a:r>
+            <a:br>
+              <a:rPr lang="en-US" dirty="0">
+                <a:latin typeface="Courier" charset="0"/>
+                <a:ea typeface="Courier" charset="0"/>
+                <a:cs typeface="Courier" charset="0"/>
+              </a:rPr>
+            </a:br>
+            <a:r>
+              <a:rPr lang="en-US" dirty="0">
+                <a:latin typeface="Courier" charset="0"/>
+                <a:ea typeface="Courier" charset="0"/>
+                <a:cs typeface="Courier" charset="0"/>
+              </a:rPr>
+              <a:t>$message = "We need you to reset your password on </a:t>
+            </a:r>
+            <a:r>
+              <a:rPr lang="is-IS" dirty="0">
+                <a:latin typeface="Courier" charset="0"/>
+                <a:ea typeface="Courier" charset="0"/>
+                <a:cs typeface="Courier" charset="0"/>
+              </a:rPr>
+              <a:t>…</a:t>
+            </a:r>
+            <a:r>
+              <a:rPr lang="en-US" dirty="0">
+                <a:latin typeface="Courier" charset="0"/>
+                <a:ea typeface="Courier" charset="0"/>
+                <a:cs typeface="Courier" charset="0"/>
+              </a:rPr>
+              <a:t>"; </a:t>
+            </a:r>
+          </a:p>
+          <a:p>
+            <a:pPr marL="0" indent="0">
+              <a:buNone/>
+            </a:pPr>
+            <a:r>
+              <a:rPr lang="en-US" dirty="0">
+                <a:latin typeface="Courier" charset="0"/>
+                <a:ea typeface="Courier" charset="0"/>
+                <a:cs typeface="Courier" charset="0"/>
+              </a:rPr>
+              <a:t>$to = </a:t>
+            </a:r>
+            <a:r>
+              <a:rPr lang="en-US" dirty="0" smtClean="0">
+                <a:latin typeface="Courier" charset="0"/>
+                <a:ea typeface="Courier" charset="0"/>
+                <a:cs typeface="Courier" charset="0"/>
+              </a:rPr>
+              <a:t>”</a:t>
+            </a:r>
+            <a:r>
+              <a:rPr lang="en-US" dirty="0" err="1" smtClean="0">
+                <a:latin typeface="Courier" charset="0"/>
+                <a:ea typeface="Courier" charset="0"/>
+                <a:cs typeface="Courier" charset="0"/>
+              </a:rPr>
+              <a:t>csai@amazon.com</a:t>
+            </a:r>
+            <a:r>
+              <a:rPr lang="en-US" dirty="0" smtClean="0">
+                <a:latin typeface="Courier" charset="0"/>
+                <a:ea typeface="Courier" charset="0"/>
+                <a:cs typeface="Courier" charset="0"/>
+              </a:rPr>
+              <a:t>"; </a:t>
+            </a:r>
+            <a:endParaRPr lang="en-US" dirty="0">
+              <a:latin typeface="Courier" charset="0"/>
+              <a:ea typeface="Courier" charset="0"/>
+              <a:cs typeface="Courier" charset="0"/>
+            </a:endParaRPr>
+          </a:p>
+          <a:p>
+            <a:pPr marL="0" indent="0">
+              <a:buNone/>
+            </a:pPr>
+            <a:endParaRPr lang="en-US" dirty="0">
+              <a:solidFill>
+                <a:schemeClr val="tx1">
+                  <a:lumMod val="50000"/>
+                  <a:lumOff val="50000"/>
+                </a:schemeClr>
+              </a:solidFill>
+              <a:latin typeface="Courier" charset="0"/>
+              <a:ea typeface="Courier" charset="0"/>
+              <a:cs typeface="Courier" charset="0"/>
+            </a:endParaRPr>
+          </a:p>
+          <a:p>
+            <a:pPr marL="0" indent="0">
+              <a:buNone/>
+            </a:pPr>
+            <a:r>
+              <a:rPr lang="en-US" dirty="0">
+                <a:solidFill>
+                  <a:srgbClr val="92D050"/>
+                </a:solidFill>
+                <a:latin typeface="Courier" charset="0"/>
+                <a:ea typeface="Courier" charset="0"/>
+                <a:cs typeface="Courier" charset="0"/>
+              </a:rPr>
+              <a:t>// attack string =&gt; </a:t>
+            </a:r>
+            <a:r>
+              <a:rPr lang="en-US" dirty="0" smtClean="0">
+                <a:solidFill>
+                  <a:srgbClr val="92D050"/>
+                </a:solidFill>
+                <a:latin typeface="Courier" charset="0"/>
+                <a:ea typeface="Courier" charset="0"/>
+                <a:cs typeface="Courier" charset="0"/>
+              </a:rPr>
+              <a:t>'</a:t>
+            </a:r>
+            <a:r>
+              <a:rPr lang="en-US" dirty="0" err="1" smtClean="0">
+                <a:solidFill>
+                  <a:srgbClr val="92D050"/>
+                </a:solidFill>
+                <a:latin typeface="Courier" charset="0"/>
+                <a:ea typeface="Courier" charset="0"/>
+                <a:cs typeface="Courier" charset="0"/>
+              </a:rPr>
+              <a:t>sai@sai.com</a:t>
+            </a:r>
+            <a:r>
+              <a:rPr lang="en-US" dirty="0" smtClean="0">
+                <a:solidFill>
+                  <a:srgbClr val="92D050"/>
+                </a:solidFill>
+                <a:latin typeface="Courier" charset="0"/>
+                <a:ea typeface="Courier" charset="0"/>
+                <a:cs typeface="Courier" charset="0"/>
+              </a:rPr>
+              <a:t>\</a:t>
+            </a:r>
+            <a:r>
+              <a:rPr lang="en-US" dirty="0" err="1" smtClean="0">
+                <a:solidFill>
+                  <a:srgbClr val="92D050"/>
+                </a:solidFill>
+                <a:latin typeface="Courier" charset="0"/>
+                <a:ea typeface="Courier" charset="0"/>
+                <a:cs typeface="Courier" charset="0"/>
+              </a:rPr>
+              <a:t>nBCC:sss@sss.com</a:t>
+            </a:r>
+            <a:r>
+              <a:rPr lang="en-US" dirty="0" smtClean="0">
+                <a:solidFill>
+                  <a:srgbClr val="92D050"/>
+                </a:solidFill>
+                <a:latin typeface="Courier" charset="0"/>
+                <a:ea typeface="Courier" charset="0"/>
+                <a:cs typeface="Courier" charset="0"/>
+              </a:rPr>
+              <a:t>\</a:t>
+            </a:r>
+            <a:r>
+              <a:rPr lang="en-US" dirty="0" err="1" smtClean="0">
+                <a:solidFill>
+                  <a:srgbClr val="92D050"/>
+                </a:solidFill>
+                <a:latin typeface="Courier" charset="0"/>
+                <a:ea typeface="Courier" charset="0"/>
+                <a:cs typeface="Courier" charset="0"/>
+              </a:rPr>
+              <a:t>nSubject:Pwned</a:t>
+            </a:r>
+            <a:r>
+              <a:rPr lang="en-US" dirty="0" smtClean="0">
+                <a:solidFill>
+                  <a:srgbClr val="92D050"/>
+                </a:solidFill>
+                <a:latin typeface="Courier" charset="0"/>
+                <a:ea typeface="Courier" charset="0"/>
+                <a:cs typeface="Courier" charset="0"/>
+              </a:rPr>
+              <a:t>' </a:t>
+            </a:r>
+            <a:endParaRPr lang="en-US" dirty="0">
+              <a:solidFill>
+                <a:srgbClr val="92D050"/>
+              </a:solidFill>
+              <a:latin typeface="Courier" charset="0"/>
+              <a:ea typeface="Courier" charset="0"/>
+              <a:cs typeface="Courier" charset="0"/>
+            </a:endParaRPr>
+          </a:p>
+          <a:p>
+            <a:pPr marL="0" indent="0">
+              <a:buNone/>
+            </a:pPr>
+            <a:r>
+              <a:rPr lang="en-US" dirty="0" smtClean="0">
+                <a:latin typeface="Courier" charset="0"/>
+                <a:ea typeface="Courier" charset="0"/>
+                <a:cs typeface="Courier" charset="0"/>
+              </a:rPr>
+              <a:t>mail</a:t>
+            </a:r>
+            <a:r>
+              <a:rPr lang="en-US" dirty="0">
+                <a:latin typeface="Courier" charset="0"/>
+                <a:ea typeface="Courier" charset="0"/>
+                <a:cs typeface="Courier" charset="0"/>
+              </a:rPr>
+              <a:t>($to, $subject , $message, "From: $from"); </a:t>
+            </a:r>
+          </a:p>
+          <a:p>
+            <a:pPr marL="0" indent="0">
+              <a:buNone/>
+            </a:pPr>
+            <a:r>
+              <a:rPr lang="en-US" dirty="0">
+                <a:solidFill>
+                  <a:srgbClr val="92D050"/>
+                </a:solidFill>
+                <a:latin typeface="Courier" charset="0"/>
+                <a:ea typeface="Courier" charset="0"/>
+                <a:cs typeface="Courier" charset="0"/>
+              </a:rPr>
+              <a:t>// E−Mail gets sent to both </a:t>
+            </a:r>
+            <a:r>
+              <a:rPr lang="en-US" dirty="0" err="1" smtClean="0">
+                <a:solidFill>
+                  <a:srgbClr val="92D050"/>
+                </a:solidFill>
+                <a:latin typeface="Courier" charset="0"/>
+                <a:ea typeface="Courier" charset="0"/>
+                <a:cs typeface="Courier" charset="0"/>
+              </a:rPr>
+              <a:t>csai@amazon.com</a:t>
+            </a:r>
+            <a:r>
+              <a:rPr lang="en-US" dirty="0" smtClean="0">
+                <a:solidFill>
+                  <a:srgbClr val="92D050"/>
+                </a:solidFill>
+                <a:latin typeface="Courier" charset="0"/>
+                <a:ea typeface="Courier" charset="0"/>
+                <a:cs typeface="Courier" charset="0"/>
               </a:rPr>
               <a:t> </a:t>
             </a:r>
             <a:r>
-              <a:rPr lang="en-US" altLang="en-US" sz="1800" dirty="0">
-                <a:latin typeface="Gill Sans MT" charset="0"/>
-                <a:ea typeface="MS PGothic" charset="-128"/>
-              </a:rPr>
-              <a:t>mailing script fails to properly sanitize user input</a:t>
-            </a:r>
-          </a:p>
-          <a:p>
-            <a:pPr algn="just">
-              <a:lnSpc>
-                <a:spcPct val="150000"/>
-              </a:lnSpc>
-            </a:pPr>
-            <a:r>
-              <a:rPr lang="en-US" altLang="en-US" sz="1800" dirty="0">
-                <a:latin typeface="Gill Sans MT" charset="0"/>
-                <a:ea typeface="MS PGothic" charset="-128"/>
-              </a:rPr>
-              <a:t>Failure to check for the presence of newlines and/or email headers in the form fields that take in email addresses can result in this vulnerability</a:t>
-            </a:r>
-          </a:p>
-          <a:p>
-            <a:pPr algn="just">
-              <a:lnSpc>
-                <a:spcPct val="150000"/>
-              </a:lnSpc>
-            </a:pPr>
-            <a:r>
-              <a:rPr lang="en-US" altLang="en-US" sz="1800" dirty="0">
-                <a:latin typeface="Gill Sans MT" charset="0"/>
-                <a:ea typeface="MS PGothic" charset="-128"/>
-              </a:rPr>
-              <a:t>Can result in e-mails sent with additional and/or spoofed headers</a:t>
-            </a:r>
+              <a:rPr lang="en-US" dirty="0">
+                <a:solidFill>
+                  <a:srgbClr val="92D050"/>
+                </a:solidFill>
+                <a:latin typeface="Courier" charset="0"/>
+                <a:ea typeface="Courier" charset="0"/>
+                <a:cs typeface="Courier" charset="0"/>
+              </a:rPr>
+              <a:t>AND </a:t>
+            </a:r>
+            <a:r>
+              <a:rPr lang="en-US" dirty="0" err="1">
+                <a:solidFill>
+                  <a:srgbClr val="92D050"/>
+                </a:solidFill>
+                <a:latin typeface="Courier" charset="0"/>
+                <a:ea typeface="Courier" charset="0"/>
+                <a:cs typeface="Courier" charset="0"/>
+              </a:rPr>
+              <a:t>sss@sss.com</a:t>
+            </a:r>
+            <a:r>
+              <a:rPr lang="en-US" dirty="0">
+                <a:solidFill>
+                  <a:srgbClr val="92D050"/>
+                </a:solidFill>
+                <a:latin typeface="Courier" charset="0"/>
+                <a:ea typeface="Courier" charset="0"/>
+                <a:cs typeface="Courier" charset="0"/>
+              </a:rPr>
+              <a:t> </a:t>
+            </a:r>
+          </a:p>
+          <a:p>
+            <a:endParaRPr lang="en-US" dirty="0"/>
+          </a:p>
+        </p:txBody>
+      </p:sp>
+      <p:sp>
+        <p:nvSpPr>
+          <p:cNvPr id="9" name="Slide Number Placeholder 8"/>
+          <p:cNvSpPr>
+            <a:spLocks noGrp="1"/>
+          </p:cNvSpPr>
+          <p:nvPr>
+            <p:ph type="sldNum" sz="quarter" idx="12"/>
+          </p:nvPr>
+        </p:nvSpPr>
+        <p:spPr/>
+        <p:txBody>
+          <a:bodyPr/>
+          <a:lstStyle/>
+          <a:p>
+            <a:fld id="{C65DCCF2-6008-4DE1-A65C-BCDCF780F6E1}" type="slidenum">
+              <a:rPr lang="en-US" smtClean="0"/>
+              <a:t>4</a:t>
+            </a:fld>
+            <a:endParaRPr lang="en-US"/>
+          </a:p>
+        </p:txBody>
+      </p:sp>
+      <p:sp>
+        <p:nvSpPr>
+          <p:cNvPr id="10" name="Footer Placeholder 9"/>
+          <p:cNvSpPr>
+            <a:spLocks noGrp="1"/>
+          </p:cNvSpPr>
+          <p:nvPr>
+            <p:ph type="ftr" sz="quarter" idx="11"/>
+          </p:nvPr>
+        </p:nvSpPr>
+        <p:spPr/>
+        <p:txBody>
+          <a:bodyPr/>
+          <a:lstStyle/>
+          <a:p>
+            <a:r>
+              <a:rPr lang="en-US" smtClean="0"/>
+              <a:t>Amazon Confidential</a:t>
+            </a:r>
+            <a:endParaRPr lang="en-US"/>
           </a:p>
         </p:txBody>
       </p:sp>
     </p:spTree>
     <p:extLst>
       <p:ext uri="{BB962C8B-B14F-4D97-AF65-F5344CB8AC3E}">
-        <p14:creationId xmlns:p14="http://schemas.microsoft.com/office/powerpoint/2010/main" val="139839873"/>
+        <p14:creationId xmlns:p14="http://schemas.microsoft.com/office/powerpoint/2010/main" val="631097185"/>
       </p:ext>
     </p:extLst>
   </p:cSld>
@@ -9235,7 +7889,7 @@
           <a:p>
             <a:r>
               <a:rPr lang="en-US" dirty="0" smtClean="0"/>
-              <a:t>Sample HTML page</a:t>
+              <a:t>Output of injection</a:t>
             </a:r>
             <a:endParaRPr lang="en-US" dirty="0"/>
           </a:p>
@@ -9243,603 +7897,83 @@
       </p:sp>
       <p:sp>
         <p:nvSpPr>
-          <p:cNvPr id="3" name="Content Placeholder 2"/>
-          <p:cNvSpPr>
-            <a:spLocks noGrp="1"/>
-          </p:cNvSpPr>
-          <p:nvPr>
-            <p:ph idx="1"/>
-          </p:nvPr>
-        </p:nvSpPr>
-        <p:spPr/>
-        <p:txBody>
-          <a:bodyPr>
-            <a:normAutofit fontScale="92500" lnSpcReduction="10000"/>
-          </a:bodyPr>
-          <a:lstStyle/>
-          <a:p>
-            <a:pPr marL="0" indent="0">
-              <a:buNone/>
-            </a:pPr>
-            <a:r>
-              <a:rPr lang="en-US" dirty="0">
-                <a:solidFill>
-                  <a:schemeClr val="tx1">
-                    <a:lumMod val="50000"/>
-                    <a:lumOff val="50000"/>
-                  </a:schemeClr>
-                </a:solidFill>
-                <a:latin typeface="Courier" charset="0"/>
-                <a:ea typeface="Courier" charset="0"/>
-                <a:cs typeface="Courier" charset="0"/>
-              </a:rPr>
-              <a:t>&lt;!</a:t>
-            </a:r>
-            <a:r>
-              <a:rPr lang="en-US" dirty="0" err="1">
-                <a:solidFill>
-                  <a:schemeClr val="tx1">
-                    <a:lumMod val="50000"/>
-                    <a:lumOff val="50000"/>
-                  </a:schemeClr>
-                </a:solidFill>
-                <a:latin typeface="Courier" charset="0"/>
-                <a:ea typeface="Courier" charset="0"/>
-                <a:cs typeface="Courier" charset="0"/>
-              </a:rPr>
-              <a:t>doctype</a:t>
-            </a:r>
-            <a:r>
-              <a:rPr lang="en-US" dirty="0">
-                <a:solidFill>
-                  <a:schemeClr val="tx1">
-                    <a:lumMod val="50000"/>
-                    <a:lumOff val="50000"/>
-                  </a:schemeClr>
-                </a:solidFill>
-                <a:latin typeface="Courier" charset="0"/>
-                <a:ea typeface="Courier" charset="0"/>
-                <a:cs typeface="Courier" charset="0"/>
-              </a:rPr>
-              <a:t> html&gt;</a:t>
-            </a:r>
-            <a:br>
-              <a:rPr lang="en-US" dirty="0">
-                <a:solidFill>
-                  <a:schemeClr val="tx1">
-                    <a:lumMod val="50000"/>
-                    <a:lumOff val="50000"/>
-                  </a:schemeClr>
-                </a:solidFill>
-                <a:latin typeface="Courier" charset="0"/>
-                <a:ea typeface="Courier" charset="0"/>
-                <a:cs typeface="Courier" charset="0"/>
-              </a:rPr>
-            </a:br>
-            <a:r>
-              <a:rPr lang="en-US" dirty="0">
-                <a:solidFill>
-                  <a:schemeClr val="tx1">
-                    <a:lumMod val="50000"/>
-                    <a:lumOff val="50000"/>
-                  </a:schemeClr>
-                </a:solidFill>
-                <a:latin typeface="Courier" charset="0"/>
-                <a:ea typeface="Courier" charset="0"/>
-                <a:cs typeface="Courier" charset="0"/>
-              </a:rPr>
-              <a:t>&lt;html </a:t>
-            </a:r>
-            <a:r>
-              <a:rPr lang="en-US" dirty="0" err="1">
-                <a:solidFill>
-                  <a:schemeClr val="tx1">
-                    <a:lumMod val="50000"/>
-                    <a:lumOff val="50000"/>
-                  </a:schemeClr>
-                </a:solidFill>
-                <a:latin typeface="Courier" charset="0"/>
-                <a:ea typeface="Courier" charset="0"/>
-                <a:cs typeface="Courier" charset="0"/>
-              </a:rPr>
-              <a:t>lang</a:t>
-            </a:r>
-            <a:r>
-              <a:rPr lang="en-US" dirty="0">
-                <a:solidFill>
-                  <a:schemeClr val="tx1">
-                    <a:lumMod val="50000"/>
-                    <a:lumOff val="50000"/>
-                  </a:schemeClr>
-                </a:solidFill>
-                <a:latin typeface="Courier" charset="0"/>
-                <a:ea typeface="Courier" charset="0"/>
-                <a:cs typeface="Courier" charset="0"/>
-              </a:rPr>
-              <a:t>="en"&gt;</a:t>
-            </a:r>
-            <a:br>
-              <a:rPr lang="en-US" dirty="0">
-                <a:solidFill>
-                  <a:schemeClr val="tx1">
-                    <a:lumMod val="50000"/>
-                    <a:lumOff val="50000"/>
-                  </a:schemeClr>
-                </a:solidFill>
-                <a:latin typeface="Courier" charset="0"/>
-                <a:ea typeface="Courier" charset="0"/>
-                <a:cs typeface="Courier" charset="0"/>
-              </a:rPr>
-            </a:br>
-            <a:r>
-              <a:rPr lang="en-US" dirty="0">
-                <a:solidFill>
-                  <a:schemeClr val="tx1">
-                    <a:lumMod val="50000"/>
-                    <a:lumOff val="50000"/>
-                  </a:schemeClr>
-                </a:solidFill>
-                <a:latin typeface="Courier" charset="0"/>
-                <a:ea typeface="Courier" charset="0"/>
-                <a:cs typeface="Courier" charset="0"/>
-              </a:rPr>
-              <a:t>&lt;head&gt;</a:t>
-            </a:r>
-            <a:br>
-              <a:rPr lang="en-US" dirty="0">
-                <a:solidFill>
-                  <a:schemeClr val="tx1">
-                    <a:lumMod val="50000"/>
-                    <a:lumOff val="50000"/>
-                  </a:schemeClr>
-                </a:solidFill>
-                <a:latin typeface="Courier" charset="0"/>
-                <a:ea typeface="Courier" charset="0"/>
-                <a:cs typeface="Courier" charset="0"/>
-              </a:rPr>
-            </a:br>
-            <a:r>
-              <a:rPr lang="en-US" dirty="0">
-                <a:solidFill>
-                  <a:schemeClr val="tx1">
-                    <a:lumMod val="50000"/>
-                    <a:lumOff val="50000"/>
-                  </a:schemeClr>
-                </a:solidFill>
-                <a:latin typeface="Courier" charset="0"/>
-                <a:ea typeface="Courier" charset="0"/>
-                <a:cs typeface="Courier" charset="0"/>
-              </a:rPr>
-              <a:t>&lt;meta name="author" content="Sai Pc"&gt;</a:t>
-            </a:r>
-          </a:p>
-          <a:p>
-            <a:pPr marL="0" indent="0">
-              <a:buNone/>
-            </a:pPr>
-            <a:r>
-              <a:rPr lang="en-US" dirty="0">
-                <a:solidFill>
-                  <a:schemeClr val="tx1">
-                    <a:lumMod val="50000"/>
-                    <a:lumOff val="50000"/>
-                  </a:schemeClr>
-                </a:solidFill>
-                <a:latin typeface="Courier" charset="0"/>
-                <a:ea typeface="Courier" charset="0"/>
-                <a:cs typeface="Courier" charset="0"/>
-              </a:rPr>
-              <a:t>&lt;title&gt;Mock Email&lt;/title&gt;&lt;/head&gt;</a:t>
-            </a:r>
-            <a:br>
-              <a:rPr lang="en-US" dirty="0">
-                <a:solidFill>
-                  <a:schemeClr val="tx1">
-                    <a:lumMod val="50000"/>
-                    <a:lumOff val="50000"/>
-                  </a:schemeClr>
-                </a:solidFill>
-                <a:latin typeface="Courier" charset="0"/>
-                <a:ea typeface="Courier" charset="0"/>
-                <a:cs typeface="Courier" charset="0"/>
-              </a:rPr>
-            </a:br>
-            <a:r>
-              <a:rPr lang="en-US" dirty="0">
-                <a:solidFill>
-                  <a:schemeClr val="tx1">
-                    <a:lumMod val="50000"/>
-                    <a:lumOff val="50000"/>
-                  </a:schemeClr>
-                </a:solidFill>
-                <a:latin typeface="Courier" charset="0"/>
-                <a:ea typeface="Courier" charset="0"/>
-                <a:cs typeface="Courier" charset="0"/>
-              </a:rPr>
-              <a:t>&lt;body&gt;</a:t>
-            </a:r>
-            <a:br>
-              <a:rPr lang="en-US" dirty="0">
-                <a:solidFill>
-                  <a:schemeClr val="tx1">
-                    <a:lumMod val="50000"/>
-                    <a:lumOff val="50000"/>
-                  </a:schemeClr>
-                </a:solidFill>
-                <a:latin typeface="Courier" charset="0"/>
-                <a:ea typeface="Courier" charset="0"/>
-                <a:cs typeface="Courier" charset="0"/>
-              </a:rPr>
-            </a:br>
-            <a:r>
-              <a:rPr lang="en-US" dirty="0">
-                <a:solidFill>
-                  <a:schemeClr val="tx1">
-                    <a:lumMod val="50000"/>
-                    <a:lumOff val="50000"/>
-                  </a:schemeClr>
-                </a:solidFill>
-                <a:latin typeface="Courier" charset="0"/>
-                <a:ea typeface="Courier" charset="0"/>
-                <a:cs typeface="Courier" charset="0"/>
-              </a:rPr>
-              <a:t>&lt;form action</a:t>
-            </a:r>
-            <a:r>
-              <a:rPr lang="en-US" dirty="0" smtClean="0">
-                <a:solidFill>
-                  <a:schemeClr val="tx1">
-                    <a:lumMod val="50000"/>
-                    <a:lumOff val="50000"/>
-                  </a:schemeClr>
-                </a:solidFill>
-                <a:latin typeface="Courier" charset="0"/>
-                <a:ea typeface="Courier" charset="0"/>
-                <a:cs typeface="Courier" charset="0"/>
-              </a:rPr>
-              <a:t>="{mailing-script}” </a:t>
-            </a:r>
-            <a:r>
-              <a:rPr lang="en-US" dirty="0">
-                <a:solidFill>
-                  <a:schemeClr val="tx1">
-                    <a:lumMod val="50000"/>
-                    <a:lumOff val="50000"/>
-                  </a:schemeClr>
-                </a:solidFill>
-                <a:latin typeface="Courier" charset="0"/>
-                <a:ea typeface="Courier" charset="0"/>
-                <a:cs typeface="Courier" charset="0"/>
-              </a:rPr>
-              <a:t>method="post"&gt;</a:t>
-            </a:r>
-            <a:br>
-              <a:rPr lang="en-US" dirty="0">
-                <a:solidFill>
-                  <a:schemeClr val="tx1">
-                    <a:lumMod val="50000"/>
-                    <a:lumOff val="50000"/>
-                  </a:schemeClr>
-                </a:solidFill>
-                <a:latin typeface="Courier" charset="0"/>
-                <a:ea typeface="Courier" charset="0"/>
-                <a:cs typeface="Courier" charset="0"/>
-              </a:rPr>
-            </a:br>
-            <a:r>
-              <a:rPr lang="en-US" dirty="0">
-                <a:solidFill>
-                  <a:schemeClr val="tx1">
-                    <a:lumMod val="50000"/>
-                    <a:lumOff val="50000"/>
-                  </a:schemeClr>
-                </a:solidFill>
-                <a:latin typeface="Courier" charset="0"/>
-                <a:ea typeface="Courier" charset="0"/>
-                <a:cs typeface="Courier" charset="0"/>
-              </a:rPr>
-              <a:t>&lt;input type="text" placeholder="Email" name="email" id="e−mail</a:t>
-            </a:r>
-            <a:r>
-              <a:rPr lang="en-US" dirty="0" smtClean="0">
-                <a:solidFill>
-                  <a:schemeClr val="tx1">
-                    <a:lumMod val="50000"/>
-                    <a:lumOff val="50000"/>
-                  </a:schemeClr>
-                </a:solidFill>
-                <a:latin typeface="Courier" charset="0"/>
-                <a:ea typeface="Courier" charset="0"/>
-                <a:cs typeface="Courier" charset="0"/>
-              </a:rPr>
-              <a:t>"&gt;</a:t>
-            </a:r>
-          </a:p>
-          <a:p>
-            <a:pPr marL="0" indent="0">
-              <a:buNone/>
-            </a:pPr>
-            <a:r>
-              <a:rPr lang="en-US" dirty="0" smtClean="0">
-                <a:solidFill>
-                  <a:schemeClr val="tx1">
-                    <a:lumMod val="50000"/>
-                    <a:lumOff val="50000"/>
-                  </a:schemeClr>
-                </a:solidFill>
-                <a:latin typeface="Courier" charset="0"/>
-                <a:ea typeface="Courier" charset="0"/>
-                <a:cs typeface="Courier" charset="0"/>
-              </a:rPr>
-              <a:t>&lt;</a:t>
-            </a:r>
-            <a:r>
-              <a:rPr lang="en-US" dirty="0" err="1">
-                <a:solidFill>
-                  <a:schemeClr val="tx1">
-                    <a:lumMod val="50000"/>
-                    <a:lumOff val="50000"/>
-                  </a:schemeClr>
-                </a:solidFill>
-                <a:latin typeface="Courier" charset="0"/>
-                <a:ea typeface="Courier" charset="0"/>
-                <a:cs typeface="Courier" charset="0"/>
-              </a:rPr>
-              <a:t>textarea</a:t>
-            </a:r>
-            <a:r>
-              <a:rPr lang="en-US" dirty="0">
-                <a:solidFill>
-                  <a:schemeClr val="tx1">
-                    <a:lumMod val="50000"/>
-                    <a:lumOff val="50000"/>
-                  </a:schemeClr>
-                </a:solidFill>
-                <a:latin typeface="Courier" charset="0"/>
-                <a:ea typeface="Courier" charset="0"/>
-                <a:cs typeface="Courier" charset="0"/>
-              </a:rPr>
-              <a:t> name="</a:t>
-            </a:r>
-            <a:r>
-              <a:rPr lang="en-US" dirty="0" err="1">
-                <a:solidFill>
-                  <a:schemeClr val="tx1">
-                    <a:lumMod val="50000"/>
-                    <a:lumOff val="50000"/>
-                  </a:schemeClr>
-                </a:solidFill>
-                <a:latin typeface="Courier" charset="0"/>
-                <a:ea typeface="Courier" charset="0"/>
-                <a:cs typeface="Courier" charset="0"/>
-              </a:rPr>
-              <a:t>msg</a:t>
-            </a:r>
-            <a:r>
-              <a:rPr lang="en-US" dirty="0">
-                <a:solidFill>
-                  <a:schemeClr val="tx1">
-                    <a:lumMod val="50000"/>
-                    <a:lumOff val="50000"/>
-                  </a:schemeClr>
-                </a:solidFill>
-                <a:latin typeface="Courier" charset="0"/>
-                <a:ea typeface="Courier" charset="0"/>
-                <a:cs typeface="Courier" charset="0"/>
-              </a:rPr>
-              <a:t>" rows="20" cols="120"&gt;&lt;/</a:t>
-            </a:r>
-            <a:r>
-              <a:rPr lang="en-US" dirty="0" err="1">
-                <a:solidFill>
-                  <a:schemeClr val="tx1">
-                    <a:lumMod val="50000"/>
-                    <a:lumOff val="50000"/>
-                  </a:schemeClr>
-                </a:solidFill>
-                <a:latin typeface="Courier" charset="0"/>
-                <a:ea typeface="Courier" charset="0"/>
-                <a:cs typeface="Courier" charset="0"/>
-              </a:rPr>
-              <a:t>textarea</a:t>
-            </a:r>
-            <a:r>
-              <a:rPr lang="en-US" dirty="0">
-                <a:solidFill>
-                  <a:schemeClr val="tx1">
-                    <a:lumMod val="50000"/>
-                    <a:lumOff val="50000"/>
-                  </a:schemeClr>
-                </a:solidFill>
-                <a:latin typeface="Courier" charset="0"/>
-                <a:ea typeface="Courier" charset="0"/>
-                <a:cs typeface="Courier" charset="0"/>
-              </a:rPr>
-              <a:t>&gt;</a:t>
-            </a:r>
-            <a:br>
-              <a:rPr lang="en-US" dirty="0">
-                <a:solidFill>
-                  <a:schemeClr val="tx1">
-                    <a:lumMod val="50000"/>
-                    <a:lumOff val="50000"/>
-                  </a:schemeClr>
-                </a:solidFill>
-                <a:latin typeface="Courier" charset="0"/>
-                <a:ea typeface="Courier" charset="0"/>
-                <a:cs typeface="Courier" charset="0"/>
-              </a:rPr>
-            </a:br>
-            <a:r>
-              <a:rPr lang="en-US" dirty="0">
-                <a:solidFill>
-                  <a:schemeClr val="tx1">
-                    <a:lumMod val="50000"/>
-                    <a:lumOff val="50000"/>
-                  </a:schemeClr>
-                </a:solidFill>
-                <a:latin typeface="Courier" charset="0"/>
-                <a:ea typeface="Courier" charset="0"/>
-                <a:cs typeface="Courier" charset="0"/>
-              </a:rPr>
-              <a:t>&lt;input type="submit" value="Email Me! "&gt;</a:t>
-            </a:r>
-            <a:br>
-              <a:rPr lang="en-US" dirty="0">
-                <a:solidFill>
-                  <a:schemeClr val="tx1">
-                    <a:lumMod val="50000"/>
-                    <a:lumOff val="50000"/>
-                  </a:schemeClr>
-                </a:solidFill>
-                <a:latin typeface="Courier" charset="0"/>
-                <a:ea typeface="Courier" charset="0"/>
-                <a:cs typeface="Courier" charset="0"/>
-              </a:rPr>
-            </a:br>
-            <a:r>
-              <a:rPr lang="en-US" dirty="0">
-                <a:solidFill>
-                  <a:schemeClr val="tx1">
-                    <a:lumMod val="50000"/>
-                    <a:lumOff val="50000"/>
-                  </a:schemeClr>
-                </a:solidFill>
-                <a:latin typeface="Courier" charset="0"/>
-                <a:ea typeface="Courier" charset="0"/>
-                <a:cs typeface="Courier" charset="0"/>
-              </a:rPr>
-              <a:t>&lt;/form&gt;</a:t>
-            </a:r>
-            <a:br>
-              <a:rPr lang="en-US" dirty="0">
-                <a:solidFill>
-                  <a:schemeClr val="tx1">
-                    <a:lumMod val="50000"/>
-                    <a:lumOff val="50000"/>
-                  </a:schemeClr>
-                </a:solidFill>
-                <a:latin typeface="Courier" charset="0"/>
-                <a:ea typeface="Courier" charset="0"/>
-                <a:cs typeface="Courier" charset="0"/>
-              </a:rPr>
-            </a:br>
-            <a:r>
-              <a:rPr lang="en-US" dirty="0">
-                <a:solidFill>
-                  <a:schemeClr val="tx1">
-                    <a:lumMod val="50000"/>
-                    <a:lumOff val="50000"/>
-                  </a:schemeClr>
-                </a:solidFill>
-                <a:latin typeface="Courier" charset="0"/>
-                <a:ea typeface="Courier" charset="0"/>
-                <a:cs typeface="Courier" charset="0"/>
-              </a:rPr>
-              <a:t>&lt;/body&gt;</a:t>
-            </a:r>
-            <a:br>
-              <a:rPr lang="en-US" dirty="0">
-                <a:solidFill>
-                  <a:schemeClr val="tx1">
-                    <a:lumMod val="50000"/>
-                    <a:lumOff val="50000"/>
-                  </a:schemeClr>
-                </a:solidFill>
-                <a:latin typeface="Courier" charset="0"/>
-                <a:ea typeface="Courier" charset="0"/>
-                <a:cs typeface="Courier" charset="0"/>
-              </a:rPr>
-            </a:br>
-            <a:r>
-              <a:rPr lang="en-US" dirty="0">
-                <a:solidFill>
-                  <a:schemeClr val="tx1">
-                    <a:lumMod val="50000"/>
-                    <a:lumOff val="50000"/>
-                  </a:schemeClr>
-                </a:solidFill>
-                <a:latin typeface="Courier" charset="0"/>
-                <a:ea typeface="Courier" charset="0"/>
-                <a:cs typeface="Courier" charset="0"/>
-              </a:rPr>
-              <a:t>&lt;/html&gt; </a:t>
-            </a:r>
-          </a:p>
-          <a:p>
-            <a:pPr marL="0" indent="0">
-              <a:buNone/>
-            </a:pPr>
-            <a:endParaRPr lang="en-US" dirty="0">
-              <a:latin typeface="Courier" charset="0"/>
-              <a:ea typeface="Courier" charset="0"/>
-              <a:cs typeface="Courier" charset="0"/>
-            </a:endParaRPr>
-          </a:p>
-        </p:txBody>
-      </p:sp>
-      <p:sp>
-        <p:nvSpPr>
-          <p:cNvPr id="4" name="Slide Number Placeholder 3"/>
-          <p:cNvSpPr>
-            <a:spLocks noGrp="1"/>
-          </p:cNvSpPr>
-          <p:nvPr>
-            <p:ph type="sldNum" sz="quarter" idx="10"/>
-          </p:nvPr>
-        </p:nvSpPr>
-        <p:spPr/>
-        <p:txBody>
-          <a:bodyPr/>
-          <a:lstStyle/>
-          <a:p>
-            <a:pPr>
-              <a:defRPr/>
-            </a:pPr>
-            <a:fld id="{A6049551-C800-0F49-AC98-3AEA702B0E63}" type="slidenum">
-              <a:rPr lang="en-US" altLang="en-US" smtClean="0"/>
-              <a:pPr>
-                <a:defRPr/>
-              </a:pPr>
+          <p:cNvPr id="9" name="Slide Number Placeholder 8"/>
+          <p:cNvSpPr>
+            <a:spLocks noGrp="1"/>
+          </p:cNvSpPr>
+          <p:nvPr>
+            <p:ph type="sldNum" sz="quarter" idx="12"/>
+          </p:nvPr>
+        </p:nvSpPr>
+        <p:spPr/>
+        <p:txBody>
+          <a:bodyPr/>
+          <a:lstStyle/>
+          <a:p>
+            <a:fld id="{C65DCCF2-6008-4DE1-A65C-BCDCF780F6E1}" type="slidenum">
+              <a:rPr lang="en-US" smtClean="0"/>
               <a:t>5</a:t>
             </a:fld>
-            <a:endParaRPr lang="en-US" altLang="en-US"/>
-          </a:p>
-        </p:txBody>
-      </p:sp>
-      <p:sp>
-        <p:nvSpPr>
-          <p:cNvPr id="5" name="Date Placeholder 4"/>
-          <p:cNvSpPr>
-            <a:spLocks noGrp="1"/>
-          </p:cNvSpPr>
-          <p:nvPr>
-            <p:ph type="dt" sz="half" idx="11"/>
-          </p:nvPr>
-        </p:nvSpPr>
-        <p:spPr/>
-        <p:txBody>
-          <a:bodyPr/>
-          <a:lstStyle/>
-          <a:p>
-            <a:pPr>
-              <a:defRPr/>
-            </a:pPr>
-            <a:fld id="{C37AA8D1-E9CF-2944-A66E-EFC74035EB27}" type="datetime1">
-              <a:rPr lang="en-US" altLang="en-US" smtClean="0"/>
-              <a:pPr>
-                <a:defRPr/>
-              </a:pPr>
-              <a:t>1/13/17</a:t>
-            </a:fld>
-            <a:endParaRPr lang="en-US" altLang="en-US"/>
-          </a:p>
-        </p:txBody>
-      </p:sp>
+            <a:endParaRPr lang="en-US"/>
+          </a:p>
+        </p:txBody>
+      </p:sp>
+      <p:sp>
+        <p:nvSpPr>
+          <p:cNvPr id="10" name="Footer Placeholder 9"/>
+          <p:cNvSpPr>
+            <a:spLocks noGrp="1"/>
+          </p:cNvSpPr>
+          <p:nvPr>
+            <p:ph type="ftr" sz="quarter" idx="11"/>
+          </p:nvPr>
+        </p:nvSpPr>
+        <p:spPr/>
+        <p:txBody>
+          <a:bodyPr/>
+          <a:lstStyle/>
+          <a:p>
+            <a:r>
+              <a:rPr lang="en-US" smtClean="0"/>
+              <a:t>Amazon Confidential</a:t>
+            </a:r>
+            <a:endParaRPr lang="en-US"/>
+          </a:p>
+        </p:txBody>
+      </p:sp>
+      <p:pic>
+        <p:nvPicPr>
+          <p:cNvPr id="12" name="Content Placeholder 11"/>
+          <p:cNvPicPr>
+            <a:picLocks noGrp="1" noChangeAspect="1"/>
+          </p:cNvPicPr>
+          <p:nvPr>
+            <p:ph idx="1"/>
+          </p:nvPr>
+        </p:nvPicPr>
+        <p:blipFill>
+          <a:blip r:embed="rId3">
+            <a:extLst>
+              <a:ext uri="{28A0092B-C50C-407E-A947-70E740481C1C}">
+                <a14:useLocalDpi xmlns:a14="http://schemas.microsoft.com/office/drawing/2010/main" val="0"/>
+              </a:ext>
+            </a:extLst>
+          </a:blip>
+          <a:stretch>
+            <a:fillRect/>
+          </a:stretch>
+        </p:blipFill>
+        <p:spPr>
+          <a:xfrm>
+            <a:off x="285337" y="998806"/>
+            <a:ext cx="8577309" cy="4341508"/>
+          </a:xfrm>
+        </p:spPr>
+      </p:pic>
     </p:spTree>
     <p:extLst>
       <p:ext uri="{BB962C8B-B14F-4D97-AF65-F5344CB8AC3E}">
-        <p14:creationId xmlns:p14="http://schemas.microsoft.com/office/powerpoint/2010/main" val="1264097508"/>
+        <p14:creationId xmlns:p14="http://schemas.microsoft.com/office/powerpoint/2010/main" val="428655762"/>
       </p:ext>
     </p:extLst>
   </p:cSld>
@@ -9883,7 +8017,7 @@
       </p:grpSpPr>
       <p:sp>
         <p:nvSpPr>
-          <p:cNvPr id="2" name="Title 1"/>
+          <p:cNvPr id="19457" name="Title 1"/>
           <p:cNvSpPr>
             <a:spLocks noGrp="1"/>
           </p:cNvSpPr>
@@ -9897,16 +8031,36 @@
           <a:lstStyle/>
           <a:p>
             <a:r>
-              <a:rPr lang="en-US" dirty="0" smtClean="0"/>
-              <a:t>Sample PHP e-mail script</a:t>
-            </a:r>
-            <a:endParaRPr lang="en-US" dirty="0"/>
-          </a:p>
-        </p:txBody>
-      </p:sp>
-      <p:sp>
-        <p:nvSpPr>
-          <p:cNvPr id="3" name="Content Placeholder 2"/>
+              <a:rPr lang="en-US" altLang="en-US" dirty="0" smtClean="0">
+                <a:latin typeface="Gill Sans MT" charset="0"/>
+                <a:ea typeface="MS PGothic" charset="-128"/>
+              </a:rPr>
+              <a:t>Potential Impact - What </a:t>
+            </a:r>
+            <a:r>
+              <a:rPr lang="en-US" altLang="en-US" dirty="0">
+                <a:latin typeface="Gill Sans MT" charset="0"/>
+                <a:ea typeface="MS PGothic" charset="-128"/>
+              </a:rPr>
+              <a:t>can it </a:t>
+            </a:r>
+            <a:r>
+              <a:rPr lang="en-US" altLang="en-US" dirty="0" smtClean="0">
+                <a:latin typeface="Gill Sans MT" charset="0"/>
+                <a:ea typeface="MS PGothic" charset="-128"/>
+              </a:rPr>
+              <a:t>result in?</a:t>
+            </a:r>
+            <a:endParaRPr lang="en-US" altLang="en-US" dirty="0">
+              <a:latin typeface="Gill Sans MT" charset="0"/>
+              <a:ea typeface="MS PGothic" charset="-128"/>
+            </a:endParaRPr>
+          </a:p>
+        </p:txBody>
+      </p:sp>
+      <p:sp>
+        <p:nvSpPr>
+          <p:cNvPr id="19458" name="Content Placeholder 2"/>
           <p:cNvSpPr>
             <a:spLocks noGrp="1"/>
           </p:cNvSpPr>
@@ -9914,456 +8068,219 @@
             <p:ph idx="1"/>
           </p:nvPr>
         </p:nvSpPr>
-        <p:spPr/>
-        <p:txBody>
-          <a:bodyPr>
-            <a:normAutofit fontScale="92500"/>
-          </a:bodyPr>
-          <a:lstStyle/>
-          <a:p>
-            <a:pPr marL="0" indent="0">
-              <a:buNone/>
+        <p:spPr>
+          <a:xfrm>
+            <a:off x="964095" y="1210866"/>
+            <a:ext cx="6937513" cy="3394472"/>
+          </a:xfrm>
+        </p:spPr>
+        <p:txBody>
+          <a:bodyPr/>
+          <a:lstStyle/>
+          <a:p>
+            <a:pPr>
+              <a:lnSpc>
+                <a:spcPct val="150000"/>
+              </a:lnSpc>
             </a:pPr>
-            <a:endParaRPr lang="en-US" sz="1500" dirty="0">
-              <a:latin typeface="Courier" charset="0"/>
-              <a:ea typeface="Courier" charset="0"/>
-              <a:cs typeface="Courier" charset="0"/>
+            <a:r>
+              <a:rPr lang="en-US" altLang="en-US" sz="1800" dirty="0">
+                <a:latin typeface="Gill Sans MT" charset="0"/>
+                <a:ea typeface="MS PGothic" charset="-128"/>
+              </a:rPr>
+              <a:t>Email Header Injection can potentially lead to any of the following:</a:t>
+            </a:r>
+          </a:p>
+          <a:p>
+            <a:pPr lvl="1">
+              <a:lnSpc>
+                <a:spcPct val="150000"/>
+              </a:lnSpc>
+            </a:pPr>
+            <a:r>
+              <a:rPr lang="en-US" altLang="en-US" dirty="0">
+                <a:latin typeface="Gill Sans MT" charset="0"/>
+                <a:ea typeface="MS PGothic" charset="-128"/>
+              </a:rPr>
+              <a:t>Phishing  and </a:t>
+            </a:r>
+            <a:r>
+              <a:rPr lang="en-US" altLang="en-US" dirty="0" smtClean="0">
+                <a:latin typeface="Gill Sans MT" charset="0"/>
+                <a:ea typeface="MS PGothic" charset="-128"/>
+              </a:rPr>
+              <a:t>spoofing </a:t>
+            </a:r>
+            <a:r>
+              <a:rPr lang="en-US" altLang="en-US" dirty="0">
+                <a:latin typeface="Gill Sans MT" charset="0"/>
+                <a:ea typeface="MS PGothic" charset="-128"/>
+              </a:rPr>
+              <a:t>a</a:t>
+            </a:r>
+            <a:r>
+              <a:rPr lang="en-US" altLang="en-US" dirty="0" smtClean="0">
+                <a:latin typeface="Gill Sans MT" charset="0"/>
+                <a:ea typeface="MS PGothic" charset="-128"/>
+              </a:rPr>
+              <a:t>ttacks</a:t>
+            </a:r>
+          </a:p>
+          <a:p>
+            <a:pPr lvl="1">
+              <a:lnSpc>
+                <a:spcPct val="150000"/>
+              </a:lnSpc>
+            </a:pPr>
+            <a:r>
+              <a:rPr lang="en-US" altLang="en-US" dirty="0">
+                <a:latin typeface="Gill Sans MT" charset="0"/>
+                <a:ea typeface="MS PGothic" charset="-128"/>
+              </a:rPr>
+              <a:t>Spam n</a:t>
+            </a:r>
+            <a:r>
+              <a:rPr lang="en-US" altLang="en-US" dirty="0" smtClean="0">
+                <a:latin typeface="Gill Sans MT" charset="0"/>
+                <a:ea typeface="MS PGothic" charset="-128"/>
+              </a:rPr>
+              <a:t>etworks</a:t>
+            </a:r>
+            <a:endParaRPr lang="en-US" altLang="en-US" dirty="0">
+              <a:latin typeface="Gill Sans MT" charset="0"/>
+              <a:ea typeface="MS PGothic" charset="-128"/>
             </a:endParaRPr>
           </a:p>
           <a:p>
-            <a:pPr marL="0" indent="0">
-              <a:buNone/>
+            <a:pPr lvl="1">
+              <a:lnSpc>
+                <a:spcPct val="150000"/>
+              </a:lnSpc>
             </a:pPr>
             <a:r>
-              <a:rPr lang="en-US" dirty="0">
-                <a:solidFill>
-                  <a:schemeClr val="tx1">
-                    <a:lumMod val="50000"/>
-                    <a:lumOff val="50000"/>
-                  </a:schemeClr>
-                </a:solidFill>
-                <a:latin typeface="Courier" charset="0"/>
-                <a:ea typeface="Courier" charset="0"/>
-                <a:cs typeface="Courier" charset="0"/>
-              </a:rPr>
-              <a:t>$from = $_REQUEST['email'];</a:t>
-            </a:r>
-            <a:br>
-              <a:rPr lang="en-US" dirty="0">
-                <a:solidFill>
-                  <a:schemeClr val="tx1">
-                    <a:lumMod val="50000"/>
-                    <a:lumOff val="50000"/>
-                  </a:schemeClr>
-                </a:solidFill>
-                <a:latin typeface="Courier" charset="0"/>
-                <a:ea typeface="Courier" charset="0"/>
-                <a:cs typeface="Courier" charset="0"/>
-              </a:rPr>
-            </a:br>
-            <a:r>
-              <a:rPr lang="en-US" dirty="0">
-                <a:solidFill>
-                  <a:schemeClr val="tx1">
-                    <a:lumMod val="50000"/>
-                    <a:lumOff val="50000"/>
-                  </a:schemeClr>
-                </a:solidFill>
-                <a:latin typeface="Courier" charset="0"/>
-                <a:ea typeface="Courier" charset="0"/>
-                <a:cs typeface="Courier" charset="0"/>
-              </a:rPr>
-              <a:t>$subject = "Hello Sai Pc";</a:t>
-            </a:r>
-            <a:br>
-              <a:rPr lang="en-US" dirty="0">
-                <a:solidFill>
-                  <a:schemeClr val="tx1">
-                    <a:lumMod val="50000"/>
-                    <a:lumOff val="50000"/>
-                  </a:schemeClr>
-                </a:solidFill>
-                <a:latin typeface="Courier" charset="0"/>
-                <a:ea typeface="Courier" charset="0"/>
-                <a:cs typeface="Courier" charset="0"/>
-              </a:rPr>
-            </a:br>
-            <a:r>
-              <a:rPr lang="en-US" dirty="0">
-                <a:solidFill>
-                  <a:schemeClr val="tx1">
-                    <a:lumMod val="50000"/>
-                    <a:lumOff val="50000"/>
-                  </a:schemeClr>
-                </a:solidFill>
-                <a:latin typeface="Courier" charset="0"/>
-                <a:ea typeface="Courier" charset="0"/>
-                <a:cs typeface="Courier" charset="0"/>
-              </a:rPr>
-              <a:t>$message = "We need you to reset your password on </a:t>
-            </a:r>
-            <a:r>
-              <a:rPr lang="is-IS" dirty="0">
-                <a:solidFill>
-                  <a:schemeClr val="tx1">
-                    <a:lumMod val="50000"/>
-                    <a:lumOff val="50000"/>
-                  </a:schemeClr>
-                </a:solidFill>
-                <a:latin typeface="Courier" charset="0"/>
-                <a:ea typeface="Courier" charset="0"/>
-                <a:cs typeface="Courier" charset="0"/>
-              </a:rPr>
-              <a:t>…</a:t>
-            </a:r>
-            <a:r>
-              <a:rPr lang="en-US" dirty="0">
-                <a:solidFill>
-                  <a:schemeClr val="tx1">
-                    <a:lumMod val="50000"/>
-                    <a:lumOff val="50000"/>
-                  </a:schemeClr>
-                </a:solidFill>
-                <a:latin typeface="Courier" charset="0"/>
-                <a:ea typeface="Courier" charset="0"/>
-                <a:cs typeface="Courier" charset="0"/>
-              </a:rPr>
-              <a:t>"; </a:t>
-            </a:r>
-          </a:p>
-          <a:p>
-            <a:pPr marL="0" indent="0">
-              <a:buNone/>
+              <a:rPr lang="en-US" altLang="en-US" dirty="0">
+                <a:latin typeface="Gill Sans MT" charset="0"/>
+                <a:ea typeface="MS PGothic" charset="-128"/>
+              </a:rPr>
+              <a:t>Denial of </a:t>
+            </a:r>
+            <a:r>
+              <a:rPr lang="en-US" altLang="en-US" dirty="0" smtClean="0">
+                <a:latin typeface="Gill Sans MT" charset="0"/>
+                <a:ea typeface="MS PGothic" charset="-128"/>
+              </a:rPr>
+              <a:t>service by </a:t>
+            </a:r>
+            <a:r>
+              <a:rPr lang="en-US" altLang="en-US" dirty="0">
+                <a:latin typeface="Gill Sans MT" charset="0"/>
+                <a:ea typeface="MS PGothic" charset="-128"/>
+              </a:rPr>
+              <a:t>attacking the underlying mail </a:t>
+            </a:r>
+            <a:r>
+              <a:rPr lang="en-US" altLang="en-US" dirty="0" smtClean="0">
+                <a:latin typeface="Gill Sans MT" charset="0"/>
+                <a:ea typeface="MS PGothic" charset="-128"/>
+              </a:rPr>
+              <a:t>server</a:t>
+            </a:r>
+          </a:p>
+          <a:p>
+            <a:pPr lvl="1">
+              <a:lnSpc>
+                <a:spcPct val="150000"/>
+              </a:lnSpc>
             </a:pPr>
             <a:r>
-              <a:rPr lang="en-US" dirty="0">
-                <a:solidFill>
-                  <a:schemeClr val="tx1">
-                    <a:lumMod val="50000"/>
-                    <a:lumOff val="50000"/>
-                  </a:schemeClr>
-                </a:solidFill>
-                <a:latin typeface="Courier" charset="0"/>
-                <a:ea typeface="Courier" charset="0"/>
-                <a:cs typeface="Courier" charset="0"/>
-              </a:rPr>
-              <a:t>$to = </a:t>
-            </a:r>
-            <a:r>
-              <a:rPr lang="en-US" dirty="0" smtClean="0">
-                <a:solidFill>
-                  <a:schemeClr val="tx1">
-                    <a:lumMod val="50000"/>
-                    <a:lumOff val="50000"/>
-                  </a:schemeClr>
-                </a:solidFill>
-                <a:latin typeface="Courier" charset="0"/>
-                <a:ea typeface="Courier" charset="0"/>
-                <a:cs typeface="Courier" charset="0"/>
-              </a:rPr>
-              <a:t>”</a:t>
-            </a:r>
-            <a:r>
-              <a:rPr lang="en-US" dirty="0" err="1" smtClean="0">
-                <a:solidFill>
-                  <a:schemeClr val="tx1">
-                    <a:lumMod val="50000"/>
-                    <a:lumOff val="50000"/>
-                  </a:schemeClr>
-                </a:solidFill>
-                <a:latin typeface="Courier" charset="0"/>
-                <a:ea typeface="Courier" charset="0"/>
-                <a:cs typeface="Courier" charset="0"/>
-              </a:rPr>
-              <a:t>csai@amazon.com</a:t>
-            </a:r>
-            <a:r>
-              <a:rPr lang="en-US" dirty="0" smtClean="0">
-                <a:solidFill>
-                  <a:schemeClr val="tx1">
-                    <a:lumMod val="50000"/>
-                    <a:lumOff val="50000"/>
-                  </a:schemeClr>
-                </a:solidFill>
-                <a:latin typeface="Courier" charset="0"/>
-                <a:ea typeface="Courier" charset="0"/>
-                <a:cs typeface="Courier" charset="0"/>
-              </a:rPr>
-              <a:t>"; </a:t>
-            </a:r>
-            <a:endParaRPr lang="en-US" dirty="0">
-              <a:solidFill>
-                <a:schemeClr val="tx1">
-                  <a:lumMod val="50000"/>
-                  <a:lumOff val="50000"/>
-                </a:schemeClr>
-              </a:solidFill>
-              <a:latin typeface="Courier" charset="0"/>
-              <a:ea typeface="Courier" charset="0"/>
-              <a:cs typeface="Courier" charset="0"/>
+              <a:rPr lang="en-US" altLang="en-US" dirty="0" smtClean="0">
+                <a:latin typeface="Gill Sans MT" charset="0"/>
+                <a:ea typeface="MS PGothic" charset="-128"/>
+              </a:rPr>
+              <a:t>Payloads </a:t>
+            </a:r>
+            <a:r>
+              <a:rPr lang="en-US" altLang="en-US" dirty="0" smtClean="0">
+                <a:latin typeface="Gill Sans MT" charset="0"/>
+                <a:ea typeface="MS PGothic" charset="-128"/>
+              </a:rPr>
+              <a:t>with malicious attachments</a:t>
+            </a:r>
+            <a:endParaRPr lang="en-US" altLang="en-US" dirty="0">
+              <a:latin typeface="Gill Sans MT" charset="0"/>
+              <a:ea typeface="MS PGothic" charset="-128"/>
             </a:endParaRPr>
           </a:p>
           <a:p>
-            <a:pPr marL="0" indent="0">
-              <a:buNone/>
+            <a:pPr lvl="1">
+              <a:lnSpc>
+                <a:spcPct val="150000"/>
+              </a:lnSpc>
             </a:pPr>
-            <a:endParaRPr lang="en-US" dirty="0">
-              <a:solidFill>
-                <a:schemeClr val="tx1">
-                  <a:lumMod val="50000"/>
-                  <a:lumOff val="50000"/>
-                </a:schemeClr>
-              </a:solidFill>
-              <a:latin typeface="Courier" charset="0"/>
-              <a:ea typeface="Courier" charset="0"/>
-              <a:cs typeface="Courier" charset="0"/>
+            <a:endParaRPr lang="en-US" altLang="en-US" dirty="0">
+              <a:latin typeface="Gill Sans MT" charset="0"/>
+              <a:ea typeface="MS PGothic" charset="-128"/>
             </a:endParaRPr>
           </a:p>
           <a:p>
-            <a:pPr marL="0" indent="0">
-              <a:buNone/>
-            </a:pPr>
-            <a:r>
-              <a:rPr lang="en-US" dirty="0">
-                <a:solidFill>
-                  <a:srgbClr val="92D050"/>
-                </a:solidFill>
-                <a:latin typeface="Courier" charset="0"/>
-                <a:ea typeface="Courier" charset="0"/>
-                <a:cs typeface="Courier" charset="0"/>
-              </a:rPr>
-              <a:t>// attack string =&gt; '</a:t>
-            </a:r>
-            <a:r>
-              <a:rPr lang="en-US" dirty="0" err="1">
-                <a:solidFill>
-                  <a:srgbClr val="92D050"/>
-                </a:solidFill>
-                <a:latin typeface="Courier" charset="0"/>
-                <a:ea typeface="Courier" charset="0"/>
-                <a:cs typeface="Courier" charset="0"/>
-              </a:rPr>
-              <a:t>sai@sai.com</a:t>
-            </a:r>
-            <a:r>
-              <a:rPr lang="en-US" dirty="0">
-                <a:solidFill>
-                  <a:srgbClr val="92D050"/>
-                </a:solidFill>
-                <a:latin typeface="Courier" charset="0"/>
-                <a:ea typeface="Courier" charset="0"/>
-                <a:cs typeface="Courier" charset="0"/>
-              </a:rPr>
-              <a:t>\</a:t>
-            </a:r>
-            <a:r>
-              <a:rPr lang="en-US" dirty="0" err="1">
-                <a:solidFill>
-                  <a:srgbClr val="92D050"/>
-                </a:solidFill>
-                <a:latin typeface="Courier" charset="0"/>
-                <a:ea typeface="Courier" charset="0"/>
-                <a:cs typeface="Courier" charset="0"/>
-              </a:rPr>
-              <a:t>nBCC:sss@sss.com</a:t>
-            </a:r>
-            <a:r>
-              <a:rPr lang="en-US" dirty="0">
-                <a:solidFill>
-                  <a:srgbClr val="92D050"/>
-                </a:solidFill>
-                <a:latin typeface="Courier" charset="0"/>
-                <a:ea typeface="Courier" charset="0"/>
-                <a:cs typeface="Courier" charset="0"/>
-              </a:rPr>
-              <a:t>' </a:t>
-            </a:r>
-          </a:p>
-          <a:p>
-            <a:pPr marL="0" indent="0">
-              <a:buNone/>
-            </a:pPr>
-            <a:r>
-              <a:rPr lang="en-US" dirty="0">
-                <a:solidFill>
-                  <a:schemeClr val="tx1">
-                    <a:lumMod val="50000"/>
-                    <a:lumOff val="50000"/>
-                  </a:schemeClr>
-                </a:solidFill>
-                <a:latin typeface="Courier" charset="0"/>
-                <a:ea typeface="Courier" charset="0"/>
-                <a:cs typeface="Courier" charset="0"/>
-              </a:rPr>
-              <a:t>$</a:t>
-            </a:r>
-            <a:r>
-              <a:rPr lang="en-US" dirty="0" err="1">
-                <a:solidFill>
-                  <a:schemeClr val="tx1">
-                    <a:lumMod val="50000"/>
-                    <a:lumOff val="50000"/>
-                  </a:schemeClr>
-                </a:solidFill>
-                <a:latin typeface="Courier" charset="0"/>
-                <a:ea typeface="Courier" charset="0"/>
-                <a:cs typeface="Courier" charset="0"/>
-              </a:rPr>
-              <a:t>retValue</a:t>
-            </a:r>
-            <a:r>
-              <a:rPr lang="en-US" dirty="0">
-                <a:solidFill>
-                  <a:schemeClr val="tx1">
-                    <a:lumMod val="50000"/>
-                    <a:lumOff val="50000"/>
-                  </a:schemeClr>
-                </a:solidFill>
-                <a:latin typeface="Courier" charset="0"/>
-                <a:ea typeface="Courier" charset="0"/>
-                <a:cs typeface="Courier" charset="0"/>
-              </a:rPr>
-              <a:t> = mail($to, $subject , $message, "From: $from"); </a:t>
-            </a:r>
-          </a:p>
-          <a:p>
-            <a:pPr marL="0" indent="0">
-              <a:buNone/>
-            </a:pPr>
-            <a:r>
-              <a:rPr lang="en-US" dirty="0">
-                <a:solidFill>
-                  <a:srgbClr val="92D050"/>
-                </a:solidFill>
-                <a:latin typeface="Courier" charset="0"/>
-                <a:ea typeface="Courier" charset="0"/>
-                <a:cs typeface="Courier" charset="0"/>
-              </a:rPr>
-              <a:t>// E−Mail gets sent to both </a:t>
-            </a:r>
-            <a:r>
-              <a:rPr lang="en-US" dirty="0" err="1">
-                <a:solidFill>
-                  <a:srgbClr val="92D050"/>
-                </a:solidFill>
-                <a:latin typeface="Courier" charset="0"/>
-                <a:ea typeface="Courier" charset="0"/>
-                <a:cs typeface="Courier" charset="0"/>
-              </a:rPr>
-              <a:t>csai@amazon.com</a:t>
-            </a:r>
-            <a:r>
-              <a:rPr lang="en-US" dirty="0" smtClean="0">
-                <a:solidFill>
-                  <a:srgbClr val="92D050"/>
-                </a:solidFill>
-                <a:latin typeface="Courier" charset="0"/>
-                <a:ea typeface="Courier" charset="0"/>
-                <a:cs typeface="Courier" charset="0"/>
-              </a:rPr>
-              <a:t> </a:t>
-            </a:r>
-            <a:r>
-              <a:rPr lang="en-US" dirty="0">
-                <a:solidFill>
-                  <a:srgbClr val="92D050"/>
-                </a:solidFill>
-                <a:latin typeface="Courier" charset="0"/>
-                <a:ea typeface="Courier" charset="0"/>
-                <a:cs typeface="Courier" charset="0"/>
-              </a:rPr>
-              <a:t>AND </a:t>
-            </a:r>
-            <a:r>
-              <a:rPr lang="en-US" dirty="0" err="1">
-                <a:solidFill>
-                  <a:srgbClr val="92D050"/>
-                </a:solidFill>
-                <a:latin typeface="Courier" charset="0"/>
-                <a:ea typeface="Courier" charset="0"/>
-                <a:cs typeface="Courier" charset="0"/>
-              </a:rPr>
-              <a:t>sss@sss.com</a:t>
-            </a:r>
-            <a:r>
-              <a:rPr lang="en-US" dirty="0">
-                <a:solidFill>
-                  <a:srgbClr val="92D050"/>
-                </a:solidFill>
-                <a:latin typeface="Courier" charset="0"/>
-                <a:ea typeface="Courier" charset="0"/>
-                <a:cs typeface="Courier" charset="0"/>
-              </a:rPr>
-              <a:t> </a:t>
-            </a:r>
-          </a:p>
-          <a:p>
-            <a:endParaRPr lang="en-US" dirty="0"/>
-          </a:p>
-        </p:txBody>
-      </p:sp>
-      <p:sp>
-        <p:nvSpPr>
-          <p:cNvPr id="4" name="Slide Number Placeholder 3"/>
-          <p:cNvSpPr>
-            <a:spLocks noGrp="1"/>
-          </p:cNvSpPr>
-          <p:nvPr>
-            <p:ph type="sldNum" sz="quarter" idx="10"/>
-          </p:nvPr>
-        </p:nvSpPr>
-        <p:spPr/>
-        <p:txBody>
-          <a:bodyPr/>
-          <a:lstStyle/>
-          <a:p>
-            <a:pPr>
-              <a:defRPr/>
-            </a:pPr>
-            <a:fld id="{A6049551-C800-0F49-AC98-3AEA702B0E63}" type="slidenum">
-              <a:rPr lang="en-US" altLang="en-US" smtClean="0"/>
-              <a:pPr>
-                <a:defRPr/>
-              </a:pPr>
+            <a:pPr lvl="1"/>
+            <a:endParaRPr lang="en-US" altLang="en-US" dirty="0">
+              <a:latin typeface="Gill Sans MT" charset="0"/>
+              <a:ea typeface="MS PGothic" charset="-128"/>
+            </a:endParaRPr>
+          </a:p>
+        </p:txBody>
+      </p:sp>
+      <p:sp>
+        <p:nvSpPr>
+          <p:cNvPr id="8" name="Slide Number Placeholder 7"/>
+          <p:cNvSpPr>
+            <a:spLocks noGrp="1"/>
+          </p:cNvSpPr>
+          <p:nvPr>
+            <p:ph type="sldNum" sz="quarter" idx="12"/>
+          </p:nvPr>
+        </p:nvSpPr>
+        <p:spPr/>
+        <p:txBody>
+          <a:bodyPr/>
+          <a:lstStyle/>
+          <a:p>
+            <a:fld id="{C65DCCF2-6008-4DE1-A65C-BCDCF780F6E1}" type="slidenum">
+              <a:rPr lang="en-US" smtClean="0"/>
               <a:t>6</a:t>
             </a:fld>
-            <a:endParaRPr lang="en-US" altLang="en-US"/>
-          </a:p>
-        </p:txBody>
-      </p:sp>
-      <p:sp>
-        <p:nvSpPr>
-          <p:cNvPr id="5" name="Date Placeholder 4"/>
-          <p:cNvSpPr>
-            <a:spLocks noGrp="1"/>
-          </p:cNvSpPr>
-          <p:nvPr>
-            <p:ph type="dt" sz="half" idx="11"/>
-          </p:nvPr>
-        </p:nvSpPr>
-        <p:spPr/>
-        <p:txBody>
-          <a:bodyPr/>
-          <a:lstStyle/>
-          <a:p>
-            <a:pPr>
-              <a:defRPr/>
-            </a:pPr>
-            <a:fld id="{C37AA8D1-E9CF-2944-A66E-EFC74035EB27}" type="datetime1">
-              <a:rPr lang="en-US" altLang="en-US" smtClean="0"/>
-              <a:pPr>
-                <a:defRPr/>
-              </a:pPr>
-              <a:t>1/13/17</a:t>
-            </a:fld>
-            <a:endParaRPr lang="en-US" altLang="en-US"/>
+            <a:endParaRPr lang="en-US"/>
+          </a:p>
+        </p:txBody>
+      </p:sp>
+      <p:sp>
+        <p:nvSpPr>
+          <p:cNvPr id="9" name="Footer Placeholder 8"/>
+          <p:cNvSpPr>
+            <a:spLocks noGrp="1"/>
+          </p:cNvSpPr>
+          <p:nvPr>
+            <p:ph type="ftr" sz="quarter" idx="11"/>
+          </p:nvPr>
+        </p:nvSpPr>
+        <p:spPr/>
+        <p:txBody>
+          <a:bodyPr/>
+          <a:lstStyle/>
+          <a:p>
+            <a:r>
+              <a:rPr lang="en-US" smtClean="0"/>
+              <a:t>Amazon Confidential</a:t>
+            </a:r>
+            <a:endParaRPr lang="en-US"/>
           </a:p>
         </p:txBody>
       </p:sp>
     </p:spTree>
     <p:extLst>
       <p:ext uri="{BB962C8B-B14F-4D97-AF65-F5344CB8AC3E}">
-        <p14:creationId xmlns:p14="http://schemas.microsoft.com/office/powerpoint/2010/main" val="631097185"/>
+        <p14:creationId xmlns:p14="http://schemas.microsoft.com/office/powerpoint/2010/main" val="1004494580"/>
       </p:ext>
     </p:extLst>
   </p:cSld>
@@ -10407,7 +8324,7 @@
       </p:grpSpPr>
       <p:sp>
         <p:nvSpPr>
-          <p:cNvPr id="2" name="Title 1"/>
+          <p:cNvPr id="19457" name="Title 1"/>
           <p:cNvSpPr>
             <a:spLocks noGrp="1"/>
           </p:cNvSpPr>
@@ -10415,110 +8332,192 @@
             <p:ph type="title"/>
           </p:nvPr>
         </p:nvSpPr>
-        <p:spPr/>
-        <p:txBody>
-          <a:bodyPr/>
-          <a:lstStyle/>
-          <a:p>
-            <a:r>
-              <a:rPr lang="en-US" dirty="0" smtClean="0"/>
-              <a:t>Output of injection</a:t>
-            </a:r>
-            <a:endParaRPr lang="en-US" dirty="0"/>
-          </a:p>
-        </p:txBody>
-      </p:sp>
-      <p:pic>
-        <p:nvPicPr>
-          <p:cNvPr id="6" name="Content Placeholder 5"/>
-          <p:cNvPicPr>
-            <a:picLocks noGrp="1" noChangeAspect="1"/>
-          </p:cNvPicPr>
-          <p:nvPr>
-            <p:ph idx="1"/>
-          </p:nvPr>
-        </p:nvPicPr>
-        <p:blipFill>
-          <a:blip r:embed="rId3">
-            <a:extLst>
-              <a:ext uri="{28A0092B-C50C-407E-A947-70E740481C1C}">
-                <a14:useLocalDpi xmlns:a14="http://schemas.microsoft.com/office/drawing/2010/main" val="0"/>
-              </a:ext>
-            </a:extLst>
-          </a:blip>
-          <a:stretch>
-            <a:fillRect/>
-          </a:stretch>
-        </p:blipFill>
         <p:spPr>
           <a:xfrm>
-            <a:off x="781401" y="1213586"/>
-            <a:ext cx="7388564" cy="4056911"/>
+            <a:off x="459835" y="247999"/>
+            <a:ext cx="7886700" cy="694535"/>
           </a:xfrm>
         </p:spPr>
-      </p:pic>
-      <p:sp>
-        <p:nvSpPr>
-          <p:cNvPr id="4" name="Slide Number Placeholder 3"/>
-          <p:cNvSpPr>
-            <a:spLocks noGrp="1"/>
-          </p:cNvSpPr>
-          <p:nvPr>
-            <p:ph type="sldNum" sz="quarter" idx="10"/>
-          </p:nvPr>
-        </p:nvSpPr>
-        <p:spPr/>
-        <p:txBody>
-          <a:bodyPr/>
+        <p:txBody>
+          <a:bodyPr/>
+          <a:lstStyle/>
+          <a:p>
+            <a:r>
+              <a:rPr lang="en-US" altLang="en-US" dirty="0" smtClean="0">
+                <a:latin typeface="Gill Sans MT" charset="0"/>
+                <a:ea typeface="MS PGothic" charset="-128"/>
+              </a:rPr>
+              <a:t>Business </a:t>
+            </a:r>
+            <a:r>
+              <a:rPr lang="en-US" altLang="en-US" dirty="0" smtClean="0">
+                <a:latin typeface="Gill Sans MT" charset="0"/>
+                <a:ea typeface="MS PGothic" charset="-128"/>
+              </a:rPr>
+              <a:t>Impact at Amazon</a:t>
+            </a:r>
+            <a:endParaRPr lang="en-US" altLang="en-US" dirty="0">
+              <a:latin typeface="Gill Sans MT" charset="0"/>
+              <a:ea typeface="MS PGothic" charset="-128"/>
+            </a:endParaRPr>
+          </a:p>
+        </p:txBody>
+      </p:sp>
+      <p:sp>
+        <p:nvSpPr>
+          <p:cNvPr id="19458" name="Content Placeholder 2"/>
+          <p:cNvSpPr>
+            <a:spLocks noGrp="1"/>
+          </p:cNvSpPr>
+          <p:nvPr>
+            <p:ph idx="1"/>
+          </p:nvPr>
+        </p:nvSpPr>
+        <p:spPr>
+          <a:xfrm>
+            <a:off x="516835" y="1210866"/>
+            <a:ext cx="8368748" cy="4504134"/>
+          </a:xfrm>
+        </p:spPr>
+        <p:txBody>
+          <a:bodyPr>
+            <a:normAutofit/>
+          </a:bodyPr>
           <a:lstStyle/>
           <a:p>
             <a:pPr>
-              <a:defRPr/>
+              <a:lnSpc>
+                <a:spcPct val="150000"/>
+              </a:lnSpc>
             </a:pPr>
-            <a:fld id="{A6049551-C800-0F49-AC98-3AEA702B0E63}" type="slidenum">
-              <a:rPr lang="en-US" altLang="en-US" smtClean="0"/>
-              <a:pPr>
-                <a:defRPr/>
-              </a:pPr>
+            <a:r>
+              <a:rPr lang="en-US" altLang="en-US" sz="2000" dirty="0" smtClean="0">
+                <a:latin typeface="Gill Sans MT" charset="0"/>
+                <a:ea typeface="MS PGothic" charset="-128"/>
+              </a:rPr>
+              <a:t>What does this mean to us as </a:t>
+            </a:r>
+            <a:r>
+              <a:rPr lang="en-US" altLang="en-US" sz="2000" dirty="0" err="1" smtClean="0">
+                <a:latin typeface="Gill Sans MT" charset="0"/>
+                <a:ea typeface="MS PGothic" charset="-128"/>
+              </a:rPr>
+              <a:t>devs</a:t>
+            </a:r>
+            <a:r>
+              <a:rPr lang="en-US" altLang="en-US" sz="2000" dirty="0" smtClean="0">
+                <a:latin typeface="Gill Sans MT" charset="0"/>
+                <a:ea typeface="MS PGothic" charset="-128"/>
+              </a:rPr>
+              <a:t>?</a:t>
+            </a:r>
+            <a:endParaRPr lang="en-US" altLang="en-US" sz="2000" dirty="0">
+              <a:latin typeface="Gill Sans MT" charset="0"/>
+              <a:ea typeface="MS PGothic" charset="-128"/>
+            </a:endParaRPr>
+          </a:p>
+          <a:p>
+            <a:pPr lvl="1">
+              <a:lnSpc>
+                <a:spcPct val="150000"/>
+              </a:lnSpc>
+            </a:pPr>
+            <a:r>
+              <a:rPr lang="en-US" altLang="en-US" sz="2000" dirty="0">
+                <a:latin typeface="Gill Sans MT" charset="0"/>
+                <a:ea typeface="MS PGothic" charset="-128"/>
+              </a:rPr>
+              <a:t>Loss of </a:t>
+            </a:r>
+            <a:r>
+              <a:rPr lang="en-US" altLang="en-US" sz="2000" dirty="0" smtClean="0">
+                <a:latin typeface="Gill Sans MT" charset="0"/>
+                <a:ea typeface="MS PGothic" charset="-128"/>
+              </a:rPr>
+              <a:t>trust</a:t>
+            </a:r>
+            <a:endParaRPr lang="en-US" altLang="en-US" sz="1600" dirty="0" smtClean="0">
+              <a:latin typeface="Gill Sans MT" charset="0"/>
+              <a:ea typeface="MS PGothic" charset="-128"/>
+            </a:endParaRPr>
+          </a:p>
+          <a:p>
+            <a:pPr lvl="1">
+              <a:lnSpc>
+                <a:spcPct val="150000"/>
+              </a:lnSpc>
+            </a:pPr>
+            <a:r>
+              <a:rPr lang="en-US" altLang="en-US" sz="1900" dirty="0" smtClean="0">
+                <a:latin typeface="Gill Sans MT" charset="0"/>
+                <a:ea typeface="MS PGothic" charset="-128"/>
+              </a:rPr>
+              <a:t>Denial of </a:t>
+            </a:r>
+            <a:r>
+              <a:rPr lang="en-US" altLang="en-US" sz="1900" dirty="0" smtClean="0">
+                <a:latin typeface="Gill Sans MT" charset="0"/>
+                <a:ea typeface="MS PGothic" charset="-128"/>
+              </a:rPr>
+              <a:t>Service</a:t>
+            </a:r>
+            <a:endParaRPr lang="en-US" altLang="en-US" sz="1900" dirty="0" smtClean="0">
+              <a:latin typeface="Gill Sans MT" charset="0"/>
+              <a:ea typeface="MS PGothic" charset="-128"/>
+            </a:endParaRPr>
+          </a:p>
+        </p:txBody>
+      </p:sp>
+      <p:sp>
+        <p:nvSpPr>
+          <p:cNvPr id="8" name="Slide Number Placeholder 7"/>
+          <p:cNvSpPr>
+            <a:spLocks noGrp="1"/>
+          </p:cNvSpPr>
+          <p:nvPr>
+            <p:ph type="sldNum" sz="quarter" idx="12"/>
+          </p:nvPr>
+        </p:nvSpPr>
+        <p:spPr/>
+        <p:txBody>
+          <a:bodyPr/>
+          <a:lstStyle/>
+          <a:p>
+            <a:fld id="{C65DCCF2-6008-4DE1-A65C-BCDCF780F6E1}" type="slidenum">
+              <a:rPr lang="en-US" smtClean="0"/>
               <a:t>7</a:t>
             </a:fld>
-            <a:endParaRPr lang="en-US" altLang="en-US"/>
-          </a:p>
-        </p:txBody>
-      </p:sp>
-      <p:sp>
-        <p:nvSpPr>
-          <p:cNvPr id="5" name="Date Placeholder 4"/>
-          <p:cNvSpPr>
-            <a:spLocks noGrp="1"/>
-          </p:cNvSpPr>
-          <p:nvPr>
-            <p:ph type="dt" sz="half" idx="11"/>
-          </p:nvPr>
-        </p:nvSpPr>
-        <p:spPr/>
-        <p:txBody>
-          <a:bodyPr/>
-          <a:lstStyle/>
-          <a:p>
-            <a:pPr>
-              <a:defRPr/>
-            </a:pPr>
-            <a:fld id="{C37AA8D1-E9CF-2944-A66E-EFC74035EB27}" type="datetime1">
-              <a:rPr lang="en-US" altLang="en-US" smtClean="0"/>
-              <a:pPr>
-                <a:defRPr/>
-              </a:pPr>
-              <a:t>1/13/17</a:t>
-            </a:fld>
-            <a:endParaRPr lang="en-US" altLang="en-US"/>
+            <a:endParaRPr lang="en-US"/>
+          </a:p>
+        </p:txBody>
+      </p:sp>
+      <p:sp>
+        <p:nvSpPr>
+          <p:cNvPr id="9" name="Footer Placeholder 8"/>
+          <p:cNvSpPr>
+            <a:spLocks noGrp="1"/>
+          </p:cNvSpPr>
+          <p:nvPr>
+            <p:ph type="ftr" sz="quarter" idx="11"/>
+          </p:nvPr>
+        </p:nvSpPr>
+        <p:spPr/>
+        <p:txBody>
+          <a:bodyPr/>
+          <a:lstStyle/>
+          <a:p>
+            <a:r>
+              <a:rPr lang="en-US" smtClean="0"/>
+              <a:t>Amazon Confidential</a:t>
+            </a:r>
+            <a:endParaRPr lang="en-US"/>
           </a:p>
         </p:txBody>
       </p:sp>
     </p:spTree>
     <p:extLst>
       <p:ext uri="{BB962C8B-B14F-4D97-AF65-F5344CB8AC3E}">
-        <p14:creationId xmlns:p14="http://schemas.microsoft.com/office/powerpoint/2010/main" val="428655762"/>
+        <p14:creationId xmlns:p14="http://schemas.microsoft.com/office/powerpoint/2010/main" val="1821122997"/>
       </p:ext>
     </p:extLst>
   </p:cSld>
@@ -10562,7 +8561,7 @@
       </p:grpSpPr>
       <p:sp>
         <p:nvSpPr>
-          <p:cNvPr id="2" name="Title 1"/>
+          <p:cNvPr id="29697" name="Title 1"/>
           <p:cNvSpPr>
             <a:spLocks noGrp="1"/>
           </p:cNvSpPr>
@@ -10576,16 +8575,22 @@
           <a:lstStyle/>
           <a:p>
             <a:r>
-              <a:rPr lang="en-US" dirty="0" smtClean="0"/>
-              <a:t>E-Mail Headers</a:t>
-            </a:r>
-            <a:endParaRPr lang="en-US" dirty="0"/>
-          </a:p>
-        </p:txBody>
-      </p:sp>
-      <p:sp>
-        <p:nvSpPr>
-          <p:cNvPr id="3" name="Content Placeholder 2"/>
+              <a:rPr lang="en-US" altLang="en-US" dirty="0">
+                <a:latin typeface="Gill Sans MT" charset="0"/>
+                <a:ea typeface="MS PGothic" charset="-128"/>
+              </a:rPr>
+              <a:t>How widespread is it?</a:t>
+            </a:r>
+            <a:endParaRPr lang="en-US" altLang="en-US" dirty="0">
+              <a:latin typeface="Gill Sans MT" charset="0"/>
+              <a:ea typeface="MS PGothic" charset="-128"/>
+            </a:endParaRPr>
+          </a:p>
+        </p:txBody>
+      </p:sp>
+      <p:sp>
+        <p:nvSpPr>
+          <p:cNvPr id="29698" name="Content Placeholder 2"/>
           <p:cNvSpPr>
             <a:spLocks noGrp="1"/>
           </p:cNvSpPr>
@@ -10593,145 +8598,103 @@
             <p:ph idx="1"/>
           </p:nvPr>
         </p:nvSpPr>
-        <p:spPr/>
-        <p:txBody>
-          <a:bodyPr/>
-          <a:lstStyle/>
-          <a:p>
-            <a:pPr>
-              <a:lnSpc>
-                <a:spcPct val="150000"/>
-              </a:lnSpc>
-            </a:pPr>
-            <a:r>
-              <a:rPr lang="en-US" dirty="0" smtClean="0"/>
-              <a:t>Headers can include: </a:t>
-            </a:r>
-          </a:p>
-          <a:p>
-            <a:pPr lvl="1">
-              <a:lnSpc>
-                <a:spcPct val="150000"/>
-              </a:lnSpc>
-            </a:pPr>
-            <a:r>
-              <a:rPr lang="en-US" dirty="0" smtClean="0"/>
-              <a:t>Cc – Carbon Copy</a:t>
-            </a:r>
-          </a:p>
-          <a:p>
-            <a:pPr lvl="1">
-              <a:lnSpc>
-                <a:spcPct val="150000"/>
-              </a:lnSpc>
-            </a:pPr>
-            <a:r>
-              <a:rPr lang="en-US" dirty="0" smtClean="0"/>
-              <a:t>Bcc – Blind Carbon Copy </a:t>
-            </a:r>
-          </a:p>
-          <a:p>
-            <a:pPr lvl="1">
-              <a:lnSpc>
-                <a:spcPct val="150000"/>
-              </a:lnSpc>
-            </a:pPr>
-            <a:r>
-              <a:rPr lang="en-US" dirty="0" smtClean="0"/>
-              <a:t>To – Recipient of the e-mail</a:t>
-            </a:r>
-          </a:p>
-          <a:p>
-            <a:pPr lvl="1">
-              <a:lnSpc>
-                <a:spcPct val="150000"/>
-              </a:lnSpc>
-            </a:pPr>
-            <a:r>
-              <a:rPr lang="en-US" dirty="0" smtClean="0"/>
-              <a:t>From – Sender of the e-mail</a:t>
-            </a:r>
-          </a:p>
-          <a:p>
-            <a:pPr lvl="1">
-              <a:lnSpc>
-                <a:spcPct val="150000"/>
-              </a:lnSpc>
-            </a:pPr>
-            <a:r>
-              <a:rPr lang="en-US" dirty="0" smtClean="0"/>
-              <a:t>Subject – Subject field of the </a:t>
-            </a:r>
-            <a:r>
-              <a:rPr lang="en-US" dirty="0" smtClean="0"/>
-              <a:t>e-mail</a:t>
-            </a:r>
-            <a:endParaRPr lang="en-US" dirty="0" smtClean="0"/>
-          </a:p>
-        </p:txBody>
-      </p:sp>
-      <p:sp>
-        <p:nvSpPr>
-          <p:cNvPr id="4" name="Slide Number Placeholder 3"/>
-          <p:cNvSpPr>
-            <a:spLocks noGrp="1"/>
-          </p:cNvSpPr>
-          <p:nvPr>
-            <p:ph type="sldNum" sz="quarter" idx="10"/>
-          </p:nvPr>
-        </p:nvSpPr>
-        <p:spPr/>
-        <p:txBody>
-          <a:bodyPr/>
-          <a:lstStyle/>
-          <a:p>
-            <a:pPr>
-              <a:defRPr/>
-            </a:pPr>
-            <a:fld id="{A6049551-C800-0F49-AC98-3AEA702B0E63}" type="slidenum">
-              <a:rPr lang="en-US" altLang="en-US" smtClean="0"/>
-              <a:pPr>
-                <a:defRPr/>
-              </a:pPr>
+        <p:spPr>
+          <a:xfrm>
+            <a:off x="1485900" y="1210866"/>
+            <a:ext cx="6172200" cy="3394472"/>
+          </a:xfrm>
+        </p:spPr>
+        <p:txBody>
+          <a:bodyPr/>
+          <a:lstStyle/>
+          <a:p>
+            <a:endParaRPr lang="en-US" altLang="en-US" dirty="0">
+              <a:latin typeface="Gill Sans MT" charset="0"/>
+              <a:ea typeface="MS PGothic" charset="-128"/>
+            </a:endParaRPr>
+          </a:p>
+        </p:txBody>
+      </p:sp>
+      <p:pic>
+        <p:nvPicPr>
+          <p:cNvPr id="3" name="Picture 2"/>
+          <p:cNvPicPr>
+            <a:picLocks noChangeAspect="1"/>
+          </p:cNvPicPr>
+          <p:nvPr/>
+        </p:nvPicPr>
+        <p:blipFill>
+          <a:blip r:embed="rId3">
+            <a:extLst>
+              <a:ext uri="{28A0092B-C50C-407E-A947-70E740481C1C}">
+                <a14:useLocalDpi xmlns:a14="http://schemas.microsoft.com/office/drawing/2010/main" val="0"/>
+              </a:ext>
+            </a:extLst>
+          </a:blip>
+          <a:stretch>
+            <a:fillRect/>
+          </a:stretch>
+        </p:blipFill>
+        <p:spPr>
+          <a:xfrm>
+            <a:off x="730298" y="998807"/>
+            <a:ext cx="7724388" cy="4345130"/>
+          </a:xfrm>
+          <a:prstGeom prst="rect">
+            <a:avLst/>
+          </a:prstGeom>
+        </p:spPr>
+      </p:pic>
+      <p:sp>
+        <p:nvSpPr>
+          <p:cNvPr id="9" name="Slide Number Placeholder 8"/>
+          <p:cNvSpPr>
+            <a:spLocks noGrp="1"/>
+          </p:cNvSpPr>
+          <p:nvPr>
+            <p:ph type="sldNum" sz="quarter" idx="12"/>
+          </p:nvPr>
+        </p:nvSpPr>
+        <p:spPr/>
+        <p:txBody>
+          <a:bodyPr/>
+          <a:lstStyle/>
+          <a:p>
+            <a:fld id="{C65DCCF2-6008-4DE1-A65C-BCDCF780F6E1}" type="slidenum">
+              <a:rPr lang="en-US" smtClean="0"/>
               <a:t>8</a:t>
             </a:fld>
-            <a:endParaRPr lang="en-US" altLang="en-US"/>
-          </a:p>
-        </p:txBody>
-      </p:sp>
-      <p:sp>
-        <p:nvSpPr>
-          <p:cNvPr id="5" name="Date Placeholder 4"/>
-          <p:cNvSpPr>
-            <a:spLocks noGrp="1"/>
-          </p:cNvSpPr>
-          <p:nvPr>
-            <p:ph type="dt" sz="half" idx="11"/>
-          </p:nvPr>
-        </p:nvSpPr>
-        <p:spPr/>
-        <p:txBody>
-          <a:bodyPr/>
-          <a:lstStyle/>
-          <a:p>
-            <a:pPr>
-              <a:defRPr/>
-            </a:pPr>
-            <a:fld id="{C37AA8D1-E9CF-2944-A66E-EFC74035EB27}" type="datetime1">
-              <a:rPr lang="en-US" altLang="en-US" smtClean="0"/>
-              <a:pPr>
-                <a:defRPr/>
-              </a:pPr>
-              <a:t>1/13/17</a:t>
-            </a:fld>
-            <a:endParaRPr lang="en-US" altLang="en-US"/>
+            <a:endParaRPr lang="en-US"/>
+          </a:p>
+        </p:txBody>
+      </p:sp>
+      <p:sp>
+        <p:nvSpPr>
+          <p:cNvPr id="10" name="Footer Placeholder 9"/>
+          <p:cNvSpPr>
+            <a:spLocks noGrp="1"/>
+          </p:cNvSpPr>
+          <p:nvPr>
+            <p:ph type="ftr" sz="quarter" idx="11"/>
+          </p:nvPr>
+        </p:nvSpPr>
+        <p:spPr/>
+        <p:txBody>
+          <a:bodyPr/>
+          <a:lstStyle/>
+          <a:p>
+            <a:r>
+              <a:rPr lang="en-US" smtClean="0"/>
+              <a:t>Amazon Confidential</a:t>
+            </a:r>
+            <a:endParaRPr lang="en-US"/>
           </a:p>
         </p:txBody>
       </p:sp>
     </p:spTree>
     <p:extLst>
       <p:ext uri="{BB962C8B-B14F-4D97-AF65-F5344CB8AC3E}">
-        <p14:creationId xmlns:p14="http://schemas.microsoft.com/office/powerpoint/2010/main" val="1757239896"/>
+        <p14:creationId xmlns:p14="http://schemas.microsoft.com/office/powerpoint/2010/main" val="1163936056"/>
       </p:ext>
     </p:extLst>
   </p:cSld>
@@ -10775,7 +8738,7 @@
       </p:grpSpPr>
       <p:sp>
         <p:nvSpPr>
-          <p:cNvPr id="2" name="Title 1"/>
+          <p:cNvPr id="29697" name="Title 1"/>
           <p:cNvSpPr>
             <a:spLocks noGrp="1"/>
           </p:cNvSpPr>
@@ -10789,224 +8752,484 @@
           <a:lstStyle/>
           <a:p>
             <a:r>
-              <a:rPr lang="en-US" dirty="0" smtClean="0"/>
-              <a:t>Popular Languages Affected</a:t>
-            </a:r>
-            <a:endParaRPr lang="en-US" dirty="0"/>
-          </a:p>
-        </p:txBody>
-      </p:sp>
-      <p:sp>
-        <p:nvSpPr>
-          <p:cNvPr id="3" name="Content Placeholder 2"/>
-          <p:cNvSpPr>
-            <a:spLocks noGrp="1"/>
-          </p:cNvSpPr>
-          <p:nvPr>
-            <p:ph idx="1"/>
-          </p:nvPr>
-        </p:nvSpPr>
-        <p:spPr/>
-        <p:txBody>
-          <a:bodyPr/>
-          <a:lstStyle/>
-          <a:p>
-            <a:pPr>
-              <a:lnSpc>
-                <a:spcPct val="150000"/>
-              </a:lnSpc>
-            </a:pPr>
-            <a:r>
-              <a:rPr lang="en-US" altLang="en-US" sz="1800" dirty="0">
+              <a:rPr lang="en-US" altLang="en-US" dirty="0" smtClean="0">
                 <a:latin typeface="Gill Sans MT" charset="0"/>
                 <a:ea typeface="MS PGothic" charset="-128"/>
               </a:rPr>
-              <a:t>PHP – </a:t>
-            </a:r>
-            <a:r>
-              <a:rPr lang="en-US" altLang="en-US" sz="1800" i="1" dirty="0">
-                <a:latin typeface="Gill Sans MT" charset="0"/>
-                <a:ea typeface="MS PGothic" charset="-128"/>
-              </a:rPr>
-              <a:t>mail()</a:t>
-            </a:r>
-            <a:r>
-              <a:rPr lang="en-US" altLang="en-US" sz="1800" dirty="0">
-                <a:latin typeface="Gill Sans MT" charset="0"/>
-                <a:ea typeface="MS PGothic" charset="-128"/>
-              </a:rPr>
-              <a:t> function</a:t>
-            </a:r>
-          </a:p>
-          <a:p>
-            <a:pPr>
-              <a:lnSpc>
-                <a:spcPct val="150000"/>
-              </a:lnSpc>
-            </a:pPr>
-            <a:r>
-              <a:rPr lang="en-US" altLang="en-US" sz="1800" dirty="0">
-                <a:latin typeface="Gill Sans MT" charset="0"/>
-                <a:ea typeface="MS PGothic" charset="-128"/>
-              </a:rPr>
-              <a:t>Java – </a:t>
-            </a:r>
-            <a:r>
-              <a:rPr lang="en-US" sz="1800" i="1" dirty="0" err="1"/>
-              <a:t>JavaMail</a:t>
-            </a:r>
-            <a:r>
-              <a:rPr lang="en-US" sz="1800" dirty="0"/>
-              <a:t> API </a:t>
-            </a:r>
+              <a:t>Breakdown of exploits</a:t>
+            </a:r>
+            <a:endParaRPr lang="en-US" altLang="en-US" dirty="0">
+              <a:latin typeface="Gill Sans MT" charset="0"/>
+              <a:ea typeface="MS PGothic" charset="-128"/>
+            </a:endParaRPr>
+          </a:p>
+        </p:txBody>
+      </p:sp>
+      <p:sp>
+        <p:nvSpPr>
+          <p:cNvPr id="29698" name="Content Placeholder 2"/>
+          <p:cNvSpPr>
+            <a:spLocks noGrp="1"/>
+          </p:cNvSpPr>
+          <p:nvPr>
+            <p:ph idx="1"/>
+          </p:nvPr>
+        </p:nvSpPr>
+        <p:spPr>
+          <a:xfrm>
+            <a:off x="628649" y="1210866"/>
+            <a:ext cx="8177725" cy="3394472"/>
+          </a:xfrm>
+        </p:spPr>
+        <p:txBody>
+          <a:bodyPr/>
+          <a:lstStyle/>
+          <a:p>
+            <a:r>
+              <a:rPr lang="en-US" sz="1800" dirty="0" smtClean="0"/>
+              <a:t>We were able to exploit the vulnerable domains in the following ways:</a:t>
+            </a:r>
+            <a:endParaRPr lang="en-US" sz="1800" dirty="0"/>
+          </a:p>
+          <a:p>
             <a:endParaRPr lang="en-US" altLang="en-US" sz="1800" dirty="0">
               <a:latin typeface="Gill Sans MT" charset="0"/>
               <a:ea typeface="MS PGothic" charset="-128"/>
             </a:endParaRPr>
           </a:p>
-          <a:p>
-            <a:pPr>
-              <a:lnSpc>
-                <a:spcPct val="150000"/>
-              </a:lnSpc>
-            </a:pPr>
-            <a:r>
-              <a:rPr lang="en-US" altLang="en-US" sz="1800" dirty="0">
-                <a:latin typeface="Gill Sans MT" charset="0"/>
-                <a:ea typeface="MS PGothic" charset="-128"/>
-              </a:rPr>
-              <a:t>Python – </a:t>
-            </a:r>
-            <a:r>
-              <a:rPr lang="en-US" sz="1800" i="1" dirty="0" err="1"/>
-              <a:t>email.parser</a:t>
-            </a:r>
-            <a:r>
-              <a:rPr lang="en-US" sz="1800" dirty="0"/>
-              <a:t> library</a:t>
-            </a:r>
-            <a:endParaRPr lang="en-US" altLang="en-US" sz="1800" dirty="0">
-              <a:latin typeface="Gill Sans MT" charset="0"/>
-              <a:ea typeface="MS PGothic" charset="-128"/>
-            </a:endParaRPr>
-          </a:p>
-          <a:p>
-            <a:pPr>
-              <a:lnSpc>
-                <a:spcPct val="150000"/>
-              </a:lnSpc>
-            </a:pPr>
-            <a:r>
-              <a:rPr lang="en-US" altLang="en-US" sz="1800" dirty="0">
-                <a:latin typeface="Gill Sans MT" charset="0"/>
-                <a:ea typeface="MS PGothic" charset="-128"/>
-              </a:rPr>
-              <a:t>Ruby – </a:t>
-            </a:r>
-            <a:r>
-              <a:rPr lang="en-US" sz="1800" i="1" dirty="0"/>
-              <a:t>Net::SMTP</a:t>
-            </a:r>
-            <a:r>
-              <a:rPr lang="en-US" sz="1800" dirty="0"/>
-              <a:t> Library</a:t>
-            </a:r>
-            <a:endParaRPr lang="en-US" altLang="en-US" sz="1800" dirty="0">
-              <a:latin typeface="Gill Sans MT" charset="0"/>
-              <a:ea typeface="MS PGothic" charset="-128"/>
-            </a:endParaRPr>
-          </a:p>
-          <a:p>
-            <a:r>
-              <a:rPr lang="en-US" sz="1800" dirty="0" smtClean="0"/>
-              <a:t>Together, these languages account for over 90% of server side code on the World Wide Web.</a:t>
-            </a:r>
-          </a:p>
-          <a:p>
-            <a:r>
-              <a:rPr lang="en-US" sz="1800" dirty="0" smtClean="0"/>
-              <a:t>//TODO</a:t>
-            </a:r>
-            <a:r>
-              <a:rPr lang="en-US" sz="1800" dirty="0"/>
-              <a:t>: add usage of these </a:t>
-            </a:r>
-            <a:r>
-              <a:rPr lang="en-US" sz="1800" dirty="0" smtClean="0"/>
-              <a:t>languages </a:t>
-            </a:r>
-            <a:r>
-              <a:rPr lang="en-US" sz="1800" dirty="0"/>
-              <a:t>inside amazon</a:t>
-            </a:r>
-          </a:p>
-          <a:p>
-            <a:endParaRPr lang="en-US" sz="1800" dirty="0"/>
-          </a:p>
-        </p:txBody>
-      </p:sp>
-      <p:sp>
-        <p:nvSpPr>
-          <p:cNvPr id="4" name="Slide Number Placeholder 3"/>
-          <p:cNvSpPr>
-            <a:spLocks noGrp="1"/>
-          </p:cNvSpPr>
-          <p:nvPr>
-            <p:ph type="sldNum" sz="quarter" idx="10"/>
-          </p:nvPr>
-        </p:nvSpPr>
-        <p:spPr/>
-        <p:txBody>
-          <a:bodyPr/>
-          <a:lstStyle/>
-          <a:p>
-            <a:pPr>
-              <a:defRPr/>
-            </a:pPr>
-            <a:fld id="{A6049551-C800-0F49-AC98-3AEA702B0E63}" type="slidenum">
-              <a:rPr lang="en-US" altLang="en-US" smtClean="0"/>
-              <a:pPr>
-                <a:defRPr/>
-              </a:pPr>
+        </p:txBody>
+      </p:sp>
+      <p:graphicFrame>
+        <p:nvGraphicFramePr>
+          <p:cNvPr id="3" name="Table 2"/>
+          <p:cNvGraphicFramePr>
+            <a:graphicFrameLocks noGrp="1"/>
+          </p:cNvGraphicFramePr>
+          <p:nvPr>
+            <p:extLst>
+              <p:ext uri="{D42A27DB-BD31-4B8C-83A1-F6EECF244321}">
+                <p14:modId xmlns:p14="http://schemas.microsoft.com/office/powerpoint/2010/main" val="1662506335"/>
+              </p:ext>
+            </p:extLst>
+          </p:nvPr>
+        </p:nvGraphicFramePr>
+        <p:xfrm>
+          <a:off x="1043609" y="2068116"/>
+          <a:ext cx="7086600" cy="1862398"/>
+        </p:xfrm>
+        <a:graphic>
+          <a:graphicData uri="http://schemas.openxmlformats.org/drawingml/2006/table">
+            <a:tbl>
+              <a:tblPr firstRow="1" bandRow="1">
+                <a:tableStyleId>{1E171933-4619-4E11-9A3F-F7608DF75F80}</a:tableStyleId>
+              </a:tblPr>
+              <a:tblGrid>
+                <a:gridCol w="4742322"/>
+                <a:gridCol w="2344278"/>
+              </a:tblGrid>
+              <a:tr h="657301">
+                <a:tc>
+                  <a:txBody>
+                    <a:bodyPr/>
+                    <a:lstStyle/>
+                    <a:p>
+                      <a:pPr algn="ctr"/>
+                      <a:r>
+                        <a:rPr lang="en-US" sz="1600" cap="none" spc="0" dirty="0" smtClean="0">
+                          <a:ln>
+                            <a:noFill/>
+                          </a:ln>
+                          <a:effectLst/>
+                        </a:rPr>
+                        <a:t>Type of </a:t>
+                      </a:r>
+                      <a:r>
+                        <a:rPr lang="en-US" sz="1600" cap="none" spc="0" dirty="0" smtClean="0">
+                          <a:ln>
+                            <a:noFill/>
+                          </a:ln>
+                          <a:effectLst/>
+                        </a:rPr>
+                        <a:t>Exploit/Injection</a:t>
+                      </a:r>
+                      <a:endParaRPr lang="en-US" sz="1600" b="1" cap="none" spc="0" dirty="0">
+                        <a:ln>
+                          <a:noFill/>
+                        </a:ln>
+                        <a:solidFill>
+                          <a:schemeClr val="bg1"/>
+                        </a:solidFill>
+                        <a:effectLst/>
+                        <a:latin typeface="+mn-lt"/>
+                        <a:ea typeface="Adobe Garamond Pro" charset="0"/>
+                        <a:cs typeface="Adobe Garamond Pro" charset="0"/>
+                      </a:endParaRPr>
+                    </a:p>
+                  </a:txBody>
+                  <a:tcPr marL="68580" marR="68580" marT="34290" marB="34290"/>
+                </a:tc>
+                <a:tc>
+                  <a:txBody>
+                    <a:bodyPr/>
+                    <a:lstStyle/>
+                    <a:p>
+                      <a:pPr algn="ctr"/>
+                      <a:r>
+                        <a:rPr lang="en-US" sz="1600" cap="none" spc="0" dirty="0" smtClean="0">
+                          <a:ln>
+                            <a:noFill/>
+                          </a:ln>
+                          <a:effectLst/>
+                        </a:rPr>
+                        <a:t>No. of </a:t>
+                      </a:r>
+                      <a:r>
+                        <a:rPr lang="en-US" sz="1600" cap="none" spc="0" dirty="0" smtClean="0">
+                          <a:ln>
+                            <a:noFill/>
+                          </a:ln>
+                          <a:effectLst/>
+                        </a:rPr>
+                        <a:t>vulnerable</a:t>
+                      </a:r>
+                      <a:r>
+                        <a:rPr lang="en-US" sz="1600" cap="none" spc="0" baseline="0" dirty="0" smtClean="0">
+                          <a:ln>
+                            <a:noFill/>
+                          </a:ln>
+                          <a:effectLst/>
+                        </a:rPr>
+                        <a:t> </a:t>
+                      </a:r>
+                      <a:r>
+                        <a:rPr lang="en-US" sz="1600" cap="none" spc="0" baseline="0" dirty="0" err="1" smtClean="0">
+                          <a:ln>
+                            <a:noFill/>
+                          </a:ln>
+                          <a:effectLst/>
+                        </a:rPr>
+                        <a:t>urls</a:t>
+                      </a:r>
+                      <a:endParaRPr lang="en-US" sz="1600" b="1" cap="none" spc="0" dirty="0">
+                        <a:ln>
+                          <a:noFill/>
+                        </a:ln>
+                        <a:solidFill>
+                          <a:schemeClr val="bg1"/>
+                        </a:solidFill>
+                        <a:effectLst/>
+                        <a:latin typeface="+mn-lt"/>
+                        <a:ea typeface="Adobe Garamond Pro" charset="0"/>
+                        <a:cs typeface="Adobe Garamond Pro" charset="0"/>
+                      </a:endParaRPr>
+                    </a:p>
+                  </a:txBody>
+                  <a:tcPr marL="68580" marR="68580" marT="34290" marB="34290"/>
+                </a:tc>
+              </a:tr>
+              <a:tr h="395858">
+                <a:tc>
+                  <a:txBody>
+                    <a:bodyPr/>
+                    <a:lstStyle/>
+                    <a:p>
+                      <a:r>
+                        <a:rPr lang="en-US" sz="1600" cap="none" spc="0" dirty="0" smtClean="0">
+                          <a:ln>
+                            <a:noFill/>
+                          </a:ln>
+                          <a:effectLst/>
+                        </a:rPr>
+                        <a:t>E-Mail Header Injections with </a:t>
+                      </a:r>
+                      <a:r>
+                        <a:rPr lang="en-US" sz="1600" cap="none" spc="0" dirty="0" smtClean="0">
+                          <a:ln>
+                            <a:noFill/>
+                          </a:ln>
+                          <a:effectLst/>
+                        </a:rPr>
+                        <a:t>any </a:t>
+                      </a:r>
+                      <a:r>
+                        <a:rPr lang="en-US" sz="1600" cap="none" spc="0" dirty="0" smtClean="0">
+                          <a:ln>
+                            <a:noFill/>
+                          </a:ln>
+                          <a:effectLst/>
+                        </a:rPr>
+                        <a:t>header</a:t>
+                      </a:r>
+                      <a:endParaRPr lang="en-US" sz="1600" b="0" cap="none" spc="0" dirty="0">
+                        <a:ln>
+                          <a:noFill/>
+                        </a:ln>
+                        <a:solidFill>
+                          <a:schemeClr val="bg1"/>
+                        </a:solidFill>
+                        <a:effectLst/>
+                        <a:latin typeface="+mn-lt"/>
+                        <a:ea typeface="Adobe Garamond Pro" charset="0"/>
+                        <a:cs typeface="Adobe Garamond Pro" charset="0"/>
+                      </a:endParaRPr>
+                    </a:p>
+                  </a:txBody>
+                  <a:tcPr marL="68580" marR="68580" marT="34290" marB="34290"/>
+                </a:tc>
+                <a:tc>
+                  <a:txBody>
+                    <a:bodyPr/>
+                    <a:lstStyle/>
+                    <a:p>
+                      <a:pPr algn="ctr"/>
+                      <a:r>
+                        <a:rPr lang="en-US" sz="1600" b="0" cap="none" spc="0" dirty="0" smtClean="0">
+                          <a:ln>
+                            <a:noFill/>
+                          </a:ln>
+                          <a:solidFill>
+                            <a:schemeClr val="dk1"/>
+                          </a:solidFill>
+                          <a:effectLst/>
+                          <a:latin typeface="+mn-lt"/>
+                          <a:ea typeface="+mn-ea"/>
+                          <a:cs typeface="+mn-cs"/>
+                        </a:rPr>
+                        <a:t>583</a:t>
+                      </a:r>
+                      <a:endParaRPr lang="en-US" sz="1600" b="0" cap="none" spc="0" dirty="0">
+                        <a:ln>
+                          <a:noFill/>
+                        </a:ln>
+                        <a:solidFill>
+                          <a:schemeClr val="bg1"/>
+                        </a:solidFill>
+                        <a:effectLst/>
+                        <a:latin typeface="+mn-lt"/>
+                        <a:ea typeface="Arial" charset="0"/>
+                        <a:cs typeface="Arial" charset="0"/>
+                      </a:endParaRPr>
+                    </a:p>
+                  </a:txBody>
+                  <a:tcPr marL="68580" marR="68580" marT="34290" marB="34290"/>
+                </a:tc>
+              </a:tr>
+              <a:tr h="395858">
+                <a:tc>
+                  <a:txBody>
+                    <a:bodyPr/>
+                    <a:lstStyle/>
+                    <a:p>
+                      <a:r>
+                        <a:rPr lang="en-US" sz="1600" b="0" cap="none" spc="0" dirty="0" smtClean="0">
+                          <a:ln>
+                            <a:noFill/>
+                          </a:ln>
+                          <a:solidFill>
+                            <a:schemeClr val="tx1"/>
+                          </a:solidFill>
+                          <a:effectLst/>
+                          <a:latin typeface="+mn-lt"/>
+                          <a:ea typeface="Adobe Garamond Pro" charset="0"/>
+                          <a:cs typeface="Adobe Garamond Pro" charset="0"/>
+                        </a:rPr>
+                        <a:t>Malicious attachments possible</a:t>
+                      </a:r>
+                      <a:endParaRPr lang="en-US" sz="1600" b="0" cap="none" spc="0" dirty="0">
+                        <a:ln>
+                          <a:noFill/>
+                        </a:ln>
+                        <a:solidFill>
+                          <a:schemeClr val="tx1"/>
+                        </a:solidFill>
+                        <a:effectLst/>
+                        <a:latin typeface="+mn-lt"/>
+                        <a:ea typeface="Adobe Garamond Pro" charset="0"/>
+                        <a:cs typeface="Adobe Garamond Pro" charset="0"/>
+                      </a:endParaRPr>
+                    </a:p>
+                  </a:txBody>
+                  <a:tcPr marL="68580" marR="68580" marT="34290" marB="34290"/>
+                </a:tc>
+                <a:tc>
+                  <a:txBody>
+                    <a:bodyPr/>
+                    <a:lstStyle/>
+                    <a:p>
+                      <a:pPr algn="ctr"/>
+                      <a:r>
+                        <a:rPr lang="en-US" sz="1600" b="0" cap="none" spc="0" dirty="0" smtClean="0">
+                          <a:ln>
+                            <a:noFill/>
+                          </a:ln>
+                          <a:solidFill>
+                            <a:schemeClr val="tx1"/>
+                          </a:solidFill>
+                          <a:effectLst/>
+                          <a:latin typeface="+mn-lt"/>
+                          <a:ea typeface="Arial" charset="0"/>
+                          <a:cs typeface="Arial" charset="0"/>
+                        </a:rPr>
+                        <a:t>443</a:t>
+                      </a:r>
+                      <a:endParaRPr lang="en-US" sz="1600" b="0" cap="none" spc="0" dirty="0">
+                        <a:ln>
+                          <a:noFill/>
+                        </a:ln>
+                        <a:solidFill>
+                          <a:schemeClr val="tx1"/>
+                        </a:solidFill>
+                        <a:effectLst/>
+                        <a:latin typeface="+mn-lt"/>
+                        <a:ea typeface="Arial" charset="0"/>
+                        <a:cs typeface="Arial" charset="0"/>
+                      </a:endParaRPr>
+                    </a:p>
+                  </a:txBody>
+                  <a:tcPr marL="68580" marR="68580" marT="34290" marB="34290"/>
+                </a:tc>
+              </a:tr>
+              <a:tr h="413381">
+                <a:tc>
+                  <a:txBody>
+                    <a:bodyPr/>
+                    <a:lstStyle/>
+                    <a:p>
+                      <a:r>
+                        <a:rPr lang="en-US" sz="1600" cap="none" spc="0" dirty="0" smtClean="0">
+                          <a:ln>
+                            <a:noFill/>
+                          </a:ln>
+                          <a:effectLst/>
+                        </a:rPr>
+                        <a:t>Only `To`, `cc`, `bcc` </a:t>
+                      </a:r>
+                      <a:r>
+                        <a:rPr lang="en-US" sz="1600" cap="none" spc="0" dirty="0" smtClean="0">
+                          <a:ln>
+                            <a:noFill/>
+                          </a:ln>
+                          <a:effectLst/>
+                        </a:rPr>
+                        <a:t>header </a:t>
+                      </a:r>
+                      <a:r>
+                        <a:rPr lang="en-US" sz="1600" cap="none" spc="0" dirty="0" smtClean="0">
+                          <a:ln>
+                            <a:noFill/>
+                          </a:ln>
+                          <a:effectLst/>
+                        </a:rPr>
+                        <a:t>injections</a:t>
+                      </a:r>
+                      <a:endParaRPr lang="en-US" sz="1600" b="0" cap="none" spc="0" dirty="0">
+                        <a:ln>
+                          <a:noFill/>
+                        </a:ln>
+                        <a:solidFill>
+                          <a:schemeClr val="bg1"/>
+                        </a:solidFill>
+                        <a:effectLst/>
+                        <a:latin typeface="+mn-lt"/>
+                        <a:ea typeface="Adobe Garamond Pro" charset="0"/>
+                        <a:cs typeface="Adobe Garamond Pro" charset="0"/>
+                      </a:endParaRPr>
+                    </a:p>
+                  </a:txBody>
+                  <a:tcPr marL="68580" marR="68580" marT="34290" marB="34290"/>
+                </a:tc>
+                <a:tc>
+                  <a:txBody>
+                    <a:bodyPr/>
+                    <a:lstStyle/>
+                    <a:p>
+                      <a:pPr algn="ctr"/>
+                      <a:r>
+                        <a:rPr lang="en-US" sz="1600" b="0" cap="none" spc="0" dirty="0" smtClean="0">
+                          <a:ln>
+                            <a:noFill/>
+                          </a:ln>
+                          <a:solidFill>
+                            <a:schemeClr val="dk1"/>
+                          </a:solidFill>
+                          <a:effectLst/>
+                          <a:latin typeface="+mn-lt"/>
+                          <a:ea typeface="+mn-ea"/>
+                          <a:cs typeface="+mn-cs"/>
+                        </a:rPr>
+                        <a:t>229</a:t>
+                      </a:r>
+                      <a:endParaRPr lang="en-US" sz="1600" b="0" cap="none" spc="0" dirty="0">
+                        <a:ln>
+                          <a:noFill/>
+                        </a:ln>
+                        <a:solidFill>
+                          <a:schemeClr val="bg1"/>
+                        </a:solidFill>
+                        <a:effectLst/>
+                        <a:latin typeface="+mn-lt"/>
+                        <a:ea typeface="Arial" charset="0"/>
+                        <a:cs typeface="Arial" charset="0"/>
+                      </a:endParaRPr>
+                    </a:p>
+                  </a:txBody>
+                  <a:tcPr marL="68580" marR="68580" marT="34290" marB="34290"/>
+                </a:tc>
+              </a:tr>
+            </a:tbl>
+          </a:graphicData>
+        </a:graphic>
+      </p:graphicFrame>
+      <p:sp>
+        <p:nvSpPr>
+          <p:cNvPr id="9" name="Slide Number Placeholder 8"/>
+          <p:cNvSpPr>
+            <a:spLocks noGrp="1"/>
+          </p:cNvSpPr>
+          <p:nvPr>
+            <p:ph type="sldNum" sz="quarter" idx="12"/>
+          </p:nvPr>
+        </p:nvSpPr>
+        <p:spPr/>
+        <p:txBody>
+          <a:bodyPr/>
+          <a:lstStyle/>
+          <a:p>
+            <a:fld id="{C65DCCF2-6008-4DE1-A65C-BCDCF780F6E1}" type="slidenum">
+              <a:rPr lang="en-US" smtClean="0"/>
               <a:t>9</a:t>
             </a:fld>
-            <a:endParaRPr lang="en-US" altLang="en-US"/>
-          </a:p>
-        </p:txBody>
-      </p:sp>
-      <p:sp>
-        <p:nvSpPr>
-          <p:cNvPr id="5" name="Date Placeholder 4"/>
-          <p:cNvSpPr>
-            <a:spLocks noGrp="1"/>
-          </p:cNvSpPr>
-          <p:nvPr>
-            <p:ph type="dt" sz="half" idx="11"/>
-          </p:nvPr>
-        </p:nvSpPr>
-        <p:spPr/>
-        <p:txBody>
-          <a:bodyPr/>
-          <a:lstStyle/>
-          <a:p>
-            <a:pPr>
-              <a:defRPr/>
-            </a:pPr>
-            <a:fld id="{C37AA8D1-E9CF-2944-A66E-EFC74035EB27}" type="datetime1">
-              <a:rPr lang="en-US" altLang="en-US" smtClean="0"/>
-              <a:pPr>
-                <a:defRPr/>
-              </a:pPr>
-              <a:t>1/13/17</a:t>
-            </a:fld>
-            <a:endParaRPr lang="en-US" altLang="en-US"/>
+            <a:endParaRPr lang="en-US"/>
+          </a:p>
+        </p:txBody>
+      </p:sp>
+      <p:sp>
+        <p:nvSpPr>
+          <p:cNvPr id="10" name="Footer Placeholder 9"/>
+          <p:cNvSpPr>
+            <a:spLocks noGrp="1"/>
+          </p:cNvSpPr>
+          <p:nvPr>
+            <p:ph type="ftr" sz="quarter" idx="11"/>
+          </p:nvPr>
+        </p:nvSpPr>
+        <p:spPr/>
+        <p:txBody>
+          <a:bodyPr/>
+          <a:lstStyle/>
+          <a:p>
+            <a:r>
+              <a:rPr lang="en-US" smtClean="0"/>
+              <a:t>Amazon Confidential</a:t>
+            </a:r>
+            <a:endParaRPr lang="en-US"/>
           </a:p>
         </p:txBody>
       </p:sp>
     </p:spTree>
     <p:extLst>
       <p:ext uri="{BB962C8B-B14F-4D97-AF65-F5344CB8AC3E}">
-        <p14:creationId xmlns:p14="http://schemas.microsoft.com/office/powerpoint/2010/main" val="261022998"/>
+        <p14:creationId xmlns:p14="http://schemas.microsoft.com/office/powerpoint/2010/main" val="1375319937"/>
       </p:ext>
     </p:extLst>
   </p:cSld>

--- a/Zoncon-2017-Sai-Pc-ZCSlides.pptx
+++ b/Zoncon-2017-Sai-Pc-ZCSlides.pptx
@@ -5428,12 +5428,16 @@
           <a:p>
             <a:r>
               <a:rPr lang="en-US" altLang="en-US" dirty="0" smtClean="0">
-                <a:ea typeface="MS PGothic" charset="-128"/>
+                <a:latin typeface="Gill Sans MT" charset="0"/>
+                <a:ea typeface="Gill Sans MT" charset="0"/>
+                <a:cs typeface="Gill Sans MT" charset="0"/>
               </a:rPr>
               <a:t>Mitigation Strategies</a:t>
             </a:r>
             <a:endParaRPr lang="en-US" altLang="en-US" dirty="0">
-              <a:ea typeface="MS PGothic" charset="-128"/>
+              <a:latin typeface="Gill Sans MT" charset="0"/>
+              <a:ea typeface="Gill Sans MT" charset="0"/>
+              <a:cs typeface="Gill Sans MT" charset="0"/>
             </a:endParaRPr>
           </a:p>
         </p:txBody>
